--- a/tik/tikMay2018.pptx
+++ b/tik/tikMay2018.pptx
@@ -5,13 +5,14 @@
     <p:sldMasterId id="2147483736" r:id="rId1"/>
   </p:sldMasterIdLst>
   <p:notesMasterIdLst>
-    <p:notesMasterId r:id="rId6"/>
+    <p:notesMasterId r:id="rId7"/>
   </p:notesMasterIdLst>
   <p:sldIdLst>
     <p:sldId id="256" r:id="rId2"/>
     <p:sldId id="257" r:id="rId3"/>
     <p:sldId id="258" r:id="rId4"/>
     <p:sldId id="259" r:id="rId5"/>
+    <p:sldId id="260" r:id="rId6"/>
   </p:sldIdLst>
   <p:sldSz cx="12192000" cy="6858000"/>
   <p:notesSz cx="6858000" cy="9144000"/>
@@ -112,7 +113,7 @@
   </p:defaultTextStyle>
   <p:extLst>
     <p:ext uri="{EFAFB233-063F-42B5-8137-9DF3F51BA10A}">
-      <p15:sldGuideLst xmlns:p15="http://schemas.microsoft.com/office/powerpoint/2012/main"/>
+      <p15:sldGuideLst xmlns:p15="http://schemas.microsoft.com/office/powerpoint/2012/main" xmlns=""/>
     </p:ext>
   </p:extLst>
 </p:presentation>
@@ -200,7 +201,8 @@
           <a:p>
             <a:fld id="{98E9BDF3-7CC5-4B3F-A78E-C9A90CED9F04}" type="datetimeFigureOut">
               <a:rPr lang="en-US" smtClean="0"/>
-              <a:t>5/18/2018</a:t>
+              <a:pPr/>
+              <a:t>19-05-18</a:t>
             </a:fld>
             <a:endParaRPr lang="en-US"/>
           </a:p>
@@ -359,6 +361,7 @@
           <a:p>
             <a:fld id="{85B3D0A3-69DF-49D9-A27C-44C8B4ABFA58}" type="slidenum">
               <a:rPr lang="en-US" smtClean="0"/>
+              <a:pPr/>
               <a:t>‹#›</a:t>
             </a:fld>
             <a:endParaRPr lang="en-US"/>
@@ -368,7 +371,7 @@
     </p:spTree>
     <p:extLst>
       <p:ext uri="{BB962C8B-B14F-4D97-AF65-F5344CB8AC3E}">
-        <p14:creationId xmlns:p14="http://schemas.microsoft.com/office/powerpoint/2010/main" val="430676809"/>
+        <p14:creationId xmlns:p14="http://schemas.microsoft.com/office/powerpoint/2010/main" xmlns="" val="430676809"/>
       </p:ext>
     </p:extLst>
   </p:cSld>
@@ -562,6 +565,7 @@
           <a:p>
             <a:fld id="{85B3D0A3-69DF-49D9-A27C-44C8B4ABFA58}" type="slidenum">
               <a:rPr lang="en-US" smtClean="0"/>
+              <a:pPr/>
               <a:t>3</a:t>
             </a:fld>
             <a:endParaRPr lang="en-US"/>
@@ -571,7 +575,7 @@
     </p:spTree>
     <p:extLst>
       <p:ext uri="{BB962C8B-B14F-4D97-AF65-F5344CB8AC3E}">
-        <p14:creationId xmlns:p14="http://schemas.microsoft.com/office/powerpoint/2010/main" val="2816690572"/>
+        <p14:creationId xmlns:p14="http://schemas.microsoft.com/office/powerpoint/2010/main" xmlns="" val="2816690572"/>
       </p:ext>
     </p:extLst>
   </p:cSld>
@@ -625,6 +629,118 @@
           <a:bodyPr/>
           <a:lstStyle/>
           <a:p>
+            <a:pPr marL="0" marR="0" indent="0" algn="l" defTabSz="914400" rtl="0" eaLnBrk="1" fontAlgn="auto" latinLnBrk="0" hangingPunct="1">
+              <a:lnSpc>
+                <a:spcPct val="100000"/>
+              </a:lnSpc>
+              <a:spcBef>
+                <a:spcPts val="0"/>
+              </a:spcBef>
+              <a:spcAft>
+                <a:spcPts val="0"/>
+              </a:spcAft>
+              <a:buClrTx/>
+              <a:buSzTx/>
+              <a:buFontTx/>
+              <a:buNone/>
+              <a:tabLst/>
+              <a:defRPr/>
+            </a:pPr>
+            <a:r>
+              <a:rPr lang="tr-TR" dirty="0" smtClean="0"/>
+              <a:t>Reference:</a:t>
+            </a:r>
+            <a:r>
+              <a:rPr lang="tr-TR" baseline="0" dirty="0" smtClean="0"/>
+              <a:t> </a:t>
+            </a:r>
+            <a:endParaRPr lang="en-US" sz="1200" kern="1200" dirty="0" smtClean="0">
+              <a:solidFill>
+                <a:schemeClr val="tx1"/>
+              </a:solidFill>
+              <a:latin typeface="+mn-lt"/>
+              <a:ea typeface="+mn-ea"/>
+              <a:cs typeface="+mn-cs"/>
+            </a:endParaRPr>
+          </a:p>
+          <a:p>
+            <a:r>
+              <a:rPr lang="en-US" sz="1200" kern="1200" dirty="0" smtClean="0">
+                <a:solidFill>
+                  <a:schemeClr val="tx1"/>
+                </a:solidFill>
+                <a:latin typeface="+mn-lt"/>
+                <a:ea typeface="+mn-ea"/>
+                <a:cs typeface="+mn-cs"/>
+              </a:rPr>
+              <a:t>Y. </a:t>
+            </a:r>
+            <a:r>
+              <a:rPr lang="en-US" sz="1200" kern="1200" dirty="0" err="1" smtClean="0">
+                <a:solidFill>
+                  <a:schemeClr val="tx1"/>
+                </a:solidFill>
+                <a:latin typeface="+mn-lt"/>
+                <a:ea typeface="+mn-ea"/>
+                <a:cs typeface="+mn-cs"/>
+              </a:rPr>
+              <a:t>Murai</a:t>
+            </a:r>
+            <a:r>
+              <a:rPr lang="en-US" sz="1200" kern="1200" dirty="0" smtClean="0">
+                <a:solidFill>
+                  <a:schemeClr val="tx1"/>
+                </a:solidFill>
+                <a:latin typeface="+mn-lt"/>
+                <a:ea typeface="+mn-ea"/>
+                <a:cs typeface="+mn-cs"/>
+              </a:rPr>
+              <a:t>, T. Watanabe, and H. Iwasaki, “Waveform distortion and correction circuit for </a:t>
+            </a:r>
+            <a:r>
+              <a:rPr lang="en-US" sz="1200" kern="1200" dirty="0" err="1" smtClean="0">
+                <a:solidFill>
+                  <a:schemeClr val="tx1"/>
+                </a:solidFill>
+                <a:latin typeface="+mn-lt"/>
+                <a:ea typeface="+mn-ea"/>
+                <a:cs typeface="+mn-cs"/>
+              </a:rPr>
+              <a:t>pwm</a:t>
+            </a:r>
+            <a:r>
+              <a:rPr lang="en-US" sz="1200" kern="1200" dirty="0" smtClean="0">
+                <a:solidFill>
+                  <a:schemeClr val="tx1"/>
+                </a:solidFill>
+                <a:latin typeface="+mn-lt"/>
+                <a:ea typeface="+mn-ea"/>
+                <a:cs typeface="+mn-cs"/>
+              </a:rPr>
+              <a:t> inverters with switching lag-times,” </a:t>
+            </a:r>
+            <a:r>
+              <a:rPr lang="en-US" sz="1200" i="1" kern="1200" dirty="0" smtClean="0">
+                <a:solidFill>
+                  <a:schemeClr val="tx1"/>
+                </a:solidFill>
+                <a:latin typeface="+mn-lt"/>
+                <a:ea typeface="+mn-ea"/>
+                <a:cs typeface="+mn-cs"/>
+              </a:rPr>
+              <a:t>IEEE Trans. Ind. Appl.</a:t>
+            </a:r>
+            <a:r>
+              <a:rPr lang="en-US" sz="1200" kern="1200" dirty="0" smtClean="0">
+                <a:solidFill>
+                  <a:schemeClr val="tx1"/>
+                </a:solidFill>
+                <a:latin typeface="+mn-lt"/>
+                <a:ea typeface="+mn-ea"/>
+                <a:cs typeface="+mn-cs"/>
+              </a:rPr>
+              <a:t>, vol. IA-23, no. 5, pp. 881–886, 1987.</a:t>
+            </a:r>
             <a:endParaRPr lang="en-US" dirty="0"/>
           </a:p>
         </p:txBody>
@@ -646,6 +762,7 @@
           <a:p>
             <a:fld id="{85B3D0A3-69DF-49D9-A27C-44C8B4ABFA58}" type="slidenum">
               <a:rPr lang="en-US" smtClean="0"/>
+              <a:pPr/>
               <a:t>4</a:t>
             </a:fld>
             <a:endParaRPr lang="en-US"/>
@@ -655,7 +772,7 @@
     </p:spTree>
     <p:extLst>
       <p:ext uri="{BB962C8B-B14F-4D97-AF65-F5344CB8AC3E}">
-        <p14:creationId xmlns:p14="http://schemas.microsoft.com/office/powerpoint/2010/main" val="3083643392"/>
+        <p14:creationId xmlns:p14="http://schemas.microsoft.com/office/powerpoint/2010/main" xmlns="" val="3083643392"/>
       </p:ext>
     </p:extLst>
   </p:cSld>
@@ -891,7 +1008,8 @@
           <a:p>
             <a:fld id="{3EF96EC7-A9F6-4918-BDFC-C3ED4AC79626}" type="datetimeFigureOut">
               <a:rPr lang="tr-TR" smtClean="0"/>
-              <a:t>18.05.2018</a:t>
+              <a:pPr/>
+              <a:t>19.05.2018</a:t>
             </a:fld>
             <a:endParaRPr lang="tr-TR"/>
           </a:p>
@@ -933,6 +1051,7 @@
           <a:p>
             <a:fld id="{06D2F648-CA32-443B-9DEB-994DD57D87C2}" type="slidenum">
               <a:rPr lang="tr-TR" smtClean="0"/>
+              <a:pPr/>
               <a:t>‹#›</a:t>
             </a:fld>
             <a:endParaRPr lang="tr-TR"/>
@@ -980,7 +1099,7 @@
     </p:spTree>
     <p:extLst>
       <p:ext uri="{BB962C8B-B14F-4D97-AF65-F5344CB8AC3E}">
-        <p14:creationId xmlns:p14="http://schemas.microsoft.com/office/powerpoint/2010/main" val="3809877250"/>
+        <p14:creationId xmlns:p14="http://schemas.microsoft.com/office/powerpoint/2010/main" xmlns="" val="3809877250"/>
       </p:ext>
     </p:extLst>
   </p:cSld>
@@ -1099,7 +1218,8 @@
           <a:p>
             <a:fld id="{3EF96EC7-A9F6-4918-BDFC-C3ED4AC79626}" type="datetimeFigureOut">
               <a:rPr lang="tr-TR" smtClean="0"/>
-              <a:t>18.05.2018</a:t>
+              <a:pPr/>
+              <a:t>19.05.2018</a:t>
             </a:fld>
             <a:endParaRPr lang="tr-TR"/>
           </a:p>
@@ -1141,6 +1261,7 @@
           <a:p>
             <a:fld id="{06D2F648-CA32-443B-9DEB-994DD57D87C2}" type="slidenum">
               <a:rPr lang="tr-TR" smtClean="0"/>
+              <a:pPr/>
               <a:t>‹#›</a:t>
             </a:fld>
             <a:endParaRPr lang="tr-TR"/>
@@ -1150,7 +1271,7 @@
     </p:spTree>
     <p:extLst>
       <p:ext uri="{BB962C8B-B14F-4D97-AF65-F5344CB8AC3E}">
-        <p14:creationId xmlns:p14="http://schemas.microsoft.com/office/powerpoint/2010/main" val="1838678002"/>
+        <p14:creationId xmlns:p14="http://schemas.microsoft.com/office/powerpoint/2010/main" xmlns="" val="1838678002"/>
       </p:ext>
     </p:extLst>
   </p:cSld>
@@ -1355,7 +1476,8 @@
           <a:p>
             <a:fld id="{3EF96EC7-A9F6-4918-BDFC-C3ED4AC79626}" type="datetimeFigureOut">
               <a:rPr lang="tr-TR" smtClean="0"/>
-              <a:t>18.05.2018</a:t>
+              <a:pPr/>
+              <a:t>19.05.2018</a:t>
             </a:fld>
             <a:endParaRPr lang="tr-TR"/>
           </a:p>
@@ -1397,6 +1519,7 @@
           <a:p>
             <a:fld id="{06D2F648-CA32-443B-9DEB-994DD57D87C2}" type="slidenum">
               <a:rPr lang="tr-TR" smtClean="0"/>
+              <a:pPr/>
               <a:t>‹#›</a:t>
             </a:fld>
             <a:endParaRPr lang="tr-TR"/>
@@ -1406,7 +1529,7 @@
     </p:spTree>
     <p:extLst>
       <p:ext uri="{BB962C8B-B14F-4D97-AF65-F5344CB8AC3E}">
-        <p14:creationId xmlns:p14="http://schemas.microsoft.com/office/powerpoint/2010/main" val="1477903999"/>
+        <p14:creationId xmlns:p14="http://schemas.microsoft.com/office/powerpoint/2010/main" xmlns="" val="1477903999"/>
       </p:ext>
     </p:extLst>
   </p:cSld>
@@ -1529,7 +1652,8 @@
           <a:p>
             <a:fld id="{3EF96EC7-A9F6-4918-BDFC-C3ED4AC79626}" type="datetimeFigureOut">
               <a:rPr lang="tr-TR" smtClean="0"/>
-              <a:t>18.05.2018</a:t>
+              <a:pPr/>
+              <a:t>19.05.2018</a:t>
             </a:fld>
             <a:endParaRPr lang="tr-TR"/>
           </a:p>
@@ -1571,6 +1695,7 @@
           <a:p>
             <a:fld id="{06D2F648-CA32-443B-9DEB-994DD57D87C2}" type="slidenum">
               <a:rPr lang="tr-TR" smtClean="0"/>
+              <a:pPr/>
               <a:t>‹#›</a:t>
             </a:fld>
             <a:endParaRPr lang="tr-TR"/>
@@ -1580,7 +1705,7 @@
     </p:spTree>
     <p:extLst>
       <p:ext uri="{BB962C8B-B14F-4D97-AF65-F5344CB8AC3E}">
-        <p14:creationId xmlns:p14="http://schemas.microsoft.com/office/powerpoint/2010/main" val="2234451693"/>
+        <p14:creationId xmlns:p14="http://schemas.microsoft.com/office/powerpoint/2010/main" xmlns="" val="2234451693"/>
       </p:ext>
     </p:extLst>
   </p:cSld>
@@ -1872,7 +1997,8 @@
           <a:p>
             <a:fld id="{3EF96EC7-A9F6-4918-BDFC-C3ED4AC79626}" type="datetimeFigureOut">
               <a:rPr lang="tr-TR" smtClean="0"/>
-              <a:t>18.05.2018</a:t>
+              <a:pPr/>
+              <a:t>19.05.2018</a:t>
             </a:fld>
             <a:endParaRPr lang="tr-TR"/>
           </a:p>
@@ -1914,6 +2040,7 @@
           <a:p>
             <a:fld id="{06D2F648-CA32-443B-9DEB-994DD57D87C2}" type="slidenum">
               <a:rPr lang="tr-TR" smtClean="0"/>
+              <a:pPr/>
               <a:t>‹#›</a:t>
             </a:fld>
             <a:endParaRPr lang="tr-TR"/>
@@ -1961,7 +2088,7 @@
     </p:spTree>
     <p:extLst>
       <p:ext uri="{BB962C8B-B14F-4D97-AF65-F5344CB8AC3E}">
-        <p14:creationId xmlns:p14="http://schemas.microsoft.com/office/powerpoint/2010/main" val="1537530343"/>
+        <p14:creationId xmlns:p14="http://schemas.microsoft.com/office/powerpoint/2010/main" xmlns="" val="1537530343"/>
       </p:ext>
     </p:extLst>
   </p:cSld>
@@ -2147,7 +2274,8 @@
           <a:p>
             <a:fld id="{3EF96EC7-A9F6-4918-BDFC-C3ED4AC79626}" type="datetimeFigureOut">
               <a:rPr lang="tr-TR" smtClean="0"/>
-              <a:t>18.05.2018</a:t>
+              <a:pPr/>
+              <a:t>19.05.2018</a:t>
             </a:fld>
             <a:endParaRPr lang="tr-TR"/>
           </a:p>
@@ -2189,6 +2317,7 @@
           <a:p>
             <a:fld id="{06D2F648-CA32-443B-9DEB-994DD57D87C2}" type="slidenum">
               <a:rPr lang="tr-TR" smtClean="0"/>
+              <a:pPr/>
               <a:t>‹#›</a:t>
             </a:fld>
             <a:endParaRPr lang="tr-TR"/>
@@ -2198,7 +2327,7 @@
     </p:spTree>
     <p:extLst>
       <p:ext uri="{BB962C8B-B14F-4D97-AF65-F5344CB8AC3E}">
-        <p14:creationId xmlns:p14="http://schemas.microsoft.com/office/powerpoint/2010/main" val="3378874762"/>
+        <p14:creationId xmlns:p14="http://schemas.microsoft.com/office/powerpoint/2010/main" xmlns="" val="3378874762"/>
       </p:ext>
     </p:extLst>
   </p:cSld>
@@ -2526,7 +2655,8 @@
           <a:p>
             <a:fld id="{3EF96EC7-A9F6-4918-BDFC-C3ED4AC79626}" type="datetimeFigureOut">
               <a:rPr lang="tr-TR" smtClean="0"/>
-              <a:t>18.05.2018</a:t>
+              <a:pPr/>
+              <a:t>19.05.2018</a:t>
             </a:fld>
             <a:endParaRPr lang="tr-TR"/>
           </a:p>
@@ -2568,6 +2698,7 @@
           <a:p>
             <a:fld id="{06D2F648-CA32-443B-9DEB-994DD57D87C2}" type="slidenum">
               <a:rPr lang="tr-TR" smtClean="0"/>
+              <a:pPr/>
               <a:t>‹#›</a:t>
             </a:fld>
             <a:endParaRPr lang="tr-TR"/>
@@ -2577,7 +2708,7 @@
     </p:spTree>
     <p:extLst>
       <p:ext uri="{BB962C8B-B14F-4D97-AF65-F5344CB8AC3E}">
-        <p14:creationId xmlns:p14="http://schemas.microsoft.com/office/powerpoint/2010/main" val="491547674"/>
+        <p14:creationId xmlns:p14="http://schemas.microsoft.com/office/powerpoint/2010/main" xmlns="" val="491547674"/>
       </p:ext>
     </p:extLst>
   </p:cSld>
@@ -2644,7 +2775,8 @@
           <a:p>
             <a:fld id="{3EF96EC7-A9F6-4918-BDFC-C3ED4AC79626}" type="datetimeFigureOut">
               <a:rPr lang="tr-TR" smtClean="0"/>
-              <a:t>18.05.2018</a:t>
+              <a:pPr/>
+              <a:t>19.05.2018</a:t>
             </a:fld>
             <a:endParaRPr lang="tr-TR"/>
           </a:p>
@@ -2686,6 +2818,7 @@
           <a:p>
             <a:fld id="{06D2F648-CA32-443B-9DEB-994DD57D87C2}" type="slidenum">
               <a:rPr lang="tr-TR" smtClean="0"/>
+              <a:pPr/>
               <a:t>‹#›</a:t>
             </a:fld>
             <a:endParaRPr lang="tr-TR"/>
@@ -2695,7 +2828,7 @@
     </p:spTree>
     <p:extLst>
       <p:ext uri="{BB962C8B-B14F-4D97-AF65-F5344CB8AC3E}">
-        <p14:creationId xmlns:p14="http://schemas.microsoft.com/office/powerpoint/2010/main" val="3139254311"/>
+        <p14:creationId xmlns:p14="http://schemas.microsoft.com/office/powerpoint/2010/main" xmlns="" val="3139254311"/>
       </p:ext>
     </p:extLst>
   </p:cSld>
@@ -2815,7 +2948,8 @@
           <a:p>
             <a:fld id="{3EF96EC7-A9F6-4918-BDFC-C3ED4AC79626}" type="datetimeFigureOut">
               <a:rPr lang="tr-TR" smtClean="0"/>
-              <a:t>18.05.2018</a:t>
+              <a:pPr/>
+              <a:t>19.05.2018</a:t>
             </a:fld>
             <a:endParaRPr lang="tr-TR"/>
           </a:p>
@@ -2865,6 +2999,7 @@
           <a:p>
             <a:fld id="{06D2F648-CA32-443B-9DEB-994DD57D87C2}" type="slidenum">
               <a:rPr lang="tr-TR" smtClean="0"/>
+              <a:pPr/>
               <a:t>‹#›</a:t>
             </a:fld>
             <a:endParaRPr lang="tr-TR"/>
@@ -2874,7 +3009,7 @@
     </p:spTree>
     <p:extLst>
       <p:ext uri="{BB962C8B-B14F-4D97-AF65-F5344CB8AC3E}">
-        <p14:creationId xmlns:p14="http://schemas.microsoft.com/office/powerpoint/2010/main" val="3912122464"/>
+        <p14:creationId xmlns:p14="http://schemas.microsoft.com/office/powerpoint/2010/main" xmlns="" val="3912122464"/>
       </p:ext>
     </p:extLst>
   </p:cSld>
@@ -3169,7 +3304,8 @@
           <a:p>
             <a:fld id="{3EF96EC7-A9F6-4918-BDFC-C3ED4AC79626}" type="datetimeFigureOut">
               <a:rPr lang="tr-TR" smtClean="0"/>
-              <a:t>18.05.2018</a:t>
+              <a:pPr/>
+              <a:t>19.05.2018</a:t>
             </a:fld>
             <a:endParaRPr lang="tr-TR"/>
           </a:p>
@@ -3232,6 +3368,7 @@
           <a:p>
             <a:fld id="{06D2F648-CA32-443B-9DEB-994DD57D87C2}" type="slidenum">
               <a:rPr lang="tr-TR" smtClean="0"/>
+              <a:pPr/>
               <a:t>‹#›</a:t>
             </a:fld>
             <a:endParaRPr lang="tr-TR"/>
@@ -3241,7 +3378,7 @@
     </p:spTree>
     <p:extLst>
       <p:ext uri="{BB962C8B-B14F-4D97-AF65-F5344CB8AC3E}">
-        <p14:creationId xmlns:p14="http://schemas.microsoft.com/office/powerpoint/2010/main" val="2909264617"/>
+        <p14:creationId xmlns:p14="http://schemas.microsoft.com/office/powerpoint/2010/main" xmlns="" val="2909264617"/>
       </p:ext>
     </p:extLst>
   </p:cSld>
@@ -3551,7 +3688,8 @@
           <a:p>
             <a:fld id="{3EF96EC7-A9F6-4918-BDFC-C3ED4AC79626}" type="datetimeFigureOut">
               <a:rPr lang="tr-TR" smtClean="0"/>
-              <a:t>18.05.2018</a:t>
+              <a:pPr/>
+              <a:t>19.05.2018</a:t>
             </a:fld>
             <a:endParaRPr lang="tr-TR"/>
           </a:p>
@@ -3593,6 +3731,7 @@
           <a:p>
             <a:fld id="{06D2F648-CA32-443B-9DEB-994DD57D87C2}" type="slidenum">
               <a:rPr lang="tr-TR" smtClean="0"/>
+              <a:pPr/>
               <a:t>‹#›</a:t>
             </a:fld>
             <a:endParaRPr lang="tr-TR"/>
@@ -3602,7 +3741,7 @@
     </p:spTree>
     <p:extLst>
       <p:ext uri="{BB962C8B-B14F-4D97-AF65-F5344CB8AC3E}">
-        <p14:creationId xmlns:p14="http://schemas.microsoft.com/office/powerpoint/2010/main" val="1224235102"/>
+        <p14:creationId xmlns:p14="http://schemas.microsoft.com/office/powerpoint/2010/main" xmlns="" val="1224235102"/>
       </p:ext>
     </p:extLst>
   </p:cSld>
@@ -3838,7 +3977,8 @@
           <a:p>
             <a:fld id="{3EF96EC7-A9F6-4918-BDFC-C3ED4AC79626}" type="datetimeFigureOut">
               <a:rPr lang="tr-TR" smtClean="0"/>
-              <a:t>18.05.2018</a:t>
+              <a:pPr/>
+              <a:t>19.05.2018</a:t>
             </a:fld>
             <a:endParaRPr lang="tr-TR"/>
           </a:p>
@@ -3912,6 +4052,7 @@
           <a:p>
             <a:fld id="{06D2F648-CA32-443B-9DEB-994DD57D87C2}" type="slidenum">
               <a:rPr lang="tr-TR" smtClean="0"/>
+              <a:pPr/>
               <a:t>‹#›</a:t>
             </a:fld>
             <a:endParaRPr lang="tr-TR"/>
@@ -3959,7 +4100,7 @@
     </p:spTree>
     <p:extLst>
       <p:ext uri="{BB962C8B-B14F-4D97-AF65-F5344CB8AC3E}">
-        <p14:creationId xmlns:p14="http://schemas.microsoft.com/office/powerpoint/2010/main" val="2460612639"/>
+        <p14:creationId xmlns:p14="http://schemas.microsoft.com/office/powerpoint/2010/main" xmlns="" val="2460612639"/>
       </p:ext>
     </p:extLst>
   </p:cSld>
@@ -4411,7 +4552,7 @@
     </p:spTree>
     <p:extLst>
       <p:ext uri="{BB962C8B-B14F-4D97-AF65-F5344CB8AC3E}">
-        <p14:creationId xmlns:p14="http://schemas.microsoft.com/office/powerpoint/2010/main" val="2022572208"/>
+        <p14:creationId xmlns:p14="http://schemas.microsoft.com/office/powerpoint/2010/main" xmlns="" val="2022572208"/>
       </p:ext>
     </p:extLst>
   </p:cSld>
@@ -4541,7 +4682,7 @@
     </p:spTree>
     <p:extLst>
       <p:ext uri="{BB962C8B-B14F-4D97-AF65-F5344CB8AC3E}">
-        <p14:creationId xmlns:p14="http://schemas.microsoft.com/office/powerpoint/2010/main" val="614387590"/>
+        <p14:creationId xmlns:p14="http://schemas.microsoft.com/office/powerpoint/2010/main" xmlns="" val="614387590"/>
       </p:ext>
     </p:extLst>
   </p:cSld>
@@ -4742,7 +4883,7 @@
     </p:spTree>
     <p:extLst>
       <p:ext uri="{BB962C8B-B14F-4D97-AF65-F5344CB8AC3E}">
-        <p14:creationId xmlns:p14="http://schemas.microsoft.com/office/powerpoint/2010/main" val="794321028"/>
+        <p14:creationId xmlns:p14="http://schemas.microsoft.com/office/powerpoint/2010/main" xmlns="" val="794321028"/>
       </p:ext>
     </p:extLst>
   </p:cSld>
@@ -4833,7 +4974,12 @@
             <p:ph idx="1"/>
           </p:nvPr>
         </p:nvSpPr>
-        <p:spPr/>
+        <p:spPr>
+          <a:xfrm>
+            <a:off x="1097280" y="1845733"/>
+            <a:ext cx="10058400" cy="3363265"/>
+          </a:xfrm>
+        </p:spPr>
         <p:txBody>
           <a:bodyPr/>
           <a:lstStyle/>
@@ -4908,35 +5054,23 @@
             </a:r>
             <a:r>
               <a:rPr lang="tr-TR" dirty="0"/>
-              <a:t>tual </a:t>
-            </a:r>
-            <a:r>
-              <a:rPr lang="tr-TR" dirty="0" err="1"/>
-              <a:t>output</a:t>
-            </a:r>
-            <a:r>
-              <a:rPr lang="tr-TR" dirty="0"/>
-              <a:t> </a:t>
-            </a:r>
-            <a:r>
-              <a:rPr lang="tr-TR" dirty="0" err="1"/>
-              <a:t>voltage</a:t>
-            </a:r>
-            <a:r>
-              <a:rPr lang="tr-TR" dirty="0"/>
-              <a:t> </a:t>
-            </a:r>
-            <a:r>
-              <a:rPr lang="tr-TR" dirty="0" err="1" smtClean="0"/>
+              <a:t>tual output voltage </a:t>
+            </a:r>
+            <a:r>
+              <a:rPr lang="tr-TR" dirty="0" smtClean="0"/>
               <a:t>V</a:t>
             </a:r>
             <a:r>
-              <a:rPr lang="tr-TR" sz="1800" dirty="0" err="1" smtClean="0"/>
+              <a:rPr lang="tr-TR" sz="1800" dirty="0" smtClean="0"/>
               <a:t>a</a:t>
             </a:r>
             <a:r>
               <a:rPr lang="tr-TR" dirty="0" smtClean="0"/>
               <a:t>.	 	</a:t>
+            </a:r>
+            <a:r>
+              <a:rPr lang="en-US" dirty="0" smtClean="0"/>
+              <a:t>	</a:t>
             </a:r>
             <a:r>
               <a:rPr lang="tr-TR" sz="1800" dirty="0" smtClean="0"/>
@@ -4960,8 +5094,8 @@
         </p:nvSpPr>
         <p:spPr>
           <a:xfrm>
-            <a:off x="5930900" y="2717800"/>
-            <a:ext cx="3403600" cy="3508653"/>
+            <a:off x="5807610" y="2440399"/>
+            <a:ext cx="3459680" cy="1969770"/>
           </a:xfrm>
           <a:prstGeom prst="rect">
             <a:avLst/>
@@ -5219,34 +5353,26 @@
             </a:r>
             <a:r>
               <a:rPr lang="tr-TR" dirty="0"/>
-              <a:t>= (</a:t>
-            </a:r>
-            <a:r>
-              <a:rPr lang="tr-TR" sz="2000" dirty="0" err="1"/>
+              <a:t>= </a:t>
+            </a:r>
+            <a:r>
+              <a:rPr lang="tr-TR" sz="2000" dirty="0" smtClean="0"/>
               <a:t>f</a:t>
             </a:r>
             <a:r>
-              <a:rPr lang="tr-TR" dirty="0" err="1"/>
-              <a:t>s</a:t>
-            </a:r>
-            <a:r>
-              <a:rPr lang="tr-TR" dirty="0"/>
-              <a:t> / </a:t>
-            </a:r>
-            <a:r>
-              <a:rPr lang="tr-TR" sz="2000" dirty="0" err="1"/>
-              <a:t>f</a:t>
-            </a:r>
-            <a:r>
-              <a:rPr lang="tr-TR" dirty="0" err="1"/>
-              <a:t>o</a:t>
-            </a:r>
-            <a:r>
-              <a:rPr lang="tr-TR" dirty="0"/>
-              <a:t>) / 2 * </a:t>
-            </a:r>
-            <a:r>
-              <a:rPr lang="en-US" dirty="0">
+              <a:rPr lang="tr-TR" dirty="0" smtClean="0"/>
+              <a:t>s </a:t>
+            </a:r>
+            <a:r>
+              <a:rPr lang="en-US" dirty="0" smtClean="0"/>
+              <a:t>*</a:t>
+            </a:r>
+            <a:r>
+              <a:rPr lang="tr-TR" dirty="0" smtClean="0"/>
+              <a:t> </a:t>
+            </a:r>
+            <a:r>
+              <a:rPr lang="en-US" dirty="0" smtClean="0">
                 <a:solidFill>
                   <a:srgbClr val="000000"/>
                 </a:solidFill>
@@ -5254,43 +5380,476 @@
               <a:t>V</a:t>
             </a:r>
             <a:r>
-              <a:rPr lang="en-US" baseline="-25000" dirty="0">
+              <a:rPr lang="en-US" baseline="-25000" dirty="0" smtClean="0">
                 <a:solidFill>
                   <a:srgbClr val="000000"/>
                 </a:solidFill>
               </a:rPr>
               <a:t>Ɛ</a:t>
             </a:r>
-            <a:endParaRPr lang="tr-TR" baseline="-25000" dirty="0">
+            <a:endParaRPr lang="en-US" dirty="0"/>
+          </a:p>
+        </p:txBody>
+      </p:sp>
+      <p:sp>
+        <p:nvSpPr>
+          <p:cNvPr id="7" name="Content Placeholder 2"/>
+          <p:cNvSpPr txBox="1">
+            <a:spLocks/>
+          </p:cNvSpPr>
+          <p:nvPr/>
+        </p:nvSpPr>
+        <p:spPr>
+          <a:xfrm>
+            <a:off x="5661058" y="4453656"/>
+            <a:ext cx="6102852" cy="1813580"/>
+          </a:xfrm>
+          <a:prstGeom prst="rect">
+            <a:avLst/>
+          </a:prstGeom>
+        </p:spPr>
+        <p:txBody>
+          <a:bodyPr vert="horz" lIns="0" tIns="45720" rIns="0" bIns="45720" rtlCol="0">
+            <a:normAutofit fontScale="92500" lnSpcReduction="10000"/>
+          </a:bodyPr>
+          <a:lstStyle/>
+          <a:p>
+            <a:pPr marL="91440" marR="0" lvl="0" indent="-91440" algn="l" defTabSz="914400" rtl="0" eaLnBrk="1" fontAlgn="auto" latinLnBrk="0" hangingPunct="1">
+              <a:lnSpc>
+                <a:spcPct val="90000"/>
+              </a:lnSpc>
+              <a:spcBef>
+                <a:spcPts val="1200"/>
+              </a:spcBef>
+              <a:spcAft>
+                <a:spcPts val="200"/>
+              </a:spcAft>
+              <a:buClr>
+                <a:schemeClr val="accent1"/>
+              </a:buClr>
+              <a:buSzPct val="100000"/>
+              <a:buFont typeface="Wingdings" panose="05000000000000000000" pitchFamily="2" charset="2"/>
+              <a:buChar char="q"/>
+              <a:tabLst/>
+              <a:defRPr/>
+            </a:pPr>
+            <a:r>
+              <a:rPr kumimoji="0" lang="en-US" sz="2000" b="0" i="0" u="none" strike="noStrike" kern="1200" cap="none" spc="0" normalizeH="0" baseline="0" noProof="0" dirty="0" smtClean="0">
+                <a:ln>
+                  <a:noFill/>
+                </a:ln>
+                <a:solidFill>
+                  <a:schemeClr val="tx1">
+                    <a:lumMod val="75000"/>
+                    <a:lumOff val="25000"/>
+                  </a:schemeClr>
+                </a:solidFill>
+                <a:effectLst/>
+                <a:uLnTx/>
+                <a:uFillTx/>
+                <a:latin typeface="+mn-lt"/>
+                <a:ea typeface="+mn-ea"/>
+                <a:cs typeface="+mn-cs"/>
+              </a:rPr>
+              <a:t> so as </a:t>
+            </a:r>
+            <a:r>
+              <a:rPr kumimoji="0" lang="en-US" sz="2000" b="0" i="0" u="none" strike="noStrike" kern="1200" cap="none" spc="0" normalizeH="0" baseline="0" noProof="0" dirty="0" err="1" smtClean="0">
+                <a:ln>
+                  <a:noFill/>
+                </a:ln>
+                <a:solidFill>
+                  <a:schemeClr val="tx1">
+                    <a:lumMod val="75000"/>
+                    <a:lumOff val="25000"/>
+                  </a:schemeClr>
+                </a:solidFill>
+                <a:effectLst/>
+                <a:uLnTx/>
+                <a:uFillTx/>
+                <a:latin typeface="+mn-lt"/>
+                <a:ea typeface="+mn-ea"/>
+                <a:cs typeface="+mn-cs"/>
+              </a:rPr>
+              <a:t>fs</a:t>
+            </a:r>
+            <a:r>
+              <a:rPr kumimoji="0" lang="en-US" sz="2000" b="0" i="0" u="none" strike="noStrike" kern="1200" cap="none" spc="0" normalizeH="0" baseline="0" noProof="0" dirty="0" smtClean="0">
+                <a:ln>
+                  <a:noFill/>
+                </a:ln>
+                <a:solidFill>
+                  <a:schemeClr val="tx1">
+                    <a:lumMod val="75000"/>
+                    <a:lumOff val="25000"/>
+                  </a:schemeClr>
+                </a:solidFill>
+                <a:effectLst/>
+                <a:uLnTx/>
+                <a:uFillTx/>
+                <a:latin typeface="+mn-lt"/>
+                <a:ea typeface="+mn-ea"/>
+                <a:cs typeface="+mn-cs"/>
+              </a:rPr>
+              <a:t> ↗ distortion also</a:t>
+            </a:r>
+            <a:r>
+              <a:rPr kumimoji="0" lang="en-US" sz="2000" b="0" i="0" u="none" strike="noStrike" kern="1200" cap="none" spc="0" normalizeH="0" noProof="0" dirty="0" smtClean="0">
+                <a:ln>
+                  <a:noFill/>
+                </a:ln>
+                <a:solidFill>
+                  <a:schemeClr val="tx1">
+                    <a:lumMod val="75000"/>
+                    <a:lumOff val="25000"/>
+                  </a:schemeClr>
+                </a:solidFill>
+                <a:effectLst/>
+                <a:uLnTx/>
+                <a:uFillTx/>
+                <a:latin typeface="+mn-lt"/>
+                <a:ea typeface="+mn-ea"/>
+                <a:cs typeface="+mn-cs"/>
+              </a:rPr>
+              <a:t> ↗</a:t>
+            </a:r>
+          </a:p>
+          <a:p>
+            <a:pPr marL="91440" marR="0" lvl="0" indent="-91440" algn="l" defTabSz="914400" rtl="0" eaLnBrk="1" fontAlgn="auto" latinLnBrk="0" hangingPunct="1">
+              <a:lnSpc>
+                <a:spcPct val="90000"/>
+              </a:lnSpc>
+              <a:spcBef>
+                <a:spcPts val="1200"/>
+              </a:spcBef>
+              <a:spcAft>
+                <a:spcPts val="200"/>
+              </a:spcAft>
+              <a:buClr>
+                <a:schemeClr val="accent1"/>
+              </a:buClr>
+              <a:buSzPct val="100000"/>
+              <a:buFont typeface="Wingdings" panose="05000000000000000000" pitchFamily="2" charset="2"/>
+              <a:buChar char="q"/>
+              <a:tabLst/>
+              <a:defRPr/>
+            </a:pPr>
+            <a:r>
+              <a:rPr lang="en-US" sz="2000" baseline="0" dirty="0" smtClean="0">
+                <a:solidFill>
+                  <a:schemeClr val="tx1">
+                    <a:lumMod val="75000"/>
+                    <a:lumOff val="25000"/>
+                  </a:schemeClr>
+                </a:solidFill>
+              </a:rPr>
+              <a:t> </a:t>
+            </a:r>
+            <a:r>
+              <a:rPr lang="en-US" sz="2000" baseline="0" dirty="0" smtClean="0">
+                <a:solidFill>
+                  <a:schemeClr val="tx1">
+                    <a:lumMod val="75000"/>
+                    <a:lumOff val="25000"/>
+                  </a:schemeClr>
+                </a:solidFill>
+              </a:rPr>
+              <a:t>effect</a:t>
+            </a:r>
+            <a:r>
+              <a:rPr lang="en-US" sz="2000" dirty="0" smtClean="0">
+                <a:solidFill>
+                  <a:schemeClr val="tx1">
+                    <a:lumMod val="75000"/>
+                    <a:lumOff val="25000"/>
+                  </a:schemeClr>
+                </a:solidFill>
+              </a:rPr>
+              <a:t> of the distortion gets more severe when </a:t>
+            </a:r>
+          </a:p>
+          <a:p>
+            <a:pPr marL="548640" lvl="1" indent="-91440">
+              <a:lnSpc>
+                <a:spcPct val="90000"/>
+              </a:lnSpc>
+              <a:spcBef>
+                <a:spcPts val="1200"/>
+              </a:spcBef>
+              <a:spcAft>
+                <a:spcPts val="200"/>
+              </a:spcAft>
+              <a:buClr>
+                <a:schemeClr val="accent1"/>
+              </a:buClr>
+              <a:buSzPct val="100000"/>
+              <a:buFont typeface="Wingdings" panose="05000000000000000000" pitchFamily="2" charset="2"/>
+              <a:buChar char="q"/>
+            </a:pPr>
+            <a:r>
+              <a:rPr kumimoji="0" lang="en-US" sz="2000" b="0" i="0" u="none" strike="noStrike" kern="1200" cap="none" spc="0" normalizeH="0" noProof="0" dirty="0" smtClean="0">
+                <a:ln>
+                  <a:noFill/>
+                </a:ln>
+                <a:solidFill>
+                  <a:schemeClr val="tx1">
+                    <a:lumMod val="75000"/>
+                    <a:lumOff val="25000"/>
+                  </a:schemeClr>
+                </a:solidFill>
+                <a:effectLst/>
+                <a:uLnTx/>
+                <a:uFillTx/>
+                <a:latin typeface="+mn-lt"/>
+                <a:ea typeface="+mn-ea"/>
+                <a:cs typeface="+mn-cs"/>
+              </a:rPr>
+              <a:t> </a:t>
+            </a:r>
+            <a:r>
+              <a:rPr kumimoji="0" lang="en-US" sz="2000" b="0" i="0" u="none" strike="noStrike" kern="1200" cap="none" spc="0" normalizeH="0" noProof="0" dirty="0" smtClean="0">
+                <a:ln>
+                  <a:noFill/>
+                </a:ln>
+                <a:solidFill>
+                  <a:schemeClr val="tx1">
+                    <a:lumMod val="75000"/>
+                    <a:lumOff val="25000"/>
+                  </a:schemeClr>
+                </a:solidFill>
+                <a:effectLst/>
+                <a:uLnTx/>
+                <a:uFillTx/>
+                <a:latin typeface="+mn-lt"/>
+                <a:ea typeface="+mn-ea"/>
+                <a:cs typeface="+mn-cs"/>
+              </a:rPr>
+              <a:t>output frequency </a:t>
+            </a:r>
+            <a:r>
+              <a:rPr kumimoji="0" lang="en-US" sz="2000" b="0" i="0" u="none" strike="noStrike" kern="1200" cap="none" spc="0" normalizeH="0" noProof="0" dirty="0" err="1" smtClean="0">
+                <a:ln>
+                  <a:noFill/>
+                </a:ln>
+                <a:solidFill>
+                  <a:schemeClr val="tx1">
+                    <a:lumMod val="75000"/>
+                    <a:lumOff val="25000"/>
+                  </a:schemeClr>
+                </a:solidFill>
+                <a:effectLst/>
+                <a:uLnTx/>
+                <a:uFillTx/>
+                <a:latin typeface="+mn-lt"/>
+                <a:ea typeface="+mn-ea"/>
+                <a:cs typeface="+mn-cs"/>
+              </a:rPr>
+              <a:t>fo</a:t>
+            </a:r>
+            <a:r>
+              <a:rPr kumimoji="0" lang="en-US" sz="2000" b="0" i="0" u="none" strike="noStrike" kern="1200" cap="none" spc="0" normalizeH="0" noProof="0" dirty="0" smtClean="0">
+                <a:ln>
+                  <a:noFill/>
+                </a:ln>
+                <a:solidFill>
+                  <a:schemeClr val="tx1">
+                    <a:lumMod val="75000"/>
+                    <a:lumOff val="25000"/>
+                  </a:schemeClr>
+                </a:solidFill>
+                <a:effectLst/>
+                <a:uLnTx/>
+                <a:uFillTx/>
+                <a:latin typeface="+mn-lt"/>
+                <a:ea typeface="+mn-ea"/>
+                <a:cs typeface="+mn-cs"/>
+              </a:rPr>
+              <a:t> is low &amp; output magnitude is low</a:t>
+            </a:r>
+          </a:p>
+          <a:p>
+            <a:pPr marL="1005840" lvl="2" indent="-91440">
+              <a:lnSpc>
+                <a:spcPct val="90000"/>
+              </a:lnSpc>
+              <a:spcBef>
+                <a:spcPts val="1200"/>
+              </a:spcBef>
+              <a:spcAft>
+                <a:spcPts val="200"/>
+              </a:spcAft>
+              <a:buClr>
+                <a:schemeClr val="accent1"/>
+              </a:buClr>
+              <a:buSzPct val="100000"/>
+              <a:buFont typeface="Wingdings" panose="05000000000000000000" pitchFamily="2" charset="2"/>
+              <a:buChar char="q"/>
+            </a:pPr>
+            <a:r>
+              <a:rPr kumimoji="0" lang="en-US" sz="2000" b="0" i="0" u="none" strike="noStrike" kern="1200" cap="none" spc="0" normalizeH="0" noProof="0" dirty="0" smtClean="0">
+                <a:ln>
+                  <a:noFill/>
+                </a:ln>
+                <a:solidFill>
+                  <a:schemeClr val="tx1">
+                    <a:lumMod val="75000"/>
+                    <a:lumOff val="25000"/>
+                  </a:schemeClr>
+                </a:solidFill>
+                <a:effectLst/>
+                <a:uLnTx/>
+                <a:uFillTx/>
+                <a:latin typeface="+mn-lt"/>
+                <a:ea typeface="+mn-ea"/>
+                <a:cs typeface="+mn-cs"/>
+              </a:rPr>
+              <a:t> </a:t>
+            </a:r>
+            <a:r>
+              <a:rPr kumimoji="0" lang="en-US" sz="2000" b="0" i="0" u="none" strike="noStrike" kern="1200" cap="none" spc="0" normalizeH="0" baseline="0" noProof="0" dirty="0" smtClean="0">
+                <a:ln>
+                  <a:noFill/>
+                </a:ln>
+                <a:solidFill>
+                  <a:schemeClr val="tx1">
+                    <a:lumMod val="75000"/>
+                    <a:lumOff val="25000"/>
+                  </a:schemeClr>
+                </a:solidFill>
+                <a:effectLst/>
+                <a:uLnTx/>
+                <a:uFillTx/>
+                <a:latin typeface="+mn-lt"/>
+                <a:ea typeface="+mn-ea"/>
+                <a:cs typeface="+mn-cs"/>
+              </a:rPr>
+              <a:t>iron</a:t>
+            </a:r>
+            <a:r>
+              <a:rPr kumimoji="0" lang="en-US" sz="2000" b="0" i="0" u="none" strike="noStrike" kern="1200" cap="none" spc="0" normalizeH="0" noProof="0" dirty="0" smtClean="0">
+                <a:ln>
+                  <a:noFill/>
+                </a:ln>
+                <a:solidFill>
+                  <a:schemeClr val="tx1">
+                    <a:lumMod val="75000"/>
+                    <a:lumOff val="25000"/>
+                  </a:schemeClr>
+                </a:solidFill>
+                <a:effectLst/>
+                <a:uLnTx/>
+                <a:uFillTx/>
+                <a:latin typeface="+mn-lt"/>
+                <a:ea typeface="+mn-ea"/>
+                <a:cs typeface="+mn-cs"/>
+              </a:rPr>
+              <a:t> and core losses and torque ripple increases</a:t>
+            </a:r>
+            <a:r>
+              <a:rPr kumimoji="0" lang="tr-TR" sz="2000" b="0" i="0" u="none" strike="noStrike" kern="1200" cap="none" spc="0" normalizeH="0" baseline="0" noProof="0" dirty="0" smtClean="0">
+                <a:ln>
+                  <a:noFill/>
+                </a:ln>
+                <a:solidFill>
+                  <a:schemeClr val="tx1">
+                    <a:lumMod val="75000"/>
+                    <a:lumOff val="25000"/>
+                  </a:schemeClr>
+                </a:solidFill>
+                <a:effectLst/>
+                <a:uLnTx/>
+                <a:uFillTx/>
+                <a:latin typeface="+mn-lt"/>
+                <a:ea typeface="+mn-ea"/>
+                <a:cs typeface="+mn-cs"/>
+              </a:rPr>
+              <a:t>	</a:t>
+            </a:r>
+            <a:r>
+              <a:rPr kumimoji="0" lang="en-US" sz="2000" b="0" i="0" u="none" strike="noStrike" kern="1200" cap="none" spc="0" normalizeH="0" baseline="0" noProof="0" dirty="0" smtClean="0">
+                <a:ln>
+                  <a:noFill/>
+                </a:ln>
+                <a:solidFill>
+                  <a:schemeClr val="tx1">
+                    <a:lumMod val="75000"/>
+                    <a:lumOff val="25000"/>
+                  </a:schemeClr>
+                </a:solidFill>
+                <a:effectLst/>
+                <a:uLnTx/>
+                <a:uFillTx/>
+                <a:latin typeface="+mn-lt"/>
+                <a:ea typeface="+mn-ea"/>
+                <a:cs typeface="+mn-cs"/>
+              </a:rPr>
+              <a:t>	</a:t>
+            </a:r>
+            <a:r>
+              <a:rPr kumimoji="0" lang="tr-TR" b="0" i="0" u="none" strike="noStrike" kern="1200" cap="none" spc="0" normalizeH="0" baseline="0" noProof="0" dirty="0" smtClean="0">
+                <a:ln>
+                  <a:noFill/>
+                </a:ln>
+                <a:solidFill>
+                  <a:schemeClr val="tx1">
+                    <a:lumMod val="75000"/>
+                    <a:lumOff val="25000"/>
+                  </a:schemeClr>
+                </a:solidFill>
+                <a:effectLst/>
+                <a:uLnTx/>
+                <a:uFillTx/>
+                <a:latin typeface="+mn-lt"/>
+                <a:ea typeface="+mn-ea"/>
+                <a:cs typeface="+mn-cs"/>
+              </a:rPr>
+              <a:t>	</a:t>
+            </a:r>
+          </a:p>
+          <a:p>
+            <a:pPr marL="91440" marR="0" lvl="0" indent="-91440" algn="l" defTabSz="914400" rtl="0" eaLnBrk="1" fontAlgn="auto" latinLnBrk="0" hangingPunct="1">
+              <a:lnSpc>
+                <a:spcPct val="90000"/>
+              </a:lnSpc>
+              <a:spcBef>
+                <a:spcPts val="1200"/>
+              </a:spcBef>
+              <a:spcAft>
+                <a:spcPts val="200"/>
+              </a:spcAft>
+              <a:buClr>
+                <a:schemeClr val="accent1"/>
+              </a:buClr>
+              <a:buSzPct val="100000"/>
+              <a:buFont typeface="Wingdings" panose="05000000000000000000" pitchFamily="2" charset="2"/>
+              <a:buChar char="q"/>
+              <a:tabLst/>
+              <a:defRPr/>
+            </a:pPr>
+            <a:endParaRPr kumimoji="0" lang="en-US" sz="1800" b="0" i="0" u="none" strike="noStrike" kern="1200" cap="none" spc="0" normalizeH="0" baseline="0" noProof="0" dirty="0">
+              <a:ln>
+                <a:noFill/>
+              </a:ln>
               <a:solidFill>
-                <a:srgbClr val="000000"/>
+                <a:schemeClr val="tx1">
+                  <a:lumMod val="75000"/>
+                  <a:lumOff val="25000"/>
+                </a:schemeClr>
               </a:solidFill>
+              <a:effectLst/>
+              <a:uLnTx/>
+              <a:uFillTx/>
+              <a:latin typeface="+mn-lt"/>
+              <a:ea typeface="+mn-ea"/>
+              <a:cs typeface="+mn-cs"/>
             </a:endParaRPr>
-          </a:p>
-          <a:p>
-            <a:endParaRPr lang="tr-TR" dirty="0" smtClean="0"/>
-          </a:p>
-          <a:p>
-            <a:endParaRPr lang="tr-TR" sz="1600" dirty="0" smtClean="0"/>
-          </a:p>
-          <a:p>
-            <a:endParaRPr lang="tr-TR" sz="1600" dirty="0"/>
-          </a:p>
-          <a:p>
-            <a:endParaRPr lang="tr-TR" sz="1600" dirty="0" smtClean="0"/>
-          </a:p>
-          <a:p>
-            <a:endParaRPr lang="tr-TR" sz="1600" dirty="0"/>
-          </a:p>
-          <a:p>
-            <a:endParaRPr lang="en-US" dirty="0"/>
           </a:p>
         </p:txBody>
       </p:sp>
     </p:spTree>
     <p:extLst>
       <p:ext uri="{BB962C8B-B14F-4D97-AF65-F5344CB8AC3E}">
-        <p14:creationId xmlns:p14="http://schemas.microsoft.com/office/powerpoint/2010/main" val="206126284"/>
+        <p14:creationId xmlns:p14="http://schemas.microsoft.com/office/powerpoint/2010/main" xmlns="" val="206126284"/>
       </p:ext>
     </p:extLst>
   </p:cSld>
@@ -5304,6 +5863,81 @@
       </p:par>
     </p:tnLst>
   </p:timing>
+</p:sld>
+</file>
+
+<file path=ppt/slides/slide5.xml><?xml version="1.0" encoding="utf-8"?>
+<p:sld xmlns:a="http://schemas.openxmlformats.org/drawingml/2006/main" xmlns:r="http://schemas.openxmlformats.org/officeDocument/2006/relationships" xmlns:p="http://schemas.openxmlformats.org/presentationml/2006/main">
+  <p:cSld>
+    <p:spTree>
+      <p:nvGrpSpPr>
+        <p:cNvPr id="1" name=""/>
+        <p:cNvGrpSpPr/>
+        <p:nvPr/>
+      </p:nvGrpSpPr>
+      <p:grpSpPr>
+        <a:xfrm>
+          <a:off x="0" y="0"/>
+          <a:ext cx="0" cy="0"/>
+          <a:chOff x="0" y="0"/>
+          <a:chExt cx="0" cy="0"/>
+        </a:xfrm>
+      </p:grpSpPr>
+      <p:sp>
+        <p:nvSpPr>
+          <p:cNvPr id="2" name="Title 1"/>
+          <p:cNvSpPr>
+            <a:spLocks noGrp="1"/>
+          </p:cNvSpPr>
+          <p:nvPr>
+            <p:ph type="title"/>
+          </p:nvPr>
+        </p:nvSpPr>
+        <p:spPr/>
+        <p:txBody>
+          <a:bodyPr/>
+          <a:lstStyle/>
+          <a:p>
+            <a:r>
+              <a:rPr lang="en-US" dirty="0" smtClean="0"/>
+              <a:t>Dead-time</a:t>
+            </a:r>
+            <a:endParaRPr lang="en-US" dirty="0"/>
+          </a:p>
+        </p:txBody>
+      </p:sp>
+      <p:sp>
+        <p:nvSpPr>
+          <p:cNvPr id="3" name="Content Placeholder 2"/>
+          <p:cNvSpPr>
+            <a:spLocks noGrp="1"/>
+          </p:cNvSpPr>
+          <p:nvPr>
+            <p:ph idx="1"/>
+          </p:nvPr>
+        </p:nvSpPr>
+        <p:spPr/>
+        <p:txBody>
+          <a:bodyPr/>
+          <a:lstStyle/>
+          <a:p>
+            <a:pPr>
+              <a:buFont typeface="Wingdings" pitchFamily="2" charset="2"/>
+              <a:buChar char="q"/>
+            </a:pPr>
+            <a:r>
+              <a:rPr lang="en-US" dirty="0" smtClean="0"/>
+              <a:t> analysis demonstrates that the dead-time effects mainly produce 5th</a:t>
+            </a:r>
+            <a:endParaRPr lang="en-US" dirty="0"/>
+          </a:p>
+        </p:txBody>
+      </p:sp>
+    </p:spTree>
+  </p:cSld>
+  <p:clrMapOvr>
+    <a:masterClrMapping/>
+  </p:clrMapOvr>
 </p:sld>
 </file>
 
@@ -5350,7 +5984,7 @@
     </a:clrScheme>
     <a:fontScheme name="Retrospect">
       <a:majorFont>
-        <a:latin typeface="Calibri Light" panose="020F0302020204030204"/>
+        <a:latin typeface="Calibri Light"/>
         <a:ea typeface=""/>
         <a:cs typeface=""/>
         <a:font script="Jpan" typeface="ＭＳ Ｐゴシック"/>
@@ -5385,7 +6019,7 @@
         <a:font script="Geor" typeface="Sylfaen"/>
       </a:majorFont>
       <a:minorFont>
-        <a:latin typeface="Calibri" panose="020F0502020204030204"/>
+        <a:latin typeface="Calibri"/>
         <a:ea typeface=""/>
         <a:cs typeface=""/>
         <a:font script="Jpan" typeface="ＭＳ Ｐゴシック"/>
@@ -5584,7 +6218,7 @@
   <a:extraClrSchemeLst/>
   <a:extLst>
     <a:ext uri="{05A4C25C-085E-4340-85A3-A5531E510DB2}">
-      <thm15:themeFamily xmlns:thm15="http://schemas.microsoft.com/office/thememl/2012/main" name="Retrospect" id="{5F128B03-DCCA-4EEB-AB3B-CF2899314A46}" vid="{3F1AAB62-24C6-49D2-8E01-B56FAC9A3DCD}"/>
+      <thm15:themeFamily xmlns:thm15="http://schemas.microsoft.com/office/thememl/2012/main" xmlns="" name="Retrospect" id="{5F128B03-DCCA-4EEB-AB3B-CF2899314A46}" vid="{3F1AAB62-24C6-49D2-8E01-B56FAC9A3DCD}"/>
     </a:ext>
   </a:extLst>
 </a:theme>
@@ -5633,7 +6267,7 @@
     </a:clrScheme>
     <a:fontScheme name="Office">
       <a:majorFont>
-        <a:latin typeface="Calibri Light" panose="020F0302020204030204"/>
+        <a:latin typeface="Calibri Light"/>
         <a:ea typeface=""/>
         <a:cs typeface=""/>
         <a:font script="Jpan" typeface="ＭＳ Ｐゴシック"/>
@@ -5668,7 +6302,7 @@
         <a:font script="Geor" typeface="Sylfaen"/>
       </a:majorFont>
       <a:minorFont>
-        <a:latin typeface="Calibri" panose="020F0502020204030204"/>
+        <a:latin typeface="Calibri"/>
         <a:ea typeface=""/>
         <a:cs typeface=""/>
         <a:font script="Jpan" typeface="ＭＳ Ｐゴシック"/>
@@ -5845,7 +6479,7 @@
   <a:extraClrSchemeLst/>
   <a:extLst>
     <a:ext uri="{05A4C25C-085E-4340-85A3-A5531E510DB2}">
-      <thm15:themeFamily xmlns:thm15="http://schemas.microsoft.com/office/thememl/2012/main" name="Office Theme" id="{62F939B6-93AF-4DB8-9C6B-D6C7DFDC589F}" vid="{4A3C46E8-61CC-4603-A589-7422A47A8E4A}"/>
+      <thm15:themeFamily xmlns:thm15="http://schemas.microsoft.com/office/thememl/2012/main" xmlns="" name="Office Theme" id="{62F939B6-93AF-4DB8-9C6B-D6C7DFDC589F}" vid="{4A3C46E8-61CC-4603-A589-7422A47A8E4A}"/>
     </a:ext>
   </a:extLst>
 </a:theme>

--- a/tik/tikMay2018.pptx
+++ b/tik/tikMay2018.pptx
@@ -5,7 +5,7 @@
     <p:sldMasterId id="2147483736" r:id="rId1"/>
   </p:sldMasterIdLst>
   <p:notesMasterIdLst>
-    <p:notesMasterId r:id="rId7"/>
+    <p:notesMasterId r:id="rId12"/>
   </p:notesMasterIdLst>
   <p:sldIdLst>
     <p:sldId id="256" r:id="rId2"/>
@@ -13,6 +13,11 @@
     <p:sldId id="258" r:id="rId4"/>
     <p:sldId id="259" r:id="rId5"/>
     <p:sldId id="260" r:id="rId6"/>
+    <p:sldId id="261" r:id="rId7"/>
+    <p:sldId id="262" r:id="rId8"/>
+    <p:sldId id="263" r:id="rId9"/>
+    <p:sldId id="264" r:id="rId10"/>
+    <p:sldId id="265" r:id="rId11"/>
   </p:sldIdLst>
   <p:sldSz cx="12192000" cy="6858000"/>
   <p:notesSz cx="6858000" cy="9144000"/>
@@ -113,7 +118,7 @@
   </p:defaultTextStyle>
   <p:extLst>
     <p:ext uri="{EFAFB233-063F-42B5-8137-9DF3F51BA10A}">
-      <p15:sldGuideLst xmlns:p15="http://schemas.microsoft.com/office/powerpoint/2012/main" xmlns=""/>
+      <p15:sldGuideLst xmlns="" xmlns:p15="http://schemas.microsoft.com/office/powerpoint/2012/main"/>
     </p:ext>
   </p:extLst>
 </p:presentation>
@@ -202,7 +207,7 @@
             <a:fld id="{98E9BDF3-7CC5-4B3F-A78E-C9A90CED9F04}" type="datetimeFigureOut">
               <a:rPr lang="en-US" smtClean="0"/>
               <a:pPr/>
-              <a:t>19-05-18</a:t>
+              <a:t>21-05-18</a:t>
             </a:fld>
             <a:endParaRPr lang="en-US"/>
           </a:p>
@@ -371,7 +376,7 @@
     </p:spTree>
     <p:extLst>
       <p:ext uri="{BB962C8B-B14F-4D97-AF65-F5344CB8AC3E}">
-        <p14:creationId xmlns:p14="http://schemas.microsoft.com/office/powerpoint/2010/main" xmlns="" val="430676809"/>
+        <p14:creationId xmlns="" xmlns:p14="http://schemas.microsoft.com/office/powerpoint/2010/main" val="430676809"/>
       </p:ext>
     </p:extLst>
   </p:cSld>
@@ -782,6 +787,573 @@
 </p:notes>
 </file>
 
+<file path=ppt/notesSlides/notesSlide3.xml><?xml version="1.0" encoding="utf-8"?>
+<p:notes xmlns:a="http://schemas.openxmlformats.org/drawingml/2006/main" xmlns:r="http://schemas.openxmlformats.org/officeDocument/2006/relationships" xmlns:p="http://schemas.openxmlformats.org/presentationml/2006/main">
+  <p:cSld>
+    <p:spTree>
+      <p:nvGrpSpPr>
+        <p:cNvPr id="1" name=""/>
+        <p:cNvGrpSpPr/>
+        <p:nvPr/>
+      </p:nvGrpSpPr>
+      <p:grpSpPr>
+        <a:xfrm>
+          <a:off x="0" y="0"/>
+          <a:ext cx="0" cy="0"/>
+          <a:chOff x="0" y="0"/>
+          <a:chExt cx="0" cy="0"/>
+        </a:xfrm>
+      </p:grpSpPr>
+      <p:sp>
+        <p:nvSpPr>
+          <p:cNvPr id="2" name="Slide Image Placeholder 1"/>
+          <p:cNvSpPr>
+            <a:spLocks noGrp="1" noRot="1" noChangeAspect="1"/>
+          </p:cNvSpPr>
+          <p:nvPr>
+            <p:ph type="sldImg"/>
+          </p:nvPr>
+        </p:nvSpPr>
+        <p:spPr/>
+      </p:sp>
+      <p:sp>
+        <p:nvSpPr>
+          <p:cNvPr id="3" name="Notes Placeholder 2"/>
+          <p:cNvSpPr>
+            <a:spLocks noGrp="1"/>
+          </p:cNvSpPr>
+          <p:nvPr>
+            <p:ph type="body" idx="1"/>
+          </p:nvPr>
+        </p:nvSpPr>
+        <p:spPr/>
+        <p:txBody>
+          <a:bodyPr/>
+          <a:lstStyle/>
+          <a:p>
+            <a:r>
+              <a:rPr lang="tr-TR" dirty="0" smtClean="0"/>
+              <a:t>Reference:</a:t>
+            </a:r>
+            <a:r>
+              <a:rPr lang="tr-TR" baseline="0" dirty="0" smtClean="0"/>
+              <a:t> </a:t>
+            </a:r>
+          </a:p>
+          <a:p>
+            <a:r>
+              <a:rPr lang="en-US" dirty="0" smtClean="0"/>
+              <a:t>Z. Tang and B. Akin, “Compensation of dead-time effects based on revised repetitive controller for PMSM drives,” Conf. Proc. - IEEE Appl. Power Electron. Conf. Expo. - APEC, vol. 32, no. 3, pp. 2730–2737, 2017.</a:t>
+            </a:r>
+            <a:endParaRPr lang="tr-TR" dirty="0" smtClean="0"/>
+          </a:p>
+          <a:p>
+            <a:endParaRPr lang="en-US" dirty="0"/>
+          </a:p>
+        </p:txBody>
+      </p:sp>
+      <p:sp>
+        <p:nvSpPr>
+          <p:cNvPr id="4" name="Slide Number Placeholder 3"/>
+          <p:cNvSpPr>
+            <a:spLocks noGrp="1"/>
+          </p:cNvSpPr>
+          <p:nvPr>
+            <p:ph type="sldNum" sz="quarter" idx="10"/>
+          </p:nvPr>
+        </p:nvSpPr>
+        <p:spPr/>
+        <p:txBody>
+          <a:bodyPr/>
+          <a:lstStyle/>
+          <a:p>
+            <a:fld id="{85B3D0A3-69DF-49D9-A27C-44C8B4ABFA58}" type="slidenum">
+              <a:rPr lang="en-US" smtClean="0"/>
+              <a:pPr/>
+              <a:t>5</a:t>
+            </a:fld>
+            <a:endParaRPr lang="en-US"/>
+          </a:p>
+        </p:txBody>
+      </p:sp>
+    </p:spTree>
+    <p:extLst>
+      <p:ext uri="{BB962C8B-B14F-4D97-AF65-F5344CB8AC3E}">
+        <p14:creationId xmlns:p14="http://schemas.microsoft.com/office/powerpoint/2010/main" xmlns="" val="3800693545"/>
+      </p:ext>
+    </p:extLst>
+  </p:cSld>
+  <p:clrMapOvr>
+    <a:masterClrMapping/>
+  </p:clrMapOvr>
+</p:notes>
+</file>
+
+<file path=ppt/notesSlides/notesSlide4.xml><?xml version="1.0" encoding="utf-8"?>
+<p:notes xmlns:a="http://schemas.openxmlformats.org/drawingml/2006/main" xmlns:r="http://schemas.openxmlformats.org/officeDocument/2006/relationships" xmlns:p="http://schemas.openxmlformats.org/presentationml/2006/main">
+  <p:cSld>
+    <p:spTree>
+      <p:nvGrpSpPr>
+        <p:cNvPr id="1" name=""/>
+        <p:cNvGrpSpPr/>
+        <p:nvPr/>
+      </p:nvGrpSpPr>
+      <p:grpSpPr>
+        <a:xfrm>
+          <a:off x="0" y="0"/>
+          <a:ext cx="0" cy="0"/>
+          <a:chOff x="0" y="0"/>
+          <a:chExt cx="0" cy="0"/>
+        </a:xfrm>
+      </p:grpSpPr>
+      <p:sp>
+        <p:nvSpPr>
+          <p:cNvPr id="2" name="Slide Image Placeholder 1"/>
+          <p:cNvSpPr>
+            <a:spLocks noGrp="1" noRot="1" noChangeAspect="1"/>
+          </p:cNvSpPr>
+          <p:nvPr>
+            <p:ph type="sldImg"/>
+          </p:nvPr>
+        </p:nvSpPr>
+        <p:spPr/>
+      </p:sp>
+      <p:sp>
+        <p:nvSpPr>
+          <p:cNvPr id="3" name="Notes Placeholder 2"/>
+          <p:cNvSpPr>
+            <a:spLocks noGrp="1"/>
+          </p:cNvSpPr>
+          <p:nvPr>
+            <p:ph type="body" idx="1"/>
+          </p:nvPr>
+        </p:nvSpPr>
+        <p:spPr/>
+        <p:txBody>
+          <a:bodyPr/>
+          <a:lstStyle/>
+          <a:p>
+            <a:pPr marL="0" marR="0" lvl="0" indent="0" algn="l" defTabSz="914400" rtl="0" eaLnBrk="1" fontAlgn="auto" latinLnBrk="0" hangingPunct="1">
+              <a:lnSpc>
+                <a:spcPct val="100000"/>
+              </a:lnSpc>
+              <a:spcBef>
+                <a:spcPts val="0"/>
+              </a:spcBef>
+              <a:spcAft>
+                <a:spcPts val="0"/>
+              </a:spcAft>
+              <a:buClrTx/>
+              <a:buSzTx/>
+              <a:buFontTx/>
+              <a:buNone/>
+              <a:tabLst/>
+              <a:defRPr/>
+            </a:pPr>
+            <a:r>
+              <a:rPr lang="tr-TR" dirty="0" smtClean="0"/>
+              <a:t>Reference:</a:t>
+            </a:r>
+            <a:r>
+              <a:rPr lang="tr-TR" baseline="0" dirty="0" smtClean="0"/>
+              <a:t> </a:t>
+            </a:r>
+          </a:p>
+          <a:p>
+            <a:pPr marL="0" marR="0" lvl="0" indent="0" algn="l" defTabSz="914400" rtl="0" eaLnBrk="1" fontAlgn="auto" latinLnBrk="0" hangingPunct="1">
+              <a:lnSpc>
+                <a:spcPct val="100000"/>
+              </a:lnSpc>
+              <a:spcBef>
+                <a:spcPts val="0"/>
+              </a:spcBef>
+              <a:spcAft>
+                <a:spcPts val="0"/>
+              </a:spcAft>
+              <a:buClrTx/>
+              <a:buSzTx/>
+              <a:buFontTx/>
+              <a:buNone/>
+              <a:tabLst/>
+              <a:defRPr/>
+            </a:pPr>
+            <a:r>
+              <a:rPr lang="en-US" sz="1200" kern="1200" dirty="0" smtClean="0">
+                <a:solidFill>
+                  <a:schemeClr val="tx1"/>
+                </a:solidFill>
+                <a:effectLst/>
+                <a:latin typeface="+mn-lt"/>
+                <a:ea typeface="+mn-ea"/>
+                <a:cs typeface="+mn-cs"/>
+              </a:rPr>
+              <a:t>Y. Wang, S. Member, W. </a:t>
+            </a:r>
+            <a:r>
+              <a:rPr lang="en-US" sz="1200" kern="1200" dirty="0" err="1" smtClean="0">
+                <a:solidFill>
+                  <a:schemeClr val="tx1"/>
+                </a:solidFill>
+                <a:effectLst/>
+                <a:latin typeface="+mn-lt"/>
+                <a:ea typeface="+mn-ea"/>
+                <a:cs typeface="+mn-cs"/>
+              </a:rPr>
+              <a:t>Xie</a:t>
+            </a:r>
+            <a:r>
+              <a:rPr lang="en-US" sz="1200" kern="1200" dirty="0" smtClean="0">
+                <a:solidFill>
+                  <a:schemeClr val="tx1"/>
+                </a:solidFill>
+                <a:effectLst/>
+                <a:latin typeface="+mn-lt"/>
+                <a:ea typeface="+mn-ea"/>
+                <a:cs typeface="+mn-cs"/>
+              </a:rPr>
+              <a:t>, and X. Wang, “Strategy for Voltage Source Inverters,” vol. 65, no. 1, pp. 59–66, 2018.</a:t>
+            </a:r>
+          </a:p>
+          <a:p>
+            <a:endParaRPr lang="en-US" dirty="0"/>
+          </a:p>
+        </p:txBody>
+      </p:sp>
+      <p:sp>
+        <p:nvSpPr>
+          <p:cNvPr id="4" name="Slide Number Placeholder 3"/>
+          <p:cNvSpPr>
+            <a:spLocks noGrp="1"/>
+          </p:cNvSpPr>
+          <p:nvPr>
+            <p:ph type="sldNum" sz="quarter" idx="10"/>
+          </p:nvPr>
+        </p:nvSpPr>
+        <p:spPr/>
+        <p:txBody>
+          <a:bodyPr/>
+          <a:lstStyle/>
+          <a:p>
+            <a:fld id="{85B3D0A3-69DF-49D9-A27C-44C8B4ABFA58}" type="slidenum">
+              <a:rPr lang="en-US" smtClean="0"/>
+              <a:pPr/>
+              <a:t>6</a:t>
+            </a:fld>
+            <a:endParaRPr lang="en-US"/>
+          </a:p>
+        </p:txBody>
+      </p:sp>
+    </p:spTree>
+    <p:extLst>
+      <p:ext uri="{BB962C8B-B14F-4D97-AF65-F5344CB8AC3E}">
+        <p14:creationId xmlns:p14="http://schemas.microsoft.com/office/powerpoint/2010/main" xmlns="" val="1575042101"/>
+      </p:ext>
+    </p:extLst>
+  </p:cSld>
+  <p:clrMapOvr>
+    <a:masterClrMapping/>
+  </p:clrMapOvr>
+</p:notes>
+</file>
+
+<file path=ppt/notesSlides/notesSlide5.xml><?xml version="1.0" encoding="utf-8"?>
+<p:notes xmlns:a="http://schemas.openxmlformats.org/drawingml/2006/main" xmlns:r="http://schemas.openxmlformats.org/officeDocument/2006/relationships" xmlns:p="http://schemas.openxmlformats.org/presentationml/2006/main">
+  <p:cSld>
+    <p:spTree>
+      <p:nvGrpSpPr>
+        <p:cNvPr id="1" name=""/>
+        <p:cNvGrpSpPr/>
+        <p:nvPr/>
+      </p:nvGrpSpPr>
+      <p:grpSpPr>
+        <a:xfrm>
+          <a:off x="0" y="0"/>
+          <a:ext cx="0" cy="0"/>
+          <a:chOff x="0" y="0"/>
+          <a:chExt cx="0" cy="0"/>
+        </a:xfrm>
+      </p:grpSpPr>
+      <p:sp>
+        <p:nvSpPr>
+          <p:cNvPr id="2" name="Slide Image Placeholder 1"/>
+          <p:cNvSpPr>
+            <a:spLocks noGrp="1" noRot="1" noChangeAspect="1"/>
+          </p:cNvSpPr>
+          <p:nvPr>
+            <p:ph type="sldImg"/>
+          </p:nvPr>
+        </p:nvSpPr>
+        <p:spPr/>
+      </p:sp>
+      <p:sp>
+        <p:nvSpPr>
+          <p:cNvPr id="3" name="Notes Placeholder 2"/>
+          <p:cNvSpPr>
+            <a:spLocks noGrp="1"/>
+          </p:cNvSpPr>
+          <p:nvPr>
+            <p:ph type="body" idx="1"/>
+          </p:nvPr>
+        </p:nvSpPr>
+        <p:spPr/>
+        <p:txBody>
+          <a:bodyPr/>
+          <a:lstStyle/>
+          <a:p>
+            <a:pPr marL="0" marR="0" lvl="0" indent="0" algn="l" defTabSz="914400" rtl="0" eaLnBrk="1" fontAlgn="auto" latinLnBrk="0" hangingPunct="1">
+              <a:lnSpc>
+                <a:spcPct val="100000"/>
+              </a:lnSpc>
+              <a:spcBef>
+                <a:spcPts val="0"/>
+              </a:spcBef>
+              <a:spcAft>
+                <a:spcPts val="0"/>
+              </a:spcAft>
+              <a:buClrTx/>
+              <a:buSzTx/>
+              <a:buFontTx/>
+              <a:buNone/>
+              <a:tabLst/>
+              <a:defRPr/>
+            </a:pPr>
+            <a:r>
+              <a:rPr lang="tr-TR" dirty="0" smtClean="0"/>
+              <a:t>Reference:</a:t>
+            </a:r>
+            <a:r>
+              <a:rPr lang="tr-TR" baseline="0" dirty="0" smtClean="0"/>
+              <a:t> </a:t>
+            </a:r>
+          </a:p>
+          <a:p>
+            <a:r>
+              <a:rPr lang="en-US" sz="1200" kern="1200" dirty="0" smtClean="0">
+                <a:solidFill>
+                  <a:schemeClr val="tx1"/>
+                </a:solidFill>
+                <a:effectLst/>
+                <a:latin typeface="+mn-lt"/>
+                <a:ea typeface="+mn-ea"/>
+                <a:cs typeface="+mn-cs"/>
+              </a:rPr>
+              <a:t>S. J. Chee, J. Kim, and S. K. </a:t>
+            </a:r>
+            <a:r>
+              <a:rPr lang="en-US" sz="1200" kern="1200" dirty="0" err="1" smtClean="0">
+                <a:solidFill>
+                  <a:schemeClr val="tx1"/>
+                </a:solidFill>
+                <a:effectLst/>
+                <a:latin typeface="+mn-lt"/>
+                <a:ea typeface="+mn-ea"/>
+                <a:cs typeface="+mn-cs"/>
+              </a:rPr>
+              <a:t>Sul</a:t>
+            </a:r>
+            <a:r>
+              <a:rPr lang="en-US" sz="1200" kern="1200" dirty="0" smtClean="0">
+                <a:solidFill>
+                  <a:schemeClr val="tx1"/>
+                </a:solidFill>
+                <a:effectLst/>
+                <a:latin typeface="+mn-lt"/>
+                <a:ea typeface="+mn-ea"/>
+                <a:cs typeface="+mn-cs"/>
+              </a:rPr>
+              <a:t>, “Dead-time compensation based on pole voltage measurement,” </a:t>
+            </a:r>
+            <a:r>
+              <a:rPr lang="en-US" sz="1200" i="1" kern="1200" dirty="0" smtClean="0">
+                <a:solidFill>
+                  <a:schemeClr val="tx1"/>
+                </a:solidFill>
+                <a:effectLst/>
+                <a:latin typeface="+mn-lt"/>
+                <a:ea typeface="+mn-ea"/>
+                <a:cs typeface="+mn-cs"/>
+              </a:rPr>
+              <a:t>2015 IEEE Energy Convers. </a:t>
+            </a:r>
+            <a:r>
+              <a:rPr lang="en-US" sz="1200" i="1" kern="1200" dirty="0" err="1" smtClean="0">
+                <a:solidFill>
+                  <a:schemeClr val="tx1"/>
+                </a:solidFill>
+                <a:effectLst/>
+                <a:latin typeface="+mn-lt"/>
+                <a:ea typeface="+mn-ea"/>
+                <a:cs typeface="+mn-cs"/>
+              </a:rPr>
+              <a:t>Congr</a:t>
+            </a:r>
+            <a:r>
+              <a:rPr lang="en-US" sz="1200" i="1" kern="1200" dirty="0" smtClean="0">
+                <a:solidFill>
+                  <a:schemeClr val="tx1"/>
+                </a:solidFill>
+                <a:effectLst/>
+                <a:latin typeface="+mn-lt"/>
+                <a:ea typeface="+mn-ea"/>
+                <a:cs typeface="+mn-cs"/>
+              </a:rPr>
+              <a:t>. Expo. ECCE 2015</a:t>
+            </a:r>
+            <a:r>
+              <a:rPr lang="en-US" sz="1200" kern="1200" dirty="0" smtClean="0">
+                <a:solidFill>
+                  <a:schemeClr val="tx1"/>
+                </a:solidFill>
+                <a:effectLst/>
+                <a:latin typeface="+mn-lt"/>
+                <a:ea typeface="+mn-ea"/>
+                <a:cs typeface="+mn-cs"/>
+              </a:rPr>
+              <a:t>, pp. 1549–1555, 2015.</a:t>
+            </a:r>
+            <a:endParaRPr lang="en-US" dirty="0"/>
+          </a:p>
+        </p:txBody>
+      </p:sp>
+      <p:sp>
+        <p:nvSpPr>
+          <p:cNvPr id="4" name="Slide Number Placeholder 3"/>
+          <p:cNvSpPr>
+            <a:spLocks noGrp="1"/>
+          </p:cNvSpPr>
+          <p:nvPr>
+            <p:ph type="sldNum" sz="quarter" idx="10"/>
+          </p:nvPr>
+        </p:nvSpPr>
+        <p:spPr/>
+        <p:txBody>
+          <a:bodyPr/>
+          <a:lstStyle/>
+          <a:p>
+            <a:fld id="{85B3D0A3-69DF-49D9-A27C-44C8B4ABFA58}" type="slidenum">
+              <a:rPr lang="en-US" smtClean="0"/>
+              <a:pPr/>
+              <a:t>7</a:t>
+            </a:fld>
+            <a:endParaRPr lang="en-US"/>
+          </a:p>
+        </p:txBody>
+      </p:sp>
+    </p:spTree>
+    <p:extLst>
+      <p:ext uri="{BB962C8B-B14F-4D97-AF65-F5344CB8AC3E}">
+        <p14:creationId xmlns:p14="http://schemas.microsoft.com/office/powerpoint/2010/main" xmlns="" val="260983234"/>
+      </p:ext>
+    </p:extLst>
+  </p:cSld>
+  <p:clrMapOvr>
+    <a:masterClrMapping/>
+  </p:clrMapOvr>
+</p:notes>
+</file>
+
+<file path=ppt/notesSlides/notesSlide6.xml><?xml version="1.0" encoding="utf-8"?>
+<p:notes xmlns:a="http://schemas.openxmlformats.org/drawingml/2006/main" xmlns:r="http://schemas.openxmlformats.org/officeDocument/2006/relationships" xmlns:p="http://schemas.openxmlformats.org/presentationml/2006/main">
+  <p:cSld>
+    <p:spTree>
+      <p:nvGrpSpPr>
+        <p:cNvPr id="1" name=""/>
+        <p:cNvGrpSpPr/>
+        <p:nvPr/>
+      </p:nvGrpSpPr>
+      <p:grpSpPr>
+        <a:xfrm>
+          <a:off x="0" y="0"/>
+          <a:ext cx="0" cy="0"/>
+          <a:chOff x="0" y="0"/>
+          <a:chExt cx="0" cy="0"/>
+        </a:xfrm>
+      </p:grpSpPr>
+      <p:sp>
+        <p:nvSpPr>
+          <p:cNvPr id="2" name="Slide Image Placeholder 1"/>
+          <p:cNvSpPr>
+            <a:spLocks noGrp="1" noRot="1" noChangeAspect="1"/>
+          </p:cNvSpPr>
+          <p:nvPr>
+            <p:ph type="sldImg"/>
+          </p:nvPr>
+        </p:nvSpPr>
+        <p:spPr/>
+      </p:sp>
+      <p:sp>
+        <p:nvSpPr>
+          <p:cNvPr id="3" name="Notes Placeholder 2"/>
+          <p:cNvSpPr>
+            <a:spLocks noGrp="1"/>
+          </p:cNvSpPr>
+          <p:nvPr>
+            <p:ph type="body" idx="1"/>
+          </p:nvPr>
+        </p:nvSpPr>
+        <p:spPr/>
+        <p:txBody>
+          <a:bodyPr/>
+          <a:lstStyle/>
+          <a:p>
+            <a:r>
+              <a:rPr lang="tr-TR" dirty="0" smtClean="0"/>
+              <a:t>Reference:</a:t>
+            </a:r>
+            <a:r>
+              <a:rPr lang="tr-TR" baseline="0" dirty="0" smtClean="0"/>
+              <a:t> </a:t>
+            </a:r>
+          </a:p>
+          <a:p>
+            <a:r>
+              <a:rPr lang="en-US" dirty="0" smtClean="0"/>
+              <a:t>Z. Tang and B. Akin, “Compensation of dead-time effects based on revised repetitive controller for PMSM drives,” Conf. Proc. - IEEE Appl. Power Electron. Conf. Expo. - APEC, vol. 32, no. 3, pp. 2730–2737, 2017.</a:t>
+            </a:r>
+            <a:endParaRPr lang="tr-TR" dirty="0" smtClean="0"/>
+          </a:p>
+          <a:p>
+            <a:endParaRPr lang="en-US" dirty="0"/>
+          </a:p>
+        </p:txBody>
+      </p:sp>
+      <p:sp>
+        <p:nvSpPr>
+          <p:cNvPr id="4" name="Slide Number Placeholder 3"/>
+          <p:cNvSpPr>
+            <a:spLocks noGrp="1"/>
+          </p:cNvSpPr>
+          <p:nvPr>
+            <p:ph type="sldNum" sz="quarter" idx="10"/>
+          </p:nvPr>
+        </p:nvSpPr>
+        <p:spPr/>
+        <p:txBody>
+          <a:bodyPr/>
+          <a:lstStyle/>
+          <a:p>
+            <a:fld id="{85B3D0A3-69DF-49D9-A27C-44C8B4ABFA58}" type="slidenum">
+              <a:rPr lang="en-US" smtClean="0"/>
+              <a:pPr/>
+              <a:t>9</a:t>
+            </a:fld>
+            <a:endParaRPr lang="en-US"/>
+          </a:p>
+        </p:txBody>
+      </p:sp>
+    </p:spTree>
+    <p:extLst>
+      <p:ext uri="{BB962C8B-B14F-4D97-AF65-F5344CB8AC3E}">
+        <p14:creationId xmlns:p14="http://schemas.microsoft.com/office/powerpoint/2010/main" xmlns="" val="661997981"/>
+      </p:ext>
+    </p:extLst>
+  </p:cSld>
+  <p:clrMapOvr>
+    <a:masterClrMapping/>
+  </p:clrMapOvr>
+</p:notes>
+</file>
+
 <file path=ppt/slideLayouts/slideLayout1.xml><?xml version="1.0" encoding="utf-8"?>
 <p:sldLayout xmlns:a="http://schemas.openxmlformats.org/drawingml/2006/main" xmlns:r="http://schemas.openxmlformats.org/officeDocument/2006/relationships" xmlns:p="http://schemas.openxmlformats.org/presentationml/2006/main" showMasterSp="0" type="title" preserve="1">
   <p:cSld name="Title Slide">
@@ -1009,7 +1581,7 @@
             <a:fld id="{3EF96EC7-A9F6-4918-BDFC-C3ED4AC79626}" type="datetimeFigureOut">
               <a:rPr lang="tr-TR" smtClean="0"/>
               <a:pPr/>
-              <a:t>19.05.2018</a:t>
+              <a:t>21.05.2018</a:t>
             </a:fld>
             <a:endParaRPr lang="tr-TR"/>
           </a:p>
@@ -1099,7 +1671,7 @@
     </p:spTree>
     <p:extLst>
       <p:ext uri="{BB962C8B-B14F-4D97-AF65-F5344CB8AC3E}">
-        <p14:creationId xmlns:p14="http://schemas.microsoft.com/office/powerpoint/2010/main" xmlns="" val="3809877250"/>
+        <p14:creationId xmlns="" xmlns:p14="http://schemas.microsoft.com/office/powerpoint/2010/main" val="3809877250"/>
       </p:ext>
     </p:extLst>
   </p:cSld>
@@ -1219,7 +1791,7 @@
             <a:fld id="{3EF96EC7-A9F6-4918-BDFC-C3ED4AC79626}" type="datetimeFigureOut">
               <a:rPr lang="tr-TR" smtClean="0"/>
               <a:pPr/>
-              <a:t>19.05.2018</a:t>
+              <a:t>21.05.2018</a:t>
             </a:fld>
             <a:endParaRPr lang="tr-TR"/>
           </a:p>
@@ -1271,7 +1843,7 @@
     </p:spTree>
     <p:extLst>
       <p:ext uri="{BB962C8B-B14F-4D97-AF65-F5344CB8AC3E}">
-        <p14:creationId xmlns:p14="http://schemas.microsoft.com/office/powerpoint/2010/main" xmlns="" val="1838678002"/>
+        <p14:creationId xmlns="" xmlns:p14="http://schemas.microsoft.com/office/powerpoint/2010/main" val="1838678002"/>
       </p:ext>
     </p:extLst>
   </p:cSld>
@@ -1477,7 +2049,7 @@
             <a:fld id="{3EF96EC7-A9F6-4918-BDFC-C3ED4AC79626}" type="datetimeFigureOut">
               <a:rPr lang="tr-TR" smtClean="0"/>
               <a:pPr/>
-              <a:t>19.05.2018</a:t>
+              <a:t>21.05.2018</a:t>
             </a:fld>
             <a:endParaRPr lang="tr-TR"/>
           </a:p>
@@ -1529,7 +2101,7 @@
     </p:spTree>
     <p:extLst>
       <p:ext uri="{BB962C8B-B14F-4D97-AF65-F5344CB8AC3E}">
-        <p14:creationId xmlns:p14="http://schemas.microsoft.com/office/powerpoint/2010/main" xmlns="" val="1477903999"/>
+        <p14:creationId xmlns="" xmlns:p14="http://schemas.microsoft.com/office/powerpoint/2010/main" val="1477903999"/>
       </p:ext>
     </p:extLst>
   </p:cSld>
@@ -1653,7 +2225,7 @@
             <a:fld id="{3EF96EC7-A9F6-4918-BDFC-C3ED4AC79626}" type="datetimeFigureOut">
               <a:rPr lang="tr-TR" smtClean="0"/>
               <a:pPr/>
-              <a:t>19.05.2018</a:t>
+              <a:t>21.05.2018</a:t>
             </a:fld>
             <a:endParaRPr lang="tr-TR"/>
           </a:p>
@@ -1705,7 +2277,7 @@
     </p:spTree>
     <p:extLst>
       <p:ext uri="{BB962C8B-B14F-4D97-AF65-F5344CB8AC3E}">
-        <p14:creationId xmlns:p14="http://schemas.microsoft.com/office/powerpoint/2010/main" xmlns="" val="2234451693"/>
+        <p14:creationId xmlns="" xmlns:p14="http://schemas.microsoft.com/office/powerpoint/2010/main" val="2234451693"/>
       </p:ext>
     </p:extLst>
   </p:cSld>
@@ -1998,7 +2570,7 @@
             <a:fld id="{3EF96EC7-A9F6-4918-BDFC-C3ED4AC79626}" type="datetimeFigureOut">
               <a:rPr lang="tr-TR" smtClean="0"/>
               <a:pPr/>
-              <a:t>19.05.2018</a:t>
+              <a:t>21.05.2018</a:t>
             </a:fld>
             <a:endParaRPr lang="tr-TR"/>
           </a:p>
@@ -2088,7 +2660,7 @@
     </p:spTree>
     <p:extLst>
       <p:ext uri="{BB962C8B-B14F-4D97-AF65-F5344CB8AC3E}">
-        <p14:creationId xmlns:p14="http://schemas.microsoft.com/office/powerpoint/2010/main" xmlns="" val="1537530343"/>
+        <p14:creationId xmlns="" xmlns:p14="http://schemas.microsoft.com/office/powerpoint/2010/main" val="1537530343"/>
       </p:ext>
     </p:extLst>
   </p:cSld>
@@ -2275,7 +2847,7 @@
             <a:fld id="{3EF96EC7-A9F6-4918-BDFC-C3ED4AC79626}" type="datetimeFigureOut">
               <a:rPr lang="tr-TR" smtClean="0"/>
               <a:pPr/>
-              <a:t>19.05.2018</a:t>
+              <a:t>21.05.2018</a:t>
             </a:fld>
             <a:endParaRPr lang="tr-TR"/>
           </a:p>
@@ -2327,7 +2899,7 @@
     </p:spTree>
     <p:extLst>
       <p:ext uri="{BB962C8B-B14F-4D97-AF65-F5344CB8AC3E}">
-        <p14:creationId xmlns:p14="http://schemas.microsoft.com/office/powerpoint/2010/main" xmlns="" val="3378874762"/>
+        <p14:creationId xmlns="" xmlns:p14="http://schemas.microsoft.com/office/powerpoint/2010/main" val="3378874762"/>
       </p:ext>
     </p:extLst>
   </p:cSld>
@@ -2656,7 +3228,7 @@
             <a:fld id="{3EF96EC7-A9F6-4918-BDFC-C3ED4AC79626}" type="datetimeFigureOut">
               <a:rPr lang="tr-TR" smtClean="0"/>
               <a:pPr/>
-              <a:t>19.05.2018</a:t>
+              <a:t>21.05.2018</a:t>
             </a:fld>
             <a:endParaRPr lang="tr-TR"/>
           </a:p>
@@ -2708,7 +3280,7 @@
     </p:spTree>
     <p:extLst>
       <p:ext uri="{BB962C8B-B14F-4D97-AF65-F5344CB8AC3E}">
-        <p14:creationId xmlns:p14="http://schemas.microsoft.com/office/powerpoint/2010/main" xmlns="" val="491547674"/>
+        <p14:creationId xmlns="" xmlns:p14="http://schemas.microsoft.com/office/powerpoint/2010/main" val="491547674"/>
       </p:ext>
     </p:extLst>
   </p:cSld>
@@ -2776,7 +3348,7 @@
             <a:fld id="{3EF96EC7-A9F6-4918-BDFC-C3ED4AC79626}" type="datetimeFigureOut">
               <a:rPr lang="tr-TR" smtClean="0"/>
               <a:pPr/>
-              <a:t>19.05.2018</a:t>
+              <a:t>21.05.2018</a:t>
             </a:fld>
             <a:endParaRPr lang="tr-TR"/>
           </a:p>
@@ -2828,7 +3400,7 @@
     </p:spTree>
     <p:extLst>
       <p:ext uri="{BB962C8B-B14F-4D97-AF65-F5344CB8AC3E}">
-        <p14:creationId xmlns:p14="http://schemas.microsoft.com/office/powerpoint/2010/main" xmlns="" val="3139254311"/>
+        <p14:creationId xmlns="" xmlns:p14="http://schemas.microsoft.com/office/powerpoint/2010/main" val="3139254311"/>
       </p:ext>
     </p:extLst>
   </p:cSld>
@@ -2949,7 +3521,7 @@
             <a:fld id="{3EF96EC7-A9F6-4918-BDFC-C3ED4AC79626}" type="datetimeFigureOut">
               <a:rPr lang="tr-TR" smtClean="0"/>
               <a:pPr/>
-              <a:t>19.05.2018</a:t>
+              <a:t>21.05.2018</a:t>
             </a:fld>
             <a:endParaRPr lang="tr-TR"/>
           </a:p>
@@ -3009,7 +3581,7 @@
     </p:spTree>
     <p:extLst>
       <p:ext uri="{BB962C8B-B14F-4D97-AF65-F5344CB8AC3E}">
-        <p14:creationId xmlns:p14="http://schemas.microsoft.com/office/powerpoint/2010/main" xmlns="" val="3912122464"/>
+        <p14:creationId xmlns="" xmlns:p14="http://schemas.microsoft.com/office/powerpoint/2010/main" val="3912122464"/>
       </p:ext>
     </p:extLst>
   </p:cSld>
@@ -3305,7 +3877,7 @@
             <a:fld id="{3EF96EC7-A9F6-4918-BDFC-C3ED4AC79626}" type="datetimeFigureOut">
               <a:rPr lang="tr-TR" smtClean="0"/>
               <a:pPr/>
-              <a:t>19.05.2018</a:t>
+              <a:t>21.05.2018</a:t>
             </a:fld>
             <a:endParaRPr lang="tr-TR"/>
           </a:p>
@@ -3378,7 +3950,7 @@
     </p:spTree>
     <p:extLst>
       <p:ext uri="{BB962C8B-B14F-4D97-AF65-F5344CB8AC3E}">
-        <p14:creationId xmlns:p14="http://schemas.microsoft.com/office/powerpoint/2010/main" xmlns="" val="2909264617"/>
+        <p14:creationId xmlns="" xmlns:p14="http://schemas.microsoft.com/office/powerpoint/2010/main" val="2909264617"/>
       </p:ext>
     </p:extLst>
   </p:cSld>
@@ -3689,7 +4261,7 @@
             <a:fld id="{3EF96EC7-A9F6-4918-BDFC-C3ED4AC79626}" type="datetimeFigureOut">
               <a:rPr lang="tr-TR" smtClean="0"/>
               <a:pPr/>
-              <a:t>19.05.2018</a:t>
+              <a:t>21.05.2018</a:t>
             </a:fld>
             <a:endParaRPr lang="tr-TR"/>
           </a:p>
@@ -3741,7 +4313,7 @@
     </p:spTree>
     <p:extLst>
       <p:ext uri="{BB962C8B-B14F-4D97-AF65-F5344CB8AC3E}">
-        <p14:creationId xmlns:p14="http://schemas.microsoft.com/office/powerpoint/2010/main" xmlns="" val="1224235102"/>
+        <p14:creationId xmlns="" xmlns:p14="http://schemas.microsoft.com/office/powerpoint/2010/main" val="1224235102"/>
       </p:ext>
     </p:extLst>
   </p:cSld>
@@ -3978,7 +4550,7 @@
             <a:fld id="{3EF96EC7-A9F6-4918-BDFC-C3ED4AC79626}" type="datetimeFigureOut">
               <a:rPr lang="tr-TR" smtClean="0"/>
               <a:pPr/>
-              <a:t>19.05.2018</a:t>
+              <a:t>21.05.2018</a:t>
             </a:fld>
             <a:endParaRPr lang="tr-TR"/>
           </a:p>
@@ -4100,7 +4672,7 @@
     </p:spTree>
     <p:extLst>
       <p:ext uri="{BB962C8B-B14F-4D97-AF65-F5344CB8AC3E}">
-        <p14:creationId xmlns:p14="http://schemas.microsoft.com/office/powerpoint/2010/main" xmlns="" val="2460612639"/>
+        <p14:creationId xmlns="" xmlns:p14="http://schemas.microsoft.com/office/powerpoint/2010/main" val="2460612639"/>
       </p:ext>
     </p:extLst>
   </p:cSld>
@@ -4569,6 +5141,181 @@
 </p:sld>
 </file>
 
+<file path=ppt/slides/slide10.xml><?xml version="1.0" encoding="utf-8"?>
+<p:sld xmlns:a="http://schemas.openxmlformats.org/drawingml/2006/main" xmlns:r="http://schemas.openxmlformats.org/officeDocument/2006/relationships" xmlns:p="http://schemas.openxmlformats.org/presentationml/2006/main">
+  <p:cSld>
+    <p:spTree>
+      <p:nvGrpSpPr>
+        <p:cNvPr id="1" name=""/>
+        <p:cNvGrpSpPr/>
+        <p:nvPr/>
+      </p:nvGrpSpPr>
+      <p:grpSpPr>
+        <a:xfrm>
+          <a:off x="0" y="0"/>
+          <a:ext cx="0" cy="0"/>
+          <a:chOff x="0" y="0"/>
+          <a:chExt cx="0" cy="0"/>
+        </a:xfrm>
+      </p:grpSpPr>
+      <p:sp>
+        <p:nvSpPr>
+          <p:cNvPr id="2" name="Title 1"/>
+          <p:cNvSpPr>
+            <a:spLocks noGrp="1"/>
+          </p:cNvSpPr>
+          <p:nvPr>
+            <p:ph type="title"/>
+          </p:nvPr>
+        </p:nvSpPr>
+        <p:spPr/>
+        <p:txBody>
+          <a:bodyPr/>
+          <a:lstStyle/>
+          <a:p>
+            <a:r>
+              <a:rPr lang="tr-TR" dirty="0" err="1" smtClean="0"/>
+              <a:t>future</a:t>
+            </a:r>
+            <a:r>
+              <a:rPr lang="tr-TR" dirty="0" smtClean="0"/>
+              <a:t> plan</a:t>
+            </a:r>
+            <a:endParaRPr lang="en-US" dirty="0"/>
+          </a:p>
+        </p:txBody>
+      </p:sp>
+      <p:sp>
+        <p:nvSpPr>
+          <p:cNvPr id="3" name="Content Placeholder 2"/>
+          <p:cNvSpPr>
+            <a:spLocks noGrp="1"/>
+          </p:cNvSpPr>
+          <p:nvPr>
+            <p:ph idx="1"/>
+          </p:nvPr>
+        </p:nvSpPr>
+        <p:spPr/>
+        <p:txBody>
+          <a:bodyPr/>
+          <a:lstStyle/>
+          <a:p>
+            <a:pPr>
+              <a:buFont typeface="Wingdings" panose="05000000000000000000" pitchFamily="2" charset="2"/>
+              <a:buChar char="q"/>
+            </a:pPr>
+            <a:r>
+              <a:rPr lang="en-US" dirty="0" smtClean="0"/>
+              <a:t> the effect of the dead time will be analyzed and investigated for both </a:t>
+            </a:r>
+            <a:r>
+              <a:rPr lang="en-US" dirty="0" err="1" smtClean="0"/>
+              <a:t>mosfet</a:t>
+            </a:r>
+            <a:r>
+              <a:rPr lang="en-US" dirty="0" smtClean="0"/>
+              <a:t> and </a:t>
+            </a:r>
+            <a:r>
+              <a:rPr lang="en-US" dirty="0" err="1" smtClean="0"/>
+              <a:t>igbt</a:t>
+            </a:r>
+            <a:r>
+              <a:rPr lang="en-US" dirty="0" smtClean="0"/>
+              <a:t> based VSI and for various PMSMs</a:t>
+            </a:r>
+          </a:p>
+          <a:p>
+            <a:pPr>
+              <a:buFont typeface="Wingdings" panose="05000000000000000000" pitchFamily="2" charset="2"/>
+              <a:buChar char="q"/>
+            </a:pPr>
+            <a:r>
+              <a:rPr lang="en-US" dirty="0" smtClean="0"/>
+              <a:t> proposed dead time compensation method will  </a:t>
+            </a:r>
+          </a:p>
+          <a:p>
+            <a:pPr lvl="1">
+              <a:buFont typeface="Wingdings" panose="05000000000000000000" pitchFamily="2" charset="2"/>
+              <a:buChar char="q"/>
+            </a:pPr>
+            <a:r>
+              <a:rPr lang="en-US" dirty="0" smtClean="0"/>
+              <a:t> be software based hence no requirement additional hardware</a:t>
+            </a:r>
+          </a:p>
+          <a:p>
+            <a:pPr lvl="1">
+              <a:buFont typeface="Wingdings" panose="05000000000000000000" pitchFamily="2" charset="2"/>
+              <a:buChar char="q"/>
+            </a:pPr>
+            <a:r>
+              <a:rPr lang="en-US" dirty="0" smtClean="0"/>
+              <a:t> not need precise current sampling especially in the zero crossing regions</a:t>
+            </a:r>
+          </a:p>
+          <a:p>
+            <a:pPr>
+              <a:buFont typeface="Wingdings" panose="05000000000000000000" pitchFamily="2" charset="2"/>
+              <a:buChar char="q"/>
+            </a:pPr>
+            <a:r>
+              <a:rPr lang="en-US" dirty="0" smtClean="0"/>
+              <a:t> the method will be integrated to the PMSM drive which is controlled by FOC algorithm </a:t>
+            </a:r>
+          </a:p>
+          <a:p>
+            <a:pPr>
+              <a:buFont typeface="Wingdings" panose="05000000000000000000" pitchFamily="2" charset="2"/>
+              <a:buChar char="q"/>
+            </a:pPr>
+            <a:r>
+              <a:rPr lang="en-US" dirty="0" smtClean="0"/>
+              <a:t> the effectiveness of the proposed method will be verified by experimental results and spectrum analysis</a:t>
+            </a:r>
+          </a:p>
+          <a:p>
+            <a:pPr>
+              <a:buFont typeface="Wingdings" panose="05000000000000000000" pitchFamily="2" charset="2"/>
+              <a:buChar char="q"/>
+            </a:pPr>
+            <a:r>
+              <a:rPr lang="en-US" dirty="0" smtClean="0"/>
+              <a:t> the waveforms of the phase, id and </a:t>
+            </a:r>
+            <a:r>
+              <a:rPr lang="en-US" dirty="0" err="1" smtClean="0"/>
+              <a:t>iq</a:t>
+            </a:r>
+            <a:r>
+              <a:rPr lang="en-US" dirty="0" smtClean="0"/>
+              <a:t> currents will be compared with and without compensation in the steady state and also during the dynamic process</a:t>
+            </a:r>
+            <a:endParaRPr lang="en-US" dirty="0"/>
+          </a:p>
+        </p:txBody>
+      </p:sp>
+    </p:spTree>
+    <p:extLst>
+      <p:ext uri="{BB962C8B-B14F-4D97-AF65-F5344CB8AC3E}">
+        <p14:creationId xmlns:p14="http://schemas.microsoft.com/office/powerpoint/2010/main" xmlns="" val="989655920"/>
+      </p:ext>
+    </p:extLst>
+  </p:cSld>
+  <p:clrMapOvr>
+    <a:masterClrMapping/>
+  </p:clrMapOvr>
+  <p:timing>
+    <p:tnLst>
+      <p:par>
+        <p:cTn id="1" dur="indefinite" restart="never" nodeType="tmRoot"/>
+      </p:par>
+    </p:tnLst>
+  </p:timing>
+</p:sld>
+</file>
+
 <file path=ppt/slides/slide2.xml><?xml version="1.0" encoding="utf-8"?>
 <p:sld xmlns:a="http://schemas.openxmlformats.org/drawingml/2006/main" xmlns:r="http://schemas.openxmlformats.org/officeDocument/2006/relationships" xmlns:p="http://schemas.openxmlformats.org/presentationml/2006/main">
   <p:cSld>
@@ -5129,7 +5876,7 @@
               <a:t>V</a:t>
             </a:r>
             <a:r>
-              <a:rPr lang="tr-TR" sz="1600" dirty="0" err="1"/>
+              <a:rPr lang="tr-TR" baseline="-25000" dirty="0" err="1"/>
               <a:t>ao</a:t>
             </a:r>
             <a:r>
@@ -5141,10 +5888,10 @@
               <a:t>V</a:t>
             </a:r>
             <a:r>
-              <a:rPr lang="tr-TR" sz="1600" dirty="0" err="1" smtClean="0"/>
+              <a:rPr lang="tr-TR" baseline="-25000" dirty="0" err="1" smtClean="0"/>
               <a:t>a</a:t>
             </a:r>
-            <a:endParaRPr lang="tr-TR" sz="1600" dirty="0" smtClean="0"/>
+            <a:endParaRPr lang="tr-TR" baseline="-25000" dirty="0" smtClean="0"/>
           </a:p>
           <a:p>
             <a:endParaRPr lang="tr-TR" sz="1600" dirty="0" smtClean="0"/>
@@ -5189,7 +5936,15 @@
                   <a:srgbClr val="000000"/>
                 </a:solidFill>
               </a:rPr>
-              <a:t>Vd</a:t>
+              <a:t>V</a:t>
+            </a:r>
+            <a:r>
+              <a:rPr lang="tr-TR" baseline="-25000" dirty="0" err="1" smtClean="0">
+                <a:solidFill>
+                  <a:srgbClr val="000000"/>
+                </a:solidFill>
+              </a:rPr>
+              <a:t>d</a:t>
             </a:r>
             <a:r>
               <a:rPr lang="tr-TR" dirty="0" smtClean="0">
@@ -5208,7 +5963,7 @@
               <a:t>t</a:t>
             </a:r>
             <a:r>
-              <a:rPr lang="tr-TR" sz="1600" dirty="0" err="1" smtClean="0">
+              <a:rPr lang="tr-TR" sz="1600" baseline="-25000" dirty="0" err="1" smtClean="0">
                 <a:solidFill>
                   <a:srgbClr val="000000"/>
                 </a:solidFill>
@@ -5216,12 +5971,20 @@
               <a:t>dead</a:t>
             </a:r>
             <a:r>
+              <a:rPr lang="tr-TR" sz="1600" baseline="-25000" dirty="0" smtClean="0">
+                <a:solidFill>
+                  <a:srgbClr val="000000"/>
+                </a:solidFill>
+              </a:rPr>
+              <a:t> </a:t>
+            </a:r>
+            <a:r>
               <a:rPr lang="tr-TR" sz="1600" dirty="0" smtClean="0">
                 <a:solidFill>
                   <a:srgbClr val="000000"/>
                 </a:solidFill>
               </a:rPr>
-              <a:t> 	(in </a:t>
+              <a:t>	(in </a:t>
             </a:r>
             <a:r>
               <a:rPr lang="tr-TR" sz="1600" dirty="0" err="1" smtClean="0">
@@ -5278,7 +6041,7 @@
               <a:t>T</a:t>
             </a:r>
             <a:r>
-              <a:rPr lang="tr-TR" dirty="0" err="1" smtClean="0"/>
+              <a:rPr lang="tr-TR" baseline="-25000" dirty="0" err="1" smtClean="0"/>
               <a:t>o</a:t>
             </a:r>
             <a:r>
@@ -5290,7 +6053,7 @@
               <a:t>f</a:t>
             </a:r>
             <a:r>
-              <a:rPr lang="tr-TR" dirty="0" err="1" smtClean="0"/>
+              <a:rPr lang="tr-TR" baseline="-25000" dirty="0" err="1" smtClean="0"/>
               <a:t>s</a:t>
             </a:r>
             <a:r>
@@ -5302,7 +6065,7 @@
               <a:t>f</a:t>
             </a:r>
             <a:r>
-              <a:rPr lang="tr-TR" dirty="0" err="1" smtClean="0"/>
+              <a:rPr lang="tr-TR" baseline="-25000" dirty="0" err="1" smtClean="0"/>
               <a:t>o</a:t>
             </a:r>
             <a:r>
@@ -5360,8 +6123,12 @@
               <a:t>f</a:t>
             </a:r>
             <a:r>
+              <a:rPr lang="tr-TR" baseline="-25000" dirty="0" smtClean="0"/>
+              <a:t>s</a:t>
+            </a:r>
+            <a:r>
               <a:rPr lang="tr-TR" dirty="0" smtClean="0"/>
-              <a:t>s </a:t>
+              <a:t> </a:t>
             </a:r>
             <a:r>
               <a:rPr lang="en-US" dirty="0" smtClean="0"/>
@@ -5543,18 +6310,7 @@
                   </a:schemeClr>
                 </a:solidFill>
               </a:rPr>
-              <a:t> </a:t>
-            </a:r>
-            <a:r>
-              <a:rPr lang="en-US" sz="2000" baseline="0" dirty="0" smtClean="0">
-                <a:solidFill>
-                  <a:schemeClr val="tx1">
-                    <a:lumMod val="75000"/>
-                    <a:lumOff val="25000"/>
-                  </a:schemeClr>
-                </a:solidFill>
-              </a:rPr>
-              <a:t>effect</a:t>
+              <a:t> effect</a:t>
             </a:r>
             <a:r>
               <a:rPr lang="en-US" sz="2000" dirty="0" smtClean="0">
@@ -5604,27 +6360,7 @@
                 <a:ea typeface="+mn-ea"/>
                 <a:cs typeface="+mn-cs"/>
               </a:rPr>
-              <a:t> </a:t>
-            </a:r>
-            <a:r>
-              <a:rPr kumimoji="0" lang="en-US" sz="2000" b="0" i="0" u="none" strike="noStrike" kern="1200" cap="none" spc="0" normalizeH="0" noProof="0" dirty="0" smtClean="0">
-                <a:ln>
-                  <a:noFill/>
-                </a:ln>
-                <a:solidFill>
-                  <a:schemeClr val="tx1">
-                    <a:lumMod val="75000"/>
-                    <a:lumOff val="25000"/>
-                  </a:schemeClr>
-                </a:solidFill>
-                <a:effectLst/>
-                <a:uLnTx/>
-                <a:uFillTx/>
-                <a:latin typeface="+mn-lt"/>
-                <a:ea typeface="+mn-ea"/>
-                <a:cs typeface="+mn-cs"/>
-              </a:rPr>
-              <a:t>output frequency </a:t>
+              <a:t> output frequency </a:t>
             </a:r>
             <a:r>
               <a:rPr kumimoji="0" lang="en-US" sz="2000" b="0" i="0" u="none" strike="noStrike" kern="1200" cap="none" spc="0" normalizeH="0" noProof="0" dirty="0" err="1" smtClean="0">
@@ -5927,17 +6663,989 @@
             </a:pPr>
             <a:r>
               <a:rPr lang="en-US" dirty="0" smtClean="0"/>
-              <a:t> analysis demonstrates that the dead-time effects mainly produce 5th</a:t>
-            </a:r>
+              <a:t> analysis demonstrates that the dead-time effects mainly produce 5</a:t>
+            </a:r>
+            <a:r>
+              <a:rPr lang="en-US" baseline="30000" dirty="0" smtClean="0"/>
+              <a:t>th</a:t>
+            </a:r>
+            <a:r>
+              <a:rPr lang="en-US" dirty="0" smtClean="0"/>
+              <a:t> and 7</a:t>
+            </a:r>
+            <a:r>
+              <a:rPr lang="en-US" baseline="30000" dirty="0" smtClean="0"/>
+              <a:t>th</a:t>
+            </a:r>
+            <a:r>
+              <a:rPr lang="en-US" dirty="0" smtClean="0"/>
+              <a:t> harmonics in the α-β reference frame and 6th voltage harmonic and its multiples in the d-q reference frame which cause current harmonics </a:t>
+            </a:r>
+          </a:p>
+          <a:p>
+            <a:pPr>
+              <a:buFont typeface="Wingdings" pitchFamily="2" charset="2"/>
+              <a:buChar char="q"/>
+            </a:pPr>
             <a:endParaRPr lang="en-US" dirty="0"/>
           </a:p>
         </p:txBody>
       </p:sp>
+      <p:pic>
+        <p:nvPicPr>
+          <p:cNvPr id="4" name="Picture 3"/>
+          <p:cNvPicPr>
+            <a:picLocks noChangeAspect="1"/>
+          </p:cNvPicPr>
+          <p:nvPr/>
+        </p:nvPicPr>
+        <p:blipFill>
+          <a:blip r:embed="rId4"/>
+          <a:stretch>
+            <a:fillRect/>
+          </a:stretch>
+        </p:blipFill>
+        <p:spPr>
+          <a:xfrm>
+            <a:off x="1308101" y="2841654"/>
+            <a:ext cx="3388070" cy="3458655"/>
+          </a:xfrm>
+          <a:prstGeom prst="rect">
+            <a:avLst/>
+          </a:prstGeom>
+        </p:spPr>
+      </p:pic>
+      <p:graphicFrame>
+        <p:nvGraphicFramePr>
+          <p:cNvPr id="5" name="Object 4"/>
+          <p:cNvGraphicFramePr>
+            <a:graphicFrameLocks noChangeAspect="1"/>
+          </p:cNvGraphicFramePr>
+          <p:nvPr>
+            <p:extLst>
+              <p:ext uri="{D42A27DB-BD31-4B8C-83A1-F6EECF244321}">
+                <p14:modId xmlns:p14="http://schemas.microsoft.com/office/powerpoint/2010/main" xmlns="" val="3584033790"/>
+              </p:ext>
+            </p:extLst>
+          </p:nvPr>
+        </p:nvGraphicFramePr>
+        <p:xfrm>
+          <a:off x="5676831" y="2991240"/>
+          <a:ext cx="2540069" cy="768804"/>
+        </p:xfrm>
+        <a:graphic>
+          <a:graphicData uri="http://schemas.openxmlformats.org/presentationml/2006/ole">
+            <p:oleObj spid="_x0000_s1026" name="Bitmap Image" r:id="rId5" imgW="3209760" imgH="971640" progId="PBrush">
+              <p:embed/>
+            </p:oleObj>
+          </a:graphicData>
+        </a:graphic>
+      </p:graphicFrame>
+      <p:pic>
+        <p:nvPicPr>
+          <p:cNvPr id="6" name="Picture 5"/>
+          <p:cNvPicPr>
+            <a:picLocks noChangeAspect="1"/>
+          </p:cNvPicPr>
+          <p:nvPr/>
+        </p:nvPicPr>
+        <p:blipFill>
+          <a:blip r:embed="rId6"/>
+          <a:stretch>
+            <a:fillRect/>
+          </a:stretch>
+        </p:blipFill>
+        <p:spPr>
+          <a:xfrm>
+            <a:off x="5343802" y="3970689"/>
+            <a:ext cx="3136927" cy="2109050"/>
+          </a:xfrm>
+          <a:prstGeom prst="rect">
+            <a:avLst/>
+          </a:prstGeom>
+        </p:spPr>
+      </p:pic>
+      <p:pic>
+        <p:nvPicPr>
+          <p:cNvPr id="7" name="Picture 6"/>
+          <p:cNvPicPr>
+            <a:picLocks noChangeAspect="1"/>
+          </p:cNvPicPr>
+          <p:nvPr/>
+        </p:nvPicPr>
+        <p:blipFill>
+          <a:blip r:embed="rId7"/>
+          <a:stretch>
+            <a:fillRect/>
+          </a:stretch>
+        </p:blipFill>
+        <p:spPr>
+          <a:xfrm>
+            <a:off x="8480729" y="3970689"/>
+            <a:ext cx="2902700" cy="2109050"/>
+          </a:xfrm>
+          <a:prstGeom prst="rect">
+            <a:avLst/>
+          </a:prstGeom>
+        </p:spPr>
+      </p:pic>
+      <p:pic>
+        <p:nvPicPr>
+          <p:cNvPr id="8" name="Picture 7"/>
+          <p:cNvPicPr>
+            <a:picLocks noChangeAspect="1"/>
+          </p:cNvPicPr>
+          <p:nvPr/>
+        </p:nvPicPr>
+        <p:blipFill>
+          <a:blip r:embed="rId8"/>
+          <a:stretch>
+            <a:fillRect/>
+          </a:stretch>
+        </p:blipFill>
+        <p:spPr>
+          <a:xfrm>
+            <a:off x="8864531" y="2988519"/>
+            <a:ext cx="2266950" cy="771525"/>
+          </a:xfrm>
+          <a:prstGeom prst="rect">
+            <a:avLst/>
+          </a:prstGeom>
+        </p:spPr>
+      </p:pic>
     </p:spTree>
   </p:cSld>
   <p:clrMapOvr>
     <a:masterClrMapping/>
   </p:clrMapOvr>
+  <p:timing>
+    <p:tnLst>
+      <p:par>
+        <p:cTn id="1" dur="indefinite" restart="never" nodeType="tmRoot"/>
+      </p:par>
+    </p:tnLst>
+  </p:timing>
+</p:sld>
+</file>
+
+<file path=ppt/slides/slide6.xml><?xml version="1.0" encoding="utf-8"?>
+<p:sld xmlns:a="http://schemas.openxmlformats.org/drawingml/2006/main" xmlns:r="http://schemas.openxmlformats.org/officeDocument/2006/relationships" xmlns:p="http://schemas.openxmlformats.org/presentationml/2006/main">
+  <p:cSld>
+    <p:spTree>
+      <p:nvGrpSpPr>
+        <p:cNvPr id="1" name=""/>
+        <p:cNvGrpSpPr/>
+        <p:nvPr/>
+      </p:nvGrpSpPr>
+      <p:grpSpPr>
+        <a:xfrm>
+          <a:off x="0" y="0"/>
+          <a:ext cx="0" cy="0"/>
+          <a:chOff x="0" y="0"/>
+          <a:chExt cx="0" cy="0"/>
+        </a:xfrm>
+      </p:grpSpPr>
+      <p:sp>
+        <p:nvSpPr>
+          <p:cNvPr id="2" name="Title 1"/>
+          <p:cNvSpPr>
+            <a:spLocks noGrp="1"/>
+          </p:cNvSpPr>
+          <p:nvPr>
+            <p:ph type="title"/>
+          </p:nvPr>
+        </p:nvSpPr>
+        <p:spPr/>
+        <p:txBody>
+          <a:bodyPr/>
+          <a:lstStyle/>
+          <a:p>
+            <a:r>
+              <a:rPr lang="en-US" dirty="0" smtClean="0"/>
+              <a:t>literature</a:t>
+            </a:r>
+            <a:endParaRPr lang="en-US" dirty="0"/>
+          </a:p>
+        </p:txBody>
+      </p:sp>
+      <p:sp>
+        <p:nvSpPr>
+          <p:cNvPr id="3" name="Content Placeholder 2"/>
+          <p:cNvSpPr>
+            <a:spLocks noGrp="1"/>
+          </p:cNvSpPr>
+          <p:nvPr>
+            <p:ph idx="1"/>
+          </p:nvPr>
+        </p:nvSpPr>
+        <p:spPr/>
+        <p:txBody>
+          <a:bodyPr/>
+          <a:lstStyle/>
+          <a:p>
+            <a:pPr>
+              <a:buFont typeface="Wingdings" panose="05000000000000000000" pitchFamily="2" charset="2"/>
+              <a:buChar char="q"/>
+            </a:pPr>
+            <a:r>
+              <a:rPr lang="en-US" dirty="0" smtClean="0"/>
+              <a:t> various compensation methods have been proposed </a:t>
+            </a:r>
+          </a:p>
+          <a:p>
+            <a:pPr lvl="1">
+              <a:buFont typeface="Wingdings" panose="05000000000000000000" pitchFamily="2" charset="2"/>
+              <a:buChar char="q"/>
+            </a:pPr>
+            <a:r>
+              <a:rPr lang="en-US" dirty="0" smtClean="0"/>
+              <a:t> hardware based</a:t>
+            </a:r>
+          </a:p>
+          <a:p>
+            <a:pPr lvl="2">
+              <a:buFont typeface="Wingdings" panose="05000000000000000000" pitchFamily="2" charset="2"/>
+              <a:buChar char="v"/>
+            </a:pPr>
+            <a:r>
+              <a:rPr lang="en-US" dirty="0" smtClean="0"/>
+              <a:t>terminal voltage is measured by analog circuitry and used as a feedback  </a:t>
+            </a:r>
+          </a:p>
+          <a:p>
+            <a:pPr lvl="1">
+              <a:buFont typeface="Wingdings" panose="05000000000000000000" pitchFamily="2" charset="2"/>
+              <a:buChar char="q"/>
+            </a:pPr>
+            <a:r>
+              <a:rPr lang="en-US" dirty="0" smtClean="0"/>
+              <a:t> software based </a:t>
+            </a:r>
+          </a:p>
+          <a:p>
+            <a:pPr lvl="2">
+              <a:buFont typeface="Wingdings" panose="05000000000000000000" pitchFamily="2" charset="2"/>
+              <a:buChar char="q"/>
+            </a:pPr>
+            <a:r>
+              <a:rPr lang="en-US" dirty="0" smtClean="0"/>
+              <a:t>current harmonic analysis based method</a:t>
+            </a:r>
+          </a:p>
+          <a:p>
+            <a:pPr lvl="3">
+              <a:buFont typeface="Wingdings" panose="05000000000000000000" pitchFamily="2" charset="2"/>
+              <a:buChar char="v"/>
+            </a:pPr>
+            <a:r>
+              <a:rPr lang="en-US" dirty="0" smtClean="0"/>
+              <a:t>based on monitoring harmonic distortion in the d-axis current</a:t>
+            </a:r>
+          </a:p>
+          <a:p>
+            <a:pPr lvl="2">
+              <a:buFont typeface="Wingdings" panose="05000000000000000000" pitchFamily="2" charset="2"/>
+              <a:buChar char="q"/>
+            </a:pPr>
+            <a:r>
+              <a:rPr lang="en-US" dirty="0" smtClean="0"/>
+              <a:t>estimator based method</a:t>
+            </a:r>
+          </a:p>
+          <a:p>
+            <a:pPr lvl="3">
+              <a:buFont typeface="Wingdings" panose="05000000000000000000" pitchFamily="2" charset="2"/>
+              <a:buChar char="v"/>
+            </a:pPr>
+            <a:r>
+              <a:rPr lang="en-US" dirty="0" smtClean="0"/>
+              <a:t>estimators (or observers) are designed to extract the disturbance voltage based on the motor model</a:t>
+            </a:r>
+          </a:p>
+          <a:p>
+            <a:pPr lvl="2">
+              <a:buFont typeface="Wingdings" panose="05000000000000000000" pitchFamily="2" charset="2"/>
+              <a:buChar char="q"/>
+            </a:pPr>
+            <a:r>
+              <a:rPr lang="en-US" dirty="0" smtClean="0"/>
+              <a:t>instantaneous average  voltage method</a:t>
+            </a:r>
+          </a:p>
+          <a:p>
+            <a:pPr lvl="3">
+              <a:buFont typeface="Wingdings" panose="05000000000000000000" pitchFamily="2" charset="2"/>
+              <a:buChar char="v"/>
+            </a:pPr>
+            <a:r>
+              <a:rPr lang="en-US" dirty="0" smtClean="0"/>
+              <a:t>compensate the average voltage error between reference voltage and actual voltage in each switching period</a:t>
+            </a:r>
+          </a:p>
+          <a:p>
+            <a:pPr lvl="2">
+              <a:buFont typeface="Wingdings" panose="05000000000000000000" pitchFamily="2" charset="2"/>
+              <a:buChar char="q"/>
+            </a:pPr>
+            <a:endParaRPr lang="en-US" dirty="0"/>
+          </a:p>
+        </p:txBody>
+      </p:sp>
+    </p:spTree>
+    <p:extLst>
+      <p:ext uri="{BB962C8B-B14F-4D97-AF65-F5344CB8AC3E}">
+        <p14:creationId xmlns:p14="http://schemas.microsoft.com/office/powerpoint/2010/main" xmlns="" val="914271857"/>
+      </p:ext>
+    </p:extLst>
+  </p:cSld>
+  <p:clrMapOvr>
+    <a:masterClrMapping/>
+  </p:clrMapOvr>
+  <p:timing>
+    <p:tnLst>
+      <p:par>
+        <p:cTn id="1" dur="indefinite" restart="never" nodeType="tmRoot"/>
+      </p:par>
+    </p:tnLst>
+  </p:timing>
+</p:sld>
+</file>
+
+<file path=ppt/slides/slide7.xml><?xml version="1.0" encoding="utf-8"?>
+<p:sld xmlns:a="http://schemas.openxmlformats.org/drawingml/2006/main" xmlns:r="http://schemas.openxmlformats.org/officeDocument/2006/relationships" xmlns:p="http://schemas.openxmlformats.org/presentationml/2006/main">
+  <p:cSld>
+    <p:spTree>
+      <p:nvGrpSpPr>
+        <p:cNvPr id="1" name=""/>
+        <p:cNvGrpSpPr/>
+        <p:nvPr/>
+      </p:nvGrpSpPr>
+      <p:grpSpPr>
+        <a:xfrm>
+          <a:off x="0" y="0"/>
+          <a:ext cx="0" cy="0"/>
+          <a:chOff x="0" y="0"/>
+          <a:chExt cx="0" cy="0"/>
+        </a:xfrm>
+      </p:grpSpPr>
+      <p:sp>
+        <p:nvSpPr>
+          <p:cNvPr id="2" name="Title 1"/>
+          <p:cNvSpPr>
+            <a:spLocks noGrp="1"/>
+          </p:cNvSpPr>
+          <p:nvPr>
+            <p:ph type="title"/>
+          </p:nvPr>
+        </p:nvSpPr>
+        <p:spPr/>
+        <p:txBody>
+          <a:bodyPr/>
+          <a:lstStyle/>
+          <a:p>
+            <a:r>
+              <a:rPr lang="en-US" dirty="0" smtClean="0"/>
+              <a:t>literature</a:t>
+            </a:r>
+            <a:endParaRPr lang="en-US" dirty="0"/>
+          </a:p>
+        </p:txBody>
+      </p:sp>
+      <p:sp>
+        <p:nvSpPr>
+          <p:cNvPr id="3" name="Content Placeholder 2"/>
+          <p:cNvSpPr>
+            <a:spLocks noGrp="1"/>
+          </p:cNvSpPr>
+          <p:nvPr>
+            <p:ph idx="1"/>
+          </p:nvPr>
+        </p:nvSpPr>
+        <p:spPr/>
+        <p:txBody>
+          <a:bodyPr/>
+          <a:lstStyle/>
+          <a:p>
+            <a:pPr>
+              <a:buFont typeface="Wingdings" panose="05000000000000000000" pitchFamily="2" charset="2"/>
+              <a:buChar char="q"/>
+            </a:pPr>
+            <a:r>
+              <a:rPr lang="en-US" dirty="0" smtClean="0"/>
+              <a:t> an example of hardware based compensation method</a:t>
+            </a:r>
+            <a:endParaRPr lang="en-US" dirty="0"/>
+          </a:p>
+        </p:txBody>
+      </p:sp>
+      <p:pic>
+        <p:nvPicPr>
+          <p:cNvPr id="4" name="Picture 3"/>
+          <p:cNvPicPr>
+            <a:picLocks noChangeAspect="1"/>
+          </p:cNvPicPr>
+          <p:nvPr/>
+        </p:nvPicPr>
+        <p:blipFill>
+          <a:blip r:embed="rId3"/>
+          <a:stretch>
+            <a:fillRect/>
+          </a:stretch>
+        </p:blipFill>
+        <p:spPr>
+          <a:xfrm>
+            <a:off x="386760" y="4679249"/>
+            <a:ext cx="1549784" cy="1580172"/>
+          </a:xfrm>
+          <a:prstGeom prst="rect">
+            <a:avLst/>
+          </a:prstGeom>
+        </p:spPr>
+      </p:pic>
+      <p:pic>
+        <p:nvPicPr>
+          <p:cNvPr id="6" name="Picture 5"/>
+          <p:cNvPicPr>
+            <a:picLocks noChangeAspect="1"/>
+          </p:cNvPicPr>
+          <p:nvPr/>
+        </p:nvPicPr>
+        <p:blipFill>
+          <a:blip r:embed="rId4"/>
+          <a:stretch>
+            <a:fillRect/>
+          </a:stretch>
+        </p:blipFill>
+        <p:spPr>
+          <a:xfrm>
+            <a:off x="7773148" y="2279244"/>
+            <a:ext cx="3821112" cy="2536903"/>
+          </a:xfrm>
+          <a:prstGeom prst="rect">
+            <a:avLst/>
+          </a:prstGeom>
+        </p:spPr>
+      </p:pic>
+      <p:pic>
+        <p:nvPicPr>
+          <p:cNvPr id="8" name="Picture 7"/>
+          <p:cNvPicPr>
+            <a:picLocks noChangeAspect="1"/>
+          </p:cNvPicPr>
+          <p:nvPr/>
+        </p:nvPicPr>
+        <p:blipFill>
+          <a:blip r:embed="rId5"/>
+          <a:stretch>
+            <a:fillRect/>
+          </a:stretch>
+        </p:blipFill>
+        <p:spPr>
+          <a:xfrm>
+            <a:off x="2752534" y="2228444"/>
+            <a:ext cx="4595648" cy="2737256"/>
+          </a:xfrm>
+          <a:prstGeom prst="rect">
+            <a:avLst/>
+          </a:prstGeom>
+        </p:spPr>
+      </p:pic>
+      <p:pic>
+        <p:nvPicPr>
+          <p:cNvPr id="10" name="Picture 9"/>
+          <p:cNvPicPr>
+            <a:picLocks noChangeAspect="1"/>
+          </p:cNvPicPr>
+          <p:nvPr/>
+        </p:nvPicPr>
+        <p:blipFill>
+          <a:blip r:embed="rId6"/>
+          <a:stretch>
+            <a:fillRect/>
+          </a:stretch>
+        </p:blipFill>
+        <p:spPr>
+          <a:xfrm>
+            <a:off x="8486814" y="4816147"/>
+            <a:ext cx="2668866" cy="1486457"/>
+          </a:xfrm>
+          <a:prstGeom prst="rect">
+            <a:avLst/>
+          </a:prstGeom>
+        </p:spPr>
+      </p:pic>
+      <p:pic>
+        <p:nvPicPr>
+          <p:cNvPr id="11" name="Picture 10"/>
+          <p:cNvPicPr>
+            <a:picLocks noChangeAspect="1"/>
+          </p:cNvPicPr>
+          <p:nvPr/>
+        </p:nvPicPr>
+        <p:blipFill>
+          <a:blip r:embed="rId7"/>
+          <a:stretch>
+            <a:fillRect/>
+          </a:stretch>
+        </p:blipFill>
+        <p:spPr>
+          <a:xfrm>
+            <a:off x="241189" y="2236061"/>
+            <a:ext cx="1841585" cy="2287387"/>
+          </a:xfrm>
+          <a:prstGeom prst="rect">
+            <a:avLst/>
+          </a:prstGeom>
+        </p:spPr>
+      </p:pic>
+      <p:pic>
+        <p:nvPicPr>
+          <p:cNvPr id="12" name="Picture 11"/>
+          <p:cNvPicPr>
+            <a:picLocks noChangeAspect="1"/>
+          </p:cNvPicPr>
+          <p:nvPr/>
+        </p:nvPicPr>
+        <p:blipFill>
+          <a:blip r:embed="rId8"/>
+          <a:stretch>
+            <a:fillRect/>
+          </a:stretch>
+        </p:blipFill>
+        <p:spPr>
+          <a:xfrm>
+            <a:off x="3591798" y="4843614"/>
+            <a:ext cx="2641024" cy="1415807"/>
+          </a:xfrm>
+          <a:prstGeom prst="rect">
+            <a:avLst/>
+          </a:prstGeom>
+        </p:spPr>
+      </p:pic>
+    </p:spTree>
+    <p:extLst>
+      <p:ext uri="{BB962C8B-B14F-4D97-AF65-F5344CB8AC3E}">
+        <p14:creationId xmlns:p14="http://schemas.microsoft.com/office/powerpoint/2010/main" xmlns="" val="270053531"/>
+      </p:ext>
+    </p:extLst>
+  </p:cSld>
+  <p:clrMapOvr>
+    <a:masterClrMapping/>
+  </p:clrMapOvr>
+  <p:timing>
+    <p:tnLst>
+      <p:par>
+        <p:cTn id="1" dur="indefinite" restart="never" nodeType="tmRoot"/>
+      </p:par>
+    </p:tnLst>
+  </p:timing>
+</p:sld>
+</file>
+
+<file path=ppt/slides/slide8.xml><?xml version="1.0" encoding="utf-8"?>
+<p:sld xmlns:a="http://schemas.openxmlformats.org/drawingml/2006/main" xmlns:r="http://schemas.openxmlformats.org/officeDocument/2006/relationships" xmlns:p="http://schemas.openxmlformats.org/presentationml/2006/main">
+  <p:cSld>
+    <p:spTree>
+      <p:nvGrpSpPr>
+        <p:cNvPr id="1" name=""/>
+        <p:cNvGrpSpPr/>
+        <p:nvPr/>
+      </p:nvGrpSpPr>
+      <p:grpSpPr>
+        <a:xfrm>
+          <a:off x="0" y="0"/>
+          <a:ext cx="0" cy="0"/>
+          <a:chOff x="0" y="0"/>
+          <a:chExt cx="0" cy="0"/>
+        </a:xfrm>
+      </p:grpSpPr>
+      <p:sp>
+        <p:nvSpPr>
+          <p:cNvPr id="2" name="Title 1"/>
+          <p:cNvSpPr>
+            <a:spLocks noGrp="1"/>
+          </p:cNvSpPr>
+          <p:nvPr>
+            <p:ph type="title"/>
+          </p:nvPr>
+        </p:nvSpPr>
+        <p:spPr/>
+        <p:txBody>
+          <a:bodyPr/>
+          <a:lstStyle/>
+          <a:p>
+            <a:r>
+              <a:rPr lang="en-US" dirty="0" smtClean="0"/>
+              <a:t>literature</a:t>
+            </a:r>
+            <a:endParaRPr lang="en-US" dirty="0"/>
+          </a:p>
+        </p:txBody>
+      </p:sp>
+      <p:sp>
+        <p:nvSpPr>
+          <p:cNvPr id="3" name="Content Placeholder 2"/>
+          <p:cNvSpPr>
+            <a:spLocks noGrp="1"/>
+          </p:cNvSpPr>
+          <p:nvPr>
+            <p:ph idx="1"/>
+          </p:nvPr>
+        </p:nvSpPr>
+        <p:spPr/>
+        <p:txBody>
+          <a:bodyPr/>
+          <a:lstStyle/>
+          <a:p>
+            <a:pPr>
+              <a:buFont typeface="Wingdings" panose="05000000000000000000" pitchFamily="2" charset="2"/>
+              <a:buChar char="q"/>
+            </a:pPr>
+            <a:r>
+              <a:rPr lang="en-US" dirty="0" smtClean="0"/>
+              <a:t> an example of software based compensation method (revised repetitive controller RRC)</a:t>
+            </a:r>
+          </a:p>
+          <a:p>
+            <a:pPr>
+              <a:buFont typeface="Wingdings" panose="05000000000000000000" pitchFamily="2" charset="2"/>
+              <a:buChar char="q"/>
+            </a:pPr>
+            <a:endParaRPr lang="en-US" dirty="0"/>
+          </a:p>
+        </p:txBody>
+      </p:sp>
+      <p:pic>
+        <p:nvPicPr>
+          <p:cNvPr id="4" name="Picture 3"/>
+          <p:cNvPicPr>
+            <a:picLocks noChangeAspect="1"/>
+          </p:cNvPicPr>
+          <p:nvPr/>
+        </p:nvPicPr>
+        <p:blipFill>
+          <a:blip r:embed="rId2"/>
+          <a:stretch>
+            <a:fillRect/>
+          </a:stretch>
+        </p:blipFill>
+        <p:spPr>
+          <a:xfrm>
+            <a:off x="101600" y="2453100"/>
+            <a:ext cx="5008880" cy="3415994"/>
+          </a:xfrm>
+          <a:prstGeom prst="rect">
+            <a:avLst/>
+          </a:prstGeom>
+        </p:spPr>
+      </p:pic>
+      <p:pic>
+        <p:nvPicPr>
+          <p:cNvPr id="5" name="Picture 4"/>
+          <p:cNvPicPr>
+            <a:picLocks noChangeAspect="1"/>
+          </p:cNvPicPr>
+          <p:nvPr/>
+        </p:nvPicPr>
+        <p:blipFill>
+          <a:blip r:embed="rId3"/>
+          <a:stretch>
+            <a:fillRect/>
+          </a:stretch>
+        </p:blipFill>
+        <p:spPr>
+          <a:xfrm>
+            <a:off x="4996180" y="2702031"/>
+            <a:ext cx="3515517" cy="3167063"/>
+          </a:xfrm>
+          <a:prstGeom prst="rect">
+            <a:avLst/>
+          </a:prstGeom>
+        </p:spPr>
+      </p:pic>
+      <p:pic>
+        <p:nvPicPr>
+          <p:cNvPr id="6" name="Picture 5"/>
+          <p:cNvPicPr>
+            <a:picLocks noChangeAspect="1"/>
+          </p:cNvPicPr>
+          <p:nvPr/>
+        </p:nvPicPr>
+        <p:blipFill>
+          <a:blip r:embed="rId4"/>
+          <a:stretch>
+            <a:fillRect/>
+          </a:stretch>
+        </p:blipFill>
+        <p:spPr>
+          <a:xfrm>
+            <a:off x="8420590" y="2778231"/>
+            <a:ext cx="3857769" cy="3090863"/>
+          </a:xfrm>
+          <a:prstGeom prst="rect">
+            <a:avLst/>
+          </a:prstGeom>
+        </p:spPr>
+      </p:pic>
+    </p:spTree>
+    <p:extLst>
+      <p:ext uri="{BB962C8B-B14F-4D97-AF65-F5344CB8AC3E}">
+        <p14:creationId xmlns:p14="http://schemas.microsoft.com/office/powerpoint/2010/main" xmlns="" val="1233765601"/>
+      </p:ext>
+    </p:extLst>
+  </p:cSld>
+  <p:clrMapOvr>
+    <a:masterClrMapping/>
+  </p:clrMapOvr>
+  <p:timing>
+    <p:tnLst>
+      <p:par>
+        <p:cTn id="1" dur="indefinite" restart="never" nodeType="tmRoot"/>
+      </p:par>
+    </p:tnLst>
+  </p:timing>
+</p:sld>
+</file>
+
+<file path=ppt/slides/slide9.xml><?xml version="1.0" encoding="utf-8"?>
+<p:sld xmlns:a="http://schemas.openxmlformats.org/drawingml/2006/main" xmlns:r="http://schemas.openxmlformats.org/officeDocument/2006/relationships" xmlns:p="http://schemas.openxmlformats.org/presentationml/2006/main">
+  <p:cSld>
+    <p:spTree>
+      <p:nvGrpSpPr>
+        <p:cNvPr id="1" name=""/>
+        <p:cNvGrpSpPr/>
+        <p:nvPr/>
+      </p:nvGrpSpPr>
+      <p:grpSpPr>
+        <a:xfrm>
+          <a:off x="0" y="0"/>
+          <a:ext cx="0" cy="0"/>
+          <a:chOff x="0" y="0"/>
+          <a:chExt cx="0" cy="0"/>
+        </a:xfrm>
+      </p:grpSpPr>
+      <p:pic>
+        <p:nvPicPr>
+          <p:cNvPr id="11" name="Picture 10"/>
+          <p:cNvPicPr>
+            <a:picLocks noChangeAspect="1"/>
+          </p:cNvPicPr>
+          <p:nvPr/>
+        </p:nvPicPr>
+        <p:blipFill>
+          <a:blip r:embed="rId3"/>
+          <a:stretch>
+            <a:fillRect/>
+          </a:stretch>
+        </p:blipFill>
+        <p:spPr>
+          <a:xfrm>
+            <a:off x="6832537" y="4490976"/>
+            <a:ext cx="2436215" cy="1770063"/>
+          </a:xfrm>
+          <a:prstGeom prst="rect">
+            <a:avLst/>
+          </a:prstGeom>
+        </p:spPr>
+      </p:pic>
+      <p:pic>
+        <p:nvPicPr>
+          <p:cNvPr id="12" name="Picture 11"/>
+          <p:cNvPicPr>
+            <a:picLocks noChangeAspect="1"/>
+          </p:cNvPicPr>
+          <p:nvPr/>
+        </p:nvPicPr>
+        <p:blipFill>
+          <a:blip r:embed="rId4"/>
+          <a:stretch>
+            <a:fillRect/>
+          </a:stretch>
+        </p:blipFill>
+        <p:spPr>
+          <a:xfrm>
+            <a:off x="9559957" y="4434303"/>
+            <a:ext cx="2378043" cy="1883410"/>
+          </a:xfrm>
+          <a:prstGeom prst="rect">
+            <a:avLst/>
+          </a:prstGeom>
+        </p:spPr>
+      </p:pic>
+      <p:pic>
+        <p:nvPicPr>
+          <p:cNvPr id="10" name="Picture 9"/>
+          <p:cNvPicPr>
+            <a:picLocks noChangeAspect="1"/>
+          </p:cNvPicPr>
+          <p:nvPr/>
+        </p:nvPicPr>
+        <p:blipFill>
+          <a:blip r:embed="rId5"/>
+          <a:stretch>
+            <a:fillRect/>
+          </a:stretch>
+        </p:blipFill>
+        <p:spPr>
+          <a:xfrm>
+            <a:off x="6887700" y="2057400"/>
+            <a:ext cx="4012955" cy="2427702"/>
+          </a:xfrm>
+          <a:prstGeom prst="rect">
+            <a:avLst/>
+          </a:prstGeom>
+        </p:spPr>
+      </p:pic>
+      <p:sp>
+        <p:nvSpPr>
+          <p:cNvPr id="2" name="Title 1"/>
+          <p:cNvSpPr>
+            <a:spLocks noGrp="1"/>
+          </p:cNvSpPr>
+          <p:nvPr>
+            <p:ph type="title"/>
+          </p:nvPr>
+        </p:nvSpPr>
+        <p:spPr/>
+        <p:txBody>
+          <a:bodyPr/>
+          <a:lstStyle/>
+          <a:p>
+            <a:r>
+              <a:rPr lang="en-US" dirty="0" smtClean="0"/>
+              <a:t>literature</a:t>
+            </a:r>
+            <a:endParaRPr lang="en-US" dirty="0"/>
+          </a:p>
+        </p:txBody>
+      </p:sp>
+      <p:sp>
+        <p:nvSpPr>
+          <p:cNvPr id="3" name="Content Placeholder 2"/>
+          <p:cNvSpPr>
+            <a:spLocks noGrp="1"/>
+          </p:cNvSpPr>
+          <p:nvPr>
+            <p:ph idx="1"/>
+          </p:nvPr>
+        </p:nvSpPr>
+        <p:spPr>
+          <a:xfrm>
+            <a:off x="1097280" y="1845734"/>
+            <a:ext cx="10370820" cy="4023360"/>
+          </a:xfrm>
+        </p:spPr>
+        <p:txBody>
+          <a:bodyPr/>
+          <a:lstStyle/>
+          <a:p>
+            <a:pPr>
+              <a:buFont typeface="Wingdings" panose="05000000000000000000" pitchFamily="2" charset="2"/>
+              <a:buChar char="q"/>
+            </a:pPr>
+            <a:r>
+              <a:rPr lang="en-US" dirty="0" smtClean="0"/>
+              <a:t> an example of software based compensation method (revised repetitive controller RRC) (cont’d)</a:t>
+            </a:r>
+          </a:p>
+          <a:p>
+            <a:pPr>
+              <a:buFont typeface="Wingdings" panose="05000000000000000000" pitchFamily="2" charset="2"/>
+              <a:buChar char="q"/>
+            </a:pPr>
+            <a:endParaRPr lang="en-US" dirty="0"/>
+          </a:p>
+        </p:txBody>
+      </p:sp>
+      <p:pic>
+        <p:nvPicPr>
+          <p:cNvPr id="7" name="Picture 6"/>
+          <p:cNvPicPr>
+            <a:picLocks noChangeAspect="1"/>
+          </p:cNvPicPr>
+          <p:nvPr/>
+        </p:nvPicPr>
+        <p:blipFill>
+          <a:blip r:embed="rId6"/>
+          <a:stretch>
+            <a:fillRect/>
+          </a:stretch>
+        </p:blipFill>
+        <p:spPr>
+          <a:xfrm>
+            <a:off x="174270" y="2881312"/>
+            <a:ext cx="2540989" cy="2302290"/>
+          </a:xfrm>
+          <a:prstGeom prst="rect">
+            <a:avLst/>
+          </a:prstGeom>
+        </p:spPr>
+      </p:pic>
+      <p:pic>
+        <p:nvPicPr>
+          <p:cNvPr id="8" name="Picture 7"/>
+          <p:cNvPicPr>
+            <a:picLocks noChangeAspect="1"/>
+          </p:cNvPicPr>
+          <p:nvPr/>
+        </p:nvPicPr>
+        <p:blipFill>
+          <a:blip r:embed="rId7"/>
+          <a:stretch>
+            <a:fillRect/>
+          </a:stretch>
+        </p:blipFill>
+        <p:spPr>
+          <a:xfrm>
+            <a:off x="3504636" y="4622732"/>
+            <a:ext cx="2882901" cy="1673489"/>
+          </a:xfrm>
+          <a:prstGeom prst="rect">
+            <a:avLst/>
+          </a:prstGeom>
+        </p:spPr>
+      </p:pic>
+      <p:pic>
+        <p:nvPicPr>
+          <p:cNvPr id="9" name="Picture 8"/>
+          <p:cNvPicPr>
+            <a:picLocks noChangeAspect="1"/>
+          </p:cNvPicPr>
+          <p:nvPr/>
+        </p:nvPicPr>
+        <p:blipFill>
+          <a:blip r:embed="rId8"/>
+          <a:stretch>
+            <a:fillRect/>
+          </a:stretch>
+        </p:blipFill>
+        <p:spPr>
+          <a:xfrm>
+            <a:off x="2940821" y="2167352"/>
+            <a:ext cx="3936171" cy="2381250"/>
+          </a:xfrm>
+          <a:prstGeom prst="rect">
+            <a:avLst/>
+          </a:prstGeom>
+        </p:spPr>
+      </p:pic>
+    </p:spTree>
+    <p:extLst>
+      <p:ext uri="{BB962C8B-B14F-4D97-AF65-F5344CB8AC3E}">
+        <p14:creationId xmlns:p14="http://schemas.microsoft.com/office/powerpoint/2010/main" xmlns="" val="472826320"/>
+      </p:ext>
+    </p:extLst>
+  </p:cSld>
+  <p:clrMapOvr>
+    <a:masterClrMapping/>
+  </p:clrMapOvr>
+  <p:timing>
+    <p:tnLst>
+      <p:par>
+        <p:cTn id="1" dur="indefinite" restart="never" nodeType="tmRoot"/>
+      </p:par>
+    </p:tnLst>
+  </p:timing>
 </p:sld>
 </file>
 
@@ -6218,7 +7926,7 @@
   <a:extraClrSchemeLst/>
   <a:extLst>
     <a:ext uri="{05A4C25C-085E-4340-85A3-A5531E510DB2}">
-      <thm15:themeFamily xmlns:thm15="http://schemas.microsoft.com/office/thememl/2012/main" xmlns="" name="Retrospect" id="{5F128B03-DCCA-4EEB-AB3B-CF2899314A46}" vid="{3F1AAB62-24C6-49D2-8E01-B56FAC9A3DCD}"/>
+      <thm15:themeFamily xmlns="" xmlns:thm15="http://schemas.microsoft.com/office/thememl/2012/main" name="Retrospect" id="{5F128B03-DCCA-4EEB-AB3B-CF2899314A46}" vid="{3F1AAB62-24C6-49D2-8E01-B56FAC9A3DCD}"/>
     </a:ext>
   </a:extLst>
 </a:theme>
@@ -6479,7 +8187,7 @@
   <a:extraClrSchemeLst/>
   <a:extLst>
     <a:ext uri="{05A4C25C-085E-4340-85A3-A5531E510DB2}">
-      <thm15:themeFamily xmlns:thm15="http://schemas.microsoft.com/office/thememl/2012/main" xmlns="" name="Office Theme" id="{62F939B6-93AF-4DB8-9C6B-D6C7DFDC589F}" vid="{4A3C46E8-61CC-4603-A589-7422A47A8E4A}"/>
+      <thm15:themeFamily xmlns="" xmlns:thm15="http://schemas.microsoft.com/office/thememl/2012/main" name="Office Theme" id="{62F939B6-93AF-4DB8-9C6B-D6C7DFDC589F}" vid="{4A3C46E8-61CC-4603-A589-7422A47A8E4A}"/>
     </a:ext>
   </a:extLst>
 </a:theme>

--- a/tik/tikMay2018.pptx
+++ b/tik/tikMay2018.pptx
@@ -5,7 +5,7 @@
     <p:sldMasterId id="2147483736" r:id="rId1"/>
   </p:sldMasterIdLst>
   <p:notesMasterIdLst>
-    <p:notesMasterId r:id="rId12"/>
+    <p:notesMasterId r:id="rId17"/>
   </p:notesMasterIdLst>
   <p:sldIdLst>
     <p:sldId id="256" r:id="rId2"/>
@@ -15,9 +15,14 @@
     <p:sldId id="260" r:id="rId6"/>
     <p:sldId id="261" r:id="rId7"/>
     <p:sldId id="262" r:id="rId8"/>
-    <p:sldId id="263" r:id="rId9"/>
-    <p:sldId id="264" r:id="rId10"/>
-    <p:sldId id="265" r:id="rId11"/>
+    <p:sldId id="266" r:id="rId9"/>
+    <p:sldId id="263" r:id="rId10"/>
+    <p:sldId id="264" r:id="rId11"/>
+    <p:sldId id="265" r:id="rId12"/>
+    <p:sldId id="267" r:id="rId13"/>
+    <p:sldId id="268" r:id="rId14"/>
+    <p:sldId id="269" r:id="rId15"/>
+    <p:sldId id="270" r:id="rId16"/>
   </p:sldIdLst>
   <p:sldSz cx="12192000" cy="6858000"/>
   <p:notesSz cx="6858000" cy="9144000"/>
@@ -118,7 +123,18 @@
   </p:defaultTextStyle>
   <p:extLst>
     <p:ext uri="{EFAFB233-063F-42B5-8137-9DF3F51BA10A}">
-      <p15:sldGuideLst xmlns="" xmlns:p15="http://schemas.microsoft.com/office/powerpoint/2012/main"/>
+      <p15:sldGuideLst xmlns:p15="http://schemas.microsoft.com/office/powerpoint/2012/main">
+        <p15:guide id="1" orient="horz" pos="2160">
+          <p15:clr>
+            <a:srgbClr val="A4A3A4"/>
+          </p15:clr>
+        </p15:guide>
+        <p15:guide id="2" pos="3840">
+          <p15:clr>
+            <a:srgbClr val="A4A3A4"/>
+          </p15:clr>
+        </p15:guide>
+      </p15:sldGuideLst>
     </p:ext>
   </p:extLst>
 </p:presentation>
@@ -207,7 +223,7 @@
             <a:fld id="{98E9BDF3-7CC5-4B3F-A78E-C9A90CED9F04}" type="datetimeFigureOut">
               <a:rPr lang="en-US" smtClean="0"/>
               <a:pPr/>
-              <a:t>21-05-18</a:t>
+              <a:t>5/22/2018</a:t>
             </a:fld>
             <a:endParaRPr lang="en-US"/>
           </a:p>
@@ -376,7 +392,7 @@
     </p:spTree>
     <p:extLst>
       <p:ext uri="{BB962C8B-B14F-4D97-AF65-F5344CB8AC3E}">
-        <p14:creationId xmlns="" xmlns:p14="http://schemas.microsoft.com/office/powerpoint/2010/main" val="430676809"/>
+        <p14:creationId xmlns:p14="http://schemas.microsoft.com/office/powerpoint/2010/main" val="430676809"/>
       </p:ext>
     </p:extLst>
   </p:cSld>
@@ -580,7 +596,351 @@
     </p:spTree>
     <p:extLst>
       <p:ext uri="{BB962C8B-B14F-4D97-AF65-F5344CB8AC3E}">
-        <p14:creationId xmlns:p14="http://schemas.microsoft.com/office/powerpoint/2010/main" xmlns="" val="2816690572"/>
+        <p14:creationId xmlns:p14="http://schemas.microsoft.com/office/powerpoint/2010/main" val="2816690572"/>
+      </p:ext>
+    </p:extLst>
+  </p:cSld>
+  <p:clrMapOvr>
+    <a:masterClrMapping/>
+  </p:clrMapOvr>
+</p:notes>
+</file>
+
+<file path=ppt/notesSlides/notesSlide10.xml><?xml version="1.0" encoding="utf-8"?>
+<p:notes xmlns:a="http://schemas.openxmlformats.org/drawingml/2006/main" xmlns:r="http://schemas.openxmlformats.org/officeDocument/2006/relationships" xmlns:p="http://schemas.openxmlformats.org/presentationml/2006/main">
+  <p:cSld>
+    <p:spTree>
+      <p:nvGrpSpPr>
+        <p:cNvPr id="1" name=""/>
+        <p:cNvGrpSpPr/>
+        <p:nvPr/>
+      </p:nvGrpSpPr>
+      <p:grpSpPr>
+        <a:xfrm>
+          <a:off x="0" y="0"/>
+          <a:ext cx="0" cy="0"/>
+          <a:chOff x="0" y="0"/>
+          <a:chExt cx="0" cy="0"/>
+        </a:xfrm>
+      </p:grpSpPr>
+      <p:sp>
+        <p:nvSpPr>
+          <p:cNvPr id="2" name="Slide Image Placeholder 1"/>
+          <p:cNvSpPr>
+            <a:spLocks noGrp="1" noRot="1" noChangeAspect="1"/>
+          </p:cNvSpPr>
+          <p:nvPr>
+            <p:ph type="sldImg"/>
+          </p:nvPr>
+        </p:nvSpPr>
+        <p:spPr/>
+      </p:sp>
+      <p:sp>
+        <p:nvSpPr>
+          <p:cNvPr id="3" name="Notes Placeholder 2"/>
+          <p:cNvSpPr>
+            <a:spLocks noGrp="1"/>
+          </p:cNvSpPr>
+          <p:nvPr>
+            <p:ph type="body" idx="1"/>
+          </p:nvPr>
+        </p:nvSpPr>
+        <p:spPr/>
+        <p:txBody>
+          <a:bodyPr/>
+          <a:lstStyle/>
+          <a:p>
+            <a:endParaRPr lang="en-US" dirty="0"/>
+          </a:p>
+        </p:txBody>
+      </p:sp>
+      <p:sp>
+        <p:nvSpPr>
+          <p:cNvPr id="4" name="Slide Number Placeholder 3"/>
+          <p:cNvSpPr>
+            <a:spLocks noGrp="1"/>
+          </p:cNvSpPr>
+          <p:nvPr>
+            <p:ph type="sldNum" sz="quarter" idx="10"/>
+          </p:nvPr>
+        </p:nvSpPr>
+        <p:spPr/>
+        <p:txBody>
+          <a:bodyPr/>
+          <a:lstStyle/>
+          <a:p>
+            <a:fld id="{85B3D0A3-69DF-49D9-A27C-44C8B4ABFA58}" type="slidenum">
+              <a:rPr lang="en-US" smtClean="0"/>
+              <a:pPr/>
+              <a:t>12</a:t>
+            </a:fld>
+            <a:endParaRPr lang="en-US"/>
+          </a:p>
+        </p:txBody>
+      </p:sp>
+    </p:spTree>
+    <p:extLst>
+      <p:ext uri="{BB962C8B-B14F-4D97-AF65-F5344CB8AC3E}">
+        <p14:creationId xmlns:p14="http://schemas.microsoft.com/office/powerpoint/2010/main" val="3719662826"/>
+      </p:ext>
+    </p:extLst>
+  </p:cSld>
+  <p:clrMapOvr>
+    <a:masterClrMapping/>
+  </p:clrMapOvr>
+</p:notes>
+</file>
+
+<file path=ppt/notesSlides/notesSlide11.xml><?xml version="1.0" encoding="utf-8"?>
+<p:notes xmlns:a="http://schemas.openxmlformats.org/drawingml/2006/main" xmlns:r="http://schemas.openxmlformats.org/officeDocument/2006/relationships" xmlns:p="http://schemas.openxmlformats.org/presentationml/2006/main">
+  <p:cSld>
+    <p:spTree>
+      <p:nvGrpSpPr>
+        <p:cNvPr id="1" name=""/>
+        <p:cNvGrpSpPr/>
+        <p:nvPr/>
+      </p:nvGrpSpPr>
+      <p:grpSpPr>
+        <a:xfrm>
+          <a:off x="0" y="0"/>
+          <a:ext cx="0" cy="0"/>
+          <a:chOff x="0" y="0"/>
+          <a:chExt cx="0" cy="0"/>
+        </a:xfrm>
+      </p:grpSpPr>
+      <p:sp>
+        <p:nvSpPr>
+          <p:cNvPr id="2" name="Slide Image Placeholder 1"/>
+          <p:cNvSpPr>
+            <a:spLocks noGrp="1" noRot="1" noChangeAspect="1"/>
+          </p:cNvSpPr>
+          <p:nvPr>
+            <p:ph type="sldImg"/>
+          </p:nvPr>
+        </p:nvSpPr>
+        <p:spPr/>
+      </p:sp>
+      <p:sp>
+        <p:nvSpPr>
+          <p:cNvPr id="3" name="Notes Placeholder 2"/>
+          <p:cNvSpPr>
+            <a:spLocks noGrp="1"/>
+          </p:cNvSpPr>
+          <p:nvPr>
+            <p:ph type="body" idx="1"/>
+          </p:nvPr>
+        </p:nvSpPr>
+        <p:spPr/>
+        <p:txBody>
+          <a:bodyPr/>
+          <a:lstStyle/>
+          <a:p>
+            <a:endParaRPr lang="en-US" dirty="0"/>
+          </a:p>
+        </p:txBody>
+      </p:sp>
+      <p:sp>
+        <p:nvSpPr>
+          <p:cNvPr id="4" name="Slide Number Placeholder 3"/>
+          <p:cNvSpPr>
+            <a:spLocks noGrp="1"/>
+          </p:cNvSpPr>
+          <p:nvPr>
+            <p:ph type="sldNum" sz="quarter" idx="10"/>
+          </p:nvPr>
+        </p:nvSpPr>
+        <p:spPr/>
+        <p:txBody>
+          <a:bodyPr/>
+          <a:lstStyle/>
+          <a:p>
+            <a:fld id="{85B3D0A3-69DF-49D9-A27C-44C8B4ABFA58}" type="slidenum">
+              <a:rPr lang="en-US" smtClean="0"/>
+              <a:pPr/>
+              <a:t>13</a:t>
+            </a:fld>
+            <a:endParaRPr lang="en-US"/>
+          </a:p>
+        </p:txBody>
+      </p:sp>
+    </p:spTree>
+    <p:extLst>
+      <p:ext uri="{BB962C8B-B14F-4D97-AF65-F5344CB8AC3E}">
+        <p14:creationId xmlns:p14="http://schemas.microsoft.com/office/powerpoint/2010/main" val="4006597652"/>
+      </p:ext>
+    </p:extLst>
+  </p:cSld>
+  <p:clrMapOvr>
+    <a:masterClrMapping/>
+  </p:clrMapOvr>
+</p:notes>
+</file>
+
+<file path=ppt/notesSlides/notesSlide12.xml><?xml version="1.0" encoding="utf-8"?>
+<p:notes xmlns:a="http://schemas.openxmlformats.org/drawingml/2006/main" xmlns:r="http://schemas.openxmlformats.org/officeDocument/2006/relationships" xmlns:p="http://schemas.openxmlformats.org/presentationml/2006/main">
+  <p:cSld>
+    <p:spTree>
+      <p:nvGrpSpPr>
+        <p:cNvPr id="1" name=""/>
+        <p:cNvGrpSpPr/>
+        <p:nvPr/>
+      </p:nvGrpSpPr>
+      <p:grpSpPr>
+        <a:xfrm>
+          <a:off x="0" y="0"/>
+          <a:ext cx="0" cy="0"/>
+          <a:chOff x="0" y="0"/>
+          <a:chExt cx="0" cy="0"/>
+        </a:xfrm>
+      </p:grpSpPr>
+      <p:sp>
+        <p:nvSpPr>
+          <p:cNvPr id="2" name="Slide Image Placeholder 1"/>
+          <p:cNvSpPr>
+            <a:spLocks noGrp="1" noRot="1" noChangeAspect="1"/>
+          </p:cNvSpPr>
+          <p:nvPr>
+            <p:ph type="sldImg"/>
+          </p:nvPr>
+        </p:nvSpPr>
+        <p:spPr/>
+      </p:sp>
+      <p:sp>
+        <p:nvSpPr>
+          <p:cNvPr id="3" name="Notes Placeholder 2"/>
+          <p:cNvSpPr>
+            <a:spLocks noGrp="1"/>
+          </p:cNvSpPr>
+          <p:nvPr>
+            <p:ph type="body" idx="1"/>
+          </p:nvPr>
+        </p:nvSpPr>
+        <p:spPr/>
+        <p:txBody>
+          <a:bodyPr/>
+          <a:lstStyle/>
+          <a:p>
+            <a:r>
+              <a:rPr lang="en-US" smtClean="0"/>
+              <a:t>No Open Access</a:t>
+            </a:r>
+            <a:endParaRPr lang="en-US" dirty="0"/>
+          </a:p>
+        </p:txBody>
+      </p:sp>
+      <p:sp>
+        <p:nvSpPr>
+          <p:cNvPr id="4" name="Slide Number Placeholder 3"/>
+          <p:cNvSpPr>
+            <a:spLocks noGrp="1"/>
+          </p:cNvSpPr>
+          <p:nvPr>
+            <p:ph type="sldNum" sz="quarter" idx="10"/>
+          </p:nvPr>
+        </p:nvSpPr>
+        <p:spPr/>
+        <p:txBody>
+          <a:bodyPr/>
+          <a:lstStyle/>
+          <a:p>
+            <a:fld id="{85B3D0A3-69DF-49D9-A27C-44C8B4ABFA58}" type="slidenum">
+              <a:rPr lang="en-US" smtClean="0"/>
+              <a:pPr/>
+              <a:t>14</a:t>
+            </a:fld>
+            <a:endParaRPr lang="en-US"/>
+          </a:p>
+        </p:txBody>
+      </p:sp>
+    </p:spTree>
+    <p:extLst>
+      <p:ext uri="{BB962C8B-B14F-4D97-AF65-F5344CB8AC3E}">
+        <p14:creationId xmlns:p14="http://schemas.microsoft.com/office/powerpoint/2010/main" val="2473100740"/>
+      </p:ext>
+    </p:extLst>
+  </p:cSld>
+  <p:clrMapOvr>
+    <a:masterClrMapping/>
+  </p:clrMapOvr>
+</p:notes>
+</file>
+
+<file path=ppt/notesSlides/notesSlide13.xml><?xml version="1.0" encoding="utf-8"?>
+<p:notes xmlns:a="http://schemas.openxmlformats.org/drawingml/2006/main" xmlns:r="http://schemas.openxmlformats.org/officeDocument/2006/relationships" xmlns:p="http://schemas.openxmlformats.org/presentationml/2006/main">
+  <p:cSld>
+    <p:spTree>
+      <p:nvGrpSpPr>
+        <p:cNvPr id="1" name=""/>
+        <p:cNvGrpSpPr/>
+        <p:nvPr/>
+      </p:nvGrpSpPr>
+      <p:grpSpPr>
+        <a:xfrm>
+          <a:off x="0" y="0"/>
+          <a:ext cx="0" cy="0"/>
+          <a:chOff x="0" y="0"/>
+          <a:chExt cx="0" cy="0"/>
+        </a:xfrm>
+      </p:grpSpPr>
+      <p:sp>
+        <p:nvSpPr>
+          <p:cNvPr id="2" name="Slide Image Placeholder 1"/>
+          <p:cNvSpPr>
+            <a:spLocks noGrp="1" noRot="1" noChangeAspect="1"/>
+          </p:cNvSpPr>
+          <p:nvPr>
+            <p:ph type="sldImg"/>
+          </p:nvPr>
+        </p:nvSpPr>
+        <p:spPr/>
+      </p:sp>
+      <p:sp>
+        <p:nvSpPr>
+          <p:cNvPr id="3" name="Notes Placeholder 2"/>
+          <p:cNvSpPr>
+            <a:spLocks noGrp="1"/>
+          </p:cNvSpPr>
+          <p:nvPr>
+            <p:ph type="body" idx="1"/>
+          </p:nvPr>
+        </p:nvSpPr>
+        <p:spPr/>
+        <p:txBody>
+          <a:bodyPr/>
+          <a:lstStyle/>
+          <a:p>
+            <a:endParaRPr lang="en-US" dirty="0"/>
+          </a:p>
+        </p:txBody>
+      </p:sp>
+      <p:sp>
+        <p:nvSpPr>
+          <p:cNvPr id="4" name="Slide Number Placeholder 3"/>
+          <p:cNvSpPr>
+            <a:spLocks noGrp="1"/>
+          </p:cNvSpPr>
+          <p:nvPr>
+            <p:ph type="sldNum" sz="quarter" idx="10"/>
+          </p:nvPr>
+        </p:nvSpPr>
+        <p:spPr/>
+        <p:txBody>
+          <a:bodyPr/>
+          <a:lstStyle/>
+          <a:p>
+            <a:fld id="{85B3D0A3-69DF-49D9-A27C-44C8B4ABFA58}" type="slidenum">
+              <a:rPr lang="en-US" smtClean="0"/>
+              <a:pPr/>
+              <a:t>15</a:t>
+            </a:fld>
+            <a:endParaRPr lang="en-US"/>
+          </a:p>
+        </p:txBody>
+      </p:sp>
+    </p:spTree>
+    <p:extLst>
+      <p:ext uri="{BB962C8B-B14F-4D97-AF65-F5344CB8AC3E}">
+        <p14:creationId xmlns:p14="http://schemas.microsoft.com/office/powerpoint/2010/main" val="711498300"/>
       </p:ext>
     </p:extLst>
   </p:cSld>
@@ -777,7 +1137,7 @@
     </p:spTree>
     <p:extLst>
       <p:ext uri="{BB962C8B-B14F-4D97-AF65-F5344CB8AC3E}">
-        <p14:creationId xmlns:p14="http://schemas.microsoft.com/office/powerpoint/2010/main" xmlns="" val="3083643392"/>
+        <p14:creationId xmlns:p14="http://schemas.microsoft.com/office/powerpoint/2010/main" val="3083643392"/>
       </p:ext>
     </p:extLst>
   </p:cSld>
@@ -879,7 +1239,7 @@
     </p:spTree>
     <p:extLst>
       <p:ext uri="{BB962C8B-B14F-4D97-AF65-F5344CB8AC3E}">
-        <p14:creationId xmlns:p14="http://schemas.microsoft.com/office/powerpoint/2010/main" xmlns="" val="3800693545"/>
+        <p14:creationId xmlns:p14="http://schemas.microsoft.com/office/powerpoint/2010/main" val="3800693545"/>
       </p:ext>
     </p:extLst>
   </p:cSld>
@@ -1046,7 +1406,7 @@
     </p:spTree>
     <p:extLst>
       <p:ext uri="{BB962C8B-B14F-4D97-AF65-F5344CB8AC3E}">
-        <p14:creationId xmlns:p14="http://schemas.microsoft.com/office/powerpoint/2010/main" xmlns="" val="1575042101"/>
+        <p14:creationId xmlns:p14="http://schemas.microsoft.com/office/powerpoint/2010/main" val="1575042101"/>
       </p:ext>
     </p:extLst>
   </p:cSld>
@@ -1242,7 +1602,7 @@
     </p:spTree>
     <p:extLst>
       <p:ext uri="{BB962C8B-B14F-4D97-AF65-F5344CB8AC3E}">
-        <p14:creationId xmlns:p14="http://schemas.microsoft.com/office/powerpoint/2010/main" xmlns="" val="260983234"/>
+        <p14:creationId xmlns:p14="http://schemas.microsoft.com/office/powerpoint/2010/main" val="260983234"/>
       </p:ext>
     </p:extLst>
   </p:cSld>
@@ -1296,6 +1656,23 @@
           <a:bodyPr/>
           <a:lstStyle/>
           <a:p>
+            <a:pPr marL="0" marR="0" lvl="0" indent="0" algn="l" defTabSz="914400" rtl="0" eaLnBrk="1" fontAlgn="auto" latinLnBrk="0" hangingPunct="1">
+              <a:lnSpc>
+                <a:spcPct val="100000"/>
+              </a:lnSpc>
+              <a:spcBef>
+                <a:spcPts val="0"/>
+              </a:spcBef>
+              <a:spcAft>
+                <a:spcPts val="0"/>
+              </a:spcAft>
+              <a:buClrTx/>
+              <a:buSzTx/>
+              <a:buFontTx/>
+              <a:buNone/>
+              <a:tabLst/>
+              <a:defRPr/>
+            </a:pPr>
             <a:r>
               <a:rPr lang="tr-TR" dirty="0" smtClean="0"/>
               <a:t>Reference:</a:t>
@@ -1307,12 +1684,89 @@
           </a:p>
           <a:p>
             <a:r>
-              <a:rPr lang="en-US" dirty="0" smtClean="0"/>
-              <a:t>Z. Tang and B. Akin, “Compensation of dead-time effects based on revised repetitive controller for PMSM drives,” Conf. Proc. - IEEE Appl. Power Electron. Conf. Expo. - APEC, vol. 32, no. 3, pp. 2730–2737, 2017.</a:t>
-            </a:r>
-            <a:endParaRPr lang="tr-TR" dirty="0" smtClean="0"/>
-          </a:p>
-          <a:p>
+              <a:rPr lang="en-US" sz="1200" kern="1200" dirty="0" smtClean="0">
+                <a:solidFill>
+                  <a:schemeClr val="tx1"/>
+                </a:solidFill>
+                <a:effectLst/>
+                <a:latin typeface="+mn-lt"/>
+                <a:ea typeface="+mn-ea"/>
+                <a:cs typeface="+mn-cs"/>
+              </a:rPr>
+              <a:t>S. J. Chee, J. Kim, and S. K. </a:t>
+            </a:r>
+            <a:r>
+              <a:rPr lang="en-US" sz="1200" kern="1200" dirty="0" err="1" smtClean="0">
+                <a:solidFill>
+                  <a:schemeClr val="tx1"/>
+                </a:solidFill>
+                <a:effectLst/>
+                <a:latin typeface="+mn-lt"/>
+                <a:ea typeface="+mn-ea"/>
+                <a:cs typeface="+mn-cs"/>
+              </a:rPr>
+              <a:t>Sul</a:t>
+            </a:r>
+            <a:r>
+              <a:rPr lang="en-US" sz="1200" kern="1200" dirty="0" smtClean="0">
+                <a:solidFill>
+                  <a:schemeClr val="tx1"/>
+                </a:solidFill>
+                <a:effectLst/>
+                <a:latin typeface="+mn-lt"/>
+                <a:ea typeface="+mn-ea"/>
+                <a:cs typeface="+mn-cs"/>
+              </a:rPr>
+              <a:t>, “Dead-time compensation based on pole voltage measurement,” </a:t>
+            </a:r>
+            <a:r>
+              <a:rPr lang="en-US" sz="1200" i="1" kern="1200" dirty="0" smtClean="0">
+                <a:solidFill>
+                  <a:schemeClr val="tx1"/>
+                </a:solidFill>
+                <a:effectLst/>
+                <a:latin typeface="+mn-lt"/>
+                <a:ea typeface="+mn-ea"/>
+                <a:cs typeface="+mn-cs"/>
+              </a:rPr>
+              <a:t>2015 IEEE Energy Convers. </a:t>
+            </a:r>
+            <a:r>
+              <a:rPr lang="en-US" sz="1200" i="1" kern="1200" dirty="0" err="1" smtClean="0">
+                <a:solidFill>
+                  <a:schemeClr val="tx1"/>
+                </a:solidFill>
+                <a:effectLst/>
+                <a:latin typeface="+mn-lt"/>
+                <a:ea typeface="+mn-ea"/>
+                <a:cs typeface="+mn-cs"/>
+              </a:rPr>
+              <a:t>Congr</a:t>
+            </a:r>
+            <a:r>
+              <a:rPr lang="en-US" sz="1200" i="1" kern="1200" dirty="0" smtClean="0">
+                <a:solidFill>
+                  <a:schemeClr val="tx1"/>
+                </a:solidFill>
+                <a:effectLst/>
+                <a:latin typeface="+mn-lt"/>
+                <a:ea typeface="+mn-ea"/>
+                <a:cs typeface="+mn-cs"/>
+              </a:rPr>
+              <a:t>. Expo. ECCE 2015</a:t>
+            </a:r>
+            <a:r>
+              <a:rPr lang="en-US" sz="1200" kern="1200" dirty="0" smtClean="0">
+                <a:solidFill>
+                  <a:schemeClr val="tx1"/>
+                </a:solidFill>
+                <a:effectLst/>
+                <a:latin typeface="+mn-lt"/>
+                <a:ea typeface="+mn-ea"/>
+                <a:cs typeface="+mn-cs"/>
+              </a:rPr>
+              <a:t>, pp. 1549–1555, 2015.</a:t>
+            </a:r>
             <a:endParaRPr lang="en-US" dirty="0"/>
           </a:p>
         </p:txBody>
@@ -1335,7 +1789,7 @@
             <a:fld id="{85B3D0A3-69DF-49D9-A27C-44C8B4ABFA58}" type="slidenum">
               <a:rPr lang="en-US" smtClean="0"/>
               <a:pPr/>
-              <a:t>9</a:t>
+              <a:t>8</a:t>
             </a:fld>
             <a:endParaRPr lang="en-US"/>
           </a:p>
@@ -1344,7 +1798,296 @@
     </p:spTree>
     <p:extLst>
       <p:ext uri="{BB962C8B-B14F-4D97-AF65-F5344CB8AC3E}">
-        <p14:creationId xmlns:p14="http://schemas.microsoft.com/office/powerpoint/2010/main" xmlns="" val="661997981"/>
+        <p14:creationId xmlns:p14="http://schemas.microsoft.com/office/powerpoint/2010/main" val="2024091243"/>
+      </p:ext>
+    </p:extLst>
+  </p:cSld>
+  <p:clrMapOvr>
+    <a:masterClrMapping/>
+  </p:clrMapOvr>
+</p:notes>
+</file>
+
+<file path=ppt/notesSlides/notesSlide7.xml><?xml version="1.0" encoding="utf-8"?>
+<p:notes xmlns:a="http://schemas.openxmlformats.org/drawingml/2006/main" xmlns:r="http://schemas.openxmlformats.org/officeDocument/2006/relationships" xmlns:p="http://schemas.openxmlformats.org/presentationml/2006/main">
+  <p:cSld>
+    <p:spTree>
+      <p:nvGrpSpPr>
+        <p:cNvPr id="1" name=""/>
+        <p:cNvGrpSpPr/>
+        <p:nvPr/>
+      </p:nvGrpSpPr>
+      <p:grpSpPr>
+        <a:xfrm>
+          <a:off x="0" y="0"/>
+          <a:ext cx="0" cy="0"/>
+          <a:chOff x="0" y="0"/>
+          <a:chExt cx="0" cy="0"/>
+        </a:xfrm>
+      </p:grpSpPr>
+      <p:sp>
+        <p:nvSpPr>
+          <p:cNvPr id="2" name="Slide Image Placeholder 1"/>
+          <p:cNvSpPr>
+            <a:spLocks noGrp="1" noRot="1" noChangeAspect="1"/>
+          </p:cNvSpPr>
+          <p:nvPr>
+            <p:ph type="sldImg"/>
+          </p:nvPr>
+        </p:nvSpPr>
+        <p:spPr/>
+      </p:sp>
+      <p:sp>
+        <p:nvSpPr>
+          <p:cNvPr id="3" name="Notes Placeholder 2"/>
+          <p:cNvSpPr>
+            <a:spLocks noGrp="1"/>
+          </p:cNvSpPr>
+          <p:nvPr>
+            <p:ph type="body" idx="1"/>
+          </p:nvPr>
+        </p:nvSpPr>
+        <p:spPr/>
+        <p:txBody>
+          <a:bodyPr/>
+          <a:lstStyle/>
+          <a:p>
+            <a:r>
+              <a:rPr lang="tr-TR" dirty="0" smtClean="0"/>
+              <a:t>Reference:</a:t>
+            </a:r>
+            <a:r>
+              <a:rPr lang="tr-TR" baseline="0" dirty="0" smtClean="0"/>
+              <a:t> </a:t>
+            </a:r>
+          </a:p>
+          <a:p>
+            <a:r>
+              <a:rPr lang="en-US" dirty="0" smtClean="0"/>
+              <a:t>Z. Tang and B. Akin, “Compensation of dead-time effects based on revised repetitive controller for PMSM drives,” Conf. Proc. - IEEE Appl. Power Electron. Conf. Expo. - APEC, vol. 32, no. 3, pp. 2730–2737, 2017.</a:t>
+            </a:r>
+            <a:endParaRPr lang="tr-TR" dirty="0" smtClean="0"/>
+          </a:p>
+          <a:p>
+            <a:endParaRPr lang="en-US" dirty="0"/>
+          </a:p>
+        </p:txBody>
+      </p:sp>
+      <p:sp>
+        <p:nvSpPr>
+          <p:cNvPr id="4" name="Slide Number Placeholder 3"/>
+          <p:cNvSpPr>
+            <a:spLocks noGrp="1"/>
+          </p:cNvSpPr>
+          <p:nvPr>
+            <p:ph type="sldNum" sz="quarter" idx="10"/>
+          </p:nvPr>
+        </p:nvSpPr>
+        <p:spPr/>
+        <p:txBody>
+          <a:bodyPr/>
+          <a:lstStyle/>
+          <a:p>
+            <a:fld id="{85B3D0A3-69DF-49D9-A27C-44C8B4ABFA58}" type="slidenum">
+              <a:rPr lang="en-US" smtClean="0"/>
+              <a:pPr/>
+              <a:t>9</a:t>
+            </a:fld>
+            <a:endParaRPr lang="en-US"/>
+          </a:p>
+        </p:txBody>
+      </p:sp>
+    </p:spTree>
+    <p:extLst>
+      <p:ext uri="{BB962C8B-B14F-4D97-AF65-F5344CB8AC3E}">
+        <p14:creationId xmlns:p14="http://schemas.microsoft.com/office/powerpoint/2010/main" val="3780132590"/>
+      </p:ext>
+    </p:extLst>
+  </p:cSld>
+  <p:clrMapOvr>
+    <a:masterClrMapping/>
+  </p:clrMapOvr>
+</p:notes>
+</file>
+
+<file path=ppt/notesSlides/notesSlide8.xml><?xml version="1.0" encoding="utf-8"?>
+<p:notes xmlns:a="http://schemas.openxmlformats.org/drawingml/2006/main" xmlns:r="http://schemas.openxmlformats.org/officeDocument/2006/relationships" xmlns:p="http://schemas.openxmlformats.org/presentationml/2006/main">
+  <p:cSld>
+    <p:spTree>
+      <p:nvGrpSpPr>
+        <p:cNvPr id="1" name=""/>
+        <p:cNvGrpSpPr/>
+        <p:nvPr/>
+      </p:nvGrpSpPr>
+      <p:grpSpPr>
+        <a:xfrm>
+          <a:off x="0" y="0"/>
+          <a:ext cx="0" cy="0"/>
+          <a:chOff x="0" y="0"/>
+          <a:chExt cx="0" cy="0"/>
+        </a:xfrm>
+      </p:grpSpPr>
+      <p:sp>
+        <p:nvSpPr>
+          <p:cNvPr id="2" name="Slide Image Placeholder 1"/>
+          <p:cNvSpPr>
+            <a:spLocks noGrp="1" noRot="1" noChangeAspect="1"/>
+          </p:cNvSpPr>
+          <p:nvPr>
+            <p:ph type="sldImg"/>
+          </p:nvPr>
+        </p:nvSpPr>
+        <p:spPr/>
+      </p:sp>
+      <p:sp>
+        <p:nvSpPr>
+          <p:cNvPr id="3" name="Notes Placeholder 2"/>
+          <p:cNvSpPr>
+            <a:spLocks noGrp="1"/>
+          </p:cNvSpPr>
+          <p:nvPr>
+            <p:ph type="body" idx="1"/>
+          </p:nvPr>
+        </p:nvSpPr>
+        <p:spPr/>
+        <p:txBody>
+          <a:bodyPr/>
+          <a:lstStyle/>
+          <a:p>
+            <a:r>
+              <a:rPr lang="tr-TR" dirty="0" smtClean="0"/>
+              <a:t>Reference:</a:t>
+            </a:r>
+            <a:r>
+              <a:rPr lang="tr-TR" baseline="0" dirty="0" smtClean="0"/>
+              <a:t> </a:t>
+            </a:r>
+          </a:p>
+          <a:p>
+            <a:r>
+              <a:rPr lang="en-US" dirty="0" smtClean="0"/>
+              <a:t>Z. Tang and B. Akin, “Compensation of dead-time effects based on revised repetitive controller for PMSM drives,” Conf. Proc. - IEEE Appl. Power Electron. Conf. Expo. - APEC, vol. 32, no. 3, pp. 2730–2737, 2017.</a:t>
+            </a:r>
+            <a:endParaRPr lang="tr-TR" dirty="0" smtClean="0"/>
+          </a:p>
+          <a:p>
+            <a:endParaRPr lang="en-US" dirty="0"/>
+          </a:p>
+        </p:txBody>
+      </p:sp>
+      <p:sp>
+        <p:nvSpPr>
+          <p:cNvPr id="4" name="Slide Number Placeholder 3"/>
+          <p:cNvSpPr>
+            <a:spLocks noGrp="1"/>
+          </p:cNvSpPr>
+          <p:nvPr>
+            <p:ph type="sldNum" sz="quarter" idx="10"/>
+          </p:nvPr>
+        </p:nvSpPr>
+        <p:spPr/>
+        <p:txBody>
+          <a:bodyPr/>
+          <a:lstStyle/>
+          <a:p>
+            <a:fld id="{85B3D0A3-69DF-49D9-A27C-44C8B4ABFA58}" type="slidenum">
+              <a:rPr lang="en-US" smtClean="0"/>
+              <a:pPr/>
+              <a:t>10</a:t>
+            </a:fld>
+            <a:endParaRPr lang="en-US"/>
+          </a:p>
+        </p:txBody>
+      </p:sp>
+    </p:spTree>
+    <p:extLst>
+      <p:ext uri="{BB962C8B-B14F-4D97-AF65-F5344CB8AC3E}">
+        <p14:creationId xmlns:p14="http://schemas.microsoft.com/office/powerpoint/2010/main" val="661997981"/>
+      </p:ext>
+    </p:extLst>
+  </p:cSld>
+  <p:clrMapOvr>
+    <a:masterClrMapping/>
+  </p:clrMapOvr>
+</p:notes>
+</file>
+
+<file path=ppt/notesSlides/notesSlide9.xml><?xml version="1.0" encoding="utf-8"?>
+<p:notes xmlns:a="http://schemas.openxmlformats.org/drawingml/2006/main" xmlns:r="http://schemas.openxmlformats.org/officeDocument/2006/relationships" xmlns:p="http://schemas.openxmlformats.org/presentationml/2006/main">
+  <p:cSld>
+    <p:spTree>
+      <p:nvGrpSpPr>
+        <p:cNvPr id="1" name=""/>
+        <p:cNvGrpSpPr/>
+        <p:nvPr/>
+      </p:nvGrpSpPr>
+      <p:grpSpPr>
+        <a:xfrm>
+          <a:off x="0" y="0"/>
+          <a:ext cx="0" cy="0"/>
+          <a:chOff x="0" y="0"/>
+          <a:chExt cx="0" cy="0"/>
+        </a:xfrm>
+      </p:grpSpPr>
+      <p:sp>
+        <p:nvSpPr>
+          <p:cNvPr id="2" name="Slide Image Placeholder 1"/>
+          <p:cNvSpPr>
+            <a:spLocks noGrp="1" noRot="1" noChangeAspect="1"/>
+          </p:cNvSpPr>
+          <p:nvPr>
+            <p:ph type="sldImg"/>
+          </p:nvPr>
+        </p:nvSpPr>
+        <p:spPr/>
+      </p:sp>
+      <p:sp>
+        <p:nvSpPr>
+          <p:cNvPr id="3" name="Notes Placeholder 2"/>
+          <p:cNvSpPr>
+            <a:spLocks noGrp="1"/>
+          </p:cNvSpPr>
+          <p:nvPr>
+            <p:ph type="body" idx="1"/>
+          </p:nvPr>
+        </p:nvSpPr>
+        <p:spPr/>
+        <p:txBody>
+          <a:bodyPr/>
+          <a:lstStyle/>
+          <a:p>
+            <a:endParaRPr lang="en-US" dirty="0"/>
+          </a:p>
+        </p:txBody>
+      </p:sp>
+      <p:sp>
+        <p:nvSpPr>
+          <p:cNvPr id="4" name="Slide Number Placeholder 3"/>
+          <p:cNvSpPr>
+            <a:spLocks noGrp="1"/>
+          </p:cNvSpPr>
+          <p:nvPr>
+            <p:ph type="sldNum" sz="quarter" idx="10"/>
+          </p:nvPr>
+        </p:nvSpPr>
+        <p:spPr/>
+        <p:txBody>
+          <a:bodyPr/>
+          <a:lstStyle/>
+          <a:p>
+            <a:fld id="{85B3D0A3-69DF-49D9-A27C-44C8B4ABFA58}" type="slidenum">
+              <a:rPr lang="en-US" smtClean="0"/>
+              <a:pPr/>
+              <a:t>11</a:t>
+            </a:fld>
+            <a:endParaRPr lang="en-US"/>
+          </a:p>
+        </p:txBody>
+      </p:sp>
+    </p:spTree>
+    <p:extLst>
+      <p:ext uri="{BB962C8B-B14F-4D97-AF65-F5344CB8AC3E}">
+        <p14:creationId xmlns:p14="http://schemas.microsoft.com/office/powerpoint/2010/main" val="28884375"/>
       </p:ext>
     </p:extLst>
   </p:cSld>
@@ -1581,7 +2324,7 @@
             <a:fld id="{3EF96EC7-A9F6-4918-BDFC-C3ED4AC79626}" type="datetimeFigureOut">
               <a:rPr lang="tr-TR" smtClean="0"/>
               <a:pPr/>
-              <a:t>21.05.2018</a:t>
+              <a:t>22.05.2018</a:t>
             </a:fld>
             <a:endParaRPr lang="tr-TR"/>
           </a:p>
@@ -1671,7 +2414,7 @@
     </p:spTree>
     <p:extLst>
       <p:ext uri="{BB962C8B-B14F-4D97-AF65-F5344CB8AC3E}">
-        <p14:creationId xmlns="" xmlns:p14="http://schemas.microsoft.com/office/powerpoint/2010/main" val="3809877250"/>
+        <p14:creationId xmlns:p14="http://schemas.microsoft.com/office/powerpoint/2010/main" val="3809877250"/>
       </p:ext>
     </p:extLst>
   </p:cSld>
@@ -1791,7 +2534,7 @@
             <a:fld id="{3EF96EC7-A9F6-4918-BDFC-C3ED4AC79626}" type="datetimeFigureOut">
               <a:rPr lang="tr-TR" smtClean="0"/>
               <a:pPr/>
-              <a:t>21.05.2018</a:t>
+              <a:t>22.05.2018</a:t>
             </a:fld>
             <a:endParaRPr lang="tr-TR"/>
           </a:p>
@@ -1843,7 +2586,7 @@
     </p:spTree>
     <p:extLst>
       <p:ext uri="{BB962C8B-B14F-4D97-AF65-F5344CB8AC3E}">
-        <p14:creationId xmlns="" xmlns:p14="http://schemas.microsoft.com/office/powerpoint/2010/main" val="1838678002"/>
+        <p14:creationId xmlns:p14="http://schemas.microsoft.com/office/powerpoint/2010/main" val="1838678002"/>
       </p:ext>
     </p:extLst>
   </p:cSld>
@@ -2049,7 +2792,7 @@
             <a:fld id="{3EF96EC7-A9F6-4918-BDFC-C3ED4AC79626}" type="datetimeFigureOut">
               <a:rPr lang="tr-TR" smtClean="0"/>
               <a:pPr/>
-              <a:t>21.05.2018</a:t>
+              <a:t>22.05.2018</a:t>
             </a:fld>
             <a:endParaRPr lang="tr-TR"/>
           </a:p>
@@ -2101,7 +2844,7 @@
     </p:spTree>
     <p:extLst>
       <p:ext uri="{BB962C8B-B14F-4D97-AF65-F5344CB8AC3E}">
-        <p14:creationId xmlns="" xmlns:p14="http://schemas.microsoft.com/office/powerpoint/2010/main" val="1477903999"/>
+        <p14:creationId xmlns:p14="http://schemas.microsoft.com/office/powerpoint/2010/main" val="1477903999"/>
       </p:ext>
     </p:extLst>
   </p:cSld>
@@ -2225,7 +2968,7 @@
             <a:fld id="{3EF96EC7-A9F6-4918-BDFC-C3ED4AC79626}" type="datetimeFigureOut">
               <a:rPr lang="tr-TR" smtClean="0"/>
               <a:pPr/>
-              <a:t>21.05.2018</a:t>
+              <a:t>22.05.2018</a:t>
             </a:fld>
             <a:endParaRPr lang="tr-TR"/>
           </a:p>
@@ -2277,7 +3020,7 @@
     </p:spTree>
     <p:extLst>
       <p:ext uri="{BB962C8B-B14F-4D97-AF65-F5344CB8AC3E}">
-        <p14:creationId xmlns="" xmlns:p14="http://schemas.microsoft.com/office/powerpoint/2010/main" val="2234451693"/>
+        <p14:creationId xmlns:p14="http://schemas.microsoft.com/office/powerpoint/2010/main" val="2234451693"/>
       </p:ext>
     </p:extLst>
   </p:cSld>
@@ -2570,7 +3313,7 @@
             <a:fld id="{3EF96EC7-A9F6-4918-BDFC-C3ED4AC79626}" type="datetimeFigureOut">
               <a:rPr lang="tr-TR" smtClean="0"/>
               <a:pPr/>
-              <a:t>21.05.2018</a:t>
+              <a:t>22.05.2018</a:t>
             </a:fld>
             <a:endParaRPr lang="tr-TR"/>
           </a:p>
@@ -2660,7 +3403,7 @@
     </p:spTree>
     <p:extLst>
       <p:ext uri="{BB962C8B-B14F-4D97-AF65-F5344CB8AC3E}">
-        <p14:creationId xmlns="" xmlns:p14="http://schemas.microsoft.com/office/powerpoint/2010/main" val="1537530343"/>
+        <p14:creationId xmlns:p14="http://schemas.microsoft.com/office/powerpoint/2010/main" val="1537530343"/>
       </p:ext>
     </p:extLst>
   </p:cSld>
@@ -2847,7 +3590,7 @@
             <a:fld id="{3EF96EC7-A9F6-4918-BDFC-C3ED4AC79626}" type="datetimeFigureOut">
               <a:rPr lang="tr-TR" smtClean="0"/>
               <a:pPr/>
-              <a:t>21.05.2018</a:t>
+              <a:t>22.05.2018</a:t>
             </a:fld>
             <a:endParaRPr lang="tr-TR"/>
           </a:p>
@@ -2899,7 +3642,7 @@
     </p:spTree>
     <p:extLst>
       <p:ext uri="{BB962C8B-B14F-4D97-AF65-F5344CB8AC3E}">
-        <p14:creationId xmlns="" xmlns:p14="http://schemas.microsoft.com/office/powerpoint/2010/main" val="3378874762"/>
+        <p14:creationId xmlns:p14="http://schemas.microsoft.com/office/powerpoint/2010/main" val="3378874762"/>
       </p:ext>
     </p:extLst>
   </p:cSld>
@@ -3228,7 +3971,7 @@
             <a:fld id="{3EF96EC7-A9F6-4918-BDFC-C3ED4AC79626}" type="datetimeFigureOut">
               <a:rPr lang="tr-TR" smtClean="0"/>
               <a:pPr/>
-              <a:t>21.05.2018</a:t>
+              <a:t>22.05.2018</a:t>
             </a:fld>
             <a:endParaRPr lang="tr-TR"/>
           </a:p>
@@ -3280,7 +4023,7 @@
     </p:spTree>
     <p:extLst>
       <p:ext uri="{BB962C8B-B14F-4D97-AF65-F5344CB8AC3E}">
-        <p14:creationId xmlns="" xmlns:p14="http://schemas.microsoft.com/office/powerpoint/2010/main" val="491547674"/>
+        <p14:creationId xmlns:p14="http://schemas.microsoft.com/office/powerpoint/2010/main" val="491547674"/>
       </p:ext>
     </p:extLst>
   </p:cSld>
@@ -3348,7 +4091,7 @@
             <a:fld id="{3EF96EC7-A9F6-4918-BDFC-C3ED4AC79626}" type="datetimeFigureOut">
               <a:rPr lang="tr-TR" smtClean="0"/>
               <a:pPr/>
-              <a:t>21.05.2018</a:t>
+              <a:t>22.05.2018</a:t>
             </a:fld>
             <a:endParaRPr lang="tr-TR"/>
           </a:p>
@@ -3400,7 +4143,7 @@
     </p:spTree>
     <p:extLst>
       <p:ext uri="{BB962C8B-B14F-4D97-AF65-F5344CB8AC3E}">
-        <p14:creationId xmlns="" xmlns:p14="http://schemas.microsoft.com/office/powerpoint/2010/main" val="3139254311"/>
+        <p14:creationId xmlns:p14="http://schemas.microsoft.com/office/powerpoint/2010/main" val="3139254311"/>
       </p:ext>
     </p:extLst>
   </p:cSld>
@@ -3521,7 +4264,7 @@
             <a:fld id="{3EF96EC7-A9F6-4918-BDFC-C3ED4AC79626}" type="datetimeFigureOut">
               <a:rPr lang="tr-TR" smtClean="0"/>
               <a:pPr/>
-              <a:t>21.05.2018</a:t>
+              <a:t>22.05.2018</a:t>
             </a:fld>
             <a:endParaRPr lang="tr-TR"/>
           </a:p>
@@ -3581,7 +4324,7 @@
     </p:spTree>
     <p:extLst>
       <p:ext uri="{BB962C8B-B14F-4D97-AF65-F5344CB8AC3E}">
-        <p14:creationId xmlns="" xmlns:p14="http://schemas.microsoft.com/office/powerpoint/2010/main" val="3912122464"/>
+        <p14:creationId xmlns:p14="http://schemas.microsoft.com/office/powerpoint/2010/main" val="3912122464"/>
       </p:ext>
     </p:extLst>
   </p:cSld>
@@ -3877,7 +4620,7 @@
             <a:fld id="{3EF96EC7-A9F6-4918-BDFC-C3ED4AC79626}" type="datetimeFigureOut">
               <a:rPr lang="tr-TR" smtClean="0"/>
               <a:pPr/>
-              <a:t>21.05.2018</a:t>
+              <a:t>22.05.2018</a:t>
             </a:fld>
             <a:endParaRPr lang="tr-TR"/>
           </a:p>
@@ -3950,7 +4693,7 @@
     </p:spTree>
     <p:extLst>
       <p:ext uri="{BB962C8B-B14F-4D97-AF65-F5344CB8AC3E}">
-        <p14:creationId xmlns="" xmlns:p14="http://schemas.microsoft.com/office/powerpoint/2010/main" val="2909264617"/>
+        <p14:creationId xmlns:p14="http://schemas.microsoft.com/office/powerpoint/2010/main" val="2909264617"/>
       </p:ext>
     </p:extLst>
   </p:cSld>
@@ -4261,7 +5004,7 @@
             <a:fld id="{3EF96EC7-A9F6-4918-BDFC-C3ED4AC79626}" type="datetimeFigureOut">
               <a:rPr lang="tr-TR" smtClean="0"/>
               <a:pPr/>
-              <a:t>21.05.2018</a:t>
+              <a:t>22.05.2018</a:t>
             </a:fld>
             <a:endParaRPr lang="tr-TR"/>
           </a:p>
@@ -4313,7 +5056,7 @@
     </p:spTree>
     <p:extLst>
       <p:ext uri="{BB962C8B-B14F-4D97-AF65-F5344CB8AC3E}">
-        <p14:creationId xmlns="" xmlns:p14="http://schemas.microsoft.com/office/powerpoint/2010/main" val="1224235102"/>
+        <p14:creationId xmlns:p14="http://schemas.microsoft.com/office/powerpoint/2010/main" val="1224235102"/>
       </p:ext>
     </p:extLst>
   </p:cSld>
@@ -4550,7 +5293,7 @@
             <a:fld id="{3EF96EC7-A9F6-4918-BDFC-C3ED4AC79626}" type="datetimeFigureOut">
               <a:rPr lang="tr-TR" smtClean="0"/>
               <a:pPr/>
-              <a:t>21.05.2018</a:t>
+              <a:t>22.05.2018</a:t>
             </a:fld>
             <a:endParaRPr lang="tr-TR"/>
           </a:p>
@@ -4672,7 +5415,7 @@
     </p:spTree>
     <p:extLst>
       <p:ext uri="{BB962C8B-B14F-4D97-AF65-F5344CB8AC3E}">
-        <p14:creationId xmlns="" xmlns:p14="http://schemas.microsoft.com/office/powerpoint/2010/main" val="2460612639"/>
+        <p14:creationId xmlns:p14="http://schemas.microsoft.com/office/powerpoint/2010/main" val="2460612639"/>
       </p:ext>
     </p:extLst>
   </p:cSld>
@@ -5092,7 +5835,11 @@
           <a:p>
             <a:r>
               <a:rPr lang="tr-TR" dirty="0" smtClean="0"/>
-              <a:t>TİK 	sunum</a:t>
+              <a:t>TİK 	</a:t>
+            </a:r>
+            <a:r>
+              <a:rPr lang="tr-TR" dirty="0" smtClean="0"/>
+              <a:t>May 2018</a:t>
             </a:r>
             <a:endParaRPr lang="tr-TR" dirty="0"/>
           </a:p>
@@ -5124,7 +5871,7 @@
     </p:spTree>
     <p:extLst>
       <p:ext uri="{BB962C8B-B14F-4D97-AF65-F5344CB8AC3E}">
-        <p14:creationId xmlns:p14="http://schemas.microsoft.com/office/powerpoint/2010/main" xmlns="" val="2022572208"/>
+        <p14:creationId xmlns:p14="http://schemas.microsoft.com/office/powerpoint/2010/main" val="2022572208"/>
       </p:ext>
     </p:extLst>
   </p:cSld>
@@ -5158,6 +5905,78 @@
           <a:chExt cx="0" cy="0"/>
         </a:xfrm>
       </p:grpSpPr>
+      <p:pic>
+        <p:nvPicPr>
+          <p:cNvPr id="11" name="Picture 10"/>
+          <p:cNvPicPr>
+            <a:picLocks noChangeAspect="1"/>
+          </p:cNvPicPr>
+          <p:nvPr/>
+        </p:nvPicPr>
+        <p:blipFill>
+          <a:blip r:embed="rId3"/>
+          <a:stretch>
+            <a:fillRect/>
+          </a:stretch>
+        </p:blipFill>
+        <p:spPr>
+          <a:xfrm>
+            <a:off x="6832537" y="4490976"/>
+            <a:ext cx="2436215" cy="1770063"/>
+          </a:xfrm>
+          <a:prstGeom prst="rect">
+            <a:avLst/>
+          </a:prstGeom>
+        </p:spPr>
+      </p:pic>
+      <p:pic>
+        <p:nvPicPr>
+          <p:cNvPr id="12" name="Picture 11"/>
+          <p:cNvPicPr>
+            <a:picLocks noChangeAspect="1"/>
+          </p:cNvPicPr>
+          <p:nvPr/>
+        </p:nvPicPr>
+        <p:blipFill>
+          <a:blip r:embed="rId4"/>
+          <a:stretch>
+            <a:fillRect/>
+          </a:stretch>
+        </p:blipFill>
+        <p:spPr>
+          <a:xfrm>
+            <a:off x="9559957" y="4459703"/>
+            <a:ext cx="2378043" cy="1883410"/>
+          </a:xfrm>
+          <a:prstGeom prst="rect">
+            <a:avLst/>
+          </a:prstGeom>
+        </p:spPr>
+      </p:pic>
+      <p:pic>
+        <p:nvPicPr>
+          <p:cNvPr id="10" name="Picture 9"/>
+          <p:cNvPicPr>
+            <a:picLocks noChangeAspect="1"/>
+          </p:cNvPicPr>
+          <p:nvPr/>
+        </p:nvPicPr>
+        <p:blipFill>
+          <a:blip r:embed="rId5"/>
+          <a:stretch>
+            <a:fillRect/>
+          </a:stretch>
+        </p:blipFill>
+        <p:spPr>
+          <a:xfrm>
+            <a:off x="6887700" y="2057400"/>
+            <a:ext cx="4012955" cy="2427702"/>
+          </a:xfrm>
+          <a:prstGeom prst="rect">
+            <a:avLst/>
+          </a:prstGeom>
+        </p:spPr>
+      </p:pic>
       <p:sp>
         <p:nvSpPr>
           <p:cNvPr id="2" name="Title 1"/>
@@ -5174,12 +5993,414 @@
           <a:lstStyle/>
           <a:p>
             <a:r>
+              <a:rPr lang="en-US" dirty="0" smtClean="0"/>
+              <a:t>literature</a:t>
+            </a:r>
+            <a:endParaRPr lang="en-US" dirty="0"/>
+          </a:p>
+        </p:txBody>
+      </p:sp>
+      <p:sp>
+        <p:nvSpPr>
+          <p:cNvPr id="3" name="Content Placeholder 2"/>
+          <p:cNvSpPr>
+            <a:spLocks noGrp="1"/>
+          </p:cNvSpPr>
+          <p:nvPr>
+            <p:ph idx="1"/>
+          </p:nvPr>
+        </p:nvSpPr>
+        <p:spPr>
+          <a:xfrm>
+            <a:off x="1097280" y="1845734"/>
+            <a:ext cx="10370820" cy="4023360"/>
+          </a:xfrm>
+        </p:spPr>
+        <p:txBody>
+          <a:bodyPr/>
+          <a:lstStyle/>
+          <a:p>
+            <a:pPr>
+              <a:buFont typeface="Wingdings" panose="05000000000000000000" pitchFamily="2" charset="2"/>
+              <a:buChar char="q"/>
+            </a:pPr>
+            <a:r>
+              <a:rPr lang="en-US" dirty="0" smtClean="0"/>
+              <a:t> an example of software based compensation method (revised repetitive controller RRC) (cont’d)</a:t>
+            </a:r>
+          </a:p>
+          <a:p>
+            <a:pPr>
+              <a:buFont typeface="Wingdings" panose="05000000000000000000" pitchFamily="2" charset="2"/>
+              <a:buChar char="q"/>
+            </a:pPr>
+            <a:endParaRPr lang="en-US" dirty="0"/>
+          </a:p>
+        </p:txBody>
+      </p:sp>
+      <p:pic>
+        <p:nvPicPr>
+          <p:cNvPr id="7" name="Picture 6"/>
+          <p:cNvPicPr>
+            <a:picLocks noChangeAspect="1"/>
+          </p:cNvPicPr>
+          <p:nvPr/>
+        </p:nvPicPr>
+        <p:blipFill>
+          <a:blip r:embed="rId6"/>
+          <a:stretch>
+            <a:fillRect/>
+          </a:stretch>
+        </p:blipFill>
+        <p:spPr>
+          <a:xfrm>
+            <a:off x="174270" y="2881312"/>
+            <a:ext cx="2540989" cy="2302290"/>
+          </a:xfrm>
+          <a:prstGeom prst="rect">
+            <a:avLst/>
+          </a:prstGeom>
+        </p:spPr>
+      </p:pic>
+      <p:pic>
+        <p:nvPicPr>
+          <p:cNvPr id="8" name="Picture 7"/>
+          <p:cNvPicPr>
+            <a:picLocks noChangeAspect="1"/>
+          </p:cNvPicPr>
+          <p:nvPr/>
+        </p:nvPicPr>
+        <p:blipFill>
+          <a:blip r:embed="rId7"/>
+          <a:stretch>
+            <a:fillRect/>
+          </a:stretch>
+        </p:blipFill>
+        <p:spPr>
+          <a:xfrm>
+            <a:off x="3504636" y="4622732"/>
+            <a:ext cx="2882901" cy="1673489"/>
+          </a:xfrm>
+          <a:prstGeom prst="rect">
+            <a:avLst/>
+          </a:prstGeom>
+        </p:spPr>
+      </p:pic>
+      <p:pic>
+        <p:nvPicPr>
+          <p:cNvPr id="9" name="Picture 8"/>
+          <p:cNvPicPr>
+            <a:picLocks noChangeAspect="1"/>
+          </p:cNvPicPr>
+          <p:nvPr/>
+        </p:nvPicPr>
+        <p:blipFill>
+          <a:blip r:embed="rId8"/>
+          <a:stretch>
+            <a:fillRect/>
+          </a:stretch>
+        </p:blipFill>
+        <p:spPr>
+          <a:xfrm>
+            <a:off x="2940821" y="2167352"/>
+            <a:ext cx="3936171" cy="2381250"/>
+          </a:xfrm>
+          <a:prstGeom prst="rect">
+            <a:avLst/>
+          </a:prstGeom>
+        </p:spPr>
+      </p:pic>
+    </p:spTree>
+    <p:extLst>
+      <p:ext uri="{BB962C8B-B14F-4D97-AF65-F5344CB8AC3E}">
+        <p14:creationId xmlns:p14="http://schemas.microsoft.com/office/powerpoint/2010/main" val="472826320"/>
+      </p:ext>
+    </p:extLst>
+  </p:cSld>
+  <p:clrMapOvr>
+    <a:masterClrMapping/>
+  </p:clrMapOvr>
+  <p:timing>
+    <p:tnLst>
+      <p:par>
+        <p:cTn id="1" dur="indefinite" restart="never" nodeType="tmRoot"/>
+      </p:par>
+    </p:tnLst>
+  </p:timing>
+</p:sld>
+</file>
+
+<file path=ppt/slides/slide11.xml><?xml version="1.0" encoding="utf-8"?>
+<p:sld xmlns:a="http://schemas.openxmlformats.org/drawingml/2006/main" xmlns:r="http://schemas.openxmlformats.org/officeDocument/2006/relationships" xmlns:p="http://schemas.openxmlformats.org/presentationml/2006/main">
+  <p:cSld>
+    <p:spTree>
+      <p:nvGrpSpPr>
+        <p:cNvPr id="1" name=""/>
+        <p:cNvGrpSpPr/>
+        <p:nvPr/>
+      </p:nvGrpSpPr>
+      <p:grpSpPr>
+        <a:xfrm>
+          <a:off x="0" y="0"/>
+          <a:ext cx="0" cy="0"/>
+          <a:chOff x="0" y="0"/>
+          <a:chExt cx="0" cy="0"/>
+        </a:xfrm>
+      </p:grpSpPr>
+      <p:sp>
+        <p:nvSpPr>
+          <p:cNvPr id="2" name="Title 1"/>
+          <p:cNvSpPr>
+            <a:spLocks noGrp="1"/>
+          </p:cNvSpPr>
+          <p:nvPr>
+            <p:ph type="title"/>
+          </p:nvPr>
+        </p:nvSpPr>
+        <p:spPr/>
+        <p:txBody>
+          <a:bodyPr/>
+          <a:lstStyle/>
+          <a:p>
+            <a:r>
               <a:rPr lang="tr-TR" dirty="0" err="1" smtClean="0"/>
               <a:t>future</a:t>
             </a:r>
             <a:r>
               <a:rPr lang="tr-TR" dirty="0" smtClean="0"/>
-              <a:t> plan</a:t>
+              <a:t> </a:t>
+            </a:r>
+            <a:r>
+              <a:rPr lang="tr-TR" dirty="0" smtClean="0"/>
+              <a:t>plan </a:t>
+            </a:r>
+            <a:r>
+              <a:rPr lang="tr-TR" sz="2400" dirty="0" smtClean="0"/>
+              <a:t>(</a:t>
+            </a:r>
+            <a:r>
+              <a:rPr lang="tr-TR" sz="2400" dirty="0" err="1" smtClean="0"/>
+              <a:t>up</a:t>
+            </a:r>
+            <a:r>
+              <a:rPr lang="tr-TR" sz="2400" dirty="0" smtClean="0"/>
+              <a:t> </a:t>
+            </a:r>
+            <a:r>
+              <a:rPr lang="tr-TR" sz="2400" dirty="0" err="1" smtClean="0"/>
+              <a:t>to</a:t>
+            </a:r>
+            <a:r>
+              <a:rPr lang="tr-TR" sz="2400" dirty="0" smtClean="0"/>
+              <a:t> </a:t>
+            </a:r>
+            <a:r>
+              <a:rPr lang="tr-TR" sz="2400" dirty="0" err="1" smtClean="0"/>
+              <a:t>next</a:t>
+            </a:r>
+            <a:r>
+              <a:rPr lang="tr-TR" sz="2400" dirty="0" smtClean="0"/>
+              <a:t> tik)</a:t>
+            </a:r>
+            <a:endParaRPr lang="en-US" sz="2400" dirty="0"/>
+          </a:p>
+        </p:txBody>
+      </p:sp>
+      <p:sp>
+        <p:nvSpPr>
+          <p:cNvPr id="3" name="Content Placeholder 2"/>
+          <p:cNvSpPr>
+            <a:spLocks noGrp="1"/>
+          </p:cNvSpPr>
+          <p:nvPr>
+            <p:ph idx="1"/>
+          </p:nvPr>
+        </p:nvSpPr>
+        <p:spPr/>
+        <p:txBody>
+          <a:bodyPr>
+            <a:normAutofit lnSpcReduction="10000"/>
+          </a:bodyPr>
+          <a:lstStyle/>
+          <a:p>
+            <a:pPr>
+              <a:buFont typeface="Wingdings" panose="05000000000000000000" pitchFamily="2" charset="2"/>
+              <a:buChar char="q"/>
+            </a:pPr>
+            <a:r>
+              <a:rPr lang="en-US" dirty="0" smtClean="0"/>
+              <a:t> the effect of the dead time will be analyzed and investigated for both </a:t>
+            </a:r>
+            <a:r>
+              <a:rPr lang="en-US" dirty="0" err="1" smtClean="0"/>
+              <a:t>mosfet</a:t>
+            </a:r>
+            <a:r>
+              <a:rPr lang="en-US" dirty="0" smtClean="0"/>
+              <a:t> and </a:t>
+            </a:r>
+            <a:r>
+              <a:rPr lang="en-US" dirty="0" err="1" smtClean="0"/>
+              <a:t>igbt</a:t>
+            </a:r>
+            <a:r>
+              <a:rPr lang="en-US" dirty="0" smtClean="0"/>
+              <a:t> based VSI and for various PMSMs</a:t>
+            </a:r>
+          </a:p>
+          <a:p>
+            <a:pPr>
+              <a:buFont typeface="Wingdings" panose="05000000000000000000" pitchFamily="2" charset="2"/>
+              <a:buChar char="q"/>
+            </a:pPr>
+            <a:r>
+              <a:rPr lang="en-US" dirty="0" smtClean="0"/>
+              <a:t> some of the literature compensation methods will be applied by experimentally and </a:t>
+            </a:r>
+            <a:r>
+              <a:rPr lang="en-US" dirty="0"/>
+              <a:t>the results </a:t>
+            </a:r>
+            <a:r>
+              <a:rPr lang="en-US" dirty="0" smtClean="0"/>
+              <a:t>will be observed</a:t>
+            </a:r>
+            <a:endParaRPr lang="en-US" dirty="0" smtClean="0"/>
+          </a:p>
+          <a:p>
+            <a:pPr>
+              <a:buFont typeface="Wingdings" panose="05000000000000000000" pitchFamily="2" charset="2"/>
+              <a:buChar char="q"/>
+            </a:pPr>
+            <a:r>
+              <a:rPr lang="en-US" dirty="0" smtClean="0"/>
+              <a:t> a dead time compensation method will be proposed and the method will  </a:t>
+            </a:r>
+          </a:p>
+          <a:p>
+            <a:pPr lvl="1">
+              <a:buFont typeface="Wingdings" panose="05000000000000000000" pitchFamily="2" charset="2"/>
+              <a:buChar char="q"/>
+            </a:pPr>
+            <a:r>
+              <a:rPr lang="en-US" dirty="0" smtClean="0"/>
+              <a:t> be software based hence no requirement additional hardware</a:t>
+            </a:r>
+          </a:p>
+          <a:p>
+            <a:pPr lvl="1">
+              <a:buFont typeface="Wingdings" panose="05000000000000000000" pitchFamily="2" charset="2"/>
+              <a:buChar char="q"/>
+            </a:pPr>
+            <a:r>
+              <a:rPr lang="en-US" dirty="0" smtClean="0"/>
+              <a:t> not need precise current sampling especially in the zero crossing regions</a:t>
+            </a:r>
+          </a:p>
+          <a:p>
+            <a:pPr>
+              <a:buFont typeface="Wingdings" panose="05000000000000000000" pitchFamily="2" charset="2"/>
+              <a:buChar char="q"/>
+            </a:pPr>
+            <a:r>
+              <a:rPr lang="en-US" dirty="0" smtClean="0"/>
+              <a:t> the method will be integrated to the PMSM drive which is controlled by FOC algorithm </a:t>
+            </a:r>
+          </a:p>
+          <a:p>
+            <a:pPr>
+              <a:buFont typeface="Wingdings" panose="05000000000000000000" pitchFamily="2" charset="2"/>
+              <a:buChar char="q"/>
+            </a:pPr>
+            <a:r>
+              <a:rPr lang="en-US" dirty="0" smtClean="0"/>
+              <a:t> the effectiveness of the proposed method will be verified by experimental results and spectrum analysis</a:t>
+            </a:r>
+          </a:p>
+          <a:p>
+            <a:pPr>
+              <a:buFont typeface="Wingdings" panose="05000000000000000000" pitchFamily="2" charset="2"/>
+              <a:buChar char="q"/>
+            </a:pPr>
+            <a:r>
+              <a:rPr lang="en-US" dirty="0" smtClean="0"/>
+              <a:t> the waveforms of the phase, id and </a:t>
+            </a:r>
+            <a:r>
+              <a:rPr lang="en-US" dirty="0" err="1" smtClean="0"/>
+              <a:t>iq</a:t>
+            </a:r>
+            <a:r>
+              <a:rPr lang="en-US" dirty="0" smtClean="0"/>
+              <a:t> currents will be compared with and without compensation in the steady state and also during the dynamic process</a:t>
+            </a:r>
+            <a:endParaRPr lang="en-US" dirty="0"/>
+          </a:p>
+        </p:txBody>
+      </p:sp>
+    </p:spTree>
+    <p:extLst>
+      <p:ext uri="{BB962C8B-B14F-4D97-AF65-F5344CB8AC3E}">
+        <p14:creationId xmlns:p14="http://schemas.microsoft.com/office/powerpoint/2010/main" val="989655920"/>
+      </p:ext>
+    </p:extLst>
+  </p:cSld>
+  <p:clrMapOvr>
+    <a:masterClrMapping/>
+  </p:clrMapOvr>
+  <p:timing>
+    <p:tnLst>
+      <p:par>
+        <p:cTn id="1" dur="indefinite" restart="never" nodeType="tmRoot"/>
+      </p:par>
+    </p:tnLst>
+  </p:timing>
+</p:sld>
+</file>
+
+<file path=ppt/slides/slide12.xml><?xml version="1.0" encoding="utf-8"?>
+<p:sld xmlns:a="http://schemas.openxmlformats.org/drawingml/2006/main" xmlns:r="http://schemas.openxmlformats.org/officeDocument/2006/relationships" xmlns:p="http://schemas.openxmlformats.org/presentationml/2006/main">
+  <p:cSld>
+    <p:spTree>
+      <p:nvGrpSpPr>
+        <p:cNvPr id="1" name=""/>
+        <p:cNvGrpSpPr/>
+        <p:nvPr/>
+      </p:nvGrpSpPr>
+      <p:grpSpPr>
+        <a:xfrm>
+          <a:off x="0" y="0"/>
+          <a:ext cx="0" cy="0"/>
+          <a:chOff x="0" y="0"/>
+          <a:chExt cx="0" cy="0"/>
+        </a:xfrm>
+      </p:grpSpPr>
+      <p:sp>
+        <p:nvSpPr>
+          <p:cNvPr id="2" name="Title 1"/>
+          <p:cNvSpPr>
+            <a:spLocks noGrp="1"/>
+          </p:cNvSpPr>
+          <p:nvPr>
+            <p:ph type="title"/>
+          </p:nvPr>
+        </p:nvSpPr>
+        <p:spPr/>
+        <p:txBody>
+          <a:bodyPr/>
+          <a:lstStyle/>
+          <a:p>
+            <a:r>
+              <a:rPr lang="tr-TR" dirty="0" err="1" smtClean="0"/>
+              <a:t>future</a:t>
+            </a:r>
+            <a:r>
+              <a:rPr lang="tr-TR" dirty="0" smtClean="0"/>
+              <a:t> </a:t>
+            </a:r>
+            <a:r>
+              <a:rPr lang="tr-TR" dirty="0" smtClean="0"/>
+              <a:t>plan </a:t>
             </a:r>
             <a:endParaRPr lang="en-US" dirty="0"/>
           </a:p>
@@ -5205,26 +6426,7132 @@
               <a:buChar char="q"/>
             </a:pPr>
             <a:r>
-              <a:rPr lang="en-US" dirty="0" smtClean="0"/>
-              <a:t> the effect of the dead time will be analyzed and investigated for both </a:t>
-            </a:r>
-            <a:r>
-              <a:rPr lang="en-US" dirty="0" err="1" smtClean="0"/>
-              <a:t>mosfet</a:t>
-            </a:r>
-            <a:r>
-              <a:rPr lang="en-US" dirty="0" smtClean="0"/>
-              <a:t> and </a:t>
-            </a:r>
-            <a:r>
-              <a:rPr lang="en-US" dirty="0" err="1" smtClean="0"/>
-              <a:t>igbt</a:t>
-            </a:r>
-            <a:r>
-              <a:rPr lang="en-US" dirty="0" smtClean="0"/>
-              <a:t> based VSI and for various PMSMs</a:t>
-            </a:r>
-          </a:p>
+              <a:rPr lang="tr-TR" dirty="0" smtClean="0"/>
+              <a:t> </a:t>
+            </a:r>
+            <a:r>
+              <a:rPr lang="tr-TR" dirty="0" err="1" smtClean="0"/>
+              <a:t>up</a:t>
+            </a:r>
+            <a:r>
+              <a:rPr lang="tr-TR" dirty="0" smtClean="0"/>
+              <a:t> </a:t>
+            </a:r>
+            <a:r>
+              <a:rPr lang="tr-TR" dirty="0" err="1" smtClean="0"/>
+              <a:t>to</a:t>
+            </a:r>
+            <a:r>
+              <a:rPr lang="tr-TR" dirty="0" smtClean="0"/>
+              <a:t> </a:t>
+            </a:r>
+            <a:r>
+              <a:rPr lang="tr-TR" dirty="0" err="1" smtClean="0"/>
+              <a:t>next</a:t>
+            </a:r>
+            <a:r>
+              <a:rPr lang="tr-TR" dirty="0" smtClean="0"/>
+              <a:t> </a:t>
+            </a:r>
+            <a:r>
+              <a:rPr lang="tr-TR" dirty="0" err="1" smtClean="0"/>
+              <a:t>year</a:t>
+            </a:r>
+            <a:endParaRPr lang="en-US" dirty="0"/>
+          </a:p>
+        </p:txBody>
+      </p:sp>
+      <p:graphicFrame>
+        <p:nvGraphicFramePr>
+          <p:cNvPr id="6" name="Table 5"/>
+          <p:cNvGraphicFramePr>
+            <a:graphicFrameLocks noGrp="1"/>
+          </p:cNvGraphicFramePr>
+          <p:nvPr>
+            <p:extLst>
+              <p:ext uri="{D42A27DB-BD31-4B8C-83A1-F6EECF244321}">
+                <p14:modId xmlns:p14="http://schemas.microsoft.com/office/powerpoint/2010/main" val="55992441"/>
+              </p:ext>
+            </p:extLst>
+          </p:nvPr>
+        </p:nvGraphicFramePr>
+        <p:xfrm>
+          <a:off x="558806" y="2235399"/>
+          <a:ext cx="10596558" cy="3742068"/>
+        </p:xfrm>
+        <a:graphic>
+          <a:graphicData uri="http://schemas.openxmlformats.org/drawingml/2006/table">
+            <a:tbl>
+              <a:tblPr/>
+              <a:tblGrid>
+                <a:gridCol w="2223510"/>
+                <a:gridCol w="697754"/>
+                <a:gridCol w="697754"/>
+                <a:gridCol w="697754"/>
+                <a:gridCol w="697754"/>
+                <a:gridCol w="697754"/>
+                <a:gridCol w="697754"/>
+                <a:gridCol w="697754"/>
+                <a:gridCol w="697754"/>
+                <a:gridCol w="697754"/>
+                <a:gridCol w="697754"/>
+                <a:gridCol w="697754"/>
+                <a:gridCol w="697754"/>
+              </a:tblGrid>
+              <a:tr h="214709">
+                <a:tc rowSpan="2">
+                  <a:txBody>
+                    <a:bodyPr/>
+                    <a:lstStyle/>
+                    <a:p>
+                      <a:pPr algn="ctr" fontAlgn="b"/>
+                      <a:r>
+                        <a:rPr lang="en-US" sz="1000" b="0" i="0" u="none" strike="noStrike">
+                          <a:solidFill>
+                            <a:srgbClr val="000000"/>
+                          </a:solidFill>
+                          <a:effectLst/>
+                          <a:latin typeface="Calibri" panose="020F0502020204030204" pitchFamily="34" charset="0"/>
+                        </a:rPr>
+                        <a:t> </a:t>
+                      </a:r>
+                    </a:p>
+                  </a:txBody>
+                  <a:tcPr marL="8865" marR="8865" marT="8865" marB="0" anchor="b">
+                    <a:lnL w="12700" cap="flat" cmpd="sng" algn="ctr">
+                      <a:solidFill>
+                        <a:srgbClr val="000000"/>
+                      </a:solidFill>
+                      <a:prstDash val="solid"/>
+                      <a:round/>
+                      <a:headEnd type="none" w="med" len="med"/>
+                      <a:tailEnd type="none" w="med" len="med"/>
+                    </a:lnL>
+                    <a:lnR w="12700" cap="flat" cmpd="sng" algn="ctr">
+                      <a:solidFill>
+                        <a:srgbClr val="000000"/>
+                      </a:solidFill>
+                      <a:prstDash val="solid"/>
+                      <a:round/>
+                      <a:headEnd type="none" w="med" len="med"/>
+                      <a:tailEnd type="none" w="med" len="med"/>
+                    </a:lnR>
+                    <a:lnT w="12700" cap="flat" cmpd="sng" algn="ctr">
+                      <a:solidFill>
+                        <a:srgbClr val="000000"/>
+                      </a:solidFill>
+                      <a:prstDash val="solid"/>
+                      <a:round/>
+                      <a:headEnd type="none" w="med" len="med"/>
+                      <a:tailEnd type="none" w="med" len="med"/>
+                    </a:lnT>
+                    <a:lnB w="12700" cap="flat" cmpd="sng" algn="ctr">
+                      <a:solidFill>
+                        <a:srgbClr val="000000"/>
+                      </a:solidFill>
+                      <a:prstDash val="solid"/>
+                      <a:round/>
+                      <a:headEnd type="none" w="med" len="med"/>
+                      <a:tailEnd type="none" w="med" len="med"/>
+                    </a:lnB>
+                  </a:tcPr>
+                </a:tc>
+                <a:tc gridSpan="7">
+                  <a:txBody>
+                    <a:bodyPr/>
+                    <a:lstStyle/>
+                    <a:p>
+                      <a:pPr algn="ctr" fontAlgn="b"/>
+                      <a:r>
+                        <a:rPr lang="en-US" sz="1100" b="1" i="0" u="none" strike="noStrike">
+                          <a:solidFill>
+                            <a:srgbClr val="000000"/>
+                          </a:solidFill>
+                          <a:effectLst/>
+                          <a:latin typeface="Calibri" panose="020F0502020204030204" pitchFamily="34" charset="0"/>
+                        </a:rPr>
+                        <a:t>2018</a:t>
+                      </a:r>
+                    </a:p>
+                  </a:txBody>
+                  <a:tcPr marL="8865" marR="8865" marT="8865" marB="0" anchor="b">
+                    <a:lnL w="12700" cap="flat" cmpd="sng" algn="ctr">
+                      <a:solidFill>
+                        <a:srgbClr val="000000"/>
+                      </a:solidFill>
+                      <a:prstDash val="solid"/>
+                      <a:round/>
+                      <a:headEnd type="none" w="med" len="med"/>
+                      <a:tailEnd type="none" w="med" len="med"/>
+                    </a:lnL>
+                    <a:lnR w="12700" cap="flat" cmpd="sng" algn="ctr">
+                      <a:solidFill>
+                        <a:srgbClr val="000000"/>
+                      </a:solidFill>
+                      <a:prstDash val="solid"/>
+                      <a:round/>
+                      <a:headEnd type="none" w="med" len="med"/>
+                      <a:tailEnd type="none" w="med" len="med"/>
+                    </a:lnR>
+                    <a:lnT w="12700" cap="flat" cmpd="sng" algn="ctr">
+                      <a:solidFill>
+                        <a:srgbClr val="000000"/>
+                      </a:solidFill>
+                      <a:prstDash val="solid"/>
+                      <a:round/>
+                      <a:headEnd type="none" w="med" len="med"/>
+                      <a:tailEnd type="none" w="med" len="med"/>
+                    </a:lnT>
+                    <a:lnB w="6350" cap="flat" cmpd="sng" algn="ctr">
+                      <a:solidFill>
+                        <a:srgbClr val="000000"/>
+                      </a:solidFill>
+                      <a:prstDash val="solid"/>
+                      <a:round/>
+                      <a:headEnd type="none" w="med" len="med"/>
+                      <a:tailEnd type="none" w="med" len="med"/>
+                    </a:lnB>
+                  </a:tcPr>
+                </a:tc>
+                <a:tc hMerge="1">
+                  <a:txBody>
+                    <a:bodyPr/>
+                    <a:lstStyle/>
+                    <a:p>
+                      <a:endParaRPr lang="en-US"/>
+                    </a:p>
+                  </a:txBody>
+                  <a:tcPr/>
+                </a:tc>
+                <a:tc hMerge="1">
+                  <a:txBody>
+                    <a:bodyPr/>
+                    <a:lstStyle/>
+                    <a:p>
+                      <a:endParaRPr lang="en-US"/>
+                    </a:p>
+                  </a:txBody>
+                  <a:tcPr/>
+                </a:tc>
+                <a:tc hMerge="1">
+                  <a:txBody>
+                    <a:bodyPr/>
+                    <a:lstStyle/>
+                    <a:p>
+                      <a:endParaRPr lang="en-US"/>
+                    </a:p>
+                  </a:txBody>
+                  <a:tcPr/>
+                </a:tc>
+                <a:tc hMerge="1">
+                  <a:txBody>
+                    <a:bodyPr/>
+                    <a:lstStyle/>
+                    <a:p>
+                      <a:endParaRPr lang="en-US"/>
+                    </a:p>
+                  </a:txBody>
+                  <a:tcPr/>
+                </a:tc>
+                <a:tc hMerge="1">
+                  <a:txBody>
+                    <a:bodyPr/>
+                    <a:lstStyle/>
+                    <a:p>
+                      <a:endParaRPr lang="en-US"/>
+                    </a:p>
+                  </a:txBody>
+                  <a:tcPr/>
+                </a:tc>
+                <a:tc hMerge="1">
+                  <a:txBody>
+                    <a:bodyPr/>
+                    <a:lstStyle/>
+                    <a:p>
+                      <a:endParaRPr lang="en-US"/>
+                    </a:p>
+                  </a:txBody>
+                  <a:tcPr/>
+                </a:tc>
+                <a:tc gridSpan="5">
+                  <a:txBody>
+                    <a:bodyPr/>
+                    <a:lstStyle/>
+                    <a:p>
+                      <a:pPr algn="ctr" fontAlgn="ctr"/>
+                      <a:r>
+                        <a:rPr lang="en-US" sz="1100" b="1" i="0" u="none" strike="noStrike">
+                          <a:solidFill>
+                            <a:srgbClr val="000000"/>
+                          </a:solidFill>
+                          <a:effectLst/>
+                          <a:latin typeface="Calibri" panose="020F0502020204030204" pitchFamily="34" charset="0"/>
+                        </a:rPr>
+                        <a:t>2019</a:t>
+                      </a:r>
+                    </a:p>
+                  </a:txBody>
+                  <a:tcPr marL="8865" marR="8865" marT="8865" marB="0" anchor="ctr">
+                    <a:lnL w="12700" cap="flat" cmpd="sng" algn="ctr">
+                      <a:solidFill>
+                        <a:srgbClr val="000000"/>
+                      </a:solidFill>
+                      <a:prstDash val="solid"/>
+                      <a:round/>
+                      <a:headEnd type="none" w="med" len="med"/>
+                      <a:tailEnd type="none" w="med" len="med"/>
+                    </a:lnL>
+                    <a:lnR w="12700" cap="flat" cmpd="sng" algn="ctr">
+                      <a:solidFill>
+                        <a:srgbClr val="000000"/>
+                      </a:solidFill>
+                      <a:prstDash val="solid"/>
+                      <a:round/>
+                      <a:headEnd type="none" w="med" len="med"/>
+                      <a:tailEnd type="none" w="med" len="med"/>
+                    </a:lnR>
+                    <a:lnT w="12700" cap="flat" cmpd="sng" algn="ctr">
+                      <a:solidFill>
+                        <a:srgbClr val="000000"/>
+                      </a:solidFill>
+                      <a:prstDash val="solid"/>
+                      <a:round/>
+                      <a:headEnd type="none" w="med" len="med"/>
+                      <a:tailEnd type="none" w="med" len="med"/>
+                    </a:lnT>
+                    <a:lnB w="6350" cap="flat" cmpd="sng" algn="ctr">
+                      <a:solidFill>
+                        <a:srgbClr val="000000"/>
+                      </a:solidFill>
+                      <a:prstDash val="solid"/>
+                      <a:round/>
+                      <a:headEnd type="none" w="med" len="med"/>
+                      <a:tailEnd type="none" w="med" len="med"/>
+                    </a:lnB>
+                  </a:tcPr>
+                </a:tc>
+                <a:tc hMerge="1">
+                  <a:txBody>
+                    <a:bodyPr/>
+                    <a:lstStyle/>
+                    <a:p>
+                      <a:endParaRPr lang="en-US"/>
+                    </a:p>
+                  </a:txBody>
+                  <a:tcPr/>
+                </a:tc>
+                <a:tc hMerge="1">
+                  <a:txBody>
+                    <a:bodyPr/>
+                    <a:lstStyle/>
+                    <a:p>
+                      <a:endParaRPr lang="en-US"/>
+                    </a:p>
+                  </a:txBody>
+                  <a:tcPr/>
+                </a:tc>
+                <a:tc hMerge="1">
+                  <a:txBody>
+                    <a:bodyPr/>
+                    <a:lstStyle/>
+                    <a:p>
+                      <a:endParaRPr lang="en-US"/>
+                    </a:p>
+                  </a:txBody>
+                  <a:tcPr/>
+                </a:tc>
+                <a:tc hMerge="1">
+                  <a:txBody>
+                    <a:bodyPr/>
+                    <a:lstStyle/>
+                    <a:p>
+                      <a:endParaRPr lang="en-US"/>
+                    </a:p>
+                  </a:txBody>
+                  <a:tcPr/>
+                </a:tc>
+              </a:tr>
+              <a:tr h="214709">
+                <a:tc vMerge="1">
+                  <a:txBody>
+                    <a:bodyPr/>
+                    <a:lstStyle/>
+                    <a:p>
+                      <a:endParaRPr lang="en-US"/>
+                    </a:p>
+                  </a:txBody>
+                  <a:tcPr/>
+                </a:tc>
+                <a:tc>
+                  <a:txBody>
+                    <a:bodyPr/>
+                    <a:lstStyle/>
+                    <a:p>
+                      <a:pPr algn="ctr" fontAlgn="ctr"/>
+                      <a:r>
+                        <a:rPr lang="en-US" sz="1000" b="1" i="0" u="none" strike="noStrike">
+                          <a:solidFill>
+                            <a:srgbClr val="000000"/>
+                          </a:solidFill>
+                          <a:effectLst/>
+                          <a:latin typeface="Calibri" panose="020F0502020204030204" pitchFamily="34" charset="0"/>
+                        </a:rPr>
+                        <a:t>June</a:t>
+                      </a:r>
+                    </a:p>
+                  </a:txBody>
+                  <a:tcPr marL="8865" marR="8865" marT="8865" marB="0" anchor="ctr">
+                    <a:lnL w="12700" cap="flat" cmpd="sng" algn="ctr">
+                      <a:solidFill>
+                        <a:srgbClr val="000000"/>
+                      </a:solidFill>
+                      <a:prstDash val="solid"/>
+                      <a:round/>
+                      <a:headEnd type="none" w="med" len="med"/>
+                      <a:tailEnd type="none" w="med" len="med"/>
+                    </a:lnL>
+                    <a:lnR w="6350" cap="flat" cmpd="sng" algn="ctr">
+                      <a:solidFill>
+                        <a:srgbClr val="000000"/>
+                      </a:solidFill>
+                      <a:prstDash val="solid"/>
+                      <a:round/>
+                      <a:headEnd type="none" w="med" len="med"/>
+                      <a:tailEnd type="none" w="med" len="med"/>
+                    </a:lnR>
+                    <a:lnT w="6350" cap="flat" cmpd="sng" algn="ctr">
+                      <a:solidFill>
+                        <a:srgbClr val="000000"/>
+                      </a:solidFill>
+                      <a:prstDash val="solid"/>
+                      <a:round/>
+                      <a:headEnd type="none" w="med" len="med"/>
+                      <a:tailEnd type="none" w="med" len="med"/>
+                    </a:lnT>
+                    <a:lnB w="12700" cap="flat" cmpd="sng" algn="ctr">
+                      <a:solidFill>
+                        <a:srgbClr val="000000"/>
+                      </a:solidFill>
+                      <a:prstDash val="solid"/>
+                      <a:round/>
+                      <a:headEnd type="none" w="med" len="med"/>
+                      <a:tailEnd type="none" w="med" len="med"/>
+                    </a:lnB>
+                  </a:tcPr>
+                </a:tc>
+                <a:tc>
+                  <a:txBody>
+                    <a:bodyPr/>
+                    <a:lstStyle/>
+                    <a:p>
+                      <a:pPr algn="ctr" fontAlgn="ctr"/>
+                      <a:r>
+                        <a:rPr lang="en-US" sz="1000" b="1" i="0" u="none" strike="noStrike">
+                          <a:solidFill>
+                            <a:srgbClr val="000000"/>
+                          </a:solidFill>
+                          <a:effectLst/>
+                          <a:latin typeface="Calibri" panose="020F0502020204030204" pitchFamily="34" charset="0"/>
+                        </a:rPr>
+                        <a:t>July</a:t>
+                      </a:r>
+                    </a:p>
+                  </a:txBody>
+                  <a:tcPr marL="8865" marR="8865" marT="8865" marB="0" anchor="ctr">
+                    <a:lnL w="6350" cap="flat" cmpd="sng" algn="ctr">
+                      <a:solidFill>
+                        <a:srgbClr val="000000"/>
+                      </a:solidFill>
+                      <a:prstDash val="solid"/>
+                      <a:round/>
+                      <a:headEnd type="none" w="med" len="med"/>
+                      <a:tailEnd type="none" w="med" len="med"/>
+                    </a:lnL>
+                    <a:lnR w="6350" cap="flat" cmpd="sng" algn="ctr">
+                      <a:solidFill>
+                        <a:srgbClr val="000000"/>
+                      </a:solidFill>
+                      <a:prstDash val="solid"/>
+                      <a:round/>
+                      <a:headEnd type="none" w="med" len="med"/>
+                      <a:tailEnd type="none" w="med" len="med"/>
+                    </a:lnR>
+                    <a:lnT w="6350" cap="flat" cmpd="sng" algn="ctr">
+                      <a:solidFill>
+                        <a:srgbClr val="000000"/>
+                      </a:solidFill>
+                      <a:prstDash val="solid"/>
+                      <a:round/>
+                      <a:headEnd type="none" w="med" len="med"/>
+                      <a:tailEnd type="none" w="med" len="med"/>
+                    </a:lnT>
+                    <a:lnB w="12700" cap="flat" cmpd="sng" algn="ctr">
+                      <a:solidFill>
+                        <a:srgbClr val="000000"/>
+                      </a:solidFill>
+                      <a:prstDash val="solid"/>
+                      <a:round/>
+                      <a:headEnd type="none" w="med" len="med"/>
+                      <a:tailEnd type="none" w="med" len="med"/>
+                    </a:lnB>
+                  </a:tcPr>
+                </a:tc>
+                <a:tc>
+                  <a:txBody>
+                    <a:bodyPr/>
+                    <a:lstStyle/>
+                    <a:p>
+                      <a:pPr algn="ctr" fontAlgn="ctr"/>
+                      <a:r>
+                        <a:rPr lang="en-US" sz="1000" b="1" i="0" u="none" strike="noStrike">
+                          <a:solidFill>
+                            <a:srgbClr val="000000"/>
+                          </a:solidFill>
+                          <a:effectLst/>
+                          <a:latin typeface="Calibri" panose="020F0502020204030204" pitchFamily="34" charset="0"/>
+                        </a:rPr>
+                        <a:t>August </a:t>
+                      </a:r>
+                    </a:p>
+                  </a:txBody>
+                  <a:tcPr marL="8865" marR="8865" marT="8865" marB="0" anchor="ctr">
+                    <a:lnL w="6350" cap="flat" cmpd="sng" algn="ctr">
+                      <a:solidFill>
+                        <a:srgbClr val="000000"/>
+                      </a:solidFill>
+                      <a:prstDash val="solid"/>
+                      <a:round/>
+                      <a:headEnd type="none" w="med" len="med"/>
+                      <a:tailEnd type="none" w="med" len="med"/>
+                    </a:lnL>
+                    <a:lnR w="6350" cap="flat" cmpd="sng" algn="ctr">
+                      <a:solidFill>
+                        <a:srgbClr val="000000"/>
+                      </a:solidFill>
+                      <a:prstDash val="solid"/>
+                      <a:round/>
+                      <a:headEnd type="none" w="med" len="med"/>
+                      <a:tailEnd type="none" w="med" len="med"/>
+                    </a:lnR>
+                    <a:lnT w="6350" cap="flat" cmpd="sng" algn="ctr">
+                      <a:solidFill>
+                        <a:srgbClr val="000000"/>
+                      </a:solidFill>
+                      <a:prstDash val="solid"/>
+                      <a:round/>
+                      <a:headEnd type="none" w="med" len="med"/>
+                      <a:tailEnd type="none" w="med" len="med"/>
+                    </a:lnT>
+                    <a:lnB w="12700" cap="flat" cmpd="sng" algn="ctr">
+                      <a:solidFill>
+                        <a:srgbClr val="000000"/>
+                      </a:solidFill>
+                      <a:prstDash val="solid"/>
+                      <a:round/>
+                      <a:headEnd type="none" w="med" len="med"/>
+                      <a:tailEnd type="none" w="med" len="med"/>
+                    </a:lnB>
+                  </a:tcPr>
+                </a:tc>
+                <a:tc>
+                  <a:txBody>
+                    <a:bodyPr/>
+                    <a:lstStyle/>
+                    <a:p>
+                      <a:pPr algn="ctr" fontAlgn="ctr"/>
+                      <a:r>
+                        <a:rPr lang="en-US" sz="1000" b="1" i="0" u="none" strike="noStrike">
+                          <a:solidFill>
+                            <a:srgbClr val="000000"/>
+                          </a:solidFill>
+                          <a:effectLst/>
+                          <a:latin typeface="Calibri" panose="020F0502020204030204" pitchFamily="34" charset="0"/>
+                        </a:rPr>
+                        <a:t>September</a:t>
+                      </a:r>
+                    </a:p>
+                  </a:txBody>
+                  <a:tcPr marL="8865" marR="8865" marT="8865" marB="0" anchor="ctr">
+                    <a:lnL w="6350" cap="flat" cmpd="sng" algn="ctr">
+                      <a:solidFill>
+                        <a:srgbClr val="000000"/>
+                      </a:solidFill>
+                      <a:prstDash val="solid"/>
+                      <a:round/>
+                      <a:headEnd type="none" w="med" len="med"/>
+                      <a:tailEnd type="none" w="med" len="med"/>
+                    </a:lnL>
+                    <a:lnR w="6350" cap="flat" cmpd="sng" algn="ctr">
+                      <a:solidFill>
+                        <a:srgbClr val="000000"/>
+                      </a:solidFill>
+                      <a:prstDash val="solid"/>
+                      <a:round/>
+                      <a:headEnd type="none" w="med" len="med"/>
+                      <a:tailEnd type="none" w="med" len="med"/>
+                    </a:lnR>
+                    <a:lnT w="6350" cap="flat" cmpd="sng" algn="ctr">
+                      <a:solidFill>
+                        <a:srgbClr val="000000"/>
+                      </a:solidFill>
+                      <a:prstDash val="solid"/>
+                      <a:round/>
+                      <a:headEnd type="none" w="med" len="med"/>
+                      <a:tailEnd type="none" w="med" len="med"/>
+                    </a:lnT>
+                    <a:lnB w="12700" cap="flat" cmpd="sng" algn="ctr">
+                      <a:solidFill>
+                        <a:srgbClr val="000000"/>
+                      </a:solidFill>
+                      <a:prstDash val="solid"/>
+                      <a:round/>
+                      <a:headEnd type="none" w="med" len="med"/>
+                      <a:tailEnd type="none" w="med" len="med"/>
+                    </a:lnB>
+                  </a:tcPr>
+                </a:tc>
+                <a:tc>
+                  <a:txBody>
+                    <a:bodyPr/>
+                    <a:lstStyle/>
+                    <a:p>
+                      <a:pPr algn="ctr" fontAlgn="ctr"/>
+                      <a:r>
+                        <a:rPr lang="en-US" sz="1000" b="1" i="0" u="none" strike="noStrike">
+                          <a:solidFill>
+                            <a:srgbClr val="000000"/>
+                          </a:solidFill>
+                          <a:effectLst/>
+                          <a:latin typeface="Calibri" panose="020F0502020204030204" pitchFamily="34" charset="0"/>
+                        </a:rPr>
+                        <a:t>October</a:t>
+                      </a:r>
+                    </a:p>
+                  </a:txBody>
+                  <a:tcPr marL="8865" marR="8865" marT="8865" marB="0" anchor="ctr">
+                    <a:lnL w="6350" cap="flat" cmpd="sng" algn="ctr">
+                      <a:solidFill>
+                        <a:srgbClr val="000000"/>
+                      </a:solidFill>
+                      <a:prstDash val="solid"/>
+                      <a:round/>
+                      <a:headEnd type="none" w="med" len="med"/>
+                      <a:tailEnd type="none" w="med" len="med"/>
+                    </a:lnL>
+                    <a:lnR w="6350" cap="flat" cmpd="sng" algn="ctr">
+                      <a:solidFill>
+                        <a:srgbClr val="000000"/>
+                      </a:solidFill>
+                      <a:prstDash val="solid"/>
+                      <a:round/>
+                      <a:headEnd type="none" w="med" len="med"/>
+                      <a:tailEnd type="none" w="med" len="med"/>
+                    </a:lnR>
+                    <a:lnT w="6350" cap="flat" cmpd="sng" algn="ctr">
+                      <a:solidFill>
+                        <a:srgbClr val="000000"/>
+                      </a:solidFill>
+                      <a:prstDash val="solid"/>
+                      <a:round/>
+                      <a:headEnd type="none" w="med" len="med"/>
+                      <a:tailEnd type="none" w="med" len="med"/>
+                    </a:lnT>
+                    <a:lnB w="12700" cap="flat" cmpd="sng" algn="ctr">
+                      <a:solidFill>
+                        <a:srgbClr val="000000"/>
+                      </a:solidFill>
+                      <a:prstDash val="solid"/>
+                      <a:round/>
+                      <a:headEnd type="none" w="med" len="med"/>
+                      <a:tailEnd type="none" w="med" len="med"/>
+                    </a:lnB>
+                  </a:tcPr>
+                </a:tc>
+                <a:tc>
+                  <a:txBody>
+                    <a:bodyPr/>
+                    <a:lstStyle/>
+                    <a:p>
+                      <a:pPr algn="ctr" fontAlgn="ctr"/>
+                      <a:r>
+                        <a:rPr lang="en-US" sz="1000" b="1" i="0" u="none" strike="noStrike">
+                          <a:solidFill>
+                            <a:srgbClr val="000000"/>
+                          </a:solidFill>
+                          <a:effectLst/>
+                          <a:latin typeface="Calibri" panose="020F0502020204030204" pitchFamily="34" charset="0"/>
+                        </a:rPr>
+                        <a:t>November</a:t>
+                      </a:r>
+                    </a:p>
+                  </a:txBody>
+                  <a:tcPr marL="8865" marR="8865" marT="8865" marB="0" anchor="ctr">
+                    <a:lnL w="6350" cap="flat" cmpd="sng" algn="ctr">
+                      <a:solidFill>
+                        <a:srgbClr val="000000"/>
+                      </a:solidFill>
+                      <a:prstDash val="solid"/>
+                      <a:round/>
+                      <a:headEnd type="none" w="med" len="med"/>
+                      <a:tailEnd type="none" w="med" len="med"/>
+                    </a:lnL>
+                    <a:lnR w="6350" cap="flat" cmpd="sng" algn="ctr">
+                      <a:solidFill>
+                        <a:srgbClr val="000000"/>
+                      </a:solidFill>
+                      <a:prstDash val="solid"/>
+                      <a:round/>
+                      <a:headEnd type="none" w="med" len="med"/>
+                      <a:tailEnd type="none" w="med" len="med"/>
+                    </a:lnR>
+                    <a:lnT w="6350" cap="flat" cmpd="sng" algn="ctr">
+                      <a:solidFill>
+                        <a:srgbClr val="000000"/>
+                      </a:solidFill>
+                      <a:prstDash val="solid"/>
+                      <a:round/>
+                      <a:headEnd type="none" w="med" len="med"/>
+                      <a:tailEnd type="none" w="med" len="med"/>
+                    </a:lnT>
+                    <a:lnB w="12700" cap="flat" cmpd="sng" algn="ctr">
+                      <a:solidFill>
+                        <a:srgbClr val="000000"/>
+                      </a:solidFill>
+                      <a:prstDash val="solid"/>
+                      <a:round/>
+                      <a:headEnd type="none" w="med" len="med"/>
+                      <a:tailEnd type="none" w="med" len="med"/>
+                    </a:lnB>
+                  </a:tcPr>
+                </a:tc>
+                <a:tc>
+                  <a:txBody>
+                    <a:bodyPr/>
+                    <a:lstStyle/>
+                    <a:p>
+                      <a:pPr algn="ctr" fontAlgn="ctr"/>
+                      <a:r>
+                        <a:rPr lang="en-US" sz="1000" b="1" i="0" u="none" strike="noStrike">
+                          <a:solidFill>
+                            <a:srgbClr val="000000"/>
+                          </a:solidFill>
+                          <a:effectLst/>
+                          <a:latin typeface="Calibri" panose="020F0502020204030204" pitchFamily="34" charset="0"/>
+                        </a:rPr>
+                        <a:t>December</a:t>
+                      </a:r>
+                    </a:p>
+                  </a:txBody>
+                  <a:tcPr marL="8865" marR="8865" marT="8865" marB="0" anchor="ctr">
+                    <a:lnL w="6350" cap="flat" cmpd="sng" algn="ctr">
+                      <a:solidFill>
+                        <a:srgbClr val="000000"/>
+                      </a:solidFill>
+                      <a:prstDash val="solid"/>
+                      <a:round/>
+                      <a:headEnd type="none" w="med" len="med"/>
+                      <a:tailEnd type="none" w="med" len="med"/>
+                    </a:lnL>
+                    <a:lnR w="12700" cap="flat" cmpd="sng" algn="ctr">
+                      <a:solidFill>
+                        <a:srgbClr val="000000"/>
+                      </a:solidFill>
+                      <a:prstDash val="solid"/>
+                      <a:round/>
+                      <a:headEnd type="none" w="med" len="med"/>
+                      <a:tailEnd type="none" w="med" len="med"/>
+                    </a:lnR>
+                    <a:lnT w="6350" cap="flat" cmpd="sng" algn="ctr">
+                      <a:solidFill>
+                        <a:srgbClr val="000000"/>
+                      </a:solidFill>
+                      <a:prstDash val="solid"/>
+                      <a:round/>
+                      <a:headEnd type="none" w="med" len="med"/>
+                      <a:tailEnd type="none" w="med" len="med"/>
+                    </a:lnT>
+                    <a:lnB w="12700" cap="flat" cmpd="sng" algn="ctr">
+                      <a:solidFill>
+                        <a:srgbClr val="000000"/>
+                      </a:solidFill>
+                      <a:prstDash val="solid"/>
+                      <a:round/>
+                      <a:headEnd type="none" w="med" len="med"/>
+                      <a:tailEnd type="none" w="med" len="med"/>
+                    </a:lnB>
+                  </a:tcPr>
+                </a:tc>
+                <a:tc>
+                  <a:txBody>
+                    <a:bodyPr/>
+                    <a:lstStyle/>
+                    <a:p>
+                      <a:pPr algn="ctr" fontAlgn="ctr"/>
+                      <a:r>
+                        <a:rPr lang="en-US" sz="1000" b="1" i="0" u="none" strike="noStrike">
+                          <a:solidFill>
+                            <a:srgbClr val="000000"/>
+                          </a:solidFill>
+                          <a:effectLst/>
+                          <a:latin typeface="Calibri" panose="020F0502020204030204" pitchFamily="34" charset="0"/>
+                        </a:rPr>
+                        <a:t>January</a:t>
+                      </a:r>
+                    </a:p>
+                  </a:txBody>
+                  <a:tcPr marL="8865" marR="8865" marT="8865" marB="0" anchor="ctr">
+                    <a:lnL w="12700" cap="flat" cmpd="sng" algn="ctr">
+                      <a:solidFill>
+                        <a:srgbClr val="000000"/>
+                      </a:solidFill>
+                      <a:prstDash val="solid"/>
+                      <a:round/>
+                      <a:headEnd type="none" w="med" len="med"/>
+                      <a:tailEnd type="none" w="med" len="med"/>
+                    </a:lnL>
+                    <a:lnR w="6350" cap="flat" cmpd="sng" algn="ctr">
+                      <a:solidFill>
+                        <a:srgbClr val="000000"/>
+                      </a:solidFill>
+                      <a:prstDash val="solid"/>
+                      <a:round/>
+                      <a:headEnd type="none" w="med" len="med"/>
+                      <a:tailEnd type="none" w="med" len="med"/>
+                    </a:lnR>
+                    <a:lnT w="6350" cap="flat" cmpd="sng" algn="ctr">
+                      <a:solidFill>
+                        <a:srgbClr val="000000"/>
+                      </a:solidFill>
+                      <a:prstDash val="solid"/>
+                      <a:round/>
+                      <a:headEnd type="none" w="med" len="med"/>
+                      <a:tailEnd type="none" w="med" len="med"/>
+                    </a:lnT>
+                    <a:lnB w="12700" cap="flat" cmpd="sng" algn="ctr">
+                      <a:solidFill>
+                        <a:srgbClr val="000000"/>
+                      </a:solidFill>
+                      <a:prstDash val="solid"/>
+                      <a:round/>
+                      <a:headEnd type="none" w="med" len="med"/>
+                      <a:tailEnd type="none" w="med" len="med"/>
+                    </a:lnB>
+                  </a:tcPr>
+                </a:tc>
+                <a:tc>
+                  <a:txBody>
+                    <a:bodyPr/>
+                    <a:lstStyle/>
+                    <a:p>
+                      <a:pPr algn="ctr" fontAlgn="ctr"/>
+                      <a:r>
+                        <a:rPr lang="en-US" sz="1000" b="1" i="0" u="none" strike="noStrike">
+                          <a:solidFill>
+                            <a:srgbClr val="000000"/>
+                          </a:solidFill>
+                          <a:effectLst/>
+                          <a:latin typeface="Calibri" panose="020F0502020204030204" pitchFamily="34" charset="0"/>
+                        </a:rPr>
+                        <a:t>February</a:t>
+                      </a:r>
+                    </a:p>
+                  </a:txBody>
+                  <a:tcPr marL="8865" marR="8865" marT="8865" marB="0" anchor="ctr">
+                    <a:lnL w="6350" cap="flat" cmpd="sng" algn="ctr">
+                      <a:solidFill>
+                        <a:srgbClr val="000000"/>
+                      </a:solidFill>
+                      <a:prstDash val="solid"/>
+                      <a:round/>
+                      <a:headEnd type="none" w="med" len="med"/>
+                      <a:tailEnd type="none" w="med" len="med"/>
+                    </a:lnL>
+                    <a:lnR w="6350" cap="flat" cmpd="sng" algn="ctr">
+                      <a:solidFill>
+                        <a:srgbClr val="000000"/>
+                      </a:solidFill>
+                      <a:prstDash val="solid"/>
+                      <a:round/>
+                      <a:headEnd type="none" w="med" len="med"/>
+                      <a:tailEnd type="none" w="med" len="med"/>
+                    </a:lnR>
+                    <a:lnT w="6350" cap="flat" cmpd="sng" algn="ctr">
+                      <a:solidFill>
+                        <a:srgbClr val="000000"/>
+                      </a:solidFill>
+                      <a:prstDash val="solid"/>
+                      <a:round/>
+                      <a:headEnd type="none" w="med" len="med"/>
+                      <a:tailEnd type="none" w="med" len="med"/>
+                    </a:lnT>
+                    <a:lnB w="12700" cap="flat" cmpd="sng" algn="ctr">
+                      <a:solidFill>
+                        <a:srgbClr val="000000"/>
+                      </a:solidFill>
+                      <a:prstDash val="solid"/>
+                      <a:round/>
+                      <a:headEnd type="none" w="med" len="med"/>
+                      <a:tailEnd type="none" w="med" len="med"/>
+                    </a:lnB>
+                  </a:tcPr>
+                </a:tc>
+                <a:tc>
+                  <a:txBody>
+                    <a:bodyPr/>
+                    <a:lstStyle/>
+                    <a:p>
+                      <a:pPr algn="ctr" fontAlgn="ctr"/>
+                      <a:r>
+                        <a:rPr lang="en-US" sz="1000" b="1" i="0" u="none" strike="noStrike">
+                          <a:solidFill>
+                            <a:srgbClr val="000000"/>
+                          </a:solidFill>
+                          <a:effectLst/>
+                          <a:latin typeface="Calibri" panose="020F0502020204030204" pitchFamily="34" charset="0"/>
+                        </a:rPr>
+                        <a:t>March </a:t>
+                      </a:r>
+                    </a:p>
+                  </a:txBody>
+                  <a:tcPr marL="8865" marR="8865" marT="8865" marB="0" anchor="ctr">
+                    <a:lnL w="6350" cap="flat" cmpd="sng" algn="ctr">
+                      <a:solidFill>
+                        <a:srgbClr val="000000"/>
+                      </a:solidFill>
+                      <a:prstDash val="solid"/>
+                      <a:round/>
+                      <a:headEnd type="none" w="med" len="med"/>
+                      <a:tailEnd type="none" w="med" len="med"/>
+                    </a:lnL>
+                    <a:lnR w="6350" cap="flat" cmpd="sng" algn="ctr">
+                      <a:solidFill>
+                        <a:srgbClr val="000000"/>
+                      </a:solidFill>
+                      <a:prstDash val="solid"/>
+                      <a:round/>
+                      <a:headEnd type="none" w="med" len="med"/>
+                      <a:tailEnd type="none" w="med" len="med"/>
+                    </a:lnR>
+                    <a:lnT w="6350" cap="flat" cmpd="sng" algn="ctr">
+                      <a:solidFill>
+                        <a:srgbClr val="000000"/>
+                      </a:solidFill>
+                      <a:prstDash val="solid"/>
+                      <a:round/>
+                      <a:headEnd type="none" w="med" len="med"/>
+                      <a:tailEnd type="none" w="med" len="med"/>
+                    </a:lnT>
+                    <a:lnB w="12700" cap="flat" cmpd="sng" algn="ctr">
+                      <a:solidFill>
+                        <a:srgbClr val="000000"/>
+                      </a:solidFill>
+                      <a:prstDash val="solid"/>
+                      <a:round/>
+                      <a:headEnd type="none" w="med" len="med"/>
+                      <a:tailEnd type="none" w="med" len="med"/>
+                    </a:lnB>
+                  </a:tcPr>
+                </a:tc>
+                <a:tc>
+                  <a:txBody>
+                    <a:bodyPr/>
+                    <a:lstStyle/>
+                    <a:p>
+                      <a:pPr algn="ctr" fontAlgn="ctr"/>
+                      <a:r>
+                        <a:rPr lang="en-US" sz="1000" b="1" i="0" u="none" strike="noStrike">
+                          <a:solidFill>
+                            <a:srgbClr val="000000"/>
+                          </a:solidFill>
+                          <a:effectLst/>
+                          <a:latin typeface="Calibri" panose="020F0502020204030204" pitchFamily="34" charset="0"/>
+                        </a:rPr>
+                        <a:t>April</a:t>
+                      </a:r>
+                    </a:p>
+                  </a:txBody>
+                  <a:tcPr marL="8865" marR="8865" marT="8865" marB="0" anchor="ctr">
+                    <a:lnL w="6350" cap="flat" cmpd="sng" algn="ctr">
+                      <a:solidFill>
+                        <a:srgbClr val="000000"/>
+                      </a:solidFill>
+                      <a:prstDash val="solid"/>
+                      <a:round/>
+                      <a:headEnd type="none" w="med" len="med"/>
+                      <a:tailEnd type="none" w="med" len="med"/>
+                    </a:lnL>
+                    <a:lnR w="6350" cap="flat" cmpd="sng" algn="ctr">
+                      <a:solidFill>
+                        <a:srgbClr val="000000"/>
+                      </a:solidFill>
+                      <a:prstDash val="solid"/>
+                      <a:round/>
+                      <a:headEnd type="none" w="med" len="med"/>
+                      <a:tailEnd type="none" w="med" len="med"/>
+                    </a:lnR>
+                    <a:lnT w="6350" cap="flat" cmpd="sng" algn="ctr">
+                      <a:solidFill>
+                        <a:srgbClr val="000000"/>
+                      </a:solidFill>
+                      <a:prstDash val="solid"/>
+                      <a:round/>
+                      <a:headEnd type="none" w="med" len="med"/>
+                      <a:tailEnd type="none" w="med" len="med"/>
+                    </a:lnT>
+                    <a:lnB w="12700" cap="flat" cmpd="sng" algn="ctr">
+                      <a:solidFill>
+                        <a:srgbClr val="000000"/>
+                      </a:solidFill>
+                      <a:prstDash val="solid"/>
+                      <a:round/>
+                      <a:headEnd type="none" w="med" len="med"/>
+                      <a:tailEnd type="none" w="med" len="med"/>
+                    </a:lnB>
+                  </a:tcPr>
+                </a:tc>
+                <a:tc>
+                  <a:txBody>
+                    <a:bodyPr/>
+                    <a:lstStyle/>
+                    <a:p>
+                      <a:pPr algn="ctr" fontAlgn="ctr"/>
+                      <a:r>
+                        <a:rPr lang="en-US" sz="1000" b="1" i="0" u="none" strike="noStrike">
+                          <a:solidFill>
+                            <a:srgbClr val="000000"/>
+                          </a:solidFill>
+                          <a:effectLst/>
+                          <a:latin typeface="Calibri" panose="020F0502020204030204" pitchFamily="34" charset="0"/>
+                        </a:rPr>
+                        <a:t>May</a:t>
+                      </a:r>
+                    </a:p>
+                  </a:txBody>
+                  <a:tcPr marL="8865" marR="8865" marT="8865" marB="0" anchor="ctr">
+                    <a:lnL w="6350" cap="flat" cmpd="sng" algn="ctr">
+                      <a:solidFill>
+                        <a:srgbClr val="000000"/>
+                      </a:solidFill>
+                      <a:prstDash val="solid"/>
+                      <a:round/>
+                      <a:headEnd type="none" w="med" len="med"/>
+                      <a:tailEnd type="none" w="med" len="med"/>
+                    </a:lnL>
+                    <a:lnR w="12700" cap="flat" cmpd="sng" algn="ctr">
+                      <a:solidFill>
+                        <a:srgbClr val="000000"/>
+                      </a:solidFill>
+                      <a:prstDash val="solid"/>
+                      <a:round/>
+                      <a:headEnd type="none" w="med" len="med"/>
+                      <a:tailEnd type="none" w="med" len="med"/>
+                    </a:lnR>
+                    <a:lnT w="6350" cap="flat" cmpd="sng" algn="ctr">
+                      <a:solidFill>
+                        <a:srgbClr val="000000"/>
+                      </a:solidFill>
+                      <a:prstDash val="solid"/>
+                      <a:round/>
+                      <a:headEnd type="none" w="med" len="med"/>
+                      <a:tailEnd type="none" w="med" len="med"/>
+                    </a:lnT>
+                    <a:lnB w="12700" cap="flat" cmpd="sng" algn="ctr">
+                      <a:solidFill>
+                        <a:srgbClr val="000000"/>
+                      </a:solidFill>
+                      <a:prstDash val="solid"/>
+                      <a:round/>
+                      <a:headEnd type="none" w="med" len="med"/>
+                      <a:tailEnd type="none" w="med" len="med"/>
+                    </a:lnB>
+                  </a:tcPr>
+                </a:tc>
+              </a:tr>
+              <a:tr h="439642">
+                <a:tc>
+                  <a:txBody>
+                    <a:bodyPr/>
+                    <a:lstStyle/>
+                    <a:p>
+                      <a:pPr algn="l" fontAlgn="b"/>
+                      <a:r>
+                        <a:rPr lang="en-US" sz="1000" b="0" i="1" u="none" strike="noStrike">
+                          <a:solidFill>
+                            <a:srgbClr val="000000"/>
+                          </a:solidFill>
+                          <a:effectLst/>
+                          <a:latin typeface="Calibri" panose="020F0502020204030204" pitchFamily="34" charset="0"/>
+                        </a:rPr>
+                        <a:t>analyze &amp; investigate the dead-time effect on the VSIs for various PMSMs</a:t>
+                      </a:r>
+                    </a:p>
+                  </a:txBody>
+                  <a:tcPr marL="8865" marR="8865" marT="8865" marB="0" anchor="b">
+                    <a:lnL w="12700" cap="flat" cmpd="sng" algn="ctr">
+                      <a:solidFill>
+                        <a:srgbClr val="000000"/>
+                      </a:solidFill>
+                      <a:prstDash val="solid"/>
+                      <a:round/>
+                      <a:headEnd type="none" w="med" len="med"/>
+                      <a:tailEnd type="none" w="med" len="med"/>
+                    </a:lnL>
+                    <a:lnR w="12700" cap="flat" cmpd="sng" algn="ctr">
+                      <a:solidFill>
+                        <a:srgbClr val="000000"/>
+                      </a:solidFill>
+                      <a:prstDash val="solid"/>
+                      <a:round/>
+                      <a:headEnd type="none" w="med" len="med"/>
+                      <a:tailEnd type="none" w="med" len="med"/>
+                    </a:lnR>
+                    <a:lnT w="12700" cap="flat" cmpd="sng" algn="ctr">
+                      <a:solidFill>
+                        <a:srgbClr val="000000"/>
+                      </a:solidFill>
+                      <a:prstDash val="solid"/>
+                      <a:round/>
+                      <a:headEnd type="none" w="med" len="med"/>
+                      <a:tailEnd type="none" w="med" len="med"/>
+                    </a:lnT>
+                    <a:lnB w="6350" cap="flat" cmpd="sng" algn="ctr">
+                      <a:solidFill>
+                        <a:srgbClr val="000000"/>
+                      </a:solidFill>
+                      <a:prstDash val="solid"/>
+                      <a:round/>
+                      <a:headEnd type="none" w="med" len="med"/>
+                      <a:tailEnd type="none" w="med" len="med"/>
+                    </a:lnB>
+                  </a:tcPr>
+                </a:tc>
+                <a:tc>
+                  <a:txBody>
+                    <a:bodyPr/>
+                    <a:lstStyle/>
+                    <a:p>
+                      <a:pPr algn="ctr" fontAlgn="ctr"/>
+                      <a:r>
+                        <a:rPr lang="en-US" sz="1000" b="0" i="0" u="none" strike="noStrike">
+                          <a:solidFill>
+                            <a:srgbClr val="000000"/>
+                          </a:solidFill>
+                          <a:effectLst/>
+                          <a:latin typeface="Calibri" panose="020F0502020204030204" pitchFamily="34" charset="0"/>
+                        </a:rPr>
+                        <a:t>x</a:t>
+                      </a:r>
+                    </a:p>
+                  </a:txBody>
+                  <a:tcPr marL="8865" marR="8865" marT="8865" marB="0" anchor="ctr">
+                    <a:lnL w="12700" cap="flat" cmpd="sng" algn="ctr">
+                      <a:solidFill>
+                        <a:srgbClr val="000000"/>
+                      </a:solidFill>
+                      <a:prstDash val="solid"/>
+                      <a:round/>
+                      <a:headEnd type="none" w="med" len="med"/>
+                      <a:tailEnd type="none" w="med" len="med"/>
+                    </a:lnL>
+                    <a:lnR w="6350" cap="flat" cmpd="sng" algn="ctr">
+                      <a:solidFill>
+                        <a:srgbClr val="000000"/>
+                      </a:solidFill>
+                      <a:prstDash val="solid"/>
+                      <a:round/>
+                      <a:headEnd type="none" w="med" len="med"/>
+                      <a:tailEnd type="none" w="med" len="med"/>
+                    </a:lnR>
+                    <a:lnT w="12700" cap="flat" cmpd="sng" algn="ctr">
+                      <a:solidFill>
+                        <a:srgbClr val="000000"/>
+                      </a:solidFill>
+                      <a:prstDash val="solid"/>
+                      <a:round/>
+                      <a:headEnd type="none" w="med" len="med"/>
+                      <a:tailEnd type="none" w="med" len="med"/>
+                    </a:lnT>
+                    <a:lnB w="6350" cap="flat" cmpd="sng" algn="ctr">
+                      <a:solidFill>
+                        <a:srgbClr val="000000"/>
+                      </a:solidFill>
+                      <a:prstDash val="solid"/>
+                      <a:round/>
+                      <a:headEnd type="none" w="med" len="med"/>
+                      <a:tailEnd type="none" w="med" len="med"/>
+                    </a:lnB>
+                    <a:solidFill>
+                      <a:srgbClr val="DAEEF3"/>
+                    </a:solidFill>
+                  </a:tcPr>
+                </a:tc>
+                <a:tc>
+                  <a:txBody>
+                    <a:bodyPr/>
+                    <a:lstStyle/>
+                    <a:p>
+                      <a:pPr algn="ctr" fontAlgn="ctr"/>
+                      <a:r>
+                        <a:rPr lang="en-US" sz="1000" b="0" i="0" u="none" strike="noStrike">
+                          <a:solidFill>
+                            <a:srgbClr val="000000"/>
+                          </a:solidFill>
+                          <a:effectLst/>
+                          <a:latin typeface="Calibri" panose="020F0502020204030204" pitchFamily="34" charset="0"/>
+                        </a:rPr>
+                        <a:t>x</a:t>
+                      </a:r>
+                    </a:p>
+                  </a:txBody>
+                  <a:tcPr marL="8865" marR="8865" marT="8865" marB="0" anchor="ctr">
+                    <a:lnL w="6350" cap="flat" cmpd="sng" algn="ctr">
+                      <a:solidFill>
+                        <a:srgbClr val="000000"/>
+                      </a:solidFill>
+                      <a:prstDash val="solid"/>
+                      <a:round/>
+                      <a:headEnd type="none" w="med" len="med"/>
+                      <a:tailEnd type="none" w="med" len="med"/>
+                    </a:lnL>
+                    <a:lnR w="6350" cap="flat" cmpd="sng" algn="ctr">
+                      <a:solidFill>
+                        <a:srgbClr val="000000"/>
+                      </a:solidFill>
+                      <a:prstDash val="solid"/>
+                      <a:round/>
+                      <a:headEnd type="none" w="med" len="med"/>
+                      <a:tailEnd type="none" w="med" len="med"/>
+                    </a:lnR>
+                    <a:lnT w="12700" cap="flat" cmpd="sng" algn="ctr">
+                      <a:solidFill>
+                        <a:srgbClr val="000000"/>
+                      </a:solidFill>
+                      <a:prstDash val="solid"/>
+                      <a:round/>
+                      <a:headEnd type="none" w="med" len="med"/>
+                      <a:tailEnd type="none" w="med" len="med"/>
+                    </a:lnT>
+                    <a:lnB w="6350" cap="flat" cmpd="sng" algn="ctr">
+                      <a:solidFill>
+                        <a:srgbClr val="000000"/>
+                      </a:solidFill>
+                      <a:prstDash val="solid"/>
+                      <a:round/>
+                      <a:headEnd type="none" w="med" len="med"/>
+                      <a:tailEnd type="none" w="med" len="med"/>
+                    </a:lnB>
+                    <a:solidFill>
+                      <a:srgbClr val="DAEEF3"/>
+                    </a:solidFill>
+                  </a:tcPr>
+                </a:tc>
+                <a:tc>
+                  <a:txBody>
+                    <a:bodyPr/>
+                    <a:lstStyle/>
+                    <a:p>
+                      <a:pPr algn="l" fontAlgn="b"/>
+                      <a:r>
+                        <a:rPr lang="en-US" sz="1000" b="0" i="0" u="none" strike="noStrike">
+                          <a:solidFill>
+                            <a:srgbClr val="000000"/>
+                          </a:solidFill>
+                          <a:effectLst/>
+                          <a:latin typeface="Calibri" panose="020F0502020204030204" pitchFamily="34" charset="0"/>
+                        </a:rPr>
+                        <a:t> </a:t>
+                      </a:r>
+                    </a:p>
+                  </a:txBody>
+                  <a:tcPr marL="8865" marR="8865" marT="8865" marB="0" anchor="b">
+                    <a:lnL w="6350" cap="flat" cmpd="sng" algn="ctr">
+                      <a:solidFill>
+                        <a:srgbClr val="000000"/>
+                      </a:solidFill>
+                      <a:prstDash val="solid"/>
+                      <a:round/>
+                      <a:headEnd type="none" w="med" len="med"/>
+                      <a:tailEnd type="none" w="med" len="med"/>
+                    </a:lnL>
+                    <a:lnR w="6350" cap="flat" cmpd="sng" algn="ctr">
+                      <a:solidFill>
+                        <a:srgbClr val="000000"/>
+                      </a:solidFill>
+                      <a:prstDash val="solid"/>
+                      <a:round/>
+                      <a:headEnd type="none" w="med" len="med"/>
+                      <a:tailEnd type="none" w="med" len="med"/>
+                    </a:lnR>
+                    <a:lnT w="12700" cap="flat" cmpd="sng" algn="ctr">
+                      <a:solidFill>
+                        <a:srgbClr val="000000"/>
+                      </a:solidFill>
+                      <a:prstDash val="solid"/>
+                      <a:round/>
+                      <a:headEnd type="none" w="med" len="med"/>
+                      <a:tailEnd type="none" w="med" len="med"/>
+                    </a:lnT>
+                    <a:lnB w="6350" cap="flat" cmpd="sng" algn="ctr">
+                      <a:solidFill>
+                        <a:srgbClr val="000000"/>
+                      </a:solidFill>
+                      <a:prstDash val="solid"/>
+                      <a:round/>
+                      <a:headEnd type="none" w="med" len="med"/>
+                      <a:tailEnd type="none" w="med" len="med"/>
+                    </a:lnB>
+                  </a:tcPr>
+                </a:tc>
+                <a:tc>
+                  <a:txBody>
+                    <a:bodyPr/>
+                    <a:lstStyle/>
+                    <a:p>
+                      <a:pPr algn="l" fontAlgn="b"/>
+                      <a:r>
+                        <a:rPr lang="en-US" sz="1000" b="0" i="0" u="none" strike="noStrike">
+                          <a:solidFill>
+                            <a:srgbClr val="000000"/>
+                          </a:solidFill>
+                          <a:effectLst/>
+                          <a:latin typeface="Calibri" panose="020F0502020204030204" pitchFamily="34" charset="0"/>
+                        </a:rPr>
+                        <a:t> </a:t>
+                      </a:r>
+                    </a:p>
+                  </a:txBody>
+                  <a:tcPr marL="8865" marR="8865" marT="8865" marB="0" anchor="b">
+                    <a:lnL w="6350" cap="flat" cmpd="sng" algn="ctr">
+                      <a:solidFill>
+                        <a:srgbClr val="000000"/>
+                      </a:solidFill>
+                      <a:prstDash val="solid"/>
+                      <a:round/>
+                      <a:headEnd type="none" w="med" len="med"/>
+                      <a:tailEnd type="none" w="med" len="med"/>
+                    </a:lnL>
+                    <a:lnR w="6350" cap="flat" cmpd="sng" algn="ctr">
+                      <a:solidFill>
+                        <a:srgbClr val="000000"/>
+                      </a:solidFill>
+                      <a:prstDash val="solid"/>
+                      <a:round/>
+                      <a:headEnd type="none" w="med" len="med"/>
+                      <a:tailEnd type="none" w="med" len="med"/>
+                    </a:lnR>
+                    <a:lnT w="12700" cap="flat" cmpd="sng" algn="ctr">
+                      <a:solidFill>
+                        <a:srgbClr val="000000"/>
+                      </a:solidFill>
+                      <a:prstDash val="solid"/>
+                      <a:round/>
+                      <a:headEnd type="none" w="med" len="med"/>
+                      <a:tailEnd type="none" w="med" len="med"/>
+                    </a:lnT>
+                    <a:lnB w="6350" cap="flat" cmpd="sng" algn="ctr">
+                      <a:solidFill>
+                        <a:srgbClr val="000000"/>
+                      </a:solidFill>
+                      <a:prstDash val="solid"/>
+                      <a:round/>
+                      <a:headEnd type="none" w="med" len="med"/>
+                      <a:tailEnd type="none" w="med" len="med"/>
+                    </a:lnB>
+                  </a:tcPr>
+                </a:tc>
+                <a:tc>
+                  <a:txBody>
+                    <a:bodyPr/>
+                    <a:lstStyle/>
+                    <a:p>
+                      <a:pPr algn="l" fontAlgn="b"/>
+                      <a:r>
+                        <a:rPr lang="en-US" sz="1000" b="0" i="0" u="none" strike="noStrike">
+                          <a:solidFill>
+                            <a:srgbClr val="000000"/>
+                          </a:solidFill>
+                          <a:effectLst/>
+                          <a:latin typeface="Calibri" panose="020F0502020204030204" pitchFamily="34" charset="0"/>
+                        </a:rPr>
+                        <a:t> </a:t>
+                      </a:r>
+                    </a:p>
+                  </a:txBody>
+                  <a:tcPr marL="8865" marR="8865" marT="8865" marB="0" anchor="b">
+                    <a:lnL w="6350" cap="flat" cmpd="sng" algn="ctr">
+                      <a:solidFill>
+                        <a:srgbClr val="000000"/>
+                      </a:solidFill>
+                      <a:prstDash val="solid"/>
+                      <a:round/>
+                      <a:headEnd type="none" w="med" len="med"/>
+                      <a:tailEnd type="none" w="med" len="med"/>
+                    </a:lnL>
+                    <a:lnR w="6350" cap="flat" cmpd="sng" algn="ctr">
+                      <a:solidFill>
+                        <a:srgbClr val="000000"/>
+                      </a:solidFill>
+                      <a:prstDash val="solid"/>
+                      <a:round/>
+                      <a:headEnd type="none" w="med" len="med"/>
+                      <a:tailEnd type="none" w="med" len="med"/>
+                    </a:lnR>
+                    <a:lnT w="12700" cap="flat" cmpd="sng" algn="ctr">
+                      <a:solidFill>
+                        <a:srgbClr val="000000"/>
+                      </a:solidFill>
+                      <a:prstDash val="solid"/>
+                      <a:round/>
+                      <a:headEnd type="none" w="med" len="med"/>
+                      <a:tailEnd type="none" w="med" len="med"/>
+                    </a:lnT>
+                    <a:lnB w="6350" cap="flat" cmpd="sng" algn="ctr">
+                      <a:solidFill>
+                        <a:srgbClr val="000000"/>
+                      </a:solidFill>
+                      <a:prstDash val="solid"/>
+                      <a:round/>
+                      <a:headEnd type="none" w="med" len="med"/>
+                      <a:tailEnd type="none" w="med" len="med"/>
+                    </a:lnB>
+                  </a:tcPr>
+                </a:tc>
+                <a:tc>
+                  <a:txBody>
+                    <a:bodyPr/>
+                    <a:lstStyle/>
+                    <a:p>
+                      <a:pPr algn="l" fontAlgn="b"/>
+                      <a:r>
+                        <a:rPr lang="en-US" sz="1000" b="0" i="0" u="none" strike="noStrike">
+                          <a:solidFill>
+                            <a:srgbClr val="000000"/>
+                          </a:solidFill>
+                          <a:effectLst/>
+                          <a:latin typeface="Calibri" panose="020F0502020204030204" pitchFamily="34" charset="0"/>
+                        </a:rPr>
+                        <a:t> </a:t>
+                      </a:r>
+                    </a:p>
+                  </a:txBody>
+                  <a:tcPr marL="8865" marR="8865" marT="8865" marB="0" anchor="b">
+                    <a:lnL w="6350" cap="flat" cmpd="sng" algn="ctr">
+                      <a:solidFill>
+                        <a:srgbClr val="000000"/>
+                      </a:solidFill>
+                      <a:prstDash val="solid"/>
+                      <a:round/>
+                      <a:headEnd type="none" w="med" len="med"/>
+                      <a:tailEnd type="none" w="med" len="med"/>
+                    </a:lnL>
+                    <a:lnR w="6350" cap="flat" cmpd="sng" algn="ctr">
+                      <a:solidFill>
+                        <a:srgbClr val="000000"/>
+                      </a:solidFill>
+                      <a:prstDash val="solid"/>
+                      <a:round/>
+                      <a:headEnd type="none" w="med" len="med"/>
+                      <a:tailEnd type="none" w="med" len="med"/>
+                    </a:lnR>
+                    <a:lnT w="12700" cap="flat" cmpd="sng" algn="ctr">
+                      <a:solidFill>
+                        <a:srgbClr val="000000"/>
+                      </a:solidFill>
+                      <a:prstDash val="solid"/>
+                      <a:round/>
+                      <a:headEnd type="none" w="med" len="med"/>
+                      <a:tailEnd type="none" w="med" len="med"/>
+                    </a:lnT>
+                    <a:lnB w="6350" cap="flat" cmpd="sng" algn="ctr">
+                      <a:solidFill>
+                        <a:srgbClr val="000000"/>
+                      </a:solidFill>
+                      <a:prstDash val="solid"/>
+                      <a:round/>
+                      <a:headEnd type="none" w="med" len="med"/>
+                      <a:tailEnd type="none" w="med" len="med"/>
+                    </a:lnB>
+                  </a:tcPr>
+                </a:tc>
+                <a:tc>
+                  <a:txBody>
+                    <a:bodyPr/>
+                    <a:lstStyle/>
+                    <a:p>
+                      <a:pPr algn="l" fontAlgn="b"/>
+                      <a:r>
+                        <a:rPr lang="en-US" sz="1000" b="0" i="0" u="none" strike="noStrike">
+                          <a:solidFill>
+                            <a:srgbClr val="000000"/>
+                          </a:solidFill>
+                          <a:effectLst/>
+                          <a:latin typeface="Calibri" panose="020F0502020204030204" pitchFamily="34" charset="0"/>
+                        </a:rPr>
+                        <a:t> </a:t>
+                      </a:r>
+                    </a:p>
+                  </a:txBody>
+                  <a:tcPr marL="8865" marR="8865" marT="8865" marB="0" anchor="b">
+                    <a:lnL w="6350" cap="flat" cmpd="sng" algn="ctr">
+                      <a:solidFill>
+                        <a:srgbClr val="000000"/>
+                      </a:solidFill>
+                      <a:prstDash val="solid"/>
+                      <a:round/>
+                      <a:headEnd type="none" w="med" len="med"/>
+                      <a:tailEnd type="none" w="med" len="med"/>
+                    </a:lnL>
+                    <a:lnR w="6350" cap="flat" cmpd="sng" algn="ctr">
+                      <a:solidFill>
+                        <a:srgbClr val="000000"/>
+                      </a:solidFill>
+                      <a:prstDash val="solid"/>
+                      <a:round/>
+                      <a:headEnd type="none" w="med" len="med"/>
+                      <a:tailEnd type="none" w="med" len="med"/>
+                    </a:lnR>
+                    <a:lnT w="12700" cap="flat" cmpd="sng" algn="ctr">
+                      <a:solidFill>
+                        <a:srgbClr val="000000"/>
+                      </a:solidFill>
+                      <a:prstDash val="solid"/>
+                      <a:round/>
+                      <a:headEnd type="none" w="med" len="med"/>
+                      <a:tailEnd type="none" w="med" len="med"/>
+                    </a:lnT>
+                    <a:lnB w="6350" cap="flat" cmpd="sng" algn="ctr">
+                      <a:solidFill>
+                        <a:srgbClr val="000000"/>
+                      </a:solidFill>
+                      <a:prstDash val="solid"/>
+                      <a:round/>
+                      <a:headEnd type="none" w="med" len="med"/>
+                      <a:tailEnd type="none" w="med" len="med"/>
+                    </a:lnB>
+                  </a:tcPr>
+                </a:tc>
+                <a:tc>
+                  <a:txBody>
+                    <a:bodyPr/>
+                    <a:lstStyle/>
+                    <a:p>
+                      <a:pPr algn="l" fontAlgn="b"/>
+                      <a:r>
+                        <a:rPr lang="en-US" sz="1000" b="0" i="0" u="none" strike="noStrike">
+                          <a:solidFill>
+                            <a:srgbClr val="000000"/>
+                          </a:solidFill>
+                          <a:effectLst/>
+                          <a:latin typeface="Calibri" panose="020F0502020204030204" pitchFamily="34" charset="0"/>
+                        </a:rPr>
+                        <a:t> </a:t>
+                      </a:r>
+                    </a:p>
+                  </a:txBody>
+                  <a:tcPr marL="8865" marR="8865" marT="8865" marB="0" anchor="b">
+                    <a:lnL w="6350" cap="flat" cmpd="sng" algn="ctr">
+                      <a:solidFill>
+                        <a:srgbClr val="000000"/>
+                      </a:solidFill>
+                      <a:prstDash val="solid"/>
+                      <a:round/>
+                      <a:headEnd type="none" w="med" len="med"/>
+                      <a:tailEnd type="none" w="med" len="med"/>
+                    </a:lnL>
+                    <a:lnR w="6350" cap="flat" cmpd="sng" algn="ctr">
+                      <a:solidFill>
+                        <a:srgbClr val="000000"/>
+                      </a:solidFill>
+                      <a:prstDash val="solid"/>
+                      <a:round/>
+                      <a:headEnd type="none" w="med" len="med"/>
+                      <a:tailEnd type="none" w="med" len="med"/>
+                    </a:lnR>
+                    <a:lnT w="12700" cap="flat" cmpd="sng" algn="ctr">
+                      <a:solidFill>
+                        <a:srgbClr val="000000"/>
+                      </a:solidFill>
+                      <a:prstDash val="solid"/>
+                      <a:round/>
+                      <a:headEnd type="none" w="med" len="med"/>
+                      <a:tailEnd type="none" w="med" len="med"/>
+                    </a:lnT>
+                    <a:lnB w="6350" cap="flat" cmpd="sng" algn="ctr">
+                      <a:solidFill>
+                        <a:srgbClr val="000000"/>
+                      </a:solidFill>
+                      <a:prstDash val="solid"/>
+                      <a:round/>
+                      <a:headEnd type="none" w="med" len="med"/>
+                      <a:tailEnd type="none" w="med" len="med"/>
+                    </a:lnB>
+                  </a:tcPr>
+                </a:tc>
+                <a:tc>
+                  <a:txBody>
+                    <a:bodyPr/>
+                    <a:lstStyle/>
+                    <a:p>
+                      <a:pPr algn="l" fontAlgn="b"/>
+                      <a:r>
+                        <a:rPr lang="en-US" sz="1000" b="0" i="0" u="none" strike="noStrike">
+                          <a:solidFill>
+                            <a:srgbClr val="000000"/>
+                          </a:solidFill>
+                          <a:effectLst/>
+                          <a:latin typeface="Calibri" panose="020F0502020204030204" pitchFamily="34" charset="0"/>
+                        </a:rPr>
+                        <a:t> </a:t>
+                      </a:r>
+                    </a:p>
+                  </a:txBody>
+                  <a:tcPr marL="8865" marR="8865" marT="8865" marB="0" anchor="b">
+                    <a:lnL w="6350" cap="flat" cmpd="sng" algn="ctr">
+                      <a:solidFill>
+                        <a:srgbClr val="000000"/>
+                      </a:solidFill>
+                      <a:prstDash val="solid"/>
+                      <a:round/>
+                      <a:headEnd type="none" w="med" len="med"/>
+                      <a:tailEnd type="none" w="med" len="med"/>
+                    </a:lnL>
+                    <a:lnR w="6350" cap="flat" cmpd="sng" algn="ctr">
+                      <a:solidFill>
+                        <a:srgbClr val="000000"/>
+                      </a:solidFill>
+                      <a:prstDash val="solid"/>
+                      <a:round/>
+                      <a:headEnd type="none" w="med" len="med"/>
+                      <a:tailEnd type="none" w="med" len="med"/>
+                    </a:lnR>
+                    <a:lnT w="12700" cap="flat" cmpd="sng" algn="ctr">
+                      <a:solidFill>
+                        <a:srgbClr val="000000"/>
+                      </a:solidFill>
+                      <a:prstDash val="solid"/>
+                      <a:round/>
+                      <a:headEnd type="none" w="med" len="med"/>
+                      <a:tailEnd type="none" w="med" len="med"/>
+                    </a:lnT>
+                    <a:lnB w="6350" cap="flat" cmpd="sng" algn="ctr">
+                      <a:solidFill>
+                        <a:srgbClr val="000000"/>
+                      </a:solidFill>
+                      <a:prstDash val="solid"/>
+                      <a:round/>
+                      <a:headEnd type="none" w="med" len="med"/>
+                      <a:tailEnd type="none" w="med" len="med"/>
+                    </a:lnB>
+                  </a:tcPr>
+                </a:tc>
+                <a:tc>
+                  <a:txBody>
+                    <a:bodyPr/>
+                    <a:lstStyle/>
+                    <a:p>
+                      <a:pPr algn="l" fontAlgn="b"/>
+                      <a:r>
+                        <a:rPr lang="en-US" sz="1000" b="0" i="0" u="none" strike="noStrike">
+                          <a:solidFill>
+                            <a:srgbClr val="000000"/>
+                          </a:solidFill>
+                          <a:effectLst/>
+                          <a:latin typeface="Calibri" panose="020F0502020204030204" pitchFamily="34" charset="0"/>
+                        </a:rPr>
+                        <a:t> </a:t>
+                      </a:r>
+                    </a:p>
+                  </a:txBody>
+                  <a:tcPr marL="8865" marR="8865" marT="8865" marB="0" anchor="b">
+                    <a:lnL w="6350" cap="flat" cmpd="sng" algn="ctr">
+                      <a:solidFill>
+                        <a:srgbClr val="000000"/>
+                      </a:solidFill>
+                      <a:prstDash val="solid"/>
+                      <a:round/>
+                      <a:headEnd type="none" w="med" len="med"/>
+                      <a:tailEnd type="none" w="med" len="med"/>
+                    </a:lnL>
+                    <a:lnR w="6350" cap="flat" cmpd="sng" algn="ctr">
+                      <a:solidFill>
+                        <a:srgbClr val="000000"/>
+                      </a:solidFill>
+                      <a:prstDash val="solid"/>
+                      <a:round/>
+                      <a:headEnd type="none" w="med" len="med"/>
+                      <a:tailEnd type="none" w="med" len="med"/>
+                    </a:lnR>
+                    <a:lnT w="12700" cap="flat" cmpd="sng" algn="ctr">
+                      <a:solidFill>
+                        <a:srgbClr val="000000"/>
+                      </a:solidFill>
+                      <a:prstDash val="solid"/>
+                      <a:round/>
+                      <a:headEnd type="none" w="med" len="med"/>
+                      <a:tailEnd type="none" w="med" len="med"/>
+                    </a:lnT>
+                    <a:lnB w="6350" cap="flat" cmpd="sng" algn="ctr">
+                      <a:solidFill>
+                        <a:srgbClr val="000000"/>
+                      </a:solidFill>
+                      <a:prstDash val="solid"/>
+                      <a:round/>
+                      <a:headEnd type="none" w="med" len="med"/>
+                      <a:tailEnd type="none" w="med" len="med"/>
+                    </a:lnB>
+                  </a:tcPr>
+                </a:tc>
+                <a:tc>
+                  <a:txBody>
+                    <a:bodyPr/>
+                    <a:lstStyle/>
+                    <a:p>
+                      <a:pPr algn="l" fontAlgn="b"/>
+                      <a:r>
+                        <a:rPr lang="en-US" sz="1000" b="0" i="0" u="none" strike="noStrike">
+                          <a:solidFill>
+                            <a:srgbClr val="000000"/>
+                          </a:solidFill>
+                          <a:effectLst/>
+                          <a:latin typeface="Calibri" panose="020F0502020204030204" pitchFamily="34" charset="0"/>
+                        </a:rPr>
+                        <a:t> </a:t>
+                      </a:r>
+                    </a:p>
+                  </a:txBody>
+                  <a:tcPr marL="8865" marR="8865" marT="8865" marB="0" anchor="b">
+                    <a:lnL w="6350" cap="flat" cmpd="sng" algn="ctr">
+                      <a:solidFill>
+                        <a:srgbClr val="000000"/>
+                      </a:solidFill>
+                      <a:prstDash val="solid"/>
+                      <a:round/>
+                      <a:headEnd type="none" w="med" len="med"/>
+                      <a:tailEnd type="none" w="med" len="med"/>
+                    </a:lnL>
+                    <a:lnR w="6350" cap="flat" cmpd="sng" algn="ctr">
+                      <a:solidFill>
+                        <a:srgbClr val="000000"/>
+                      </a:solidFill>
+                      <a:prstDash val="solid"/>
+                      <a:round/>
+                      <a:headEnd type="none" w="med" len="med"/>
+                      <a:tailEnd type="none" w="med" len="med"/>
+                    </a:lnR>
+                    <a:lnT w="12700" cap="flat" cmpd="sng" algn="ctr">
+                      <a:solidFill>
+                        <a:srgbClr val="000000"/>
+                      </a:solidFill>
+                      <a:prstDash val="solid"/>
+                      <a:round/>
+                      <a:headEnd type="none" w="med" len="med"/>
+                      <a:tailEnd type="none" w="med" len="med"/>
+                    </a:lnT>
+                    <a:lnB w="6350" cap="flat" cmpd="sng" algn="ctr">
+                      <a:solidFill>
+                        <a:srgbClr val="000000"/>
+                      </a:solidFill>
+                      <a:prstDash val="solid"/>
+                      <a:round/>
+                      <a:headEnd type="none" w="med" len="med"/>
+                      <a:tailEnd type="none" w="med" len="med"/>
+                    </a:lnB>
+                  </a:tcPr>
+                </a:tc>
+                <a:tc>
+                  <a:txBody>
+                    <a:bodyPr/>
+                    <a:lstStyle/>
+                    <a:p>
+                      <a:pPr algn="l" fontAlgn="b"/>
+                      <a:r>
+                        <a:rPr lang="en-US" sz="1000" b="0" i="0" u="none" strike="noStrike">
+                          <a:solidFill>
+                            <a:srgbClr val="000000"/>
+                          </a:solidFill>
+                          <a:effectLst/>
+                          <a:latin typeface="Calibri" panose="020F0502020204030204" pitchFamily="34" charset="0"/>
+                        </a:rPr>
+                        <a:t> </a:t>
+                      </a:r>
+                    </a:p>
+                  </a:txBody>
+                  <a:tcPr marL="8865" marR="8865" marT="8865" marB="0" anchor="b">
+                    <a:lnL w="6350" cap="flat" cmpd="sng" algn="ctr">
+                      <a:solidFill>
+                        <a:srgbClr val="000000"/>
+                      </a:solidFill>
+                      <a:prstDash val="solid"/>
+                      <a:round/>
+                      <a:headEnd type="none" w="med" len="med"/>
+                      <a:tailEnd type="none" w="med" len="med"/>
+                    </a:lnL>
+                    <a:lnR w="12700" cap="flat" cmpd="sng" algn="ctr">
+                      <a:solidFill>
+                        <a:srgbClr val="000000"/>
+                      </a:solidFill>
+                      <a:prstDash val="solid"/>
+                      <a:round/>
+                      <a:headEnd type="none" w="med" len="med"/>
+                      <a:tailEnd type="none" w="med" len="med"/>
+                    </a:lnR>
+                    <a:lnT w="12700" cap="flat" cmpd="sng" algn="ctr">
+                      <a:solidFill>
+                        <a:srgbClr val="000000"/>
+                      </a:solidFill>
+                      <a:prstDash val="solid"/>
+                      <a:round/>
+                      <a:headEnd type="none" w="med" len="med"/>
+                      <a:tailEnd type="none" w="med" len="med"/>
+                    </a:lnT>
+                    <a:lnB w="6350" cap="flat" cmpd="sng" algn="ctr">
+                      <a:solidFill>
+                        <a:srgbClr val="000000"/>
+                      </a:solidFill>
+                      <a:prstDash val="solid"/>
+                      <a:round/>
+                      <a:headEnd type="none" w="med" len="med"/>
+                      <a:tailEnd type="none" w="med" len="med"/>
+                    </a:lnB>
+                  </a:tcPr>
+                </a:tc>
+              </a:tr>
+              <a:tr h="408969">
+                <a:tc>
+                  <a:txBody>
+                    <a:bodyPr/>
+                    <a:lstStyle/>
+                    <a:p>
+                      <a:pPr algn="l" fontAlgn="b"/>
+                      <a:r>
+                        <a:rPr lang="en-US" sz="1000" b="0" i="1" u="none" strike="noStrike">
+                          <a:solidFill>
+                            <a:srgbClr val="000000"/>
+                          </a:solidFill>
+                          <a:effectLst/>
+                          <a:latin typeface="Calibri" panose="020F0502020204030204" pitchFamily="34" charset="0"/>
+                        </a:rPr>
+                        <a:t>apply the literature compensation methods by experimentally</a:t>
+                      </a:r>
+                    </a:p>
+                  </a:txBody>
+                  <a:tcPr marL="8865" marR="8865" marT="8865" marB="0" anchor="b">
+                    <a:lnL w="12700" cap="flat" cmpd="sng" algn="ctr">
+                      <a:solidFill>
+                        <a:srgbClr val="000000"/>
+                      </a:solidFill>
+                      <a:prstDash val="solid"/>
+                      <a:round/>
+                      <a:headEnd type="none" w="med" len="med"/>
+                      <a:tailEnd type="none" w="med" len="med"/>
+                    </a:lnL>
+                    <a:lnR w="12700" cap="flat" cmpd="sng" algn="ctr">
+                      <a:solidFill>
+                        <a:srgbClr val="000000"/>
+                      </a:solidFill>
+                      <a:prstDash val="solid"/>
+                      <a:round/>
+                      <a:headEnd type="none" w="med" len="med"/>
+                      <a:tailEnd type="none" w="med" len="med"/>
+                    </a:lnR>
+                    <a:lnT w="6350" cap="flat" cmpd="sng" algn="ctr">
+                      <a:solidFill>
+                        <a:srgbClr val="000000"/>
+                      </a:solidFill>
+                      <a:prstDash val="solid"/>
+                      <a:round/>
+                      <a:headEnd type="none" w="med" len="med"/>
+                      <a:tailEnd type="none" w="med" len="med"/>
+                    </a:lnT>
+                    <a:lnB w="6350" cap="flat" cmpd="sng" algn="ctr">
+                      <a:solidFill>
+                        <a:srgbClr val="000000"/>
+                      </a:solidFill>
+                      <a:prstDash val="solid"/>
+                      <a:round/>
+                      <a:headEnd type="none" w="med" len="med"/>
+                      <a:tailEnd type="none" w="med" len="med"/>
+                    </a:lnB>
+                  </a:tcPr>
+                </a:tc>
+                <a:tc>
+                  <a:txBody>
+                    <a:bodyPr/>
+                    <a:lstStyle/>
+                    <a:p>
+                      <a:pPr algn="ctr" fontAlgn="ctr"/>
+                      <a:r>
+                        <a:rPr lang="en-US" sz="1000" b="0" i="0" u="none" strike="noStrike">
+                          <a:solidFill>
+                            <a:srgbClr val="000000"/>
+                          </a:solidFill>
+                          <a:effectLst/>
+                          <a:latin typeface="Calibri" panose="020F0502020204030204" pitchFamily="34" charset="0"/>
+                        </a:rPr>
+                        <a:t> </a:t>
+                      </a:r>
+                    </a:p>
+                  </a:txBody>
+                  <a:tcPr marL="8865" marR="8865" marT="8865" marB="0" anchor="ctr">
+                    <a:lnL w="12700" cap="flat" cmpd="sng" algn="ctr">
+                      <a:solidFill>
+                        <a:srgbClr val="000000"/>
+                      </a:solidFill>
+                      <a:prstDash val="solid"/>
+                      <a:round/>
+                      <a:headEnd type="none" w="med" len="med"/>
+                      <a:tailEnd type="none" w="med" len="med"/>
+                    </a:lnL>
+                    <a:lnR w="6350" cap="flat" cmpd="sng" algn="ctr">
+                      <a:solidFill>
+                        <a:srgbClr val="000000"/>
+                      </a:solidFill>
+                      <a:prstDash val="solid"/>
+                      <a:round/>
+                      <a:headEnd type="none" w="med" len="med"/>
+                      <a:tailEnd type="none" w="med" len="med"/>
+                    </a:lnR>
+                    <a:lnT w="6350" cap="flat" cmpd="sng" algn="ctr">
+                      <a:solidFill>
+                        <a:srgbClr val="000000"/>
+                      </a:solidFill>
+                      <a:prstDash val="solid"/>
+                      <a:round/>
+                      <a:headEnd type="none" w="med" len="med"/>
+                      <a:tailEnd type="none" w="med" len="med"/>
+                    </a:lnT>
+                    <a:lnB w="6350" cap="flat" cmpd="sng" algn="ctr">
+                      <a:solidFill>
+                        <a:srgbClr val="000000"/>
+                      </a:solidFill>
+                      <a:prstDash val="solid"/>
+                      <a:round/>
+                      <a:headEnd type="none" w="med" len="med"/>
+                      <a:tailEnd type="none" w="med" len="med"/>
+                    </a:lnB>
+                  </a:tcPr>
+                </a:tc>
+                <a:tc>
+                  <a:txBody>
+                    <a:bodyPr/>
+                    <a:lstStyle/>
+                    <a:p>
+                      <a:pPr algn="ctr" fontAlgn="ctr"/>
+                      <a:r>
+                        <a:rPr lang="en-US" sz="1000" b="0" i="0" u="none" strike="noStrike">
+                          <a:solidFill>
+                            <a:srgbClr val="000000"/>
+                          </a:solidFill>
+                          <a:effectLst/>
+                          <a:latin typeface="Calibri" panose="020F0502020204030204" pitchFamily="34" charset="0"/>
+                        </a:rPr>
+                        <a:t>x</a:t>
+                      </a:r>
+                    </a:p>
+                  </a:txBody>
+                  <a:tcPr marL="8865" marR="8865" marT="8865" marB="0" anchor="ctr">
+                    <a:lnL w="6350" cap="flat" cmpd="sng" algn="ctr">
+                      <a:solidFill>
+                        <a:srgbClr val="000000"/>
+                      </a:solidFill>
+                      <a:prstDash val="solid"/>
+                      <a:round/>
+                      <a:headEnd type="none" w="med" len="med"/>
+                      <a:tailEnd type="none" w="med" len="med"/>
+                    </a:lnL>
+                    <a:lnR w="6350" cap="flat" cmpd="sng" algn="ctr">
+                      <a:solidFill>
+                        <a:srgbClr val="000000"/>
+                      </a:solidFill>
+                      <a:prstDash val="solid"/>
+                      <a:round/>
+                      <a:headEnd type="none" w="med" len="med"/>
+                      <a:tailEnd type="none" w="med" len="med"/>
+                    </a:lnR>
+                    <a:lnT w="6350" cap="flat" cmpd="sng" algn="ctr">
+                      <a:solidFill>
+                        <a:srgbClr val="000000"/>
+                      </a:solidFill>
+                      <a:prstDash val="solid"/>
+                      <a:round/>
+                      <a:headEnd type="none" w="med" len="med"/>
+                      <a:tailEnd type="none" w="med" len="med"/>
+                    </a:lnT>
+                    <a:lnB w="6350" cap="flat" cmpd="sng" algn="ctr">
+                      <a:solidFill>
+                        <a:srgbClr val="000000"/>
+                      </a:solidFill>
+                      <a:prstDash val="solid"/>
+                      <a:round/>
+                      <a:headEnd type="none" w="med" len="med"/>
+                      <a:tailEnd type="none" w="med" len="med"/>
+                    </a:lnB>
+                    <a:solidFill>
+                      <a:srgbClr val="DAEEF3"/>
+                    </a:solidFill>
+                  </a:tcPr>
+                </a:tc>
+                <a:tc>
+                  <a:txBody>
+                    <a:bodyPr/>
+                    <a:lstStyle/>
+                    <a:p>
+                      <a:pPr algn="ctr" fontAlgn="ctr"/>
+                      <a:r>
+                        <a:rPr lang="en-US" sz="1000" b="0" i="0" u="none" strike="noStrike">
+                          <a:solidFill>
+                            <a:srgbClr val="000000"/>
+                          </a:solidFill>
+                          <a:effectLst/>
+                          <a:latin typeface="Calibri" panose="020F0502020204030204" pitchFamily="34" charset="0"/>
+                        </a:rPr>
+                        <a:t>x</a:t>
+                      </a:r>
+                    </a:p>
+                  </a:txBody>
+                  <a:tcPr marL="8865" marR="8865" marT="8865" marB="0" anchor="ctr">
+                    <a:lnL w="6350" cap="flat" cmpd="sng" algn="ctr">
+                      <a:solidFill>
+                        <a:srgbClr val="000000"/>
+                      </a:solidFill>
+                      <a:prstDash val="solid"/>
+                      <a:round/>
+                      <a:headEnd type="none" w="med" len="med"/>
+                      <a:tailEnd type="none" w="med" len="med"/>
+                    </a:lnL>
+                    <a:lnR w="6350" cap="flat" cmpd="sng" algn="ctr">
+                      <a:solidFill>
+                        <a:srgbClr val="000000"/>
+                      </a:solidFill>
+                      <a:prstDash val="solid"/>
+                      <a:round/>
+                      <a:headEnd type="none" w="med" len="med"/>
+                      <a:tailEnd type="none" w="med" len="med"/>
+                    </a:lnR>
+                    <a:lnT w="6350" cap="flat" cmpd="sng" algn="ctr">
+                      <a:solidFill>
+                        <a:srgbClr val="000000"/>
+                      </a:solidFill>
+                      <a:prstDash val="solid"/>
+                      <a:round/>
+                      <a:headEnd type="none" w="med" len="med"/>
+                      <a:tailEnd type="none" w="med" len="med"/>
+                    </a:lnT>
+                    <a:lnB w="6350" cap="flat" cmpd="sng" algn="ctr">
+                      <a:solidFill>
+                        <a:srgbClr val="000000"/>
+                      </a:solidFill>
+                      <a:prstDash val="solid"/>
+                      <a:round/>
+                      <a:headEnd type="none" w="med" len="med"/>
+                      <a:tailEnd type="none" w="med" len="med"/>
+                    </a:lnB>
+                    <a:solidFill>
+                      <a:srgbClr val="DAEEF3"/>
+                    </a:solidFill>
+                  </a:tcPr>
+                </a:tc>
+                <a:tc>
+                  <a:txBody>
+                    <a:bodyPr/>
+                    <a:lstStyle/>
+                    <a:p>
+                      <a:pPr algn="l" fontAlgn="b"/>
+                      <a:r>
+                        <a:rPr lang="en-US" sz="1000" b="0" i="0" u="none" strike="noStrike">
+                          <a:solidFill>
+                            <a:srgbClr val="000000"/>
+                          </a:solidFill>
+                          <a:effectLst/>
+                          <a:latin typeface="Calibri" panose="020F0502020204030204" pitchFamily="34" charset="0"/>
+                        </a:rPr>
+                        <a:t> </a:t>
+                      </a:r>
+                    </a:p>
+                  </a:txBody>
+                  <a:tcPr marL="8865" marR="8865" marT="8865" marB="0" anchor="b">
+                    <a:lnL w="6350" cap="flat" cmpd="sng" algn="ctr">
+                      <a:solidFill>
+                        <a:srgbClr val="000000"/>
+                      </a:solidFill>
+                      <a:prstDash val="solid"/>
+                      <a:round/>
+                      <a:headEnd type="none" w="med" len="med"/>
+                      <a:tailEnd type="none" w="med" len="med"/>
+                    </a:lnL>
+                    <a:lnR w="6350" cap="flat" cmpd="sng" algn="ctr">
+                      <a:solidFill>
+                        <a:srgbClr val="000000"/>
+                      </a:solidFill>
+                      <a:prstDash val="solid"/>
+                      <a:round/>
+                      <a:headEnd type="none" w="med" len="med"/>
+                      <a:tailEnd type="none" w="med" len="med"/>
+                    </a:lnR>
+                    <a:lnT w="6350" cap="flat" cmpd="sng" algn="ctr">
+                      <a:solidFill>
+                        <a:srgbClr val="000000"/>
+                      </a:solidFill>
+                      <a:prstDash val="solid"/>
+                      <a:round/>
+                      <a:headEnd type="none" w="med" len="med"/>
+                      <a:tailEnd type="none" w="med" len="med"/>
+                    </a:lnT>
+                    <a:lnB w="6350" cap="flat" cmpd="sng" algn="ctr">
+                      <a:solidFill>
+                        <a:srgbClr val="000000"/>
+                      </a:solidFill>
+                      <a:prstDash val="solid"/>
+                      <a:round/>
+                      <a:headEnd type="none" w="med" len="med"/>
+                      <a:tailEnd type="none" w="med" len="med"/>
+                    </a:lnB>
+                  </a:tcPr>
+                </a:tc>
+                <a:tc>
+                  <a:txBody>
+                    <a:bodyPr/>
+                    <a:lstStyle/>
+                    <a:p>
+                      <a:pPr algn="l" fontAlgn="b"/>
+                      <a:r>
+                        <a:rPr lang="en-US" sz="1000" b="0" i="0" u="none" strike="noStrike">
+                          <a:solidFill>
+                            <a:srgbClr val="000000"/>
+                          </a:solidFill>
+                          <a:effectLst/>
+                          <a:latin typeface="Calibri" panose="020F0502020204030204" pitchFamily="34" charset="0"/>
+                        </a:rPr>
+                        <a:t> </a:t>
+                      </a:r>
+                    </a:p>
+                  </a:txBody>
+                  <a:tcPr marL="8865" marR="8865" marT="8865" marB="0" anchor="b">
+                    <a:lnL w="6350" cap="flat" cmpd="sng" algn="ctr">
+                      <a:solidFill>
+                        <a:srgbClr val="000000"/>
+                      </a:solidFill>
+                      <a:prstDash val="solid"/>
+                      <a:round/>
+                      <a:headEnd type="none" w="med" len="med"/>
+                      <a:tailEnd type="none" w="med" len="med"/>
+                    </a:lnL>
+                    <a:lnR w="6350" cap="flat" cmpd="sng" algn="ctr">
+                      <a:solidFill>
+                        <a:srgbClr val="000000"/>
+                      </a:solidFill>
+                      <a:prstDash val="solid"/>
+                      <a:round/>
+                      <a:headEnd type="none" w="med" len="med"/>
+                      <a:tailEnd type="none" w="med" len="med"/>
+                    </a:lnR>
+                    <a:lnT w="6350" cap="flat" cmpd="sng" algn="ctr">
+                      <a:solidFill>
+                        <a:srgbClr val="000000"/>
+                      </a:solidFill>
+                      <a:prstDash val="solid"/>
+                      <a:round/>
+                      <a:headEnd type="none" w="med" len="med"/>
+                      <a:tailEnd type="none" w="med" len="med"/>
+                    </a:lnT>
+                    <a:lnB w="6350" cap="flat" cmpd="sng" algn="ctr">
+                      <a:solidFill>
+                        <a:srgbClr val="000000"/>
+                      </a:solidFill>
+                      <a:prstDash val="solid"/>
+                      <a:round/>
+                      <a:headEnd type="none" w="med" len="med"/>
+                      <a:tailEnd type="none" w="med" len="med"/>
+                    </a:lnB>
+                  </a:tcPr>
+                </a:tc>
+                <a:tc>
+                  <a:txBody>
+                    <a:bodyPr/>
+                    <a:lstStyle/>
+                    <a:p>
+                      <a:pPr algn="l" fontAlgn="b"/>
+                      <a:r>
+                        <a:rPr lang="en-US" sz="1000" b="0" i="0" u="none" strike="noStrike">
+                          <a:solidFill>
+                            <a:srgbClr val="000000"/>
+                          </a:solidFill>
+                          <a:effectLst/>
+                          <a:latin typeface="Calibri" panose="020F0502020204030204" pitchFamily="34" charset="0"/>
+                        </a:rPr>
+                        <a:t> </a:t>
+                      </a:r>
+                    </a:p>
+                  </a:txBody>
+                  <a:tcPr marL="8865" marR="8865" marT="8865" marB="0" anchor="b">
+                    <a:lnL w="6350" cap="flat" cmpd="sng" algn="ctr">
+                      <a:solidFill>
+                        <a:srgbClr val="000000"/>
+                      </a:solidFill>
+                      <a:prstDash val="solid"/>
+                      <a:round/>
+                      <a:headEnd type="none" w="med" len="med"/>
+                      <a:tailEnd type="none" w="med" len="med"/>
+                    </a:lnL>
+                    <a:lnR w="6350" cap="flat" cmpd="sng" algn="ctr">
+                      <a:solidFill>
+                        <a:srgbClr val="000000"/>
+                      </a:solidFill>
+                      <a:prstDash val="solid"/>
+                      <a:round/>
+                      <a:headEnd type="none" w="med" len="med"/>
+                      <a:tailEnd type="none" w="med" len="med"/>
+                    </a:lnR>
+                    <a:lnT w="6350" cap="flat" cmpd="sng" algn="ctr">
+                      <a:solidFill>
+                        <a:srgbClr val="000000"/>
+                      </a:solidFill>
+                      <a:prstDash val="solid"/>
+                      <a:round/>
+                      <a:headEnd type="none" w="med" len="med"/>
+                      <a:tailEnd type="none" w="med" len="med"/>
+                    </a:lnT>
+                    <a:lnB w="6350" cap="flat" cmpd="sng" algn="ctr">
+                      <a:solidFill>
+                        <a:srgbClr val="000000"/>
+                      </a:solidFill>
+                      <a:prstDash val="solid"/>
+                      <a:round/>
+                      <a:headEnd type="none" w="med" len="med"/>
+                      <a:tailEnd type="none" w="med" len="med"/>
+                    </a:lnB>
+                  </a:tcPr>
+                </a:tc>
+                <a:tc>
+                  <a:txBody>
+                    <a:bodyPr/>
+                    <a:lstStyle/>
+                    <a:p>
+                      <a:pPr algn="l" fontAlgn="b"/>
+                      <a:r>
+                        <a:rPr lang="en-US" sz="1000" b="0" i="0" u="none" strike="noStrike">
+                          <a:solidFill>
+                            <a:srgbClr val="000000"/>
+                          </a:solidFill>
+                          <a:effectLst/>
+                          <a:latin typeface="Calibri" panose="020F0502020204030204" pitchFamily="34" charset="0"/>
+                        </a:rPr>
+                        <a:t> </a:t>
+                      </a:r>
+                    </a:p>
+                  </a:txBody>
+                  <a:tcPr marL="8865" marR="8865" marT="8865" marB="0" anchor="b">
+                    <a:lnL w="6350" cap="flat" cmpd="sng" algn="ctr">
+                      <a:solidFill>
+                        <a:srgbClr val="000000"/>
+                      </a:solidFill>
+                      <a:prstDash val="solid"/>
+                      <a:round/>
+                      <a:headEnd type="none" w="med" len="med"/>
+                      <a:tailEnd type="none" w="med" len="med"/>
+                    </a:lnL>
+                    <a:lnR w="6350" cap="flat" cmpd="sng" algn="ctr">
+                      <a:solidFill>
+                        <a:srgbClr val="000000"/>
+                      </a:solidFill>
+                      <a:prstDash val="solid"/>
+                      <a:round/>
+                      <a:headEnd type="none" w="med" len="med"/>
+                      <a:tailEnd type="none" w="med" len="med"/>
+                    </a:lnR>
+                    <a:lnT w="6350" cap="flat" cmpd="sng" algn="ctr">
+                      <a:solidFill>
+                        <a:srgbClr val="000000"/>
+                      </a:solidFill>
+                      <a:prstDash val="solid"/>
+                      <a:round/>
+                      <a:headEnd type="none" w="med" len="med"/>
+                      <a:tailEnd type="none" w="med" len="med"/>
+                    </a:lnT>
+                    <a:lnB w="6350" cap="flat" cmpd="sng" algn="ctr">
+                      <a:solidFill>
+                        <a:srgbClr val="000000"/>
+                      </a:solidFill>
+                      <a:prstDash val="solid"/>
+                      <a:round/>
+                      <a:headEnd type="none" w="med" len="med"/>
+                      <a:tailEnd type="none" w="med" len="med"/>
+                    </a:lnB>
+                  </a:tcPr>
+                </a:tc>
+                <a:tc>
+                  <a:txBody>
+                    <a:bodyPr/>
+                    <a:lstStyle/>
+                    <a:p>
+                      <a:pPr algn="l" fontAlgn="b"/>
+                      <a:r>
+                        <a:rPr lang="en-US" sz="1000" b="0" i="0" u="none" strike="noStrike">
+                          <a:solidFill>
+                            <a:srgbClr val="000000"/>
+                          </a:solidFill>
+                          <a:effectLst/>
+                          <a:latin typeface="Calibri" panose="020F0502020204030204" pitchFamily="34" charset="0"/>
+                        </a:rPr>
+                        <a:t> </a:t>
+                      </a:r>
+                    </a:p>
+                  </a:txBody>
+                  <a:tcPr marL="8865" marR="8865" marT="8865" marB="0" anchor="b">
+                    <a:lnL w="6350" cap="flat" cmpd="sng" algn="ctr">
+                      <a:solidFill>
+                        <a:srgbClr val="000000"/>
+                      </a:solidFill>
+                      <a:prstDash val="solid"/>
+                      <a:round/>
+                      <a:headEnd type="none" w="med" len="med"/>
+                      <a:tailEnd type="none" w="med" len="med"/>
+                    </a:lnL>
+                    <a:lnR w="6350" cap="flat" cmpd="sng" algn="ctr">
+                      <a:solidFill>
+                        <a:srgbClr val="000000"/>
+                      </a:solidFill>
+                      <a:prstDash val="solid"/>
+                      <a:round/>
+                      <a:headEnd type="none" w="med" len="med"/>
+                      <a:tailEnd type="none" w="med" len="med"/>
+                    </a:lnR>
+                    <a:lnT w="6350" cap="flat" cmpd="sng" algn="ctr">
+                      <a:solidFill>
+                        <a:srgbClr val="000000"/>
+                      </a:solidFill>
+                      <a:prstDash val="solid"/>
+                      <a:round/>
+                      <a:headEnd type="none" w="med" len="med"/>
+                      <a:tailEnd type="none" w="med" len="med"/>
+                    </a:lnT>
+                    <a:lnB w="6350" cap="flat" cmpd="sng" algn="ctr">
+                      <a:solidFill>
+                        <a:srgbClr val="000000"/>
+                      </a:solidFill>
+                      <a:prstDash val="solid"/>
+                      <a:round/>
+                      <a:headEnd type="none" w="med" len="med"/>
+                      <a:tailEnd type="none" w="med" len="med"/>
+                    </a:lnB>
+                  </a:tcPr>
+                </a:tc>
+                <a:tc>
+                  <a:txBody>
+                    <a:bodyPr/>
+                    <a:lstStyle/>
+                    <a:p>
+                      <a:pPr algn="l" fontAlgn="b"/>
+                      <a:r>
+                        <a:rPr lang="en-US" sz="1000" b="0" i="0" u="none" strike="noStrike">
+                          <a:solidFill>
+                            <a:srgbClr val="000000"/>
+                          </a:solidFill>
+                          <a:effectLst/>
+                          <a:latin typeface="Calibri" panose="020F0502020204030204" pitchFamily="34" charset="0"/>
+                        </a:rPr>
+                        <a:t> </a:t>
+                      </a:r>
+                    </a:p>
+                  </a:txBody>
+                  <a:tcPr marL="8865" marR="8865" marT="8865" marB="0" anchor="b">
+                    <a:lnL w="6350" cap="flat" cmpd="sng" algn="ctr">
+                      <a:solidFill>
+                        <a:srgbClr val="000000"/>
+                      </a:solidFill>
+                      <a:prstDash val="solid"/>
+                      <a:round/>
+                      <a:headEnd type="none" w="med" len="med"/>
+                      <a:tailEnd type="none" w="med" len="med"/>
+                    </a:lnL>
+                    <a:lnR w="6350" cap="flat" cmpd="sng" algn="ctr">
+                      <a:solidFill>
+                        <a:srgbClr val="000000"/>
+                      </a:solidFill>
+                      <a:prstDash val="solid"/>
+                      <a:round/>
+                      <a:headEnd type="none" w="med" len="med"/>
+                      <a:tailEnd type="none" w="med" len="med"/>
+                    </a:lnR>
+                    <a:lnT w="6350" cap="flat" cmpd="sng" algn="ctr">
+                      <a:solidFill>
+                        <a:srgbClr val="000000"/>
+                      </a:solidFill>
+                      <a:prstDash val="solid"/>
+                      <a:round/>
+                      <a:headEnd type="none" w="med" len="med"/>
+                      <a:tailEnd type="none" w="med" len="med"/>
+                    </a:lnT>
+                    <a:lnB w="6350" cap="flat" cmpd="sng" algn="ctr">
+                      <a:solidFill>
+                        <a:srgbClr val="000000"/>
+                      </a:solidFill>
+                      <a:prstDash val="solid"/>
+                      <a:round/>
+                      <a:headEnd type="none" w="med" len="med"/>
+                      <a:tailEnd type="none" w="med" len="med"/>
+                    </a:lnB>
+                  </a:tcPr>
+                </a:tc>
+                <a:tc>
+                  <a:txBody>
+                    <a:bodyPr/>
+                    <a:lstStyle/>
+                    <a:p>
+                      <a:pPr algn="l" fontAlgn="b"/>
+                      <a:r>
+                        <a:rPr lang="en-US" sz="1000" b="0" i="0" u="none" strike="noStrike">
+                          <a:solidFill>
+                            <a:srgbClr val="000000"/>
+                          </a:solidFill>
+                          <a:effectLst/>
+                          <a:latin typeface="Calibri" panose="020F0502020204030204" pitchFamily="34" charset="0"/>
+                        </a:rPr>
+                        <a:t> </a:t>
+                      </a:r>
+                    </a:p>
+                  </a:txBody>
+                  <a:tcPr marL="8865" marR="8865" marT="8865" marB="0" anchor="b">
+                    <a:lnL w="6350" cap="flat" cmpd="sng" algn="ctr">
+                      <a:solidFill>
+                        <a:srgbClr val="000000"/>
+                      </a:solidFill>
+                      <a:prstDash val="solid"/>
+                      <a:round/>
+                      <a:headEnd type="none" w="med" len="med"/>
+                      <a:tailEnd type="none" w="med" len="med"/>
+                    </a:lnL>
+                    <a:lnR w="6350" cap="flat" cmpd="sng" algn="ctr">
+                      <a:solidFill>
+                        <a:srgbClr val="000000"/>
+                      </a:solidFill>
+                      <a:prstDash val="solid"/>
+                      <a:round/>
+                      <a:headEnd type="none" w="med" len="med"/>
+                      <a:tailEnd type="none" w="med" len="med"/>
+                    </a:lnR>
+                    <a:lnT w="6350" cap="flat" cmpd="sng" algn="ctr">
+                      <a:solidFill>
+                        <a:srgbClr val="000000"/>
+                      </a:solidFill>
+                      <a:prstDash val="solid"/>
+                      <a:round/>
+                      <a:headEnd type="none" w="med" len="med"/>
+                      <a:tailEnd type="none" w="med" len="med"/>
+                    </a:lnT>
+                    <a:lnB w="6350" cap="flat" cmpd="sng" algn="ctr">
+                      <a:solidFill>
+                        <a:srgbClr val="000000"/>
+                      </a:solidFill>
+                      <a:prstDash val="solid"/>
+                      <a:round/>
+                      <a:headEnd type="none" w="med" len="med"/>
+                      <a:tailEnd type="none" w="med" len="med"/>
+                    </a:lnB>
+                  </a:tcPr>
+                </a:tc>
+                <a:tc>
+                  <a:txBody>
+                    <a:bodyPr/>
+                    <a:lstStyle/>
+                    <a:p>
+                      <a:pPr algn="l" fontAlgn="b"/>
+                      <a:r>
+                        <a:rPr lang="en-US" sz="1000" b="0" i="0" u="none" strike="noStrike">
+                          <a:solidFill>
+                            <a:srgbClr val="000000"/>
+                          </a:solidFill>
+                          <a:effectLst/>
+                          <a:latin typeface="Calibri" panose="020F0502020204030204" pitchFamily="34" charset="0"/>
+                        </a:rPr>
+                        <a:t> </a:t>
+                      </a:r>
+                    </a:p>
+                  </a:txBody>
+                  <a:tcPr marL="8865" marR="8865" marT="8865" marB="0" anchor="b">
+                    <a:lnL w="6350" cap="flat" cmpd="sng" algn="ctr">
+                      <a:solidFill>
+                        <a:srgbClr val="000000"/>
+                      </a:solidFill>
+                      <a:prstDash val="solid"/>
+                      <a:round/>
+                      <a:headEnd type="none" w="med" len="med"/>
+                      <a:tailEnd type="none" w="med" len="med"/>
+                    </a:lnL>
+                    <a:lnR w="6350" cap="flat" cmpd="sng" algn="ctr">
+                      <a:solidFill>
+                        <a:srgbClr val="000000"/>
+                      </a:solidFill>
+                      <a:prstDash val="solid"/>
+                      <a:round/>
+                      <a:headEnd type="none" w="med" len="med"/>
+                      <a:tailEnd type="none" w="med" len="med"/>
+                    </a:lnR>
+                    <a:lnT w="6350" cap="flat" cmpd="sng" algn="ctr">
+                      <a:solidFill>
+                        <a:srgbClr val="000000"/>
+                      </a:solidFill>
+                      <a:prstDash val="solid"/>
+                      <a:round/>
+                      <a:headEnd type="none" w="med" len="med"/>
+                      <a:tailEnd type="none" w="med" len="med"/>
+                    </a:lnT>
+                    <a:lnB w="6350" cap="flat" cmpd="sng" algn="ctr">
+                      <a:solidFill>
+                        <a:srgbClr val="000000"/>
+                      </a:solidFill>
+                      <a:prstDash val="solid"/>
+                      <a:round/>
+                      <a:headEnd type="none" w="med" len="med"/>
+                      <a:tailEnd type="none" w="med" len="med"/>
+                    </a:lnB>
+                  </a:tcPr>
+                </a:tc>
+                <a:tc>
+                  <a:txBody>
+                    <a:bodyPr/>
+                    <a:lstStyle/>
+                    <a:p>
+                      <a:pPr algn="l" fontAlgn="b"/>
+                      <a:r>
+                        <a:rPr lang="en-US" sz="1000" b="0" i="0" u="none" strike="noStrike">
+                          <a:solidFill>
+                            <a:srgbClr val="000000"/>
+                          </a:solidFill>
+                          <a:effectLst/>
+                          <a:latin typeface="Calibri" panose="020F0502020204030204" pitchFamily="34" charset="0"/>
+                        </a:rPr>
+                        <a:t> </a:t>
+                      </a:r>
+                    </a:p>
+                  </a:txBody>
+                  <a:tcPr marL="8865" marR="8865" marT="8865" marB="0" anchor="b">
+                    <a:lnL w="6350" cap="flat" cmpd="sng" algn="ctr">
+                      <a:solidFill>
+                        <a:srgbClr val="000000"/>
+                      </a:solidFill>
+                      <a:prstDash val="solid"/>
+                      <a:round/>
+                      <a:headEnd type="none" w="med" len="med"/>
+                      <a:tailEnd type="none" w="med" len="med"/>
+                    </a:lnL>
+                    <a:lnR w="12700" cap="flat" cmpd="sng" algn="ctr">
+                      <a:solidFill>
+                        <a:srgbClr val="000000"/>
+                      </a:solidFill>
+                      <a:prstDash val="solid"/>
+                      <a:round/>
+                      <a:headEnd type="none" w="med" len="med"/>
+                      <a:tailEnd type="none" w="med" len="med"/>
+                    </a:lnR>
+                    <a:lnT w="6350" cap="flat" cmpd="sng" algn="ctr">
+                      <a:solidFill>
+                        <a:srgbClr val="000000"/>
+                      </a:solidFill>
+                      <a:prstDash val="solid"/>
+                      <a:round/>
+                      <a:headEnd type="none" w="med" len="med"/>
+                      <a:tailEnd type="none" w="med" len="med"/>
+                    </a:lnT>
+                    <a:lnB w="6350" cap="flat" cmpd="sng" algn="ctr">
+                      <a:solidFill>
+                        <a:srgbClr val="000000"/>
+                      </a:solidFill>
+                      <a:prstDash val="solid"/>
+                      <a:round/>
+                      <a:headEnd type="none" w="med" len="med"/>
+                      <a:tailEnd type="none" w="med" len="med"/>
+                    </a:lnB>
+                  </a:tcPr>
+                </a:tc>
+              </a:tr>
+              <a:tr h="408969">
+                <a:tc>
+                  <a:txBody>
+                    <a:bodyPr/>
+                    <a:lstStyle/>
+                    <a:p>
+                      <a:pPr algn="l" fontAlgn="b"/>
+                      <a:r>
+                        <a:rPr lang="en-US" sz="1000" b="0" i="1" u="none" strike="noStrike">
+                          <a:solidFill>
+                            <a:srgbClr val="000000"/>
+                          </a:solidFill>
+                          <a:effectLst/>
+                          <a:latin typeface="Calibri" panose="020F0502020204030204" pitchFamily="34" charset="0"/>
+                        </a:rPr>
+                        <a:t>propose a software based dead time compensation method </a:t>
+                      </a:r>
+                    </a:p>
+                  </a:txBody>
+                  <a:tcPr marL="8865" marR="8865" marT="8865" marB="0" anchor="b">
+                    <a:lnL w="12700" cap="flat" cmpd="sng" algn="ctr">
+                      <a:solidFill>
+                        <a:srgbClr val="000000"/>
+                      </a:solidFill>
+                      <a:prstDash val="solid"/>
+                      <a:round/>
+                      <a:headEnd type="none" w="med" len="med"/>
+                      <a:tailEnd type="none" w="med" len="med"/>
+                    </a:lnL>
+                    <a:lnR w="12700" cap="flat" cmpd="sng" algn="ctr">
+                      <a:solidFill>
+                        <a:srgbClr val="000000"/>
+                      </a:solidFill>
+                      <a:prstDash val="solid"/>
+                      <a:round/>
+                      <a:headEnd type="none" w="med" len="med"/>
+                      <a:tailEnd type="none" w="med" len="med"/>
+                    </a:lnR>
+                    <a:lnT w="6350" cap="flat" cmpd="sng" algn="ctr">
+                      <a:solidFill>
+                        <a:srgbClr val="000000"/>
+                      </a:solidFill>
+                      <a:prstDash val="solid"/>
+                      <a:round/>
+                      <a:headEnd type="none" w="med" len="med"/>
+                      <a:tailEnd type="none" w="med" len="med"/>
+                    </a:lnT>
+                    <a:lnB w="6350" cap="flat" cmpd="sng" algn="ctr">
+                      <a:solidFill>
+                        <a:srgbClr val="000000"/>
+                      </a:solidFill>
+                      <a:prstDash val="solid"/>
+                      <a:round/>
+                      <a:headEnd type="none" w="med" len="med"/>
+                      <a:tailEnd type="none" w="med" len="med"/>
+                    </a:lnB>
+                  </a:tcPr>
+                </a:tc>
+                <a:tc>
+                  <a:txBody>
+                    <a:bodyPr/>
+                    <a:lstStyle/>
+                    <a:p>
+                      <a:pPr algn="l" fontAlgn="b"/>
+                      <a:r>
+                        <a:rPr lang="en-US" sz="1000" b="0" i="0" u="none" strike="noStrike">
+                          <a:solidFill>
+                            <a:srgbClr val="000000"/>
+                          </a:solidFill>
+                          <a:effectLst/>
+                          <a:latin typeface="Calibri" panose="020F0502020204030204" pitchFamily="34" charset="0"/>
+                        </a:rPr>
+                        <a:t> </a:t>
+                      </a:r>
+                    </a:p>
+                  </a:txBody>
+                  <a:tcPr marL="8865" marR="8865" marT="8865" marB="0" anchor="b">
+                    <a:lnL w="12700" cap="flat" cmpd="sng" algn="ctr">
+                      <a:solidFill>
+                        <a:srgbClr val="000000"/>
+                      </a:solidFill>
+                      <a:prstDash val="solid"/>
+                      <a:round/>
+                      <a:headEnd type="none" w="med" len="med"/>
+                      <a:tailEnd type="none" w="med" len="med"/>
+                    </a:lnL>
+                    <a:lnR w="6350" cap="flat" cmpd="sng" algn="ctr">
+                      <a:solidFill>
+                        <a:srgbClr val="000000"/>
+                      </a:solidFill>
+                      <a:prstDash val="solid"/>
+                      <a:round/>
+                      <a:headEnd type="none" w="med" len="med"/>
+                      <a:tailEnd type="none" w="med" len="med"/>
+                    </a:lnR>
+                    <a:lnT w="6350" cap="flat" cmpd="sng" algn="ctr">
+                      <a:solidFill>
+                        <a:srgbClr val="000000"/>
+                      </a:solidFill>
+                      <a:prstDash val="solid"/>
+                      <a:round/>
+                      <a:headEnd type="none" w="med" len="med"/>
+                      <a:tailEnd type="none" w="med" len="med"/>
+                    </a:lnT>
+                    <a:lnB w="6350" cap="flat" cmpd="sng" algn="ctr">
+                      <a:solidFill>
+                        <a:srgbClr val="000000"/>
+                      </a:solidFill>
+                      <a:prstDash val="solid"/>
+                      <a:round/>
+                      <a:headEnd type="none" w="med" len="med"/>
+                      <a:tailEnd type="none" w="med" len="med"/>
+                    </a:lnB>
+                  </a:tcPr>
+                </a:tc>
+                <a:tc>
+                  <a:txBody>
+                    <a:bodyPr/>
+                    <a:lstStyle/>
+                    <a:p>
+                      <a:pPr algn="ctr" fontAlgn="ctr"/>
+                      <a:r>
+                        <a:rPr lang="en-US" sz="1000" b="0" i="0" u="none" strike="noStrike">
+                          <a:solidFill>
+                            <a:srgbClr val="000000"/>
+                          </a:solidFill>
+                          <a:effectLst/>
+                          <a:latin typeface="Calibri" panose="020F0502020204030204" pitchFamily="34" charset="0"/>
+                        </a:rPr>
+                        <a:t> </a:t>
+                      </a:r>
+                    </a:p>
+                  </a:txBody>
+                  <a:tcPr marL="8865" marR="8865" marT="8865" marB="0" anchor="ctr">
+                    <a:lnL w="6350" cap="flat" cmpd="sng" algn="ctr">
+                      <a:solidFill>
+                        <a:srgbClr val="000000"/>
+                      </a:solidFill>
+                      <a:prstDash val="solid"/>
+                      <a:round/>
+                      <a:headEnd type="none" w="med" len="med"/>
+                      <a:tailEnd type="none" w="med" len="med"/>
+                    </a:lnL>
+                    <a:lnR w="6350" cap="flat" cmpd="sng" algn="ctr">
+                      <a:solidFill>
+                        <a:srgbClr val="000000"/>
+                      </a:solidFill>
+                      <a:prstDash val="solid"/>
+                      <a:round/>
+                      <a:headEnd type="none" w="med" len="med"/>
+                      <a:tailEnd type="none" w="med" len="med"/>
+                    </a:lnR>
+                    <a:lnT w="6350" cap="flat" cmpd="sng" algn="ctr">
+                      <a:solidFill>
+                        <a:srgbClr val="000000"/>
+                      </a:solidFill>
+                      <a:prstDash val="solid"/>
+                      <a:round/>
+                      <a:headEnd type="none" w="med" len="med"/>
+                      <a:tailEnd type="none" w="med" len="med"/>
+                    </a:lnT>
+                    <a:lnB w="6350" cap="flat" cmpd="sng" algn="ctr">
+                      <a:solidFill>
+                        <a:srgbClr val="000000"/>
+                      </a:solidFill>
+                      <a:prstDash val="solid"/>
+                      <a:round/>
+                      <a:headEnd type="none" w="med" len="med"/>
+                      <a:tailEnd type="none" w="med" len="med"/>
+                    </a:lnB>
+                  </a:tcPr>
+                </a:tc>
+                <a:tc>
+                  <a:txBody>
+                    <a:bodyPr/>
+                    <a:lstStyle/>
+                    <a:p>
+                      <a:pPr algn="ctr" fontAlgn="ctr"/>
+                      <a:r>
+                        <a:rPr lang="en-US" sz="1000" b="0" i="0" u="none" strike="noStrike">
+                          <a:solidFill>
+                            <a:srgbClr val="000000"/>
+                          </a:solidFill>
+                          <a:effectLst/>
+                          <a:latin typeface="Calibri" panose="020F0502020204030204" pitchFamily="34" charset="0"/>
+                        </a:rPr>
+                        <a:t>x</a:t>
+                      </a:r>
+                    </a:p>
+                  </a:txBody>
+                  <a:tcPr marL="8865" marR="8865" marT="8865" marB="0" anchor="ctr">
+                    <a:lnL w="6350" cap="flat" cmpd="sng" algn="ctr">
+                      <a:solidFill>
+                        <a:srgbClr val="000000"/>
+                      </a:solidFill>
+                      <a:prstDash val="solid"/>
+                      <a:round/>
+                      <a:headEnd type="none" w="med" len="med"/>
+                      <a:tailEnd type="none" w="med" len="med"/>
+                    </a:lnL>
+                    <a:lnR w="6350" cap="flat" cmpd="sng" algn="ctr">
+                      <a:solidFill>
+                        <a:srgbClr val="000000"/>
+                      </a:solidFill>
+                      <a:prstDash val="solid"/>
+                      <a:round/>
+                      <a:headEnd type="none" w="med" len="med"/>
+                      <a:tailEnd type="none" w="med" len="med"/>
+                    </a:lnR>
+                    <a:lnT w="6350" cap="flat" cmpd="sng" algn="ctr">
+                      <a:solidFill>
+                        <a:srgbClr val="000000"/>
+                      </a:solidFill>
+                      <a:prstDash val="solid"/>
+                      <a:round/>
+                      <a:headEnd type="none" w="med" len="med"/>
+                      <a:tailEnd type="none" w="med" len="med"/>
+                    </a:lnT>
+                    <a:lnB w="6350" cap="flat" cmpd="sng" algn="ctr">
+                      <a:solidFill>
+                        <a:srgbClr val="000000"/>
+                      </a:solidFill>
+                      <a:prstDash val="solid"/>
+                      <a:round/>
+                      <a:headEnd type="none" w="med" len="med"/>
+                      <a:tailEnd type="none" w="med" len="med"/>
+                    </a:lnB>
+                    <a:solidFill>
+                      <a:srgbClr val="DAEEF3"/>
+                    </a:solidFill>
+                  </a:tcPr>
+                </a:tc>
+                <a:tc>
+                  <a:txBody>
+                    <a:bodyPr/>
+                    <a:lstStyle/>
+                    <a:p>
+                      <a:pPr algn="ctr" fontAlgn="ctr"/>
+                      <a:r>
+                        <a:rPr lang="en-US" sz="1000" b="0" i="0" u="none" strike="noStrike">
+                          <a:solidFill>
+                            <a:srgbClr val="000000"/>
+                          </a:solidFill>
+                          <a:effectLst/>
+                          <a:latin typeface="Calibri" panose="020F0502020204030204" pitchFamily="34" charset="0"/>
+                        </a:rPr>
+                        <a:t>x</a:t>
+                      </a:r>
+                    </a:p>
+                  </a:txBody>
+                  <a:tcPr marL="8865" marR="8865" marT="8865" marB="0" anchor="ctr">
+                    <a:lnL w="6350" cap="flat" cmpd="sng" algn="ctr">
+                      <a:solidFill>
+                        <a:srgbClr val="000000"/>
+                      </a:solidFill>
+                      <a:prstDash val="solid"/>
+                      <a:round/>
+                      <a:headEnd type="none" w="med" len="med"/>
+                      <a:tailEnd type="none" w="med" len="med"/>
+                    </a:lnL>
+                    <a:lnR w="6350" cap="flat" cmpd="sng" algn="ctr">
+                      <a:solidFill>
+                        <a:srgbClr val="000000"/>
+                      </a:solidFill>
+                      <a:prstDash val="solid"/>
+                      <a:round/>
+                      <a:headEnd type="none" w="med" len="med"/>
+                      <a:tailEnd type="none" w="med" len="med"/>
+                    </a:lnR>
+                    <a:lnT w="6350" cap="flat" cmpd="sng" algn="ctr">
+                      <a:solidFill>
+                        <a:srgbClr val="000000"/>
+                      </a:solidFill>
+                      <a:prstDash val="solid"/>
+                      <a:round/>
+                      <a:headEnd type="none" w="med" len="med"/>
+                      <a:tailEnd type="none" w="med" len="med"/>
+                    </a:lnT>
+                    <a:lnB w="6350" cap="flat" cmpd="sng" algn="ctr">
+                      <a:solidFill>
+                        <a:srgbClr val="000000"/>
+                      </a:solidFill>
+                      <a:prstDash val="solid"/>
+                      <a:round/>
+                      <a:headEnd type="none" w="med" len="med"/>
+                      <a:tailEnd type="none" w="med" len="med"/>
+                    </a:lnB>
+                    <a:solidFill>
+                      <a:srgbClr val="DAEEF3"/>
+                    </a:solidFill>
+                  </a:tcPr>
+                </a:tc>
+                <a:tc>
+                  <a:txBody>
+                    <a:bodyPr/>
+                    <a:lstStyle/>
+                    <a:p>
+                      <a:pPr algn="l" fontAlgn="b"/>
+                      <a:r>
+                        <a:rPr lang="en-US" sz="1000" b="0" i="0" u="none" strike="noStrike">
+                          <a:solidFill>
+                            <a:srgbClr val="000000"/>
+                          </a:solidFill>
+                          <a:effectLst/>
+                          <a:latin typeface="Calibri" panose="020F0502020204030204" pitchFamily="34" charset="0"/>
+                        </a:rPr>
+                        <a:t> </a:t>
+                      </a:r>
+                    </a:p>
+                  </a:txBody>
+                  <a:tcPr marL="8865" marR="8865" marT="8865" marB="0" anchor="b">
+                    <a:lnL w="6350" cap="flat" cmpd="sng" algn="ctr">
+                      <a:solidFill>
+                        <a:srgbClr val="000000"/>
+                      </a:solidFill>
+                      <a:prstDash val="solid"/>
+                      <a:round/>
+                      <a:headEnd type="none" w="med" len="med"/>
+                      <a:tailEnd type="none" w="med" len="med"/>
+                    </a:lnL>
+                    <a:lnR w="6350" cap="flat" cmpd="sng" algn="ctr">
+                      <a:solidFill>
+                        <a:srgbClr val="000000"/>
+                      </a:solidFill>
+                      <a:prstDash val="solid"/>
+                      <a:round/>
+                      <a:headEnd type="none" w="med" len="med"/>
+                      <a:tailEnd type="none" w="med" len="med"/>
+                    </a:lnR>
+                    <a:lnT w="6350" cap="flat" cmpd="sng" algn="ctr">
+                      <a:solidFill>
+                        <a:srgbClr val="000000"/>
+                      </a:solidFill>
+                      <a:prstDash val="solid"/>
+                      <a:round/>
+                      <a:headEnd type="none" w="med" len="med"/>
+                      <a:tailEnd type="none" w="med" len="med"/>
+                    </a:lnT>
+                    <a:lnB w="6350" cap="flat" cmpd="sng" algn="ctr">
+                      <a:solidFill>
+                        <a:srgbClr val="000000"/>
+                      </a:solidFill>
+                      <a:prstDash val="solid"/>
+                      <a:round/>
+                      <a:headEnd type="none" w="med" len="med"/>
+                      <a:tailEnd type="none" w="med" len="med"/>
+                    </a:lnB>
+                  </a:tcPr>
+                </a:tc>
+                <a:tc>
+                  <a:txBody>
+                    <a:bodyPr/>
+                    <a:lstStyle/>
+                    <a:p>
+                      <a:pPr algn="l" fontAlgn="b"/>
+                      <a:r>
+                        <a:rPr lang="en-US" sz="1000" b="0" i="0" u="none" strike="noStrike">
+                          <a:solidFill>
+                            <a:srgbClr val="000000"/>
+                          </a:solidFill>
+                          <a:effectLst/>
+                          <a:latin typeface="Calibri" panose="020F0502020204030204" pitchFamily="34" charset="0"/>
+                        </a:rPr>
+                        <a:t> </a:t>
+                      </a:r>
+                    </a:p>
+                  </a:txBody>
+                  <a:tcPr marL="8865" marR="8865" marT="8865" marB="0" anchor="b">
+                    <a:lnL w="6350" cap="flat" cmpd="sng" algn="ctr">
+                      <a:solidFill>
+                        <a:srgbClr val="000000"/>
+                      </a:solidFill>
+                      <a:prstDash val="solid"/>
+                      <a:round/>
+                      <a:headEnd type="none" w="med" len="med"/>
+                      <a:tailEnd type="none" w="med" len="med"/>
+                    </a:lnL>
+                    <a:lnR w="6350" cap="flat" cmpd="sng" algn="ctr">
+                      <a:solidFill>
+                        <a:srgbClr val="000000"/>
+                      </a:solidFill>
+                      <a:prstDash val="solid"/>
+                      <a:round/>
+                      <a:headEnd type="none" w="med" len="med"/>
+                      <a:tailEnd type="none" w="med" len="med"/>
+                    </a:lnR>
+                    <a:lnT w="6350" cap="flat" cmpd="sng" algn="ctr">
+                      <a:solidFill>
+                        <a:srgbClr val="000000"/>
+                      </a:solidFill>
+                      <a:prstDash val="solid"/>
+                      <a:round/>
+                      <a:headEnd type="none" w="med" len="med"/>
+                      <a:tailEnd type="none" w="med" len="med"/>
+                    </a:lnT>
+                    <a:lnB w="6350" cap="flat" cmpd="sng" algn="ctr">
+                      <a:solidFill>
+                        <a:srgbClr val="000000"/>
+                      </a:solidFill>
+                      <a:prstDash val="solid"/>
+                      <a:round/>
+                      <a:headEnd type="none" w="med" len="med"/>
+                      <a:tailEnd type="none" w="med" len="med"/>
+                    </a:lnB>
+                  </a:tcPr>
+                </a:tc>
+                <a:tc>
+                  <a:txBody>
+                    <a:bodyPr/>
+                    <a:lstStyle/>
+                    <a:p>
+                      <a:pPr algn="l" fontAlgn="b"/>
+                      <a:r>
+                        <a:rPr lang="en-US" sz="1000" b="0" i="0" u="none" strike="noStrike">
+                          <a:solidFill>
+                            <a:srgbClr val="000000"/>
+                          </a:solidFill>
+                          <a:effectLst/>
+                          <a:latin typeface="Calibri" panose="020F0502020204030204" pitchFamily="34" charset="0"/>
+                        </a:rPr>
+                        <a:t> </a:t>
+                      </a:r>
+                    </a:p>
+                  </a:txBody>
+                  <a:tcPr marL="8865" marR="8865" marT="8865" marB="0" anchor="b">
+                    <a:lnL w="6350" cap="flat" cmpd="sng" algn="ctr">
+                      <a:solidFill>
+                        <a:srgbClr val="000000"/>
+                      </a:solidFill>
+                      <a:prstDash val="solid"/>
+                      <a:round/>
+                      <a:headEnd type="none" w="med" len="med"/>
+                      <a:tailEnd type="none" w="med" len="med"/>
+                    </a:lnL>
+                    <a:lnR w="6350" cap="flat" cmpd="sng" algn="ctr">
+                      <a:solidFill>
+                        <a:srgbClr val="000000"/>
+                      </a:solidFill>
+                      <a:prstDash val="solid"/>
+                      <a:round/>
+                      <a:headEnd type="none" w="med" len="med"/>
+                      <a:tailEnd type="none" w="med" len="med"/>
+                    </a:lnR>
+                    <a:lnT w="6350" cap="flat" cmpd="sng" algn="ctr">
+                      <a:solidFill>
+                        <a:srgbClr val="000000"/>
+                      </a:solidFill>
+                      <a:prstDash val="solid"/>
+                      <a:round/>
+                      <a:headEnd type="none" w="med" len="med"/>
+                      <a:tailEnd type="none" w="med" len="med"/>
+                    </a:lnT>
+                    <a:lnB w="6350" cap="flat" cmpd="sng" algn="ctr">
+                      <a:solidFill>
+                        <a:srgbClr val="000000"/>
+                      </a:solidFill>
+                      <a:prstDash val="solid"/>
+                      <a:round/>
+                      <a:headEnd type="none" w="med" len="med"/>
+                      <a:tailEnd type="none" w="med" len="med"/>
+                    </a:lnB>
+                  </a:tcPr>
+                </a:tc>
+                <a:tc>
+                  <a:txBody>
+                    <a:bodyPr/>
+                    <a:lstStyle/>
+                    <a:p>
+                      <a:pPr algn="l" fontAlgn="b"/>
+                      <a:r>
+                        <a:rPr lang="en-US" sz="1000" b="0" i="0" u="none" strike="noStrike">
+                          <a:solidFill>
+                            <a:srgbClr val="000000"/>
+                          </a:solidFill>
+                          <a:effectLst/>
+                          <a:latin typeface="Calibri" panose="020F0502020204030204" pitchFamily="34" charset="0"/>
+                        </a:rPr>
+                        <a:t> </a:t>
+                      </a:r>
+                    </a:p>
+                  </a:txBody>
+                  <a:tcPr marL="8865" marR="8865" marT="8865" marB="0" anchor="b">
+                    <a:lnL w="6350" cap="flat" cmpd="sng" algn="ctr">
+                      <a:solidFill>
+                        <a:srgbClr val="000000"/>
+                      </a:solidFill>
+                      <a:prstDash val="solid"/>
+                      <a:round/>
+                      <a:headEnd type="none" w="med" len="med"/>
+                      <a:tailEnd type="none" w="med" len="med"/>
+                    </a:lnL>
+                    <a:lnR w="6350" cap="flat" cmpd="sng" algn="ctr">
+                      <a:solidFill>
+                        <a:srgbClr val="000000"/>
+                      </a:solidFill>
+                      <a:prstDash val="solid"/>
+                      <a:round/>
+                      <a:headEnd type="none" w="med" len="med"/>
+                      <a:tailEnd type="none" w="med" len="med"/>
+                    </a:lnR>
+                    <a:lnT w="6350" cap="flat" cmpd="sng" algn="ctr">
+                      <a:solidFill>
+                        <a:srgbClr val="000000"/>
+                      </a:solidFill>
+                      <a:prstDash val="solid"/>
+                      <a:round/>
+                      <a:headEnd type="none" w="med" len="med"/>
+                      <a:tailEnd type="none" w="med" len="med"/>
+                    </a:lnT>
+                    <a:lnB w="6350" cap="flat" cmpd="sng" algn="ctr">
+                      <a:solidFill>
+                        <a:srgbClr val="000000"/>
+                      </a:solidFill>
+                      <a:prstDash val="solid"/>
+                      <a:round/>
+                      <a:headEnd type="none" w="med" len="med"/>
+                      <a:tailEnd type="none" w="med" len="med"/>
+                    </a:lnB>
+                  </a:tcPr>
+                </a:tc>
+                <a:tc>
+                  <a:txBody>
+                    <a:bodyPr/>
+                    <a:lstStyle/>
+                    <a:p>
+                      <a:pPr algn="l" fontAlgn="b"/>
+                      <a:r>
+                        <a:rPr lang="en-US" sz="1000" b="0" i="0" u="none" strike="noStrike">
+                          <a:solidFill>
+                            <a:srgbClr val="000000"/>
+                          </a:solidFill>
+                          <a:effectLst/>
+                          <a:latin typeface="Calibri" panose="020F0502020204030204" pitchFamily="34" charset="0"/>
+                        </a:rPr>
+                        <a:t> </a:t>
+                      </a:r>
+                    </a:p>
+                  </a:txBody>
+                  <a:tcPr marL="8865" marR="8865" marT="8865" marB="0" anchor="b">
+                    <a:lnL w="6350" cap="flat" cmpd="sng" algn="ctr">
+                      <a:solidFill>
+                        <a:srgbClr val="000000"/>
+                      </a:solidFill>
+                      <a:prstDash val="solid"/>
+                      <a:round/>
+                      <a:headEnd type="none" w="med" len="med"/>
+                      <a:tailEnd type="none" w="med" len="med"/>
+                    </a:lnL>
+                    <a:lnR w="6350" cap="flat" cmpd="sng" algn="ctr">
+                      <a:solidFill>
+                        <a:srgbClr val="000000"/>
+                      </a:solidFill>
+                      <a:prstDash val="solid"/>
+                      <a:round/>
+                      <a:headEnd type="none" w="med" len="med"/>
+                      <a:tailEnd type="none" w="med" len="med"/>
+                    </a:lnR>
+                    <a:lnT w="6350" cap="flat" cmpd="sng" algn="ctr">
+                      <a:solidFill>
+                        <a:srgbClr val="000000"/>
+                      </a:solidFill>
+                      <a:prstDash val="solid"/>
+                      <a:round/>
+                      <a:headEnd type="none" w="med" len="med"/>
+                      <a:tailEnd type="none" w="med" len="med"/>
+                    </a:lnT>
+                    <a:lnB w="6350" cap="flat" cmpd="sng" algn="ctr">
+                      <a:solidFill>
+                        <a:srgbClr val="000000"/>
+                      </a:solidFill>
+                      <a:prstDash val="solid"/>
+                      <a:round/>
+                      <a:headEnd type="none" w="med" len="med"/>
+                      <a:tailEnd type="none" w="med" len="med"/>
+                    </a:lnB>
+                  </a:tcPr>
+                </a:tc>
+                <a:tc>
+                  <a:txBody>
+                    <a:bodyPr/>
+                    <a:lstStyle/>
+                    <a:p>
+                      <a:pPr algn="l" fontAlgn="b"/>
+                      <a:r>
+                        <a:rPr lang="en-US" sz="1000" b="0" i="0" u="none" strike="noStrike">
+                          <a:solidFill>
+                            <a:srgbClr val="000000"/>
+                          </a:solidFill>
+                          <a:effectLst/>
+                          <a:latin typeface="Calibri" panose="020F0502020204030204" pitchFamily="34" charset="0"/>
+                        </a:rPr>
+                        <a:t> </a:t>
+                      </a:r>
+                    </a:p>
+                  </a:txBody>
+                  <a:tcPr marL="8865" marR="8865" marT="8865" marB="0" anchor="b">
+                    <a:lnL w="6350" cap="flat" cmpd="sng" algn="ctr">
+                      <a:solidFill>
+                        <a:srgbClr val="000000"/>
+                      </a:solidFill>
+                      <a:prstDash val="solid"/>
+                      <a:round/>
+                      <a:headEnd type="none" w="med" len="med"/>
+                      <a:tailEnd type="none" w="med" len="med"/>
+                    </a:lnL>
+                    <a:lnR w="6350" cap="flat" cmpd="sng" algn="ctr">
+                      <a:solidFill>
+                        <a:srgbClr val="000000"/>
+                      </a:solidFill>
+                      <a:prstDash val="solid"/>
+                      <a:round/>
+                      <a:headEnd type="none" w="med" len="med"/>
+                      <a:tailEnd type="none" w="med" len="med"/>
+                    </a:lnR>
+                    <a:lnT w="6350" cap="flat" cmpd="sng" algn="ctr">
+                      <a:solidFill>
+                        <a:srgbClr val="000000"/>
+                      </a:solidFill>
+                      <a:prstDash val="solid"/>
+                      <a:round/>
+                      <a:headEnd type="none" w="med" len="med"/>
+                      <a:tailEnd type="none" w="med" len="med"/>
+                    </a:lnT>
+                    <a:lnB w="6350" cap="flat" cmpd="sng" algn="ctr">
+                      <a:solidFill>
+                        <a:srgbClr val="000000"/>
+                      </a:solidFill>
+                      <a:prstDash val="solid"/>
+                      <a:round/>
+                      <a:headEnd type="none" w="med" len="med"/>
+                      <a:tailEnd type="none" w="med" len="med"/>
+                    </a:lnB>
+                  </a:tcPr>
+                </a:tc>
+                <a:tc>
+                  <a:txBody>
+                    <a:bodyPr/>
+                    <a:lstStyle/>
+                    <a:p>
+                      <a:pPr algn="l" fontAlgn="b"/>
+                      <a:r>
+                        <a:rPr lang="en-US" sz="1000" b="0" i="0" u="none" strike="noStrike">
+                          <a:solidFill>
+                            <a:srgbClr val="000000"/>
+                          </a:solidFill>
+                          <a:effectLst/>
+                          <a:latin typeface="Calibri" panose="020F0502020204030204" pitchFamily="34" charset="0"/>
+                        </a:rPr>
+                        <a:t> </a:t>
+                      </a:r>
+                    </a:p>
+                  </a:txBody>
+                  <a:tcPr marL="8865" marR="8865" marT="8865" marB="0" anchor="b">
+                    <a:lnL w="6350" cap="flat" cmpd="sng" algn="ctr">
+                      <a:solidFill>
+                        <a:srgbClr val="000000"/>
+                      </a:solidFill>
+                      <a:prstDash val="solid"/>
+                      <a:round/>
+                      <a:headEnd type="none" w="med" len="med"/>
+                      <a:tailEnd type="none" w="med" len="med"/>
+                    </a:lnL>
+                    <a:lnR w="6350" cap="flat" cmpd="sng" algn="ctr">
+                      <a:solidFill>
+                        <a:srgbClr val="000000"/>
+                      </a:solidFill>
+                      <a:prstDash val="solid"/>
+                      <a:round/>
+                      <a:headEnd type="none" w="med" len="med"/>
+                      <a:tailEnd type="none" w="med" len="med"/>
+                    </a:lnR>
+                    <a:lnT w="6350" cap="flat" cmpd="sng" algn="ctr">
+                      <a:solidFill>
+                        <a:srgbClr val="000000"/>
+                      </a:solidFill>
+                      <a:prstDash val="solid"/>
+                      <a:round/>
+                      <a:headEnd type="none" w="med" len="med"/>
+                      <a:tailEnd type="none" w="med" len="med"/>
+                    </a:lnT>
+                    <a:lnB w="6350" cap="flat" cmpd="sng" algn="ctr">
+                      <a:solidFill>
+                        <a:srgbClr val="000000"/>
+                      </a:solidFill>
+                      <a:prstDash val="solid"/>
+                      <a:round/>
+                      <a:headEnd type="none" w="med" len="med"/>
+                      <a:tailEnd type="none" w="med" len="med"/>
+                    </a:lnB>
+                  </a:tcPr>
+                </a:tc>
+                <a:tc>
+                  <a:txBody>
+                    <a:bodyPr/>
+                    <a:lstStyle/>
+                    <a:p>
+                      <a:pPr algn="l" fontAlgn="b"/>
+                      <a:r>
+                        <a:rPr lang="en-US" sz="1000" b="0" i="0" u="none" strike="noStrike">
+                          <a:solidFill>
+                            <a:srgbClr val="000000"/>
+                          </a:solidFill>
+                          <a:effectLst/>
+                          <a:latin typeface="Calibri" panose="020F0502020204030204" pitchFamily="34" charset="0"/>
+                        </a:rPr>
+                        <a:t> </a:t>
+                      </a:r>
+                    </a:p>
+                  </a:txBody>
+                  <a:tcPr marL="8865" marR="8865" marT="8865" marB="0" anchor="b">
+                    <a:lnL w="6350" cap="flat" cmpd="sng" algn="ctr">
+                      <a:solidFill>
+                        <a:srgbClr val="000000"/>
+                      </a:solidFill>
+                      <a:prstDash val="solid"/>
+                      <a:round/>
+                      <a:headEnd type="none" w="med" len="med"/>
+                      <a:tailEnd type="none" w="med" len="med"/>
+                    </a:lnL>
+                    <a:lnR w="12700" cap="flat" cmpd="sng" algn="ctr">
+                      <a:solidFill>
+                        <a:srgbClr val="000000"/>
+                      </a:solidFill>
+                      <a:prstDash val="solid"/>
+                      <a:round/>
+                      <a:headEnd type="none" w="med" len="med"/>
+                      <a:tailEnd type="none" w="med" len="med"/>
+                    </a:lnR>
+                    <a:lnT w="6350" cap="flat" cmpd="sng" algn="ctr">
+                      <a:solidFill>
+                        <a:srgbClr val="000000"/>
+                      </a:solidFill>
+                      <a:prstDash val="solid"/>
+                      <a:round/>
+                      <a:headEnd type="none" w="med" len="med"/>
+                      <a:tailEnd type="none" w="med" len="med"/>
+                    </a:lnT>
+                    <a:lnB w="6350" cap="flat" cmpd="sng" algn="ctr">
+                      <a:solidFill>
+                        <a:srgbClr val="000000"/>
+                      </a:solidFill>
+                      <a:prstDash val="solid"/>
+                      <a:round/>
+                      <a:headEnd type="none" w="med" len="med"/>
+                      <a:tailEnd type="none" w="med" len="med"/>
+                    </a:lnB>
+                  </a:tcPr>
+                </a:tc>
+              </a:tr>
+              <a:tr h="408969">
+                <a:tc>
+                  <a:txBody>
+                    <a:bodyPr/>
+                    <a:lstStyle/>
+                    <a:p>
+                      <a:pPr algn="l" fontAlgn="b"/>
+                      <a:r>
+                        <a:rPr lang="en-US" sz="1000" b="0" i="1" u="none" strike="noStrike">
+                          <a:solidFill>
+                            <a:srgbClr val="000000"/>
+                          </a:solidFill>
+                          <a:effectLst/>
+                          <a:latin typeface="Calibri" panose="020F0502020204030204" pitchFamily="34" charset="0"/>
+                        </a:rPr>
+                        <a:t>verify the effectiveness of the method by experimental results </a:t>
+                      </a:r>
+                    </a:p>
+                  </a:txBody>
+                  <a:tcPr marL="8865" marR="8865" marT="8865" marB="0" anchor="b">
+                    <a:lnL w="12700" cap="flat" cmpd="sng" algn="ctr">
+                      <a:solidFill>
+                        <a:srgbClr val="000000"/>
+                      </a:solidFill>
+                      <a:prstDash val="solid"/>
+                      <a:round/>
+                      <a:headEnd type="none" w="med" len="med"/>
+                      <a:tailEnd type="none" w="med" len="med"/>
+                    </a:lnL>
+                    <a:lnR w="12700" cap="flat" cmpd="sng" algn="ctr">
+                      <a:solidFill>
+                        <a:srgbClr val="000000"/>
+                      </a:solidFill>
+                      <a:prstDash val="solid"/>
+                      <a:round/>
+                      <a:headEnd type="none" w="med" len="med"/>
+                      <a:tailEnd type="none" w="med" len="med"/>
+                    </a:lnR>
+                    <a:lnT w="6350" cap="flat" cmpd="sng" algn="ctr">
+                      <a:solidFill>
+                        <a:srgbClr val="000000"/>
+                      </a:solidFill>
+                      <a:prstDash val="solid"/>
+                      <a:round/>
+                      <a:headEnd type="none" w="med" len="med"/>
+                      <a:tailEnd type="none" w="med" len="med"/>
+                    </a:lnT>
+                    <a:lnB w="6350" cap="flat" cmpd="sng" algn="ctr">
+                      <a:solidFill>
+                        <a:srgbClr val="000000"/>
+                      </a:solidFill>
+                      <a:prstDash val="solid"/>
+                      <a:round/>
+                      <a:headEnd type="none" w="med" len="med"/>
+                      <a:tailEnd type="none" w="med" len="med"/>
+                    </a:lnB>
+                  </a:tcPr>
+                </a:tc>
+                <a:tc>
+                  <a:txBody>
+                    <a:bodyPr/>
+                    <a:lstStyle/>
+                    <a:p>
+                      <a:pPr algn="l" fontAlgn="b"/>
+                      <a:r>
+                        <a:rPr lang="en-US" sz="1000" b="0" i="0" u="none" strike="noStrike">
+                          <a:solidFill>
+                            <a:srgbClr val="000000"/>
+                          </a:solidFill>
+                          <a:effectLst/>
+                          <a:latin typeface="Calibri" panose="020F0502020204030204" pitchFamily="34" charset="0"/>
+                        </a:rPr>
+                        <a:t> </a:t>
+                      </a:r>
+                    </a:p>
+                  </a:txBody>
+                  <a:tcPr marL="8865" marR="8865" marT="8865" marB="0" anchor="b">
+                    <a:lnL w="12700" cap="flat" cmpd="sng" algn="ctr">
+                      <a:solidFill>
+                        <a:srgbClr val="000000"/>
+                      </a:solidFill>
+                      <a:prstDash val="solid"/>
+                      <a:round/>
+                      <a:headEnd type="none" w="med" len="med"/>
+                      <a:tailEnd type="none" w="med" len="med"/>
+                    </a:lnL>
+                    <a:lnR w="6350" cap="flat" cmpd="sng" algn="ctr">
+                      <a:solidFill>
+                        <a:srgbClr val="000000"/>
+                      </a:solidFill>
+                      <a:prstDash val="solid"/>
+                      <a:round/>
+                      <a:headEnd type="none" w="med" len="med"/>
+                      <a:tailEnd type="none" w="med" len="med"/>
+                    </a:lnR>
+                    <a:lnT w="6350" cap="flat" cmpd="sng" algn="ctr">
+                      <a:solidFill>
+                        <a:srgbClr val="000000"/>
+                      </a:solidFill>
+                      <a:prstDash val="solid"/>
+                      <a:round/>
+                      <a:headEnd type="none" w="med" len="med"/>
+                      <a:tailEnd type="none" w="med" len="med"/>
+                    </a:lnT>
+                    <a:lnB w="6350" cap="flat" cmpd="sng" algn="ctr">
+                      <a:solidFill>
+                        <a:srgbClr val="000000"/>
+                      </a:solidFill>
+                      <a:prstDash val="solid"/>
+                      <a:round/>
+                      <a:headEnd type="none" w="med" len="med"/>
+                      <a:tailEnd type="none" w="med" len="med"/>
+                    </a:lnB>
+                  </a:tcPr>
+                </a:tc>
+                <a:tc>
+                  <a:txBody>
+                    <a:bodyPr/>
+                    <a:lstStyle/>
+                    <a:p>
+                      <a:pPr algn="l" fontAlgn="b"/>
+                      <a:r>
+                        <a:rPr lang="en-US" sz="1000" b="0" i="0" u="none" strike="noStrike">
+                          <a:solidFill>
+                            <a:srgbClr val="000000"/>
+                          </a:solidFill>
+                          <a:effectLst/>
+                          <a:latin typeface="Calibri" panose="020F0502020204030204" pitchFamily="34" charset="0"/>
+                        </a:rPr>
+                        <a:t> </a:t>
+                      </a:r>
+                    </a:p>
+                  </a:txBody>
+                  <a:tcPr marL="8865" marR="8865" marT="8865" marB="0" anchor="b">
+                    <a:lnL w="6350" cap="flat" cmpd="sng" algn="ctr">
+                      <a:solidFill>
+                        <a:srgbClr val="000000"/>
+                      </a:solidFill>
+                      <a:prstDash val="solid"/>
+                      <a:round/>
+                      <a:headEnd type="none" w="med" len="med"/>
+                      <a:tailEnd type="none" w="med" len="med"/>
+                    </a:lnL>
+                    <a:lnR w="6350" cap="flat" cmpd="sng" algn="ctr">
+                      <a:solidFill>
+                        <a:srgbClr val="000000"/>
+                      </a:solidFill>
+                      <a:prstDash val="solid"/>
+                      <a:round/>
+                      <a:headEnd type="none" w="med" len="med"/>
+                      <a:tailEnd type="none" w="med" len="med"/>
+                    </a:lnR>
+                    <a:lnT w="6350" cap="flat" cmpd="sng" algn="ctr">
+                      <a:solidFill>
+                        <a:srgbClr val="000000"/>
+                      </a:solidFill>
+                      <a:prstDash val="solid"/>
+                      <a:round/>
+                      <a:headEnd type="none" w="med" len="med"/>
+                      <a:tailEnd type="none" w="med" len="med"/>
+                    </a:lnT>
+                    <a:lnB w="6350" cap="flat" cmpd="sng" algn="ctr">
+                      <a:solidFill>
+                        <a:srgbClr val="000000"/>
+                      </a:solidFill>
+                      <a:prstDash val="solid"/>
+                      <a:round/>
+                      <a:headEnd type="none" w="med" len="med"/>
+                      <a:tailEnd type="none" w="med" len="med"/>
+                    </a:lnB>
+                  </a:tcPr>
+                </a:tc>
+                <a:tc>
+                  <a:txBody>
+                    <a:bodyPr/>
+                    <a:lstStyle/>
+                    <a:p>
+                      <a:pPr algn="l" fontAlgn="b"/>
+                      <a:r>
+                        <a:rPr lang="en-US" sz="1000" b="0" i="0" u="none" strike="noStrike">
+                          <a:solidFill>
+                            <a:srgbClr val="000000"/>
+                          </a:solidFill>
+                          <a:effectLst/>
+                          <a:latin typeface="Calibri" panose="020F0502020204030204" pitchFamily="34" charset="0"/>
+                        </a:rPr>
+                        <a:t> </a:t>
+                      </a:r>
+                    </a:p>
+                  </a:txBody>
+                  <a:tcPr marL="8865" marR="8865" marT="8865" marB="0" anchor="b">
+                    <a:lnL w="6350" cap="flat" cmpd="sng" algn="ctr">
+                      <a:solidFill>
+                        <a:srgbClr val="000000"/>
+                      </a:solidFill>
+                      <a:prstDash val="solid"/>
+                      <a:round/>
+                      <a:headEnd type="none" w="med" len="med"/>
+                      <a:tailEnd type="none" w="med" len="med"/>
+                    </a:lnL>
+                    <a:lnR w="6350" cap="flat" cmpd="sng" algn="ctr">
+                      <a:solidFill>
+                        <a:srgbClr val="000000"/>
+                      </a:solidFill>
+                      <a:prstDash val="solid"/>
+                      <a:round/>
+                      <a:headEnd type="none" w="med" len="med"/>
+                      <a:tailEnd type="none" w="med" len="med"/>
+                    </a:lnR>
+                    <a:lnT w="6350" cap="flat" cmpd="sng" algn="ctr">
+                      <a:solidFill>
+                        <a:srgbClr val="000000"/>
+                      </a:solidFill>
+                      <a:prstDash val="solid"/>
+                      <a:round/>
+                      <a:headEnd type="none" w="med" len="med"/>
+                      <a:tailEnd type="none" w="med" len="med"/>
+                    </a:lnT>
+                    <a:lnB w="6350" cap="flat" cmpd="sng" algn="ctr">
+                      <a:solidFill>
+                        <a:srgbClr val="000000"/>
+                      </a:solidFill>
+                      <a:prstDash val="solid"/>
+                      <a:round/>
+                      <a:headEnd type="none" w="med" len="med"/>
+                      <a:tailEnd type="none" w="med" len="med"/>
+                    </a:lnB>
+                  </a:tcPr>
+                </a:tc>
+                <a:tc>
+                  <a:txBody>
+                    <a:bodyPr/>
+                    <a:lstStyle/>
+                    <a:p>
+                      <a:pPr algn="ctr" fontAlgn="ctr"/>
+                      <a:r>
+                        <a:rPr lang="en-US" sz="1000" b="0" i="0" u="none" strike="noStrike">
+                          <a:solidFill>
+                            <a:srgbClr val="000000"/>
+                          </a:solidFill>
+                          <a:effectLst/>
+                          <a:latin typeface="Calibri" panose="020F0502020204030204" pitchFamily="34" charset="0"/>
+                        </a:rPr>
+                        <a:t>x</a:t>
+                      </a:r>
+                    </a:p>
+                  </a:txBody>
+                  <a:tcPr marL="8865" marR="8865" marT="8865" marB="0" anchor="ctr">
+                    <a:lnL w="6350" cap="flat" cmpd="sng" algn="ctr">
+                      <a:solidFill>
+                        <a:srgbClr val="000000"/>
+                      </a:solidFill>
+                      <a:prstDash val="solid"/>
+                      <a:round/>
+                      <a:headEnd type="none" w="med" len="med"/>
+                      <a:tailEnd type="none" w="med" len="med"/>
+                    </a:lnL>
+                    <a:lnR w="6350" cap="flat" cmpd="sng" algn="ctr">
+                      <a:solidFill>
+                        <a:srgbClr val="000000"/>
+                      </a:solidFill>
+                      <a:prstDash val="solid"/>
+                      <a:round/>
+                      <a:headEnd type="none" w="med" len="med"/>
+                      <a:tailEnd type="none" w="med" len="med"/>
+                    </a:lnR>
+                    <a:lnT w="6350" cap="flat" cmpd="sng" algn="ctr">
+                      <a:solidFill>
+                        <a:srgbClr val="000000"/>
+                      </a:solidFill>
+                      <a:prstDash val="solid"/>
+                      <a:round/>
+                      <a:headEnd type="none" w="med" len="med"/>
+                      <a:tailEnd type="none" w="med" len="med"/>
+                    </a:lnT>
+                    <a:lnB w="6350" cap="flat" cmpd="sng" algn="ctr">
+                      <a:solidFill>
+                        <a:srgbClr val="000000"/>
+                      </a:solidFill>
+                      <a:prstDash val="solid"/>
+                      <a:round/>
+                      <a:headEnd type="none" w="med" len="med"/>
+                      <a:tailEnd type="none" w="med" len="med"/>
+                    </a:lnB>
+                    <a:solidFill>
+                      <a:srgbClr val="DAEEF3"/>
+                    </a:solidFill>
+                  </a:tcPr>
+                </a:tc>
+                <a:tc>
+                  <a:txBody>
+                    <a:bodyPr/>
+                    <a:lstStyle/>
+                    <a:p>
+                      <a:pPr algn="ctr" fontAlgn="ctr"/>
+                      <a:r>
+                        <a:rPr lang="en-US" sz="1000" b="0" i="0" u="none" strike="noStrike">
+                          <a:solidFill>
+                            <a:srgbClr val="000000"/>
+                          </a:solidFill>
+                          <a:effectLst/>
+                          <a:latin typeface="Calibri" panose="020F0502020204030204" pitchFamily="34" charset="0"/>
+                        </a:rPr>
+                        <a:t>x</a:t>
+                      </a:r>
+                    </a:p>
+                  </a:txBody>
+                  <a:tcPr marL="8865" marR="8865" marT="8865" marB="0" anchor="ctr">
+                    <a:lnL w="6350" cap="flat" cmpd="sng" algn="ctr">
+                      <a:solidFill>
+                        <a:srgbClr val="000000"/>
+                      </a:solidFill>
+                      <a:prstDash val="solid"/>
+                      <a:round/>
+                      <a:headEnd type="none" w="med" len="med"/>
+                      <a:tailEnd type="none" w="med" len="med"/>
+                    </a:lnL>
+                    <a:lnR w="6350" cap="flat" cmpd="sng" algn="ctr">
+                      <a:solidFill>
+                        <a:srgbClr val="000000"/>
+                      </a:solidFill>
+                      <a:prstDash val="solid"/>
+                      <a:round/>
+                      <a:headEnd type="none" w="med" len="med"/>
+                      <a:tailEnd type="none" w="med" len="med"/>
+                    </a:lnR>
+                    <a:lnT w="6350" cap="flat" cmpd="sng" algn="ctr">
+                      <a:solidFill>
+                        <a:srgbClr val="000000"/>
+                      </a:solidFill>
+                      <a:prstDash val="solid"/>
+                      <a:round/>
+                      <a:headEnd type="none" w="med" len="med"/>
+                      <a:tailEnd type="none" w="med" len="med"/>
+                    </a:lnT>
+                    <a:lnB w="6350" cap="flat" cmpd="sng" algn="ctr">
+                      <a:solidFill>
+                        <a:srgbClr val="000000"/>
+                      </a:solidFill>
+                      <a:prstDash val="solid"/>
+                      <a:round/>
+                      <a:headEnd type="none" w="med" len="med"/>
+                      <a:tailEnd type="none" w="med" len="med"/>
+                    </a:lnB>
+                    <a:solidFill>
+                      <a:srgbClr val="DAEEF3"/>
+                    </a:solidFill>
+                  </a:tcPr>
+                </a:tc>
+                <a:tc>
+                  <a:txBody>
+                    <a:bodyPr/>
+                    <a:lstStyle/>
+                    <a:p>
+                      <a:pPr algn="l" fontAlgn="b"/>
+                      <a:r>
+                        <a:rPr lang="en-US" sz="1000" b="0" i="0" u="none" strike="noStrike">
+                          <a:solidFill>
+                            <a:srgbClr val="000000"/>
+                          </a:solidFill>
+                          <a:effectLst/>
+                          <a:latin typeface="Calibri" panose="020F0502020204030204" pitchFamily="34" charset="0"/>
+                        </a:rPr>
+                        <a:t> </a:t>
+                      </a:r>
+                    </a:p>
+                  </a:txBody>
+                  <a:tcPr marL="8865" marR="8865" marT="8865" marB="0" anchor="b">
+                    <a:lnL w="6350" cap="flat" cmpd="sng" algn="ctr">
+                      <a:solidFill>
+                        <a:srgbClr val="000000"/>
+                      </a:solidFill>
+                      <a:prstDash val="solid"/>
+                      <a:round/>
+                      <a:headEnd type="none" w="med" len="med"/>
+                      <a:tailEnd type="none" w="med" len="med"/>
+                    </a:lnL>
+                    <a:lnR w="6350" cap="flat" cmpd="sng" algn="ctr">
+                      <a:solidFill>
+                        <a:srgbClr val="000000"/>
+                      </a:solidFill>
+                      <a:prstDash val="solid"/>
+                      <a:round/>
+                      <a:headEnd type="none" w="med" len="med"/>
+                      <a:tailEnd type="none" w="med" len="med"/>
+                    </a:lnR>
+                    <a:lnT w="6350" cap="flat" cmpd="sng" algn="ctr">
+                      <a:solidFill>
+                        <a:srgbClr val="000000"/>
+                      </a:solidFill>
+                      <a:prstDash val="solid"/>
+                      <a:round/>
+                      <a:headEnd type="none" w="med" len="med"/>
+                      <a:tailEnd type="none" w="med" len="med"/>
+                    </a:lnT>
+                    <a:lnB w="6350" cap="flat" cmpd="sng" algn="ctr">
+                      <a:solidFill>
+                        <a:srgbClr val="000000"/>
+                      </a:solidFill>
+                      <a:prstDash val="solid"/>
+                      <a:round/>
+                      <a:headEnd type="none" w="med" len="med"/>
+                      <a:tailEnd type="none" w="med" len="med"/>
+                    </a:lnB>
+                  </a:tcPr>
+                </a:tc>
+                <a:tc>
+                  <a:txBody>
+                    <a:bodyPr/>
+                    <a:lstStyle/>
+                    <a:p>
+                      <a:pPr algn="l" fontAlgn="b"/>
+                      <a:r>
+                        <a:rPr lang="en-US" sz="1000" b="0" i="0" u="none" strike="noStrike">
+                          <a:solidFill>
+                            <a:srgbClr val="000000"/>
+                          </a:solidFill>
+                          <a:effectLst/>
+                          <a:latin typeface="Calibri" panose="020F0502020204030204" pitchFamily="34" charset="0"/>
+                        </a:rPr>
+                        <a:t> </a:t>
+                      </a:r>
+                    </a:p>
+                  </a:txBody>
+                  <a:tcPr marL="8865" marR="8865" marT="8865" marB="0" anchor="b">
+                    <a:lnL w="6350" cap="flat" cmpd="sng" algn="ctr">
+                      <a:solidFill>
+                        <a:srgbClr val="000000"/>
+                      </a:solidFill>
+                      <a:prstDash val="solid"/>
+                      <a:round/>
+                      <a:headEnd type="none" w="med" len="med"/>
+                      <a:tailEnd type="none" w="med" len="med"/>
+                    </a:lnL>
+                    <a:lnR w="6350" cap="flat" cmpd="sng" algn="ctr">
+                      <a:solidFill>
+                        <a:srgbClr val="000000"/>
+                      </a:solidFill>
+                      <a:prstDash val="solid"/>
+                      <a:round/>
+                      <a:headEnd type="none" w="med" len="med"/>
+                      <a:tailEnd type="none" w="med" len="med"/>
+                    </a:lnR>
+                    <a:lnT w="6350" cap="flat" cmpd="sng" algn="ctr">
+                      <a:solidFill>
+                        <a:srgbClr val="000000"/>
+                      </a:solidFill>
+                      <a:prstDash val="solid"/>
+                      <a:round/>
+                      <a:headEnd type="none" w="med" len="med"/>
+                      <a:tailEnd type="none" w="med" len="med"/>
+                    </a:lnT>
+                    <a:lnB w="6350" cap="flat" cmpd="sng" algn="ctr">
+                      <a:solidFill>
+                        <a:srgbClr val="000000"/>
+                      </a:solidFill>
+                      <a:prstDash val="solid"/>
+                      <a:round/>
+                      <a:headEnd type="none" w="med" len="med"/>
+                      <a:tailEnd type="none" w="med" len="med"/>
+                    </a:lnB>
+                  </a:tcPr>
+                </a:tc>
+                <a:tc>
+                  <a:txBody>
+                    <a:bodyPr/>
+                    <a:lstStyle/>
+                    <a:p>
+                      <a:pPr algn="l" fontAlgn="b"/>
+                      <a:r>
+                        <a:rPr lang="en-US" sz="1000" b="0" i="0" u="none" strike="noStrike">
+                          <a:solidFill>
+                            <a:srgbClr val="000000"/>
+                          </a:solidFill>
+                          <a:effectLst/>
+                          <a:latin typeface="Calibri" panose="020F0502020204030204" pitchFamily="34" charset="0"/>
+                        </a:rPr>
+                        <a:t> </a:t>
+                      </a:r>
+                    </a:p>
+                  </a:txBody>
+                  <a:tcPr marL="8865" marR="8865" marT="8865" marB="0" anchor="b">
+                    <a:lnL w="6350" cap="flat" cmpd="sng" algn="ctr">
+                      <a:solidFill>
+                        <a:srgbClr val="000000"/>
+                      </a:solidFill>
+                      <a:prstDash val="solid"/>
+                      <a:round/>
+                      <a:headEnd type="none" w="med" len="med"/>
+                      <a:tailEnd type="none" w="med" len="med"/>
+                    </a:lnL>
+                    <a:lnR w="6350" cap="flat" cmpd="sng" algn="ctr">
+                      <a:solidFill>
+                        <a:srgbClr val="000000"/>
+                      </a:solidFill>
+                      <a:prstDash val="solid"/>
+                      <a:round/>
+                      <a:headEnd type="none" w="med" len="med"/>
+                      <a:tailEnd type="none" w="med" len="med"/>
+                    </a:lnR>
+                    <a:lnT w="6350" cap="flat" cmpd="sng" algn="ctr">
+                      <a:solidFill>
+                        <a:srgbClr val="000000"/>
+                      </a:solidFill>
+                      <a:prstDash val="solid"/>
+                      <a:round/>
+                      <a:headEnd type="none" w="med" len="med"/>
+                      <a:tailEnd type="none" w="med" len="med"/>
+                    </a:lnT>
+                    <a:lnB w="6350" cap="flat" cmpd="sng" algn="ctr">
+                      <a:solidFill>
+                        <a:srgbClr val="000000"/>
+                      </a:solidFill>
+                      <a:prstDash val="solid"/>
+                      <a:round/>
+                      <a:headEnd type="none" w="med" len="med"/>
+                      <a:tailEnd type="none" w="med" len="med"/>
+                    </a:lnB>
+                  </a:tcPr>
+                </a:tc>
+                <a:tc>
+                  <a:txBody>
+                    <a:bodyPr/>
+                    <a:lstStyle/>
+                    <a:p>
+                      <a:pPr algn="l" fontAlgn="b"/>
+                      <a:r>
+                        <a:rPr lang="en-US" sz="1000" b="0" i="0" u="none" strike="noStrike">
+                          <a:solidFill>
+                            <a:srgbClr val="000000"/>
+                          </a:solidFill>
+                          <a:effectLst/>
+                          <a:latin typeface="Calibri" panose="020F0502020204030204" pitchFamily="34" charset="0"/>
+                        </a:rPr>
+                        <a:t> </a:t>
+                      </a:r>
+                    </a:p>
+                  </a:txBody>
+                  <a:tcPr marL="8865" marR="8865" marT="8865" marB="0" anchor="b">
+                    <a:lnL w="6350" cap="flat" cmpd="sng" algn="ctr">
+                      <a:solidFill>
+                        <a:srgbClr val="000000"/>
+                      </a:solidFill>
+                      <a:prstDash val="solid"/>
+                      <a:round/>
+                      <a:headEnd type="none" w="med" len="med"/>
+                      <a:tailEnd type="none" w="med" len="med"/>
+                    </a:lnL>
+                    <a:lnR w="6350" cap="flat" cmpd="sng" algn="ctr">
+                      <a:solidFill>
+                        <a:srgbClr val="000000"/>
+                      </a:solidFill>
+                      <a:prstDash val="solid"/>
+                      <a:round/>
+                      <a:headEnd type="none" w="med" len="med"/>
+                      <a:tailEnd type="none" w="med" len="med"/>
+                    </a:lnR>
+                    <a:lnT w="6350" cap="flat" cmpd="sng" algn="ctr">
+                      <a:solidFill>
+                        <a:srgbClr val="000000"/>
+                      </a:solidFill>
+                      <a:prstDash val="solid"/>
+                      <a:round/>
+                      <a:headEnd type="none" w="med" len="med"/>
+                      <a:tailEnd type="none" w="med" len="med"/>
+                    </a:lnT>
+                    <a:lnB w="6350" cap="flat" cmpd="sng" algn="ctr">
+                      <a:solidFill>
+                        <a:srgbClr val="000000"/>
+                      </a:solidFill>
+                      <a:prstDash val="solid"/>
+                      <a:round/>
+                      <a:headEnd type="none" w="med" len="med"/>
+                      <a:tailEnd type="none" w="med" len="med"/>
+                    </a:lnB>
+                  </a:tcPr>
+                </a:tc>
+                <a:tc>
+                  <a:txBody>
+                    <a:bodyPr/>
+                    <a:lstStyle/>
+                    <a:p>
+                      <a:pPr algn="l" fontAlgn="b"/>
+                      <a:r>
+                        <a:rPr lang="en-US" sz="1000" b="0" i="0" u="none" strike="noStrike">
+                          <a:solidFill>
+                            <a:srgbClr val="000000"/>
+                          </a:solidFill>
+                          <a:effectLst/>
+                          <a:latin typeface="Calibri" panose="020F0502020204030204" pitchFamily="34" charset="0"/>
+                        </a:rPr>
+                        <a:t> </a:t>
+                      </a:r>
+                    </a:p>
+                  </a:txBody>
+                  <a:tcPr marL="8865" marR="8865" marT="8865" marB="0" anchor="b">
+                    <a:lnL w="6350" cap="flat" cmpd="sng" algn="ctr">
+                      <a:solidFill>
+                        <a:srgbClr val="000000"/>
+                      </a:solidFill>
+                      <a:prstDash val="solid"/>
+                      <a:round/>
+                      <a:headEnd type="none" w="med" len="med"/>
+                      <a:tailEnd type="none" w="med" len="med"/>
+                    </a:lnL>
+                    <a:lnR w="6350" cap="flat" cmpd="sng" algn="ctr">
+                      <a:solidFill>
+                        <a:srgbClr val="000000"/>
+                      </a:solidFill>
+                      <a:prstDash val="solid"/>
+                      <a:round/>
+                      <a:headEnd type="none" w="med" len="med"/>
+                      <a:tailEnd type="none" w="med" len="med"/>
+                    </a:lnR>
+                    <a:lnT w="6350" cap="flat" cmpd="sng" algn="ctr">
+                      <a:solidFill>
+                        <a:srgbClr val="000000"/>
+                      </a:solidFill>
+                      <a:prstDash val="solid"/>
+                      <a:round/>
+                      <a:headEnd type="none" w="med" len="med"/>
+                      <a:tailEnd type="none" w="med" len="med"/>
+                    </a:lnT>
+                    <a:lnB w="6350" cap="flat" cmpd="sng" algn="ctr">
+                      <a:solidFill>
+                        <a:srgbClr val="000000"/>
+                      </a:solidFill>
+                      <a:prstDash val="solid"/>
+                      <a:round/>
+                      <a:headEnd type="none" w="med" len="med"/>
+                      <a:tailEnd type="none" w="med" len="med"/>
+                    </a:lnB>
+                  </a:tcPr>
+                </a:tc>
+                <a:tc>
+                  <a:txBody>
+                    <a:bodyPr/>
+                    <a:lstStyle/>
+                    <a:p>
+                      <a:pPr algn="l" fontAlgn="b"/>
+                      <a:r>
+                        <a:rPr lang="en-US" sz="1000" b="0" i="0" u="none" strike="noStrike">
+                          <a:solidFill>
+                            <a:srgbClr val="000000"/>
+                          </a:solidFill>
+                          <a:effectLst/>
+                          <a:latin typeface="Calibri" panose="020F0502020204030204" pitchFamily="34" charset="0"/>
+                        </a:rPr>
+                        <a:t> </a:t>
+                      </a:r>
+                    </a:p>
+                  </a:txBody>
+                  <a:tcPr marL="8865" marR="8865" marT="8865" marB="0" anchor="b">
+                    <a:lnL w="6350" cap="flat" cmpd="sng" algn="ctr">
+                      <a:solidFill>
+                        <a:srgbClr val="000000"/>
+                      </a:solidFill>
+                      <a:prstDash val="solid"/>
+                      <a:round/>
+                      <a:headEnd type="none" w="med" len="med"/>
+                      <a:tailEnd type="none" w="med" len="med"/>
+                    </a:lnL>
+                    <a:lnR w="6350" cap="flat" cmpd="sng" algn="ctr">
+                      <a:solidFill>
+                        <a:srgbClr val="000000"/>
+                      </a:solidFill>
+                      <a:prstDash val="solid"/>
+                      <a:round/>
+                      <a:headEnd type="none" w="med" len="med"/>
+                      <a:tailEnd type="none" w="med" len="med"/>
+                    </a:lnR>
+                    <a:lnT w="6350" cap="flat" cmpd="sng" algn="ctr">
+                      <a:solidFill>
+                        <a:srgbClr val="000000"/>
+                      </a:solidFill>
+                      <a:prstDash val="solid"/>
+                      <a:round/>
+                      <a:headEnd type="none" w="med" len="med"/>
+                      <a:tailEnd type="none" w="med" len="med"/>
+                    </a:lnT>
+                    <a:lnB w="6350" cap="flat" cmpd="sng" algn="ctr">
+                      <a:solidFill>
+                        <a:srgbClr val="000000"/>
+                      </a:solidFill>
+                      <a:prstDash val="solid"/>
+                      <a:round/>
+                      <a:headEnd type="none" w="med" len="med"/>
+                      <a:tailEnd type="none" w="med" len="med"/>
+                    </a:lnB>
+                  </a:tcPr>
+                </a:tc>
+                <a:tc>
+                  <a:txBody>
+                    <a:bodyPr/>
+                    <a:lstStyle/>
+                    <a:p>
+                      <a:pPr algn="l" fontAlgn="b"/>
+                      <a:r>
+                        <a:rPr lang="en-US" sz="1000" b="0" i="0" u="none" strike="noStrike">
+                          <a:solidFill>
+                            <a:srgbClr val="000000"/>
+                          </a:solidFill>
+                          <a:effectLst/>
+                          <a:latin typeface="Calibri" panose="020F0502020204030204" pitchFamily="34" charset="0"/>
+                        </a:rPr>
+                        <a:t> </a:t>
+                      </a:r>
+                    </a:p>
+                  </a:txBody>
+                  <a:tcPr marL="8865" marR="8865" marT="8865" marB="0" anchor="b">
+                    <a:lnL w="6350" cap="flat" cmpd="sng" algn="ctr">
+                      <a:solidFill>
+                        <a:srgbClr val="000000"/>
+                      </a:solidFill>
+                      <a:prstDash val="solid"/>
+                      <a:round/>
+                      <a:headEnd type="none" w="med" len="med"/>
+                      <a:tailEnd type="none" w="med" len="med"/>
+                    </a:lnL>
+                    <a:lnR w="12700" cap="flat" cmpd="sng" algn="ctr">
+                      <a:solidFill>
+                        <a:srgbClr val="000000"/>
+                      </a:solidFill>
+                      <a:prstDash val="solid"/>
+                      <a:round/>
+                      <a:headEnd type="none" w="med" len="med"/>
+                      <a:tailEnd type="none" w="med" len="med"/>
+                    </a:lnR>
+                    <a:lnT w="6350" cap="flat" cmpd="sng" algn="ctr">
+                      <a:solidFill>
+                        <a:srgbClr val="000000"/>
+                      </a:solidFill>
+                      <a:prstDash val="solid"/>
+                      <a:round/>
+                      <a:headEnd type="none" w="med" len="med"/>
+                      <a:tailEnd type="none" w="med" len="med"/>
+                    </a:lnT>
+                    <a:lnB w="6350" cap="flat" cmpd="sng" algn="ctr">
+                      <a:solidFill>
+                        <a:srgbClr val="000000"/>
+                      </a:solidFill>
+                      <a:prstDash val="solid"/>
+                      <a:round/>
+                      <a:headEnd type="none" w="med" len="med"/>
+                      <a:tailEnd type="none" w="med" len="med"/>
+                    </a:lnB>
+                  </a:tcPr>
+                </a:tc>
+              </a:tr>
+              <a:tr h="408969">
+                <a:tc>
+                  <a:txBody>
+                    <a:bodyPr/>
+                    <a:lstStyle/>
+                    <a:p>
+                      <a:pPr algn="l" fontAlgn="b"/>
+                      <a:r>
+                        <a:rPr lang="en-US" sz="1000" b="0" i="1" u="none" strike="noStrike">
+                          <a:solidFill>
+                            <a:srgbClr val="000000"/>
+                          </a:solidFill>
+                          <a:effectLst/>
+                          <a:latin typeface="Calibri" panose="020F0502020204030204" pitchFamily="34" charset="0"/>
+                        </a:rPr>
+                        <a:t>submit the results of the proposed method to a conference (*)</a:t>
+                      </a:r>
+                    </a:p>
+                  </a:txBody>
+                  <a:tcPr marL="8865" marR="8865" marT="8865" marB="0" anchor="b">
+                    <a:lnL w="12700" cap="flat" cmpd="sng" algn="ctr">
+                      <a:solidFill>
+                        <a:srgbClr val="000000"/>
+                      </a:solidFill>
+                      <a:prstDash val="solid"/>
+                      <a:round/>
+                      <a:headEnd type="none" w="med" len="med"/>
+                      <a:tailEnd type="none" w="med" len="med"/>
+                    </a:lnL>
+                    <a:lnR w="12700" cap="flat" cmpd="sng" algn="ctr">
+                      <a:solidFill>
+                        <a:srgbClr val="000000"/>
+                      </a:solidFill>
+                      <a:prstDash val="solid"/>
+                      <a:round/>
+                      <a:headEnd type="none" w="med" len="med"/>
+                      <a:tailEnd type="none" w="med" len="med"/>
+                    </a:lnR>
+                    <a:lnT w="6350" cap="flat" cmpd="sng" algn="ctr">
+                      <a:solidFill>
+                        <a:srgbClr val="000000"/>
+                      </a:solidFill>
+                      <a:prstDash val="solid"/>
+                      <a:round/>
+                      <a:headEnd type="none" w="med" len="med"/>
+                      <a:tailEnd type="none" w="med" len="med"/>
+                    </a:lnT>
+                    <a:lnB w="6350" cap="flat" cmpd="sng" algn="ctr">
+                      <a:solidFill>
+                        <a:srgbClr val="000000"/>
+                      </a:solidFill>
+                      <a:prstDash val="solid"/>
+                      <a:round/>
+                      <a:headEnd type="none" w="med" len="med"/>
+                      <a:tailEnd type="none" w="med" len="med"/>
+                    </a:lnB>
+                  </a:tcPr>
+                </a:tc>
+                <a:tc>
+                  <a:txBody>
+                    <a:bodyPr/>
+                    <a:lstStyle/>
+                    <a:p>
+                      <a:pPr algn="l" fontAlgn="b"/>
+                      <a:r>
+                        <a:rPr lang="en-US" sz="1000" b="0" i="0" u="none" strike="noStrike">
+                          <a:solidFill>
+                            <a:srgbClr val="000000"/>
+                          </a:solidFill>
+                          <a:effectLst/>
+                          <a:latin typeface="Calibri" panose="020F0502020204030204" pitchFamily="34" charset="0"/>
+                        </a:rPr>
+                        <a:t> </a:t>
+                      </a:r>
+                    </a:p>
+                  </a:txBody>
+                  <a:tcPr marL="8865" marR="8865" marT="8865" marB="0" anchor="b">
+                    <a:lnL w="12700" cap="flat" cmpd="sng" algn="ctr">
+                      <a:solidFill>
+                        <a:srgbClr val="000000"/>
+                      </a:solidFill>
+                      <a:prstDash val="solid"/>
+                      <a:round/>
+                      <a:headEnd type="none" w="med" len="med"/>
+                      <a:tailEnd type="none" w="med" len="med"/>
+                    </a:lnL>
+                    <a:lnR w="6350" cap="flat" cmpd="sng" algn="ctr">
+                      <a:solidFill>
+                        <a:srgbClr val="000000"/>
+                      </a:solidFill>
+                      <a:prstDash val="solid"/>
+                      <a:round/>
+                      <a:headEnd type="none" w="med" len="med"/>
+                      <a:tailEnd type="none" w="med" len="med"/>
+                    </a:lnR>
+                    <a:lnT w="6350" cap="flat" cmpd="sng" algn="ctr">
+                      <a:solidFill>
+                        <a:srgbClr val="000000"/>
+                      </a:solidFill>
+                      <a:prstDash val="solid"/>
+                      <a:round/>
+                      <a:headEnd type="none" w="med" len="med"/>
+                      <a:tailEnd type="none" w="med" len="med"/>
+                    </a:lnT>
+                    <a:lnB w="6350" cap="flat" cmpd="sng" algn="ctr">
+                      <a:solidFill>
+                        <a:srgbClr val="000000"/>
+                      </a:solidFill>
+                      <a:prstDash val="solid"/>
+                      <a:round/>
+                      <a:headEnd type="none" w="med" len="med"/>
+                      <a:tailEnd type="none" w="med" len="med"/>
+                    </a:lnB>
+                  </a:tcPr>
+                </a:tc>
+                <a:tc>
+                  <a:txBody>
+                    <a:bodyPr/>
+                    <a:lstStyle/>
+                    <a:p>
+                      <a:pPr algn="l" fontAlgn="b"/>
+                      <a:r>
+                        <a:rPr lang="en-US" sz="1000" b="0" i="0" u="none" strike="noStrike">
+                          <a:solidFill>
+                            <a:srgbClr val="000000"/>
+                          </a:solidFill>
+                          <a:effectLst/>
+                          <a:latin typeface="Calibri" panose="020F0502020204030204" pitchFamily="34" charset="0"/>
+                        </a:rPr>
+                        <a:t> </a:t>
+                      </a:r>
+                    </a:p>
+                  </a:txBody>
+                  <a:tcPr marL="8865" marR="8865" marT="8865" marB="0" anchor="b">
+                    <a:lnL w="6350" cap="flat" cmpd="sng" algn="ctr">
+                      <a:solidFill>
+                        <a:srgbClr val="000000"/>
+                      </a:solidFill>
+                      <a:prstDash val="solid"/>
+                      <a:round/>
+                      <a:headEnd type="none" w="med" len="med"/>
+                      <a:tailEnd type="none" w="med" len="med"/>
+                    </a:lnL>
+                    <a:lnR w="6350" cap="flat" cmpd="sng" algn="ctr">
+                      <a:solidFill>
+                        <a:srgbClr val="000000"/>
+                      </a:solidFill>
+                      <a:prstDash val="solid"/>
+                      <a:round/>
+                      <a:headEnd type="none" w="med" len="med"/>
+                      <a:tailEnd type="none" w="med" len="med"/>
+                    </a:lnR>
+                    <a:lnT w="6350" cap="flat" cmpd="sng" algn="ctr">
+                      <a:solidFill>
+                        <a:srgbClr val="000000"/>
+                      </a:solidFill>
+                      <a:prstDash val="solid"/>
+                      <a:round/>
+                      <a:headEnd type="none" w="med" len="med"/>
+                      <a:tailEnd type="none" w="med" len="med"/>
+                    </a:lnT>
+                    <a:lnB w="6350" cap="flat" cmpd="sng" algn="ctr">
+                      <a:solidFill>
+                        <a:srgbClr val="000000"/>
+                      </a:solidFill>
+                      <a:prstDash val="solid"/>
+                      <a:round/>
+                      <a:headEnd type="none" w="med" len="med"/>
+                      <a:tailEnd type="none" w="med" len="med"/>
+                    </a:lnB>
+                  </a:tcPr>
+                </a:tc>
+                <a:tc>
+                  <a:txBody>
+                    <a:bodyPr/>
+                    <a:lstStyle/>
+                    <a:p>
+                      <a:pPr algn="l" fontAlgn="b"/>
+                      <a:r>
+                        <a:rPr lang="en-US" sz="1000" b="0" i="0" u="none" strike="noStrike">
+                          <a:solidFill>
+                            <a:srgbClr val="000000"/>
+                          </a:solidFill>
+                          <a:effectLst/>
+                          <a:latin typeface="Calibri" panose="020F0502020204030204" pitchFamily="34" charset="0"/>
+                        </a:rPr>
+                        <a:t> </a:t>
+                      </a:r>
+                    </a:p>
+                  </a:txBody>
+                  <a:tcPr marL="8865" marR="8865" marT="8865" marB="0" anchor="b">
+                    <a:lnL w="6350" cap="flat" cmpd="sng" algn="ctr">
+                      <a:solidFill>
+                        <a:srgbClr val="000000"/>
+                      </a:solidFill>
+                      <a:prstDash val="solid"/>
+                      <a:round/>
+                      <a:headEnd type="none" w="med" len="med"/>
+                      <a:tailEnd type="none" w="med" len="med"/>
+                    </a:lnL>
+                    <a:lnR w="6350" cap="flat" cmpd="sng" algn="ctr">
+                      <a:solidFill>
+                        <a:srgbClr val="000000"/>
+                      </a:solidFill>
+                      <a:prstDash val="solid"/>
+                      <a:round/>
+                      <a:headEnd type="none" w="med" len="med"/>
+                      <a:tailEnd type="none" w="med" len="med"/>
+                    </a:lnR>
+                    <a:lnT w="6350" cap="flat" cmpd="sng" algn="ctr">
+                      <a:solidFill>
+                        <a:srgbClr val="000000"/>
+                      </a:solidFill>
+                      <a:prstDash val="solid"/>
+                      <a:round/>
+                      <a:headEnd type="none" w="med" len="med"/>
+                      <a:tailEnd type="none" w="med" len="med"/>
+                    </a:lnT>
+                    <a:lnB w="6350" cap="flat" cmpd="sng" algn="ctr">
+                      <a:solidFill>
+                        <a:srgbClr val="000000"/>
+                      </a:solidFill>
+                      <a:prstDash val="solid"/>
+                      <a:round/>
+                      <a:headEnd type="none" w="med" len="med"/>
+                      <a:tailEnd type="none" w="med" len="med"/>
+                    </a:lnB>
+                  </a:tcPr>
+                </a:tc>
+                <a:tc>
+                  <a:txBody>
+                    <a:bodyPr/>
+                    <a:lstStyle/>
+                    <a:p>
+                      <a:pPr algn="l" fontAlgn="b"/>
+                      <a:r>
+                        <a:rPr lang="en-US" sz="1000" b="0" i="0" u="none" strike="noStrike">
+                          <a:solidFill>
+                            <a:srgbClr val="000000"/>
+                          </a:solidFill>
+                          <a:effectLst/>
+                          <a:latin typeface="Calibri" panose="020F0502020204030204" pitchFamily="34" charset="0"/>
+                        </a:rPr>
+                        <a:t> </a:t>
+                      </a:r>
+                    </a:p>
+                  </a:txBody>
+                  <a:tcPr marL="8865" marR="8865" marT="8865" marB="0" anchor="b">
+                    <a:lnL w="6350" cap="flat" cmpd="sng" algn="ctr">
+                      <a:solidFill>
+                        <a:srgbClr val="000000"/>
+                      </a:solidFill>
+                      <a:prstDash val="solid"/>
+                      <a:round/>
+                      <a:headEnd type="none" w="med" len="med"/>
+                      <a:tailEnd type="none" w="med" len="med"/>
+                    </a:lnL>
+                    <a:lnR w="6350" cap="flat" cmpd="sng" algn="ctr">
+                      <a:solidFill>
+                        <a:srgbClr val="000000"/>
+                      </a:solidFill>
+                      <a:prstDash val="solid"/>
+                      <a:round/>
+                      <a:headEnd type="none" w="med" len="med"/>
+                      <a:tailEnd type="none" w="med" len="med"/>
+                    </a:lnR>
+                    <a:lnT w="6350" cap="flat" cmpd="sng" algn="ctr">
+                      <a:solidFill>
+                        <a:srgbClr val="000000"/>
+                      </a:solidFill>
+                      <a:prstDash val="solid"/>
+                      <a:round/>
+                      <a:headEnd type="none" w="med" len="med"/>
+                      <a:tailEnd type="none" w="med" len="med"/>
+                    </a:lnT>
+                    <a:lnB w="6350" cap="flat" cmpd="sng" algn="ctr">
+                      <a:solidFill>
+                        <a:srgbClr val="000000"/>
+                      </a:solidFill>
+                      <a:prstDash val="solid"/>
+                      <a:round/>
+                      <a:headEnd type="none" w="med" len="med"/>
+                      <a:tailEnd type="none" w="med" len="med"/>
+                    </a:lnB>
+                  </a:tcPr>
+                </a:tc>
+                <a:tc>
+                  <a:txBody>
+                    <a:bodyPr/>
+                    <a:lstStyle/>
+                    <a:p>
+                      <a:pPr algn="ctr" fontAlgn="ctr"/>
+                      <a:r>
+                        <a:rPr lang="en-US" sz="1000" b="0" i="0" u="none" strike="noStrike">
+                          <a:solidFill>
+                            <a:srgbClr val="000000"/>
+                          </a:solidFill>
+                          <a:effectLst/>
+                          <a:latin typeface="Calibri" panose="020F0502020204030204" pitchFamily="34" charset="0"/>
+                        </a:rPr>
+                        <a:t>x</a:t>
+                      </a:r>
+                    </a:p>
+                  </a:txBody>
+                  <a:tcPr marL="8865" marR="8865" marT="8865" marB="0" anchor="ctr">
+                    <a:lnL w="6350" cap="flat" cmpd="sng" algn="ctr">
+                      <a:solidFill>
+                        <a:srgbClr val="000000"/>
+                      </a:solidFill>
+                      <a:prstDash val="solid"/>
+                      <a:round/>
+                      <a:headEnd type="none" w="med" len="med"/>
+                      <a:tailEnd type="none" w="med" len="med"/>
+                    </a:lnL>
+                    <a:lnR w="6350" cap="flat" cmpd="sng" algn="ctr">
+                      <a:solidFill>
+                        <a:srgbClr val="000000"/>
+                      </a:solidFill>
+                      <a:prstDash val="solid"/>
+                      <a:round/>
+                      <a:headEnd type="none" w="med" len="med"/>
+                      <a:tailEnd type="none" w="med" len="med"/>
+                    </a:lnR>
+                    <a:lnT w="6350" cap="flat" cmpd="sng" algn="ctr">
+                      <a:solidFill>
+                        <a:srgbClr val="000000"/>
+                      </a:solidFill>
+                      <a:prstDash val="solid"/>
+                      <a:round/>
+                      <a:headEnd type="none" w="med" len="med"/>
+                      <a:tailEnd type="none" w="med" len="med"/>
+                    </a:lnT>
+                    <a:lnB w="6350" cap="flat" cmpd="sng" algn="ctr">
+                      <a:solidFill>
+                        <a:srgbClr val="000000"/>
+                      </a:solidFill>
+                      <a:prstDash val="solid"/>
+                      <a:round/>
+                      <a:headEnd type="none" w="med" len="med"/>
+                      <a:tailEnd type="none" w="med" len="med"/>
+                    </a:lnB>
+                    <a:solidFill>
+                      <a:srgbClr val="DAEEF3"/>
+                    </a:solidFill>
+                  </a:tcPr>
+                </a:tc>
+                <a:tc>
+                  <a:txBody>
+                    <a:bodyPr/>
+                    <a:lstStyle/>
+                    <a:p>
+                      <a:pPr algn="ctr" fontAlgn="ctr"/>
+                      <a:r>
+                        <a:rPr lang="en-US" sz="1000" b="0" i="0" u="none" strike="noStrike">
+                          <a:solidFill>
+                            <a:srgbClr val="000000"/>
+                          </a:solidFill>
+                          <a:effectLst/>
+                          <a:latin typeface="Calibri" panose="020F0502020204030204" pitchFamily="34" charset="0"/>
+                        </a:rPr>
+                        <a:t>x</a:t>
+                      </a:r>
+                    </a:p>
+                  </a:txBody>
+                  <a:tcPr marL="8865" marR="8865" marT="8865" marB="0" anchor="ctr">
+                    <a:lnL w="6350" cap="flat" cmpd="sng" algn="ctr">
+                      <a:solidFill>
+                        <a:srgbClr val="000000"/>
+                      </a:solidFill>
+                      <a:prstDash val="solid"/>
+                      <a:round/>
+                      <a:headEnd type="none" w="med" len="med"/>
+                      <a:tailEnd type="none" w="med" len="med"/>
+                    </a:lnL>
+                    <a:lnR w="6350" cap="flat" cmpd="sng" algn="ctr">
+                      <a:solidFill>
+                        <a:srgbClr val="000000"/>
+                      </a:solidFill>
+                      <a:prstDash val="solid"/>
+                      <a:round/>
+                      <a:headEnd type="none" w="med" len="med"/>
+                      <a:tailEnd type="none" w="med" len="med"/>
+                    </a:lnR>
+                    <a:lnT w="6350" cap="flat" cmpd="sng" algn="ctr">
+                      <a:solidFill>
+                        <a:srgbClr val="000000"/>
+                      </a:solidFill>
+                      <a:prstDash val="solid"/>
+                      <a:round/>
+                      <a:headEnd type="none" w="med" len="med"/>
+                      <a:tailEnd type="none" w="med" len="med"/>
+                    </a:lnT>
+                    <a:lnB w="6350" cap="flat" cmpd="sng" algn="ctr">
+                      <a:solidFill>
+                        <a:srgbClr val="000000"/>
+                      </a:solidFill>
+                      <a:prstDash val="solid"/>
+                      <a:round/>
+                      <a:headEnd type="none" w="med" len="med"/>
+                      <a:tailEnd type="none" w="med" len="med"/>
+                    </a:lnB>
+                    <a:solidFill>
+                      <a:srgbClr val="DAEEF3"/>
+                    </a:solidFill>
+                  </a:tcPr>
+                </a:tc>
+                <a:tc>
+                  <a:txBody>
+                    <a:bodyPr/>
+                    <a:lstStyle/>
+                    <a:p>
+                      <a:pPr algn="l" fontAlgn="b"/>
+                      <a:r>
+                        <a:rPr lang="en-US" sz="1000" b="0" i="0" u="none" strike="noStrike">
+                          <a:solidFill>
+                            <a:srgbClr val="000000"/>
+                          </a:solidFill>
+                          <a:effectLst/>
+                          <a:latin typeface="Calibri" panose="020F0502020204030204" pitchFamily="34" charset="0"/>
+                        </a:rPr>
+                        <a:t> </a:t>
+                      </a:r>
+                    </a:p>
+                  </a:txBody>
+                  <a:tcPr marL="8865" marR="8865" marT="8865" marB="0" anchor="b">
+                    <a:lnL w="6350" cap="flat" cmpd="sng" algn="ctr">
+                      <a:solidFill>
+                        <a:srgbClr val="000000"/>
+                      </a:solidFill>
+                      <a:prstDash val="solid"/>
+                      <a:round/>
+                      <a:headEnd type="none" w="med" len="med"/>
+                      <a:tailEnd type="none" w="med" len="med"/>
+                    </a:lnL>
+                    <a:lnR w="6350" cap="flat" cmpd="sng" algn="ctr">
+                      <a:solidFill>
+                        <a:srgbClr val="000000"/>
+                      </a:solidFill>
+                      <a:prstDash val="solid"/>
+                      <a:round/>
+                      <a:headEnd type="none" w="med" len="med"/>
+                      <a:tailEnd type="none" w="med" len="med"/>
+                    </a:lnR>
+                    <a:lnT w="6350" cap="flat" cmpd="sng" algn="ctr">
+                      <a:solidFill>
+                        <a:srgbClr val="000000"/>
+                      </a:solidFill>
+                      <a:prstDash val="solid"/>
+                      <a:round/>
+                      <a:headEnd type="none" w="med" len="med"/>
+                      <a:tailEnd type="none" w="med" len="med"/>
+                    </a:lnT>
+                    <a:lnB w="6350" cap="flat" cmpd="sng" algn="ctr">
+                      <a:solidFill>
+                        <a:srgbClr val="000000"/>
+                      </a:solidFill>
+                      <a:prstDash val="solid"/>
+                      <a:round/>
+                      <a:headEnd type="none" w="med" len="med"/>
+                      <a:tailEnd type="none" w="med" len="med"/>
+                    </a:lnB>
+                  </a:tcPr>
+                </a:tc>
+                <a:tc>
+                  <a:txBody>
+                    <a:bodyPr/>
+                    <a:lstStyle/>
+                    <a:p>
+                      <a:pPr algn="l" fontAlgn="b"/>
+                      <a:r>
+                        <a:rPr lang="en-US" sz="1000" b="0" i="0" u="none" strike="noStrike">
+                          <a:solidFill>
+                            <a:srgbClr val="000000"/>
+                          </a:solidFill>
+                          <a:effectLst/>
+                          <a:latin typeface="Calibri" panose="020F0502020204030204" pitchFamily="34" charset="0"/>
+                        </a:rPr>
+                        <a:t> </a:t>
+                      </a:r>
+                    </a:p>
+                  </a:txBody>
+                  <a:tcPr marL="8865" marR="8865" marT="8865" marB="0" anchor="b">
+                    <a:lnL w="6350" cap="flat" cmpd="sng" algn="ctr">
+                      <a:solidFill>
+                        <a:srgbClr val="000000"/>
+                      </a:solidFill>
+                      <a:prstDash val="solid"/>
+                      <a:round/>
+                      <a:headEnd type="none" w="med" len="med"/>
+                      <a:tailEnd type="none" w="med" len="med"/>
+                    </a:lnL>
+                    <a:lnR w="6350" cap="flat" cmpd="sng" algn="ctr">
+                      <a:solidFill>
+                        <a:srgbClr val="000000"/>
+                      </a:solidFill>
+                      <a:prstDash val="solid"/>
+                      <a:round/>
+                      <a:headEnd type="none" w="med" len="med"/>
+                      <a:tailEnd type="none" w="med" len="med"/>
+                    </a:lnR>
+                    <a:lnT w="6350" cap="flat" cmpd="sng" algn="ctr">
+                      <a:solidFill>
+                        <a:srgbClr val="000000"/>
+                      </a:solidFill>
+                      <a:prstDash val="solid"/>
+                      <a:round/>
+                      <a:headEnd type="none" w="med" len="med"/>
+                      <a:tailEnd type="none" w="med" len="med"/>
+                    </a:lnT>
+                    <a:lnB w="6350" cap="flat" cmpd="sng" algn="ctr">
+                      <a:solidFill>
+                        <a:srgbClr val="000000"/>
+                      </a:solidFill>
+                      <a:prstDash val="solid"/>
+                      <a:round/>
+                      <a:headEnd type="none" w="med" len="med"/>
+                      <a:tailEnd type="none" w="med" len="med"/>
+                    </a:lnB>
+                  </a:tcPr>
+                </a:tc>
+                <a:tc>
+                  <a:txBody>
+                    <a:bodyPr/>
+                    <a:lstStyle/>
+                    <a:p>
+                      <a:pPr algn="l" fontAlgn="b"/>
+                      <a:r>
+                        <a:rPr lang="en-US" sz="1000" b="0" i="0" u="none" strike="noStrike">
+                          <a:solidFill>
+                            <a:srgbClr val="000000"/>
+                          </a:solidFill>
+                          <a:effectLst/>
+                          <a:latin typeface="Calibri" panose="020F0502020204030204" pitchFamily="34" charset="0"/>
+                        </a:rPr>
+                        <a:t> </a:t>
+                      </a:r>
+                    </a:p>
+                  </a:txBody>
+                  <a:tcPr marL="8865" marR="8865" marT="8865" marB="0" anchor="b">
+                    <a:lnL w="6350" cap="flat" cmpd="sng" algn="ctr">
+                      <a:solidFill>
+                        <a:srgbClr val="000000"/>
+                      </a:solidFill>
+                      <a:prstDash val="solid"/>
+                      <a:round/>
+                      <a:headEnd type="none" w="med" len="med"/>
+                      <a:tailEnd type="none" w="med" len="med"/>
+                    </a:lnL>
+                    <a:lnR w="6350" cap="flat" cmpd="sng" algn="ctr">
+                      <a:solidFill>
+                        <a:srgbClr val="000000"/>
+                      </a:solidFill>
+                      <a:prstDash val="solid"/>
+                      <a:round/>
+                      <a:headEnd type="none" w="med" len="med"/>
+                      <a:tailEnd type="none" w="med" len="med"/>
+                    </a:lnR>
+                    <a:lnT w="6350" cap="flat" cmpd="sng" algn="ctr">
+                      <a:solidFill>
+                        <a:srgbClr val="000000"/>
+                      </a:solidFill>
+                      <a:prstDash val="solid"/>
+                      <a:round/>
+                      <a:headEnd type="none" w="med" len="med"/>
+                      <a:tailEnd type="none" w="med" len="med"/>
+                    </a:lnT>
+                    <a:lnB w="6350" cap="flat" cmpd="sng" algn="ctr">
+                      <a:solidFill>
+                        <a:srgbClr val="000000"/>
+                      </a:solidFill>
+                      <a:prstDash val="solid"/>
+                      <a:round/>
+                      <a:headEnd type="none" w="med" len="med"/>
+                      <a:tailEnd type="none" w="med" len="med"/>
+                    </a:lnB>
+                  </a:tcPr>
+                </a:tc>
+                <a:tc>
+                  <a:txBody>
+                    <a:bodyPr/>
+                    <a:lstStyle/>
+                    <a:p>
+                      <a:pPr algn="l" fontAlgn="b"/>
+                      <a:r>
+                        <a:rPr lang="en-US" sz="1000" b="0" i="0" u="none" strike="noStrike">
+                          <a:solidFill>
+                            <a:srgbClr val="000000"/>
+                          </a:solidFill>
+                          <a:effectLst/>
+                          <a:latin typeface="Calibri" panose="020F0502020204030204" pitchFamily="34" charset="0"/>
+                        </a:rPr>
+                        <a:t> </a:t>
+                      </a:r>
+                    </a:p>
+                  </a:txBody>
+                  <a:tcPr marL="8865" marR="8865" marT="8865" marB="0" anchor="b">
+                    <a:lnL w="6350" cap="flat" cmpd="sng" algn="ctr">
+                      <a:solidFill>
+                        <a:srgbClr val="000000"/>
+                      </a:solidFill>
+                      <a:prstDash val="solid"/>
+                      <a:round/>
+                      <a:headEnd type="none" w="med" len="med"/>
+                      <a:tailEnd type="none" w="med" len="med"/>
+                    </a:lnL>
+                    <a:lnR w="6350" cap="flat" cmpd="sng" algn="ctr">
+                      <a:solidFill>
+                        <a:srgbClr val="000000"/>
+                      </a:solidFill>
+                      <a:prstDash val="solid"/>
+                      <a:round/>
+                      <a:headEnd type="none" w="med" len="med"/>
+                      <a:tailEnd type="none" w="med" len="med"/>
+                    </a:lnR>
+                    <a:lnT w="6350" cap="flat" cmpd="sng" algn="ctr">
+                      <a:solidFill>
+                        <a:srgbClr val="000000"/>
+                      </a:solidFill>
+                      <a:prstDash val="solid"/>
+                      <a:round/>
+                      <a:headEnd type="none" w="med" len="med"/>
+                      <a:tailEnd type="none" w="med" len="med"/>
+                    </a:lnT>
+                    <a:lnB w="6350" cap="flat" cmpd="sng" algn="ctr">
+                      <a:solidFill>
+                        <a:srgbClr val="000000"/>
+                      </a:solidFill>
+                      <a:prstDash val="solid"/>
+                      <a:round/>
+                      <a:headEnd type="none" w="med" len="med"/>
+                      <a:tailEnd type="none" w="med" len="med"/>
+                    </a:lnB>
+                  </a:tcPr>
+                </a:tc>
+                <a:tc>
+                  <a:txBody>
+                    <a:bodyPr/>
+                    <a:lstStyle/>
+                    <a:p>
+                      <a:pPr algn="l" fontAlgn="b"/>
+                      <a:r>
+                        <a:rPr lang="en-US" sz="1000" b="0" i="0" u="none" strike="noStrike">
+                          <a:solidFill>
+                            <a:srgbClr val="000000"/>
+                          </a:solidFill>
+                          <a:effectLst/>
+                          <a:latin typeface="Calibri" panose="020F0502020204030204" pitchFamily="34" charset="0"/>
+                        </a:rPr>
+                        <a:t> </a:t>
+                      </a:r>
+                    </a:p>
+                  </a:txBody>
+                  <a:tcPr marL="8865" marR="8865" marT="8865" marB="0" anchor="b">
+                    <a:lnL w="6350" cap="flat" cmpd="sng" algn="ctr">
+                      <a:solidFill>
+                        <a:srgbClr val="000000"/>
+                      </a:solidFill>
+                      <a:prstDash val="solid"/>
+                      <a:round/>
+                      <a:headEnd type="none" w="med" len="med"/>
+                      <a:tailEnd type="none" w="med" len="med"/>
+                    </a:lnL>
+                    <a:lnR w="6350" cap="flat" cmpd="sng" algn="ctr">
+                      <a:solidFill>
+                        <a:srgbClr val="000000"/>
+                      </a:solidFill>
+                      <a:prstDash val="solid"/>
+                      <a:round/>
+                      <a:headEnd type="none" w="med" len="med"/>
+                      <a:tailEnd type="none" w="med" len="med"/>
+                    </a:lnR>
+                    <a:lnT w="6350" cap="flat" cmpd="sng" algn="ctr">
+                      <a:solidFill>
+                        <a:srgbClr val="000000"/>
+                      </a:solidFill>
+                      <a:prstDash val="solid"/>
+                      <a:round/>
+                      <a:headEnd type="none" w="med" len="med"/>
+                      <a:tailEnd type="none" w="med" len="med"/>
+                    </a:lnT>
+                    <a:lnB w="6350" cap="flat" cmpd="sng" algn="ctr">
+                      <a:solidFill>
+                        <a:srgbClr val="000000"/>
+                      </a:solidFill>
+                      <a:prstDash val="solid"/>
+                      <a:round/>
+                      <a:headEnd type="none" w="med" len="med"/>
+                      <a:tailEnd type="none" w="med" len="med"/>
+                    </a:lnB>
+                  </a:tcPr>
+                </a:tc>
+                <a:tc>
+                  <a:txBody>
+                    <a:bodyPr/>
+                    <a:lstStyle/>
+                    <a:p>
+                      <a:pPr algn="l" fontAlgn="b"/>
+                      <a:r>
+                        <a:rPr lang="en-US" sz="1000" b="0" i="0" u="none" strike="noStrike">
+                          <a:solidFill>
+                            <a:srgbClr val="000000"/>
+                          </a:solidFill>
+                          <a:effectLst/>
+                          <a:latin typeface="Calibri" panose="020F0502020204030204" pitchFamily="34" charset="0"/>
+                        </a:rPr>
+                        <a:t> </a:t>
+                      </a:r>
+                    </a:p>
+                  </a:txBody>
+                  <a:tcPr marL="8865" marR="8865" marT="8865" marB="0" anchor="b">
+                    <a:lnL w="6350" cap="flat" cmpd="sng" algn="ctr">
+                      <a:solidFill>
+                        <a:srgbClr val="000000"/>
+                      </a:solidFill>
+                      <a:prstDash val="solid"/>
+                      <a:round/>
+                      <a:headEnd type="none" w="med" len="med"/>
+                      <a:tailEnd type="none" w="med" len="med"/>
+                    </a:lnL>
+                    <a:lnR w="12700" cap="flat" cmpd="sng" algn="ctr">
+                      <a:solidFill>
+                        <a:srgbClr val="000000"/>
+                      </a:solidFill>
+                      <a:prstDash val="solid"/>
+                      <a:round/>
+                      <a:headEnd type="none" w="med" len="med"/>
+                      <a:tailEnd type="none" w="med" len="med"/>
+                    </a:lnR>
+                    <a:lnT w="6350" cap="flat" cmpd="sng" algn="ctr">
+                      <a:solidFill>
+                        <a:srgbClr val="000000"/>
+                      </a:solidFill>
+                      <a:prstDash val="solid"/>
+                      <a:round/>
+                      <a:headEnd type="none" w="med" len="med"/>
+                      <a:tailEnd type="none" w="med" len="med"/>
+                    </a:lnT>
+                    <a:lnB w="6350" cap="flat" cmpd="sng" algn="ctr">
+                      <a:solidFill>
+                        <a:srgbClr val="000000"/>
+                      </a:solidFill>
+                      <a:prstDash val="solid"/>
+                      <a:round/>
+                      <a:headEnd type="none" w="med" len="med"/>
+                      <a:tailEnd type="none" w="med" len="med"/>
+                    </a:lnB>
+                  </a:tcPr>
+                </a:tc>
+              </a:tr>
+              <a:tr h="408969">
+                <a:tc>
+                  <a:txBody>
+                    <a:bodyPr/>
+                    <a:lstStyle/>
+                    <a:p>
+                      <a:pPr algn="l" fontAlgn="b"/>
+                      <a:r>
+                        <a:rPr lang="en-US" sz="1000" b="0" i="1" u="none" strike="noStrike">
+                          <a:solidFill>
+                            <a:srgbClr val="000000"/>
+                          </a:solidFill>
+                          <a:effectLst/>
+                          <a:latin typeface="Calibri" panose="020F0502020204030204" pitchFamily="34" charset="0"/>
+                        </a:rPr>
+                        <a:t>model the VSI and PMSM and simulate the proposed method </a:t>
+                      </a:r>
+                    </a:p>
+                  </a:txBody>
+                  <a:tcPr marL="8865" marR="8865" marT="8865" marB="0" anchor="b">
+                    <a:lnL w="12700" cap="flat" cmpd="sng" algn="ctr">
+                      <a:solidFill>
+                        <a:srgbClr val="000000"/>
+                      </a:solidFill>
+                      <a:prstDash val="solid"/>
+                      <a:round/>
+                      <a:headEnd type="none" w="med" len="med"/>
+                      <a:tailEnd type="none" w="med" len="med"/>
+                    </a:lnL>
+                    <a:lnR w="12700" cap="flat" cmpd="sng" algn="ctr">
+                      <a:solidFill>
+                        <a:srgbClr val="000000"/>
+                      </a:solidFill>
+                      <a:prstDash val="solid"/>
+                      <a:round/>
+                      <a:headEnd type="none" w="med" len="med"/>
+                      <a:tailEnd type="none" w="med" len="med"/>
+                    </a:lnR>
+                    <a:lnT w="6350" cap="flat" cmpd="sng" algn="ctr">
+                      <a:solidFill>
+                        <a:srgbClr val="000000"/>
+                      </a:solidFill>
+                      <a:prstDash val="solid"/>
+                      <a:round/>
+                      <a:headEnd type="none" w="med" len="med"/>
+                      <a:tailEnd type="none" w="med" len="med"/>
+                    </a:lnT>
+                    <a:lnB w="6350" cap="flat" cmpd="sng" algn="ctr">
+                      <a:solidFill>
+                        <a:srgbClr val="000000"/>
+                      </a:solidFill>
+                      <a:prstDash val="solid"/>
+                      <a:round/>
+                      <a:headEnd type="none" w="med" len="med"/>
+                      <a:tailEnd type="none" w="med" len="med"/>
+                    </a:lnB>
+                  </a:tcPr>
+                </a:tc>
+                <a:tc>
+                  <a:txBody>
+                    <a:bodyPr/>
+                    <a:lstStyle/>
+                    <a:p>
+                      <a:pPr algn="l" fontAlgn="b"/>
+                      <a:r>
+                        <a:rPr lang="en-US" sz="1000" b="0" i="0" u="none" strike="noStrike">
+                          <a:solidFill>
+                            <a:srgbClr val="000000"/>
+                          </a:solidFill>
+                          <a:effectLst/>
+                          <a:latin typeface="Calibri" panose="020F0502020204030204" pitchFamily="34" charset="0"/>
+                        </a:rPr>
+                        <a:t> </a:t>
+                      </a:r>
+                    </a:p>
+                  </a:txBody>
+                  <a:tcPr marL="8865" marR="8865" marT="8865" marB="0" anchor="b">
+                    <a:lnL w="12700" cap="flat" cmpd="sng" algn="ctr">
+                      <a:solidFill>
+                        <a:srgbClr val="000000"/>
+                      </a:solidFill>
+                      <a:prstDash val="solid"/>
+                      <a:round/>
+                      <a:headEnd type="none" w="med" len="med"/>
+                      <a:tailEnd type="none" w="med" len="med"/>
+                    </a:lnL>
+                    <a:lnR w="6350" cap="flat" cmpd="sng" algn="ctr">
+                      <a:solidFill>
+                        <a:srgbClr val="000000"/>
+                      </a:solidFill>
+                      <a:prstDash val="solid"/>
+                      <a:round/>
+                      <a:headEnd type="none" w="med" len="med"/>
+                      <a:tailEnd type="none" w="med" len="med"/>
+                    </a:lnR>
+                    <a:lnT w="6350" cap="flat" cmpd="sng" algn="ctr">
+                      <a:solidFill>
+                        <a:srgbClr val="000000"/>
+                      </a:solidFill>
+                      <a:prstDash val="solid"/>
+                      <a:round/>
+                      <a:headEnd type="none" w="med" len="med"/>
+                      <a:tailEnd type="none" w="med" len="med"/>
+                    </a:lnT>
+                    <a:lnB w="6350" cap="flat" cmpd="sng" algn="ctr">
+                      <a:solidFill>
+                        <a:srgbClr val="000000"/>
+                      </a:solidFill>
+                      <a:prstDash val="solid"/>
+                      <a:round/>
+                      <a:headEnd type="none" w="med" len="med"/>
+                      <a:tailEnd type="none" w="med" len="med"/>
+                    </a:lnB>
+                  </a:tcPr>
+                </a:tc>
+                <a:tc>
+                  <a:txBody>
+                    <a:bodyPr/>
+                    <a:lstStyle/>
+                    <a:p>
+                      <a:pPr algn="l" fontAlgn="b"/>
+                      <a:r>
+                        <a:rPr lang="en-US" sz="1000" b="0" i="0" u="none" strike="noStrike">
+                          <a:solidFill>
+                            <a:srgbClr val="000000"/>
+                          </a:solidFill>
+                          <a:effectLst/>
+                          <a:latin typeface="Calibri" panose="020F0502020204030204" pitchFamily="34" charset="0"/>
+                        </a:rPr>
+                        <a:t> </a:t>
+                      </a:r>
+                    </a:p>
+                  </a:txBody>
+                  <a:tcPr marL="8865" marR="8865" marT="8865" marB="0" anchor="b">
+                    <a:lnL w="6350" cap="flat" cmpd="sng" algn="ctr">
+                      <a:solidFill>
+                        <a:srgbClr val="000000"/>
+                      </a:solidFill>
+                      <a:prstDash val="solid"/>
+                      <a:round/>
+                      <a:headEnd type="none" w="med" len="med"/>
+                      <a:tailEnd type="none" w="med" len="med"/>
+                    </a:lnL>
+                    <a:lnR w="6350" cap="flat" cmpd="sng" algn="ctr">
+                      <a:solidFill>
+                        <a:srgbClr val="000000"/>
+                      </a:solidFill>
+                      <a:prstDash val="solid"/>
+                      <a:round/>
+                      <a:headEnd type="none" w="med" len="med"/>
+                      <a:tailEnd type="none" w="med" len="med"/>
+                    </a:lnR>
+                    <a:lnT w="6350" cap="flat" cmpd="sng" algn="ctr">
+                      <a:solidFill>
+                        <a:srgbClr val="000000"/>
+                      </a:solidFill>
+                      <a:prstDash val="solid"/>
+                      <a:round/>
+                      <a:headEnd type="none" w="med" len="med"/>
+                      <a:tailEnd type="none" w="med" len="med"/>
+                    </a:lnT>
+                    <a:lnB w="6350" cap="flat" cmpd="sng" algn="ctr">
+                      <a:solidFill>
+                        <a:srgbClr val="000000"/>
+                      </a:solidFill>
+                      <a:prstDash val="solid"/>
+                      <a:round/>
+                      <a:headEnd type="none" w="med" len="med"/>
+                      <a:tailEnd type="none" w="med" len="med"/>
+                    </a:lnB>
+                  </a:tcPr>
+                </a:tc>
+                <a:tc>
+                  <a:txBody>
+                    <a:bodyPr/>
+                    <a:lstStyle/>
+                    <a:p>
+                      <a:pPr algn="l" fontAlgn="b"/>
+                      <a:r>
+                        <a:rPr lang="en-US" sz="1000" b="0" i="0" u="none" strike="noStrike">
+                          <a:solidFill>
+                            <a:srgbClr val="000000"/>
+                          </a:solidFill>
+                          <a:effectLst/>
+                          <a:latin typeface="Calibri" panose="020F0502020204030204" pitchFamily="34" charset="0"/>
+                        </a:rPr>
+                        <a:t> </a:t>
+                      </a:r>
+                    </a:p>
+                  </a:txBody>
+                  <a:tcPr marL="8865" marR="8865" marT="8865" marB="0" anchor="b">
+                    <a:lnL w="6350" cap="flat" cmpd="sng" algn="ctr">
+                      <a:solidFill>
+                        <a:srgbClr val="000000"/>
+                      </a:solidFill>
+                      <a:prstDash val="solid"/>
+                      <a:round/>
+                      <a:headEnd type="none" w="med" len="med"/>
+                      <a:tailEnd type="none" w="med" len="med"/>
+                    </a:lnL>
+                    <a:lnR w="6350" cap="flat" cmpd="sng" algn="ctr">
+                      <a:solidFill>
+                        <a:srgbClr val="000000"/>
+                      </a:solidFill>
+                      <a:prstDash val="solid"/>
+                      <a:round/>
+                      <a:headEnd type="none" w="med" len="med"/>
+                      <a:tailEnd type="none" w="med" len="med"/>
+                    </a:lnR>
+                    <a:lnT w="6350" cap="flat" cmpd="sng" algn="ctr">
+                      <a:solidFill>
+                        <a:srgbClr val="000000"/>
+                      </a:solidFill>
+                      <a:prstDash val="solid"/>
+                      <a:round/>
+                      <a:headEnd type="none" w="med" len="med"/>
+                      <a:tailEnd type="none" w="med" len="med"/>
+                    </a:lnT>
+                    <a:lnB w="6350" cap="flat" cmpd="sng" algn="ctr">
+                      <a:solidFill>
+                        <a:srgbClr val="000000"/>
+                      </a:solidFill>
+                      <a:prstDash val="solid"/>
+                      <a:round/>
+                      <a:headEnd type="none" w="med" len="med"/>
+                      <a:tailEnd type="none" w="med" len="med"/>
+                    </a:lnB>
+                  </a:tcPr>
+                </a:tc>
+                <a:tc>
+                  <a:txBody>
+                    <a:bodyPr/>
+                    <a:lstStyle/>
+                    <a:p>
+                      <a:pPr algn="l" fontAlgn="b"/>
+                      <a:r>
+                        <a:rPr lang="en-US" sz="1000" b="0" i="0" u="none" strike="noStrike">
+                          <a:solidFill>
+                            <a:srgbClr val="000000"/>
+                          </a:solidFill>
+                          <a:effectLst/>
+                          <a:latin typeface="Calibri" panose="020F0502020204030204" pitchFamily="34" charset="0"/>
+                        </a:rPr>
+                        <a:t> </a:t>
+                      </a:r>
+                    </a:p>
+                  </a:txBody>
+                  <a:tcPr marL="8865" marR="8865" marT="8865" marB="0" anchor="b">
+                    <a:lnL w="6350" cap="flat" cmpd="sng" algn="ctr">
+                      <a:solidFill>
+                        <a:srgbClr val="000000"/>
+                      </a:solidFill>
+                      <a:prstDash val="solid"/>
+                      <a:round/>
+                      <a:headEnd type="none" w="med" len="med"/>
+                      <a:tailEnd type="none" w="med" len="med"/>
+                    </a:lnL>
+                    <a:lnR w="6350" cap="flat" cmpd="sng" algn="ctr">
+                      <a:solidFill>
+                        <a:srgbClr val="000000"/>
+                      </a:solidFill>
+                      <a:prstDash val="solid"/>
+                      <a:round/>
+                      <a:headEnd type="none" w="med" len="med"/>
+                      <a:tailEnd type="none" w="med" len="med"/>
+                    </a:lnR>
+                    <a:lnT w="6350" cap="flat" cmpd="sng" algn="ctr">
+                      <a:solidFill>
+                        <a:srgbClr val="000000"/>
+                      </a:solidFill>
+                      <a:prstDash val="solid"/>
+                      <a:round/>
+                      <a:headEnd type="none" w="med" len="med"/>
+                      <a:tailEnd type="none" w="med" len="med"/>
+                    </a:lnT>
+                    <a:lnB w="6350" cap="flat" cmpd="sng" algn="ctr">
+                      <a:solidFill>
+                        <a:srgbClr val="000000"/>
+                      </a:solidFill>
+                      <a:prstDash val="solid"/>
+                      <a:round/>
+                      <a:headEnd type="none" w="med" len="med"/>
+                      <a:tailEnd type="none" w="med" len="med"/>
+                    </a:lnB>
+                  </a:tcPr>
+                </a:tc>
+                <a:tc>
+                  <a:txBody>
+                    <a:bodyPr/>
+                    <a:lstStyle/>
+                    <a:p>
+                      <a:pPr algn="l" fontAlgn="b"/>
+                      <a:r>
+                        <a:rPr lang="en-US" sz="1000" b="0" i="0" u="none" strike="noStrike">
+                          <a:solidFill>
+                            <a:srgbClr val="000000"/>
+                          </a:solidFill>
+                          <a:effectLst/>
+                          <a:latin typeface="Calibri" panose="020F0502020204030204" pitchFamily="34" charset="0"/>
+                        </a:rPr>
+                        <a:t> </a:t>
+                      </a:r>
+                    </a:p>
+                  </a:txBody>
+                  <a:tcPr marL="8865" marR="8865" marT="8865" marB="0" anchor="b">
+                    <a:lnL w="6350" cap="flat" cmpd="sng" algn="ctr">
+                      <a:solidFill>
+                        <a:srgbClr val="000000"/>
+                      </a:solidFill>
+                      <a:prstDash val="solid"/>
+                      <a:round/>
+                      <a:headEnd type="none" w="med" len="med"/>
+                      <a:tailEnd type="none" w="med" len="med"/>
+                    </a:lnL>
+                    <a:lnR w="6350" cap="flat" cmpd="sng" algn="ctr">
+                      <a:solidFill>
+                        <a:srgbClr val="000000"/>
+                      </a:solidFill>
+                      <a:prstDash val="solid"/>
+                      <a:round/>
+                      <a:headEnd type="none" w="med" len="med"/>
+                      <a:tailEnd type="none" w="med" len="med"/>
+                    </a:lnR>
+                    <a:lnT w="6350" cap="flat" cmpd="sng" algn="ctr">
+                      <a:solidFill>
+                        <a:srgbClr val="000000"/>
+                      </a:solidFill>
+                      <a:prstDash val="solid"/>
+                      <a:round/>
+                      <a:headEnd type="none" w="med" len="med"/>
+                      <a:tailEnd type="none" w="med" len="med"/>
+                    </a:lnT>
+                    <a:lnB w="6350" cap="flat" cmpd="sng" algn="ctr">
+                      <a:solidFill>
+                        <a:srgbClr val="000000"/>
+                      </a:solidFill>
+                      <a:prstDash val="solid"/>
+                      <a:round/>
+                      <a:headEnd type="none" w="med" len="med"/>
+                      <a:tailEnd type="none" w="med" len="med"/>
+                    </a:lnB>
+                  </a:tcPr>
+                </a:tc>
+                <a:tc>
+                  <a:txBody>
+                    <a:bodyPr/>
+                    <a:lstStyle/>
+                    <a:p>
+                      <a:pPr algn="l" fontAlgn="b"/>
+                      <a:r>
+                        <a:rPr lang="en-US" sz="1000" b="0" i="0" u="none" strike="noStrike">
+                          <a:solidFill>
+                            <a:srgbClr val="000000"/>
+                          </a:solidFill>
+                          <a:effectLst/>
+                          <a:latin typeface="Calibri" panose="020F0502020204030204" pitchFamily="34" charset="0"/>
+                        </a:rPr>
+                        <a:t> </a:t>
+                      </a:r>
+                    </a:p>
+                  </a:txBody>
+                  <a:tcPr marL="8865" marR="8865" marT="8865" marB="0" anchor="b">
+                    <a:lnL w="6350" cap="flat" cmpd="sng" algn="ctr">
+                      <a:solidFill>
+                        <a:srgbClr val="000000"/>
+                      </a:solidFill>
+                      <a:prstDash val="solid"/>
+                      <a:round/>
+                      <a:headEnd type="none" w="med" len="med"/>
+                      <a:tailEnd type="none" w="med" len="med"/>
+                    </a:lnL>
+                    <a:lnR w="6350" cap="flat" cmpd="sng" algn="ctr">
+                      <a:solidFill>
+                        <a:srgbClr val="000000"/>
+                      </a:solidFill>
+                      <a:prstDash val="solid"/>
+                      <a:round/>
+                      <a:headEnd type="none" w="med" len="med"/>
+                      <a:tailEnd type="none" w="med" len="med"/>
+                    </a:lnR>
+                    <a:lnT w="6350" cap="flat" cmpd="sng" algn="ctr">
+                      <a:solidFill>
+                        <a:srgbClr val="000000"/>
+                      </a:solidFill>
+                      <a:prstDash val="solid"/>
+                      <a:round/>
+                      <a:headEnd type="none" w="med" len="med"/>
+                      <a:tailEnd type="none" w="med" len="med"/>
+                    </a:lnT>
+                    <a:lnB w="6350" cap="flat" cmpd="sng" algn="ctr">
+                      <a:solidFill>
+                        <a:srgbClr val="000000"/>
+                      </a:solidFill>
+                      <a:prstDash val="solid"/>
+                      <a:round/>
+                      <a:headEnd type="none" w="med" len="med"/>
+                      <a:tailEnd type="none" w="med" len="med"/>
+                    </a:lnB>
+                  </a:tcPr>
+                </a:tc>
+                <a:tc>
+                  <a:txBody>
+                    <a:bodyPr/>
+                    <a:lstStyle/>
+                    <a:p>
+                      <a:pPr algn="ctr" fontAlgn="ctr"/>
+                      <a:r>
+                        <a:rPr lang="en-US" sz="1000" b="0" i="0" u="none" strike="noStrike">
+                          <a:solidFill>
+                            <a:srgbClr val="000000"/>
+                          </a:solidFill>
+                          <a:effectLst/>
+                          <a:latin typeface="Calibri" panose="020F0502020204030204" pitchFamily="34" charset="0"/>
+                        </a:rPr>
+                        <a:t>x</a:t>
+                      </a:r>
+                    </a:p>
+                  </a:txBody>
+                  <a:tcPr marL="8865" marR="8865" marT="8865" marB="0" anchor="ctr">
+                    <a:lnL w="6350" cap="flat" cmpd="sng" algn="ctr">
+                      <a:solidFill>
+                        <a:srgbClr val="000000"/>
+                      </a:solidFill>
+                      <a:prstDash val="solid"/>
+                      <a:round/>
+                      <a:headEnd type="none" w="med" len="med"/>
+                      <a:tailEnd type="none" w="med" len="med"/>
+                    </a:lnL>
+                    <a:lnR w="6350" cap="flat" cmpd="sng" algn="ctr">
+                      <a:solidFill>
+                        <a:srgbClr val="000000"/>
+                      </a:solidFill>
+                      <a:prstDash val="solid"/>
+                      <a:round/>
+                      <a:headEnd type="none" w="med" len="med"/>
+                      <a:tailEnd type="none" w="med" len="med"/>
+                    </a:lnR>
+                    <a:lnT w="6350" cap="flat" cmpd="sng" algn="ctr">
+                      <a:solidFill>
+                        <a:srgbClr val="000000"/>
+                      </a:solidFill>
+                      <a:prstDash val="solid"/>
+                      <a:round/>
+                      <a:headEnd type="none" w="med" len="med"/>
+                      <a:tailEnd type="none" w="med" len="med"/>
+                    </a:lnT>
+                    <a:lnB w="6350" cap="flat" cmpd="sng" algn="ctr">
+                      <a:solidFill>
+                        <a:srgbClr val="000000"/>
+                      </a:solidFill>
+                      <a:prstDash val="solid"/>
+                      <a:round/>
+                      <a:headEnd type="none" w="med" len="med"/>
+                      <a:tailEnd type="none" w="med" len="med"/>
+                    </a:lnB>
+                    <a:solidFill>
+                      <a:srgbClr val="DAEEF3"/>
+                    </a:solidFill>
+                  </a:tcPr>
+                </a:tc>
+                <a:tc>
+                  <a:txBody>
+                    <a:bodyPr/>
+                    <a:lstStyle/>
+                    <a:p>
+                      <a:pPr algn="ctr" fontAlgn="ctr"/>
+                      <a:r>
+                        <a:rPr lang="en-US" sz="1000" b="0" i="0" u="none" strike="noStrike">
+                          <a:solidFill>
+                            <a:srgbClr val="000000"/>
+                          </a:solidFill>
+                          <a:effectLst/>
+                          <a:latin typeface="Calibri" panose="020F0502020204030204" pitchFamily="34" charset="0"/>
+                        </a:rPr>
+                        <a:t>x</a:t>
+                      </a:r>
+                    </a:p>
+                  </a:txBody>
+                  <a:tcPr marL="8865" marR="8865" marT="8865" marB="0" anchor="ctr">
+                    <a:lnL w="6350" cap="flat" cmpd="sng" algn="ctr">
+                      <a:solidFill>
+                        <a:srgbClr val="000000"/>
+                      </a:solidFill>
+                      <a:prstDash val="solid"/>
+                      <a:round/>
+                      <a:headEnd type="none" w="med" len="med"/>
+                      <a:tailEnd type="none" w="med" len="med"/>
+                    </a:lnL>
+                    <a:lnR w="6350" cap="flat" cmpd="sng" algn="ctr">
+                      <a:solidFill>
+                        <a:srgbClr val="000000"/>
+                      </a:solidFill>
+                      <a:prstDash val="solid"/>
+                      <a:round/>
+                      <a:headEnd type="none" w="med" len="med"/>
+                      <a:tailEnd type="none" w="med" len="med"/>
+                    </a:lnR>
+                    <a:lnT w="6350" cap="flat" cmpd="sng" algn="ctr">
+                      <a:solidFill>
+                        <a:srgbClr val="000000"/>
+                      </a:solidFill>
+                      <a:prstDash val="solid"/>
+                      <a:round/>
+                      <a:headEnd type="none" w="med" len="med"/>
+                      <a:tailEnd type="none" w="med" len="med"/>
+                    </a:lnT>
+                    <a:lnB w="6350" cap="flat" cmpd="sng" algn="ctr">
+                      <a:solidFill>
+                        <a:srgbClr val="000000"/>
+                      </a:solidFill>
+                      <a:prstDash val="solid"/>
+                      <a:round/>
+                      <a:headEnd type="none" w="med" len="med"/>
+                      <a:tailEnd type="none" w="med" len="med"/>
+                    </a:lnB>
+                    <a:solidFill>
+                      <a:srgbClr val="DAEEF3"/>
+                    </a:solidFill>
+                  </a:tcPr>
+                </a:tc>
+                <a:tc>
+                  <a:txBody>
+                    <a:bodyPr/>
+                    <a:lstStyle/>
+                    <a:p>
+                      <a:pPr algn="l" fontAlgn="b"/>
+                      <a:r>
+                        <a:rPr lang="en-US" sz="1000" b="0" i="0" u="none" strike="noStrike">
+                          <a:solidFill>
+                            <a:srgbClr val="000000"/>
+                          </a:solidFill>
+                          <a:effectLst/>
+                          <a:latin typeface="Calibri" panose="020F0502020204030204" pitchFamily="34" charset="0"/>
+                        </a:rPr>
+                        <a:t> </a:t>
+                      </a:r>
+                    </a:p>
+                  </a:txBody>
+                  <a:tcPr marL="8865" marR="8865" marT="8865" marB="0" anchor="b">
+                    <a:lnL w="6350" cap="flat" cmpd="sng" algn="ctr">
+                      <a:solidFill>
+                        <a:srgbClr val="000000"/>
+                      </a:solidFill>
+                      <a:prstDash val="solid"/>
+                      <a:round/>
+                      <a:headEnd type="none" w="med" len="med"/>
+                      <a:tailEnd type="none" w="med" len="med"/>
+                    </a:lnL>
+                    <a:lnR w="6350" cap="flat" cmpd="sng" algn="ctr">
+                      <a:solidFill>
+                        <a:srgbClr val="000000"/>
+                      </a:solidFill>
+                      <a:prstDash val="solid"/>
+                      <a:round/>
+                      <a:headEnd type="none" w="med" len="med"/>
+                      <a:tailEnd type="none" w="med" len="med"/>
+                    </a:lnR>
+                    <a:lnT w="6350" cap="flat" cmpd="sng" algn="ctr">
+                      <a:solidFill>
+                        <a:srgbClr val="000000"/>
+                      </a:solidFill>
+                      <a:prstDash val="solid"/>
+                      <a:round/>
+                      <a:headEnd type="none" w="med" len="med"/>
+                      <a:tailEnd type="none" w="med" len="med"/>
+                    </a:lnT>
+                    <a:lnB w="6350" cap="flat" cmpd="sng" algn="ctr">
+                      <a:solidFill>
+                        <a:srgbClr val="000000"/>
+                      </a:solidFill>
+                      <a:prstDash val="solid"/>
+                      <a:round/>
+                      <a:headEnd type="none" w="med" len="med"/>
+                      <a:tailEnd type="none" w="med" len="med"/>
+                    </a:lnB>
+                  </a:tcPr>
+                </a:tc>
+                <a:tc>
+                  <a:txBody>
+                    <a:bodyPr/>
+                    <a:lstStyle/>
+                    <a:p>
+                      <a:pPr algn="l" fontAlgn="b"/>
+                      <a:r>
+                        <a:rPr lang="en-US" sz="1000" b="0" i="0" u="none" strike="noStrike">
+                          <a:solidFill>
+                            <a:srgbClr val="000000"/>
+                          </a:solidFill>
+                          <a:effectLst/>
+                          <a:latin typeface="Calibri" panose="020F0502020204030204" pitchFamily="34" charset="0"/>
+                        </a:rPr>
+                        <a:t> </a:t>
+                      </a:r>
+                    </a:p>
+                  </a:txBody>
+                  <a:tcPr marL="8865" marR="8865" marT="8865" marB="0" anchor="b">
+                    <a:lnL w="6350" cap="flat" cmpd="sng" algn="ctr">
+                      <a:solidFill>
+                        <a:srgbClr val="000000"/>
+                      </a:solidFill>
+                      <a:prstDash val="solid"/>
+                      <a:round/>
+                      <a:headEnd type="none" w="med" len="med"/>
+                      <a:tailEnd type="none" w="med" len="med"/>
+                    </a:lnL>
+                    <a:lnR w="6350" cap="flat" cmpd="sng" algn="ctr">
+                      <a:solidFill>
+                        <a:srgbClr val="000000"/>
+                      </a:solidFill>
+                      <a:prstDash val="solid"/>
+                      <a:round/>
+                      <a:headEnd type="none" w="med" len="med"/>
+                      <a:tailEnd type="none" w="med" len="med"/>
+                    </a:lnR>
+                    <a:lnT w="6350" cap="flat" cmpd="sng" algn="ctr">
+                      <a:solidFill>
+                        <a:srgbClr val="000000"/>
+                      </a:solidFill>
+                      <a:prstDash val="solid"/>
+                      <a:round/>
+                      <a:headEnd type="none" w="med" len="med"/>
+                      <a:tailEnd type="none" w="med" len="med"/>
+                    </a:lnT>
+                    <a:lnB w="6350" cap="flat" cmpd="sng" algn="ctr">
+                      <a:solidFill>
+                        <a:srgbClr val="000000"/>
+                      </a:solidFill>
+                      <a:prstDash val="solid"/>
+                      <a:round/>
+                      <a:headEnd type="none" w="med" len="med"/>
+                      <a:tailEnd type="none" w="med" len="med"/>
+                    </a:lnB>
+                  </a:tcPr>
+                </a:tc>
+                <a:tc>
+                  <a:txBody>
+                    <a:bodyPr/>
+                    <a:lstStyle/>
+                    <a:p>
+                      <a:pPr algn="l" fontAlgn="b"/>
+                      <a:r>
+                        <a:rPr lang="en-US" sz="1000" b="0" i="0" u="none" strike="noStrike">
+                          <a:solidFill>
+                            <a:srgbClr val="000000"/>
+                          </a:solidFill>
+                          <a:effectLst/>
+                          <a:latin typeface="Calibri" panose="020F0502020204030204" pitchFamily="34" charset="0"/>
+                        </a:rPr>
+                        <a:t> </a:t>
+                      </a:r>
+                    </a:p>
+                  </a:txBody>
+                  <a:tcPr marL="8865" marR="8865" marT="8865" marB="0" anchor="b">
+                    <a:lnL w="6350" cap="flat" cmpd="sng" algn="ctr">
+                      <a:solidFill>
+                        <a:srgbClr val="000000"/>
+                      </a:solidFill>
+                      <a:prstDash val="solid"/>
+                      <a:round/>
+                      <a:headEnd type="none" w="med" len="med"/>
+                      <a:tailEnd type="none" w="med" len="med"/>
+                    </a:lnL>
+                    <a:lnR w="6350" cap="flat" cmpd="sng" algn="ctr">
+                      <a:solidFill>
+                        <a:srgbClr val="000000"/>
+                      </a:solidFill>
+                      <a:prstDash val="solid"/>
+                      <a:round/>
+                      <a:headEnd type="none" w="med" len="med"/>
+                      <a:tailEnd type="none" w="med" len="med"/>
+                    </a:lnR>
+                    <a:lnT w="6350" cap="flat" cmpd="sng" algn="ctr">
+                      <a:solidFill>
+                        <a:srgbClr val="000000"/>
+                      </a:solidFill>
+                      <a:prstDash val="solid"/>
+                      <a:round/>
+                      <a:headEnd type="none" w="med" len="med"/>
+                      <a:tailEnd type="none" w="med" len="med"/>
+                    </a:lnT>
+                    <a:lnB w="6350" cap="flat" cmpd="sng" algn="ctr">
+                      <a:solidFill>
+                        <a:srgbClr val="000000"/>
+                      </a:solidFill>
+                      <a:prstDash val="solid"/>
+                      <a:round/>
+                      <a:headEnd type="none" w="med" len="med"/>
+                      <a:tailEnd type="none" w="med" len="med"/>
+                    </a:lnB>
+                  </a:tcPr>
+                </a:tc>
+                <a:tc>
+                  <a:txBody>
+                    <a:bodyPr/>
+                    <a:lstStyle/>
+                    <a:p>
+                      <a:pPr algn="l" fontAlgn="b"/>
+                      <a:r>
+                        <a:rPr lang="en-US" sz="1000" b="0" i="0" u="none" strike="noStrike">
+                          <a:solidFill>
+                            <a:srgbClr val="000000"/>
+                          </a:solidFill>
+                          <a:effectLst/>
+                          <a:latin typeface="Calibri" panose="020F0502020204030204" pitchFamily="34" charset="0"/>
+                        </a:rPr>
+                        <a:t> </a:t>
+                      </a:r>
+                    </a:p>
+                  </a:txBody>
+                  <a:tcPr marL="8865" marR="8865" marT="8865" marB="0" anchor="b">
+                    <a:lnL w="6350" cap="flat" cmpd="sng" algn="ctr">
+                      <a:solidFill>
+                        <a:srgbClr val="000000"/>
+                      </a:solidFill>
+                      <a:prstDash val="solid"/>
+                      <a:round/>
+                      <a:headEnd type="none" w="med" len="med"/>
+                      <a:tailEnd type="none" w="med" len="med"/>
+                    </a:lnL>
+                    <a:lnR w="12700" cap="flat" cmpd="sng" algn="ctr">
+                      <a:solidFill>
+                        <a:srgbClr val="000000"/>
+                      </a:solidFill>
+                      <a:prstDash val="solid"/>
+                      <a:round/>
+                      <a:headEnd type="none" w="med" len="med"/>
+                      <a:tailEnd type="none" w="med" len="med"/>
+                    </a:lnR>
+                    <a:lnT w="6350" cap="flat" cmpd="sng" algn="ctr">
+                      <a:solidFill>
+                        <a:srgbClr val="000000"/>
+                      </a:solidFill>
+                      <a:prstDash val="solid"/>
+                      <a:round/>
+                      <a:headEnd type="none" w="med" len="med"/>
+                      <a:tailEnd type="none" w="med" len="med"/>
+                    </a:lnT>
+                    <a:lnB w="6350" cap="flat" cmpd="sng" algn="ctr">
+                      <a:solidFill>
+                        <a:srgbClr val="000000"/>
+                      </a:solidFill>
+                      <a:prstDash val="solid"/>
+                      <a:round/>
+                      <a:headEnd type="none" w="med" len="med"/>
+                      <a:tailEnd type="none" w="med" len="med"/>
+                    </a:lnB>
+                  </a:tcPr>
+                </a:tc>
+              </a:tr>
+              <a:tr h="408969">
+                <a:tc>
+                  <a:txBody>
+                    <a:bodyPr/>
+                    <a:lstStyle/>
+                    <a:p>
+                      <a:pPr algn="l" fontAlgn="b"/>
+                      <a:r>
+                        <a:rPr lang="en-US" sz="1000" b="0" i="1" u="none" strike="noStrike">
+                          <a:solidFill>
+                            <a:srgbClr val="000000"/>
+                          </a:solidFill>
+                          <a:effectLst/>
+                          <a:latin typeface="Calibri" panose="020F0502020204030204" pitchFamily="34" charset="0"/>
+                        </a:rPr>
+                        <a:t>improve the method and verify with both simulation and experimental</a:t>
+                      </a:r>
+                    </a:p>
+                  </a:txBody>
+                  <a:tcPr marL="8865" marR="8865" marT="8865" marB="0" anchor="b">
+                    <a:lnL w="12700" cap="flat" cmpd="sng" algn="ctr">
+                      <a:solidFill>
+                        <a:srgbClr val="000000"/>
+                      </a:solidFill>
+                      <a:prstDash val="solid"/>
+                      <a:round/>
+                      <a:headEnd type="none" w="med" len="med"/>
+                      <a:tailEnd type="none" w="med" len="med"/>
+                    </a:lnL>
+                    <a:lnR w="12700" cap="flat" cmpd="sng" algn="ctr">
+                      <a:solidFill>
+                        <a:srgbClr val="000000"/>
+                      </a:solidFill>
+                      <a:prstDash val="solid"/>
+                      <a:round/>
+                      <a:headEnd type="none" w="med" len="med"/>
+                      <a:tailEnd type="none" w="med" len="med"/>
+                    </a:lnR>
+                    <a:lnT w="6350" cap="flat" cmpd="sng" algn="ctr">
+                      <a:solidFill>
+                        <a:srgbClr val="000000"/>
+                      </a:solidFill>
+                      <a:prstDash val="solid"/>
+                      <a:round/>
+                      <a:headEnd type="none" w="med" len="med"/>
+                      <a:tailEnd type="none" w="med" len="med"/>
+                    </a:lnT>
+                    <a:lnB w="6350" cap="flat" cmpd="sng" algn="ctr">
+                      <a:solidFill>
+                        <a:srgbClr val="000000"/>
+                      </a:solidFill>
+                      <a:prstDash val="solid"/>
+                      <a:round/>
+                      <a:headEnd type="none" w="med" len="med"/>
+                      <a:tailEnd type="none" w="med" len="med"/>
+                    </a:lnB>
+                  </a:tcPr>
+                </a:tc>
+                <a:tc>
+                  <a:txBody>
+                    <a:bodyPr/>
+                    <a:lstStyle/>
+                    <a:p>
+                      <a:pPr algn="l" fontAlgn="b"/>
+                      <a:r>
+                        <a:rPr lang="en-US" sz="1000" b="0" i="0" u="none" strike="noStrike">
+                          <a:solidFill>
+                            <a:srgbClr val="000000"/>
+                          </a:solidFill>
+                          <a:effectLst/>
+                          <a:latin typeface="Calibri" panose="020F0502020204030204" pitchFamily="34" charset="0"/>
+                        </a:rPr>
+                        <a:t> </a:t>
+                      </a:r>
+                    </a:p>
+                  </a:txBody>
+                  <a:tcPr marL="8865" marR="8865" marT="8865" marB="0" anchor="b">
+                    <a:lnL w="12700" cap="flat" cmpd="sng" algn="ctr">
+                      <a:solidFill>
+                        <a:srgbClr val="000000"/>
+                      </a:solidFill>
+                      <a:prstDash val="solid"/>
+                      <a:round/>
+                      <a:headEnd type="none" w="med" len="med"/>
+                      <a:tailEnd type="none" w="med" len="med"/>
+                    </a:lnL>
+                    <a:lnR w="6350" cap="flat" cmpd="sng" algn="ctr">
+                      <a:solidFill>
+                        <a:srgbClr val="000000"/>
+                      </a:solidFill>
+                      <a:prstDash val="solid"/>
+                      <a:round/>
+                      <a:headEnd type="none" w="med" len="med"/>
+                      <a:tailEnd type="none" w="med" len="med"/>
+                    </a:lnR>
+                    <a:lnT w="6350" cap="flat" cmpd="sng" algn="ctr">
+                      <a:solidFill>
+                        <a:srgbClr val="000000"/>
+                      </a:solidFill>
+                      <a:prstDash val="solid"/>
+                      <a:round/>
+                      <a:headEnd type="none" w="med" len="med"/>
+                      <a:tailEnd type="none" w="med" len="med"/>
+                    </a:lnT>
+                    <a:lnB w="6350" cap="flat" cmpd="sng" algn="ctr">
+                      <a:solidFill>
+                        <a:srgbClr val="000000"/>
+                      </a:solidFill>
+                      <a:prstDash val="solid"/>
+                      <a:round/>
+                      <a:headEnd type="none" w="med" len="med"/>
+                      <a:tailEnd type="none" w="med" len="med"/>
+                    </a:lnB>
+                  </a:tcPr>
+                </a:tc>
+                <a:tc>
+                  <a:txBody>
+                    <a:bodyPr/>
+                    <a:lstStyle/>
+                    <a:p>
+                      <a:pPr algn="l" fontAlgn="b"/>
+                      <a:r>
+                        <a:rPr lang="en-US" sz="1000" b="0" i="0" u="none" strike="noStrike">
+                          <a:solidFill>
+                            <a:srgbClr val="000000"/>
+                          </a:solidFill>
+                          <a:effectLst/>
+                          <a:latin typeface="Calibri" panose="020F0502020204030204" pitchFamily="34" charset="0"/>
+                        </a:rPr>
+                        <a:t> </a:t>
+                      </a:r>
+                    </a:p>
+                  </a:txBody>
+                  <a:tcPr marL="8865" marR="8865" marT="8865" marB="0" anchor="b">
+                    <a:lnL w="6350" cap="flat" cmpd="sng" algn="ctr">
+                      <a:solidFill>
+                        <a:srgbClr val="000000"/>
+                      </a:solidFill>
+                      <a:prstDash val="solid"/>
+                      <a:round/>
+                      <a:headEnd type="none" w="med" len="med"/>
+                      <a:tailEnd type="none" w="med" len="med"/>
+                    </a:lnL>
+                    <a:lnR w="6350" cap="flat" cmpd="sng" algn="ctr">
+                      <a:solidFill>
+                        <a:srgbClr val="000000"/>
+                      </a:solidFill>
+                      <a:prstDash val="solid"/>
+                      <a:round/>
+                      <a:headEnd type="none" w="med" len="med"/>
+                      <a:tailEnd type="none" w="med" len="med"/>
+                    </a:lnR>
+                    <a:lnT w="6350" cap="flat" cmpd="sng" algn="ctr">
+                      <a:solidFill>
+                        <a:srgbClr val="000000"/>
+                      </a:solidFill>
+                      <a:prstDash val="solid"/>
+                      <a:round/>
+                      <a:headEnd type="none" w="med" len="med"/>
+                      <a:tailEnd type="none" w="med" len="med"/>
+                    </a:lnT>
+                    <a:lnB w="6350" cap="flat" cmpd="sng" algn="ctr">
+                      <a:solidFill>
+                        <a:srgbClr val="000000"/>
+                      </a:solidFill>
+                      <a:prstDash val="solid"/>
+                      <a:round/>
+                      <a:headEnd type="none" w="med" len="med"/>
+                      <a:tailEnd type="none" w="med" len="med"/>
+                    </a:lnB>
+                  </a:tcPr>
+                </a:tc>
+                <a:tc>
+                  <a:txBody>
+                    <a:bodyPr/>
+                    <a:lstStyle/>
+                    <a:p>
+                      <a:pPr algn="l" fontAlgn="b"/>
+                      <a:r>
+                        <a:rPr lang="en-US" sz="1000" b="0" i="0" u="none" strike="noStrike">
+                          <a:solidFill>
+                            <a:srgbClr val="000000"/>
+                          </a:solidFill>
+                          <a:effectLst/>
+                          <a:latin typeface="Calibri" panose="020F0502020204030204" pitchFamily="34" charset="0"/>
+                        </a:rPr>
+                        <a:t> </a:t>
+                      </a:r>
+                    </a:p>
+                  </a:txBody>
+                  <a:tcPr marL="8865" marR="8865" marT="8865" marB="0" anchor="b">
+                    <a:lnL w="6350" cap="flat" cmpd="sng" algn="ctr">
+                      <a:solidFill>
+                        <a:srgbClr val="000000"/>
+                      </a:solidFill>
+                      <a:prstDash val="solid"/>
+                      <a:round/>
+                      <a:headEnd type="none" w="med" len="med"/>
+                      <a:tailEnd type="none" w="med" len="med"/>
+                    </a:lnL>
+                    <a:lnR w="6350" cap="flat" cmpd="sng" algn="ctr">
+                      <a:solidFill>
+                        <a:srgbClr val="000000"/>
+                      </a:solidFill>
+                      <a:prstDash val="solid"/>
+                      <a:round/>
+                      <a:headEnd type="none" w="med" len="med"/>
+                      <a:tailEnd type="none" w="med" len="med"/>
+                    </a:lnR>
+                    <a:lnT w="6350" cap="flat" cmpd="sng" algn="ctr">
+                      <a:solidFill>
+                        <a:srgbClr val="000000"/>
+                      </a:solidFill>
+                      <a:prstDash val="solid"/>
+                      <a:round/>
+                      <a:headEnd type="none" w="med" len="med"/>
+                      <a:tailEnd type="none" w="med" len="med"/>
+                    </a:lnT>
+                    <a:lnB w="6350" cap="flat" cmpd="sng" algn="ctr">
+                      <a:solidFill>
+                        <a:srgbClr val="000000"/>
+                      </a:solidFill>
+                      <a:prstDash val="solid"/>
+                      <a:round/>
+                      <a:headEnd type="none" w="med" len="med"/>
+                      <a:tailEnd type="none" w="med" len="med"/>
+                    </a:lnB>
+                  </a:tcPr>
+                </a:tc>
+                <a:tc>
+                  <a:txBody>
+                    <a:bodyPr/>
+                    <a:lstStyle/>
+                    <a:p>
+                      <a:pPr algn="l" fontAlgn="b"/>
+                      <a:r>
+                        <a:rPr lang="en-US" sz="1000" b="0" i="0" u="none" strike="noStrike">
+                          <a:solidFill>
+                            <a:srgbClr val="000000"/>
+                          </a:solidFill>
+                          <a:effectLst/>
+                          <a:latin typeface="Calibri" panose="020F0502020204030204" pitchFamily="34" charset="0"/>
+                        </a:rPr>
+                        <a:t> </a:t>
+                      </a:r>
+                    </a:p>
+                  </a:txBody>
+                  <a:tcPr marL="8865" marR="8865" marT="8865" marB="0" anchor="b">
+                    <a:lnL w="6350" cap="flat" cmpd="sng" algn="ctr">
+                      <a:solidFill>
+                        <a:srgbClr val="000000"/>
+                      </a:solidFill>
+                      <a:prstDash val="solid"/>
+                      <a:round/>
+                      <a:headEnd type="none" w="med" len="med"/>
+                      <a:tailEnd type="none" w="med" len="med"/>
+                    </a:lnL>
+                    <a:lnR w="6350" cap="flat" cmpd="sng" algn="ctr">
+                      <a:solidFill>
+                        <a:srgbClr val="000000"/>
+                      </a:solidFill>
+                      <a:prstDash val="solid"/>
+                      <a:round/>
+                      <a:headEnd type="none" w="med" len="med"/>
+                      <a:tailEnd type="none" w="med" len="med"/>
+                    </a:lnR>
+                    <a:lnT w="6350" cap="flat" cmpd="sng" algn="ctr">
+                      <a:solidFill>
+                        <a:srgbClr val="000000"/>
+                      </a:solidFill>
+                      <a:prstDash val="solid"/>
+                      <a:round/>
+                      <a:headEnd type="none" w="med" len="med"/>
+                      <a:tailEnd type="none" w="med" len="med"/>
+                    </a:lnT>
+                    <a:lnB w="6350" cap="flat" cmpd="sng" algn="ctr">
+                      <a:solidFill>
+                        <a:srgbClr val="000000"/>
+                      </a:solidFill>
+                      <a:prstDash val="solid"/>
+                      <a:round/>
+                      <a:headEnd type="none" w="med" len="med"/>
+                      <a:tailEnd type="none" w="med" len="med"/>
+                    </a:lnB>
+                  </a:tcPr>
+                </a:tc>
+                <a:tc>
+                  <a:txBody>
+                    <a:bodyPr/>
+                    <a:lstStyle/>
+                    <a:p>
+                      <a:pPr algn="l" fontAlgn="b"/>
+                      <a:r>
+                        <a:rPr lang="en-US" sz="1000" b="0" i="0" u="none" strike="noStrike">
+                          <a:solidFill>
+                            <a:srgbClr val="000000"/>
+                          </a:solidFill>
+                          <a:effectLst/>
+                          <a:latin typeface="Calibri" panose="020F0502020204030204" pitchFamily="34" charset="0"/>
+                        </a:rPr>
+                        <a:t> </a:t>
+                      </a:r>
+                    </a:p>
+                  </a:txBody>
+                  <a:tcPr marL="8865" marR="8865" marT="8865" marB="0" anchor="b">
+                    <a:lnL w="6350" cap="flat" cmpd="sng" algn="ctr">
+                      <a:solidFill>
+                        <a:srgbClr val="000000"/>
+                      </a:solidFill>
+                      <a:prstDash val="solid"/>
+                      <a:round/>
+                      <a:headEnd type="none" w="med" len="med"/>
+                      <a:tailEnd type="none" w="med" len="med"/>
+                    </a:lnL>
+                    <a:lnR w="6350" cap="flat" cmpd="sng" algn="ctr">
+                      <a:solidFill>
+                        <a:srgbClr val="000000"/>
+                      </a:solidFill>
+                      <a:prstDash val="solid"/>
+                      <a:round/>
+                      <a:headEnd type="none" w="med" len="med"/>
+                      <a:tailEnd type="none" w="med" len="med"/>
+                    </a:lnR>
+                    <a:lnT w="6350" cap="flat" cmpd="sng" algn="ctr">
+                      <a:solidFill>
+                        <a:srgbClr val="000000"/>
+                      </a:solidFill>
+                      <a:prstDash val="solid"/>
+                      <a:round/>
+                      <a:headEnd type="none" w="med" len="med"/>
+                      <a:tailEnd type="none" w="med" len="med"/>
+                    </a:lnT>
+                    <a:lnB w="6350" cap="flat" cmpd="sng" algn="ctr">
+                      <a:solidFill>
+                        <a:srgbClr val="000000"/>
+                      </a:solidFill>
+                      <a:prstDash val="solid"/>
+                      <a:round/>
+                      <a:headEnd type="none" w="med" len="med"/>
+                      <a:tailEnd type="none" w="med" len="med"/>
+                    </a:lnB>
+                  </a:tcPr>
+                </a:tc>
+                <a:tc>
+                  <a:txBody>
+                    <a:bodyPr/>
+                    <a:lstStyle/>
+                    <a:p>
+                      <a:pPr algn="l" fontAlgn="b"/>
+                      <a:r>
+                        <a:rPr lang="en-US" sz="1000" b="0" i="0" u="none" strike="noStrike">
+                          <a:solidFill>
+                            <a:srgbClr val="000000"/>
+                          </a:solidFill>
+                          <a:effectLst/>
+                          <a:latin typeface="Calibri" panose="020F0502020204030204" pitchFamily="34" charset="0"/>
+                        </a:rPr>
+                        <a:t> </a:t>
+                      </a:r>
+                    </a:p>
+                  </a:txBody>
+                  <a:tcPr marL="8865" marR="8865" marT="8865" marB="0" anchor="b">
+                    <a:lnL w="6350" cap="flat" cmpd="sng" algn="ctr">
+                      <a:solidFill>
+                        <a:srgbClr val="000000"/>
+                      </a:solidFill>
+                      <a:prstDash val="solid"/>
+                      <a:round/>
+                      <a:headEnd type="none" w="med" len="med"/>
+                      <a:tailEnd type="none" w="med" len="med"/>
+                    </a:lnL>
+                    <a:lnR w="6350" cap="flat" cmpd="sng" algn="ctr">
+                      <a:solidFill>
+                        <a:srgbClr val="000000"/>
+                      </a:solidFill>
+                      <a:prstDash val="solid"/>
+                      <a:round/>
+                      <a:headEnd type="none" w="med" len="med"/>
+                      <a:tailEnd type="none" w="med" len="med"/>
+                    </a:lnR>
+                    <a:lnT w="6350" cap="flat" cmpd="sng" algn="ctr">
+                      <a:solidFill>
+                        <a:srgbClr val="000000"/>
+                      </a:solidFill>
+                      <a:prstDash val="solid"/>
+                      <a:round/>
+                      <a:headEnd type="none" w="med" len="med"/>
+                      <a:tailEnd type="none" w="med" len="med"/>
+                    </a:lnT>
+                    <a:lnB w="6350" cap="flat" cmpd="sng" algn="ctr">
+                      <a:solidFill>
+                        <a:srgbClr val="000000"/>
+                      </a:solidFill>
+                      <a:prstDash val="solid"/>
+                      <a:round/>
+                      <a:headEnd type="none" w="med" len="med"/>
+                      <a:tailEnd type="none" w="med" len="med"/>
+                    </a:lnB>
+                  </a:tcPr>
+                </a:tc>
+                <a:tc>
+                  <a:txBody>
+                    <a:bodyPr/>
+                    <a:lstStyle/>
+                    <a:p>
+                      <a:pPr algn="l" fontAlgn="b"/>
+                      <a:r>
+                        <a:rPr lang="en-US" sz="1000" b="0" i="0" u="none" strike="noStrike">
+                          <a:solidFill>
+                            <a:srgbClr val="000000"/>
+                          </a:solidFill>
+                          <a:effectLst/>
+                          <a:latin typeface="Calibri" panose="020F0502020204030204" pitchFamily="34" charset="0"/>
+                        </a:rPr>
+                        <a:t> </a:t>
+                      </a:r>
+                    </a:p>
+                  </a:txBody>
+                  <a:tcPr marL="8865" marR="8865" marT="8865" marB="0" anchor="b">
+                    <a:lnL w="6350" cap="flat" cmpd="sng" algn="ctr">
+                      <a:solidFill>
+                        <a:srgbClr val="000000"/>
+                      </a:solidFill>
+                      <a:prstDash val="solid"/>
+                      <a:round/>
+                      <a:headEnd type="none" w="med" len="med"/>
+                      <a:tailEnd type="none" w="med" len="med"/>
+                    </a:lnL>
+                    <a:lnR w="6350" cap="flat" cmpd="sng" algn="ctr">
+                      <a:solidFill>
+                        <a:srgbClr val="000000"/>
+                      </a:solidFill>
+                      <a:prstDash val="solid"/>
+                      <a:round/>
+                      <a:headEnd type="none" w="med" len="med"/>
+                      <a:tailEnd type="none" w="med" len="med"/>
+                    </a:lnR>
+                    <a:lnT w="6350" cap="flat" cmpd="sng" algn="ctr">
+                      <a:solidFill>
+                        <a:srgbClr val="000000"/>
+                      </a:solidFill>
+                      <a:prstDash val="solid"/>
+                      <a:round/>
+                      <a:headEnd type="none" w="med" len="med"/>
+                      <a:tailEnd type="none" w="med" len="med"/>
+                    </a:lnT>
+                    <a:lnB w="6350" cap="flat" cmpd="sng" algn="ctr">
+                      <a:solidFill>
+                        <a:srgbClr val="000000"/>
+                      </a:solidFill>
+                      <a:prstDash val="solid"/>
+                      <a:round/>
+                      <a:headEnd type="none" w="med" len="med"/>
+                      <a:tailEnd type="none" w="med" len="med"/>
+                    </a:lnB>
+                  </a:tcPr>
+                </a:tc>
+                <a:tc>
+                  <a:txBody>
+                    <a:bodyPr/>
+                    <a:lstStyle/>
+                    <a:p>
+                      <a:pPr algn="l" fontAlgn="b"/>
+                      <a:r>
+                        <a:rPr lang="en-US" sz="1000" b="0" i="0" u="none" strike="noStrike">
+                          <a:solidFill>
+                            <a:srgbClr val="000000"/>
+                          </a:solidFill>
+                          <a:effectLst/>
+                          <a:latin typeface="Calibri" panose="020F0502020204030204" pitchFamily="34" charset="0"/>
+                        </a:rPr>
+                        <a:t> </a:t>
+                      </a:r>
+                    </a:p>
+                  </a:txBody>
+                  <a:tcPr marL="8865" marR="8865" marT="8865" marB="0" anchor="b">
+                    <a:lnL w="6350" cap="flat" cmpd="sng" algn="ctr">
+                      <a:solidFill>
+                        <a:srgbClr val="000000"/>
+                      </a:solidFill>
+                      <a:prstDash val="solid"/>
+                      <a:round/>
+                      <a:headEnd type="none" w="med" len="med"/>
+                      <a:tailEnd type="none" w="med" len="med"/>
+                    </a:lnL>
+                    <a:lnR w="6350" cap="flat" cmpd="sng" algn="ctr">
+                      <a:solidFill>
+                        <a:srgbClr val="000000"/>
+                      </a:solidFill>
+                      <a:prstDash val="solid"/>
+                      <a:round/>
+                      <a:headEnd type="none" w="med" len="med"/>
+                      <a:tailEnd type="none" w="med" len="med"/>
+                    </a:lnR>
+                    <a:lnT w="6350" cap="flat" cmpd="sng" algn="ctr">
+                      <a:solidFill>
+                        <a:srgbClr val="000000"/>
+                      </a:solidFill>
+                      <a:prstDash val="solid"/>
+                      <a:round/>
+                      <a:headEnd type="none" w="med" len="med"/>
+                      <a:tailEnd type="none" w="med" len="med"/>
+                    </a:lnT>
+                    <a:lnB w="6350" cap="flat" cmpd="sng" algn="ctr">
+                      <a:solidFill>
+                        <a:srgbClr val="000000"/>
+                      </a:solidFill>
+                      <a:prstDash val="solid"/>
+                      <a:round/>
+                      <a:headEnd type="none" w="med" len="med"/>
+                      <a:tailEnd type="none" w="med" len="med"/>
+                    </a:lnB>
+                  </a:tcPr>
+                </a:tc>
+                <a:tc>
+                  <a:txBody>
+                    <a:bodyPr/>
+                    <a:lstStyle/>
+                    <a:p>
+                      <a:pPr algn="ctr" fontAlgn="ctr"/>
+                      <a:r>
+                        <a:rPr lang="en-US" sz="1000" b="0" i="0" u="none" strike="noStrike">
+                          <a:solidFill>
+                            <a:srgbClr val="000000"/>
+                          </a:solidFill>
+                          <a:effectLst/>
+                          <a:latin typeface="Calibri" panose="020F0502020204030204" pitchFamily="34" charset="0"/>
+                        </a:rPr>
+                        <a:t>x</a:t>
+                      </a:r>
+                    </a:p>
+                  </a:txBody>
+                  <a:tcPr marL="8865" marR="8865" marT="8865" marB="0" anchor="ctr">
+                    <a:lnL w="6350" cap="flat" cmpd="sng" algn="ctr">
+                      <a:solidFill>
+                        <a:srgbClr val="000000"/>
+                      </a:solidFill>
+                      <a:prstDash val="solid"/>
+                      <a:round/>
+                      <a:headEnd type="none" w="med" len="med"/>
+                      <a:tailEnd type="none" w="med" len="med"/>
+                    </a:lnL>
+                    <a:lnR w="6350" cap="flat" cmpd="sng" algn="ctr">
+                      <a:solidFill>
+                        <a:srgbClr val="000000"/>
+                      </a:solidFill>
+                      <a:prstDash val="solid"/>
+                      <a:round/>
+                      <a:headEnd type="none" w="med" len="med"/>
+                      <a:tailEnd type="none" w="med" len="med"/>
+                    </a:lnR>
+                    <a:lnT w="6350" cap="flat" cmpd="sng" algn="ctr">
+                      <a:solidFill>
+                        <a:srgbClr val="000000"/>
+                      </a:solidFill>
+                      <a:prstDash val="solid"/>
+                      <a:round/>
+                      <a:headEnd type="none" w="med" len="med"/>
+                      <a:tailEnd type="none" w="med" len="med"/>
+                    </a:lnT>
+                    <a:lnB w="6350" cap="flat" cmpd="sng" algn="ctr">
+                      <a:solidFill>
+                        <a:srgbClr val="000000"/>
+                      </a:solidFill>
+                      <a:prstDash val="solid"/>
+                      <a:round/>
+                      <a:headEnd type="none" w="med" len="med"/>
+                      <a:tailEnd type="none" w="med" len="med"/>
+                    </a:lnB>
+                    <a:solidFill>
+                      <a:srgbClr val="DAEEF3"/>
+                    </a:solidFill>
+                  </a:tcPr>
+                </a:tc>
+                <a:tc>
+                  <a:txBody>
+                    <a:bodyPr/>
+                    <a:lstStyle/>
+                    <a:p>
+                      <a:pPr algn="ctr" fontAlgn="ctr"/>
+                      <a:r>
+                        <a:rPr lang="en-US" sz="1000" b="0" i="0" u="none" strike="noStrike">
+                          <a:solidFill>
+                            <a:srgbClr val="000000"/>
+                          </a:solidFill>
+                          <a:effectLst/>
+                          <a:latin typeface="Calibri" panose="020F0502020204030204" pitchFamily="34" charset="0"/>
+                        </a:rPr>
+                        <a:t>x</a:t>
+                      </a:r>
+                    </a:p>
+                  </a:txBody>
+                  <a:tcPr marL="8865" marR="8865" marT="8865" marB="0" anchor="ctr">
+                    <a:lnL w="6350" cap="flat" cmpd="sng" algn="ctr">
+                      <a:solidFill>
+                        <a:srgbClr val="000000"/>
+                      </a:solidFill>
+                      <a:prstDash val="solid"/>
+                      <a:round/>
+                      <a:headEnd type="none" w="med" len="med"/>
+                      <a:tailEnd type="none" w="med" len="med"/>
+                    </a:lnL>
+                    <a:lnR w="6350" cap="flat" cmpd="sng" algn="ctr">
+                      <a:solidFill>
+                        <a:srgbClr val="000000"/>
+                      </a:solidFill>
+                      <a:prstDash val="solid"/>
+                      <a:round/>
+                      <a:headEnd type="none" w="med" len="med"/>
+                      <a:tailEnd type="none" w="med" len="med"/>
+                    </a:lnR>
+                    <a:lnT w="6350" cap="flat" cmpd="sng" algn="ctr">
+                      <a:solidFill>
+                        <a:srgbClr val="000000"/>
+                      </a:solidFill>
+                      <a:prstDash val="solid"/>
+                      <a:round/>
+                      <a:headEnd type="none" w="med" len="med"/>
+                      <a:tailEnd type="none" w="med" len="med"/>
+                    </a:lnT>
+                    <a:lnB w="6350" cap="flat" cmpd="sng" algn="ctr">
+                      <a:solidFill>
+                        <a:srgbClr val="000000"/>
+                      </a:solidFill>
+                      <a:prstDash val="solid"/>
+                      <a:round/>
+                      <a:headEnd type="none" w="med" len="med"/>
+                      <a:tailEnd type="none" w="med" len="med"/>
+                    </a:lnB>
+                    <a:solidFill>
+                      <a:srgbClr val="DAEEF3"/>
+                    </a:solidFill>
+                  </a:tcPr>
+                </a:tc>
+                <a:tc>
+                  <a:txBody>
+                    <a:bodyPr/>
+                    <a:lstStyle/>
+                    <a:p>
+                      <a:pPr algn="l" fontAlgn="b"/>
+                      <a:r>
+                        <a:rPr lang="en-US" sz="1000" b="0" i="0" u="none" strike="noStrike">
+                          <a:solidFill>
+                            <a:srgbClr val="000000"/>
+                          </a:solidFill>
+                          <a:effectLst/>
+                          <a:latin typeface="Calibri" panose="020F0502020204030204" pitchFamily="34" charset="0"/>
+                        </a:rPr>
+                        <a:t> </a:t>
+                      </a:r>
+                    </a:p>
+                  </a:txBody>
+                  <a:tcPr marL="8865" marR="8865" marT="8865" marB="0" anchor="b">
+                    <a:lnL w="6350" cap="flat" cmpd="sng" algn="ctr">
+                      <a:solidFill>
+                        <a:srgbClr val="000000"/>
+                      </a:solidFill>
+                      <a:prstDash val="solid"/>
+                      <a:round/>
+                      <a:headEnd type="none" w="med" len="med"/>
+                      <a:tailEnd type="none" w="med" len="med"/>
+                    </a:lnL>
+                    <a:lnR w="6350" cap="flat" cmpd="sng" algn="ctr">
+                      <a:solidFill>
+                        <a:srgbClr val="000000"/>
+                      </a:solidFill>
+                      <a:prstDash val="solid"/>
+                      <a:round/>
+                      <a:headEnd type="none" w="med" len="med"/>
+                      <a:tailEnd type="none" w="med" len="med"/>
+                    </a:lnR>
+                    <a:lnT w="6350" cap="flat" cmpd="sng" algn="ctr">
+                      <a:solidFill>
+                        <a:srgbClr val="000000"/>
+                      </a:solidFill>
+                      <a:prstDash val="solid"/>
+                      <a:round/>
+                      <a:headEnd type="none" w="med" len="med"/>
+                      <a:tailEnd type="none" w="med" len="med"/>
+                    </a:lnT>
+                    <a:lnB w="6350" cap="flat" cmpd="sng" algn="ctr">
+                      <a:solidFill>
+                        <a:srgbClr val="000000"/>
+                      </a:solidFill>
+                      <a:prstDash val="solid"/>
+                      <a:round/>
+                      <a:headEnd type="none" w="med" len="med"/>
+                      <a:tailEnd type="none" w="med" len="med"/>
+                    </a:lnB>
+                  </a:tcPr>
+                </a:tc>
+                <a:tc>
+                  <a:txBody>
+                    <a:bodyPr/>
+                    <a:lstStyle/>
+                    <a:p>
+                      <a:pPr algn="l" fontAlgn="b"/>
+                      <a:r>
+                        <a:rPr lang="en-US" sz="1000" b="0" i="0" u="none" strike="noStrike">
+                          <a:solidFill>
+                            <a:srgbClr val="000000"/>
+                          </a:solidFill>
+                          <a:effectLst/>
+                          <a:latin typeface="Calibri" panose="020F0502020204030204" pitchFamily="34" charset="0"/>
+                        </a:rPr>
+                        <a:t> </a:t>
+                      </a:r>
+                    </a:p>
+                  </a:txBody>
+                  <a:tcPr marL="8865" marR="8865" marT="8865" marB="0" anchor="b">
+                    <a:lnL w="6350" cap="flat" cmpd="sng" algn="ctr">
+                      <a:solidFill>
+                        <a:srgbClr val="000000"/>
+                      </a:solidFill>
+                      <a:prstDash val="solid"/>
+                      <a:round/>
+                      <a:headEnd type="none" w="med" len="med"/>
+                      <a:tailEnd type="none" w="med" len="med"/>
+                    </a:lnL>
+                    <a:lnR w="12700" cap="flat" cmpd="sng" algn="ctr">
+                      <a:solidFill>
+                        <a:srgbClr val="000000"/>
+                      </a:solidFill>
+                      <a:prstDash val="solid"/>
+                      <a:round/>
+                      <a:headEnd type="none" w="med" len="med"/>
+                      <a:tailEnd type="none" w="med" len="med"/>
+                    </a:lnR>
+                    <a:lnT w="6350" cap="flat" cmpd="sng" algn="ctr">
+                      <a:solidFill>
+                        <a:srgbClr val="000000"/>
+                      </a:solidFill>
+                      <a:prstDash val="solid"/>
+                      <a:round/>
+                      <a:headEnd type="none" w="med" len="med"/>
+                      <a:tailEnd type="none" w="med" len="med"/>
+                    </a:lnT>
+                    <a:lnB w="6350" cap="flat" cmpd="sng" algn="ctr">
+                      <a:solidFill>
+                        <a:srgbClr val="000000"/>
+                      </a:solidFill>
+                      <a:prstDash val="solid"/>
+                      <a:round/>
+                      <a:headEnd type="none" w="med" len="med"/>
+                      <a:tailEnd type="none" w="med" len="med"/>
+                    </a:lnB>
+                  </a:tcPr>
+                </a:tc>
+              </a:tr>
+              <a:tr h="419194">
+                <a:tc>
+                  <a:txBody>
+                    <a:bodyPr/>
+                    <a:lstStyle/>
+                    <a:p>
+                      <a:pPr algn="l" fontAlgn="b"/>
+                      <a:r>
+                        <a:rPr lang="en-US" sz="1000" b="0" i="1" u="none" strike="noStrike">
+                          <a:solidFill>
+                            <a:srgbClr val="000000"/>
+                          </a:solidFill>
+                          <a:effectLst/>
+                          <a:latin typeface="Calibri" panose="020F0502020204030204" pitchFamily="34" charset="0"/>
+                        </a:rPr>
+                        <a:t>submit the results of the proposed method to a journal (**)</a:t>
+                      </a:r>
+                    </a:p>
+                  </a:txBody>
+                  <a:tcPr marL="8865" marR="8865" marT="8865" marB="0" anchor="b">
+                    <a:lnL w="12700" cap="flat" cmpd="sng" algn="ctr">
+                      <a:solidFill>
+                        <a:srgbClr val="000000"/>
+                      </a:solidFill>
+                      <a:prstDash val="solid"/>
+                      <a:round/>
+                      <a:headEnd type="none" w="med" len="med"/>
+                      <a:tailEnd type="none" w="med" len="med"/>
+                    </a:lnL>
+                    <a:lnR w="12700" cap="flat" cmpd="sng" algn="ctr">
+                      <a:solidFill>
+                        <a:srgbClr val="000000"/>
+                      </a:solidFill>
+                      <a:prstDash val="solid"/>
+                      <a:round/>
+                      <a:headEnd type="none" w="med" len="med"/>
+                      <a:tailEnd type="none" w="med" len="med"/>
+                    </a:lnR>
+                    <a:lnT w="6350" cap="flat" cmpd="sng" algn="ctr">
+                      <a:solidFill>
+                        <a:srgbClr val="000000"/>
+                      </a:solidFill>
+                      <a:prstDash val="solid"/>
+                      <a:round/>
+                      <a:headEnd type="none" w="med" len="med"/>
+                      <a:tailEnd type="none" w="med" len="med"/>
+                    </a:lnT>
+                    <a:lnB w="12700" cap="flat" cmpd="sng" algn="ctr">
+                      <a:solidFill>
+                        <a:srgbClr val="000000"/>
+                      </a:solidFill>
+                      <a:prstDash val="solid"/>
+                      <a:round/>
+                      <a:headEnd type="none" w="med" len="med"/>
+                      <a:tailEnd type="none" w="med" len="med"/>
+                    </a:lnB>
+                  </a:tcPr>
+                </a:tc>
+                <a:tc>
+                  <a:txBody>
+                    <a:bodyPr/>
+                    <a:lstStyle/>
+                    <a:p>
+                      <a:pPr algn="l" fontAlgn="b"/>
+                      <a:r>
+                        <a:rPr lang="en-US" sz="1000" b="0" i="0" u="none" strike="noStrike" dirty="0">
+                          <a:solidFill>
+                            <a:srgbClr val="000000"/>
+                          </a:solidFill>
+                          <a:effectLst/>
+                          <a:latin typeface="Calibri" panose="020F0502020204030204" pitchFamily="34" charset="0"/>
+                        </a:rPr>
+                        <a:t> </a:t>
+                      </a:r>
+                    </a:p>
+                  </a:txBody>
+                  <a:tcPr marL="8865" marR="8865" marT="8865" marB="0" anchor="b">
+                    <a:lnL w="12700" cap="flat" cmpd="sng" algn="ctr">
+                      <a:solidFill>
+                        <a:srgbClr val="000000"/>
+                      </a:solidFill>
+                      <a:prstDash val="solid"/>
+                      <a:round/>
+                      <a:headEnd type="none" w="med" len="med"/>
+                      <a:tailEnd type="none" w="med" len="med"/>
+                    </a:lnL>
+                    <a:lnR w="6350" cap="flat" cmpd="sng" algn="ctr">
+                      <a:solidFill>
+                        <a:srgbClr val="000000"/>
+                      </a:solidFill>
+                      <a:prstDash val="solid"/>
+                      <a:round/>
+                      <a:headEnd type="none" w="med" len="med"/>
+                      <a:tailEnd type="none" w="med" len="med"/>
+                    </a:lnR>
+                    <a:lnT w="6350" cap="flat" cmpd="sng" algn="ctr">
+                      <a:solidFill>
+                        <a:srgbClr val="000000"/>
+                      </a:solidFill>
+                      <a:prstDash val="solid"/>
+                      <a:round/>
+                      <a:headEnd type="none" w="med" len="med"/>
+                      <a:tailEnd type="none" w="med" len="med"/>
+                    </a:lnT>
+                    <a:lnB w="12700" cap="flat" cmpd="sng" algn="ctr">
+                      <a:solidFill>
+                        <a:srgbClr val="000000"/>
+                      </a:solidFill>
+                      <a:prstDash val="solid"/>
+                      <a:round/>
+                      <a:headEnd type="none" w="med" len="med"/>
+                      <a:tailEnd type="none" w="med" len="med"/>
+                    </a:lnB>
+                  </a:tcPr>
+                </a:tc>
+                <a:tc>
+                  <a:txBody>
+                    <a:bodyPr/>
+                    <a:lstStyle/>
+                    <a:p>
+                      <a:pPr algn="l" fontAlgn="b"/>
+                      <a:r>
+                        <a:rPr lang="en-US" sz="1000" b="0" i="0" u="none" strike="noStrike">
+                          <a:solidFill>
+                            <a:srgbClr val="000000"/>
+                          </a:solidFill>
+                          <a:effectLst/>
+                          <a:latin typeface="Calibri" panose="020F0502020204030204" pitchFamily="34" charset="0"/>
+                        </a:rPr>
+                        <a:t> </a:t>
+                      </a:r>
+                    </a:p>
+                  </a:txBody>
+                  <a:tcPr marL="8865" marR="8865" marT="8865" marB="0" anchor="b">
+                    <a:lnL w="6350" cap="flat" cmpd="sng" algn="ctr">
+                      <a:solidFill>
+                        <a:srgbClr val="000000"/>
+                      </a:solidFill>
+                      <a:prstDash val="solid"/>
+                      <a:round/>
+                      <a:headEnd type="none" w="med" len="med"/>
+                      <a:tailEnd type="none" w="med" len="med"/>
+                    </a:lnL>
+                    <a:lnR w="6350" cap="flat" cmpd="sng" algn="ctr">
+                      <a:solidFill>
+                        <a:srgbClr val="000000"/>
+                      </a:solidFill>
+                      <a:prstDash val="solid"/>
+                      <a:round/>
+                      <a:headEnd type="none" w="med" len="med"/>
+                      <a:tailEnd type="none" w="med" len="med"/>
+                    </a:lnR>
+                    <a:lnT w="6350" cap="flat" cmpd="sng" algn="ctr">
+                      <a:solidFill>
+                        <a:srgbClr val="000000"/>
+                      </a:solidFill>
+                      <a:prstDash val="solid"/>
+                      <a:round/>
+                      <a:headEnd type="none" w="med" len="med"/>
+                      <a:tailEnd type="none" w="med" len="med"/>
+                    </a:lnT>
+                    <a:lnB w="12700" cap="flat" cmpd="sng" algn="ctr">
+                      <a:solidFill>
+                        <a:srgbClr val="000000"/>
+                      </a:solidFill>
+                      <a:prstDash val="solid"/>
+                      <a:round/>
+                      <a:headEnd type="none" w="med" len="med"/>
+                      <a:tailEnd type="none" w="med" len="med"/>
+                    </a:lnB>
+                  </a:tcPr>
+                </a:tc>
+                <a:tc>
+                  <a:txBody>
+                    <a:bodyPr/>
+                    <a:lstStyle/>
+                    <a:p>
+                      <a:pPr algn="l" fontAlgn="b"/>
+                      <a:r>
+                        <a:rPr lang="en-US" sz="1000" b="0" i="0" u="none" strike="noStrike">
+                          <a:solidFill>
+                            <a:srgbClr val="000000"/>
+                          </a:solidFill>
+                          <a:effectLst/>
+                          <a:latin typeface="Calibri" panose="020F0502020204030204" pitchFamily="34" charset="0"/>
+                        </a:rPr>
+                        <a:t> </a:t>
+                      </a:r>
+                    </a:p>
+                  </a:txBody>
+                  <a:tcPr marL="8865" marR="8865" marT="8865" marB="0" anchor="b">
+                    <a:lnL w="6350" cap="flat" cmpd="sng" algn="ctr">
+                      <a:solidFill>
+                        <a:srgbClr val="000000"/>
+                      </a:solidFill>
+                      <a:prstDash val="solid"/>
+                      <a:round/>
+                      <a:headEnd type="none" w="med" len="med"/>
+                      <a:tailEnd type="none" w="med" len="med"/>
+                    </a:lnL>
+                    <a:lnR w="6350" cap="flat" cmpd="sng" algn="ctr">
+                      <a:solidFill>
+                        <a:srgbClr val="000000"/>
+                      </a:solidFill>
+                      <a:prstDash val="solid"/>
+                      <a:round/>
+                      <a:headEnd type="none" w="med" len="med"/>
+                      <a:tailEnd type="none" w="med" len="med"/>
+                    </a:lnR>
+                    <a:lnT w="6350" cap="flat" cmpd="sng" algn="ctr">
+                      <a:solidFill>
+                        <a:srgbClr val="000000"/>
+                      </a:solidFill>
+                      <a:prstDash val="solid"/>
+                      <a:round/>
+                      <a:headEnd type="none" w="med" len="med"/>
+                      <a:tailEnd type="none" w="med" len="med"/>
+                    </a:lnT>
+                    <a:lnB w="12700" cap="flat" cmpd="sng" algn="ctr">
+                      <a:solidFill>
+                        <a:srgbClr val="000000"/>
+                      </a:solidFill>
+                      <a:prstDash val="solid"/>
+                      <a:round/>
+                      <a:headEnd type="none" w="med" len="med"/>
+                      <a:tailEnd type="none" w="med" len="med"/>
+                    </a:lnB>
+                  </a:tcPr>
+                </a:tc>
+                <a:tc>
+                  <a:txBody>
+                    <a:bodyPr/>
+                    <a:lstStyle/>
+                    <a:p>
+                      <a:pPr algn="l" fontAlgn="b"/>
+                      <a:r>
+                        <a:rPr lang="en-US" sz="1000" b="0" i="0" u="none" strike="noStrike">
+                          <a:solidFill>
+                            <a:srgbClr val="000000"/>
+                          </a:solidFill>
+                          <a:effectLst/>
+                          <a:latin typeface="Calibri" panose="020F0502020204030204" pitchFamily="34" charset="0"/>
+                        </a:rPr>
+                        <a:t> </a:t>
+                      </a:r>
+                    </a:p>
+                  </a:txBody>
+                  <a:tcPr marL="8865" marR="8865" marT="8865" marB="0" anchor="b">
+                    <a:lnL w="6350" cap="flat" cmpd="sng" algn="ctr">
+                      <a:solidFill>
+                        <a:srgbClr val="000000"/>
+                      </a:solidFill>
+                      <a:prstDash val="solid"/>
+                      <a:round/>
+                      <a:headEnd type="none" w="med" len="med"/>
+                      <a:tailEnd type="none" w="med" len="med"/>
+                    </a:lnL>
+                    <a:lnR w="6350" cap="flat" cmpd="sng" algn="ctr">
+                      <a:solidFill>
+                        <a:srgbClr val="000000"/>
+                      </a:solidFill>
+                      <a:prstDash val="solid"/>
+                      <a:round/>
+                      <a:headEnd type="none" w="med" len="med"/>
+                      <a:tailEnd type="none" w="med" len="med"/>
+                    </a:lnR>
+                    <a:lnT w="6350" cap="flat" cmpd="sng" algn="ctr">
+                      <a:solidFill>
+                        <a:srgbClr val="000000"/>
+                      </a:solidFill>
+                      <a:prstDash val="solid"/>
+                      <a:round/>
+                      <a:headEnd type="none" w="med" len="med"/>
+                      <a:tailEnd type="none" w="med" len="med"/>
+                    </a:lnT>
+                    <a:lnB w="12700" cap="flat" cmpd="sng" algn="ctr">
+                      <a:solidFill>
+                        <a:srgbClr val="000000"/>
+                      </a:solidFill>
+                      <a:prstDash val="solid"/>
+                      <a:round/>
+                      <a:headEnd type="none" w="med" len="med"/>
+                      <a:tailEnd type="none" w="med" len="med"/>
+                    </a:lnB>
+                  </a:tcPr>
+                </a:tc>
+                <a:tc>
+                  <a:txBody>
+                    <a:bodyPr/>
+                    <a:lstStyle/>
+                    <a:p>
+                      <a:pPr algn="l" fontAlgn="b"/>
+                      <a:r>
+                        <a:rPr lang="en-US" sz="1000" b="0" i="0" u="none" strike="noStrike">
+                          <a:solidFill>
+                            <a:srgbClr val="000000"/>
+                          </a:solidFill>
+                          <a:effectLst/>
+                          <a:latin typeface="Calibri" panose="020F0502020204030204" pitchFamily="34" charset="0"/>
+                        </a:rPr>
+                        <a:t> </a:t>
+                      </a:r>
+                    </a:p>
+                  </a:txBody>
+                  <a:tcPr marL="8865" marR="8865" marT="8865" marB="0" anchor="b">
+                    <a:lnL w="6350" cap="flat" cmpd="sng" algn="ctr">
+                      <a:solidFill>
+                        <a:srgbClr val="000000"/>
+                      </a:solidFill>
+                      <a:prstDash val="solid"/>
+                      <a:round/>
+                      <a:headEnd type="none" w="med" len="med"/>
+                      <a:tailEnd type="none" w="med" len="med"/>
+                    </a:lnL>
+                    <a:lnR w="6350" cap="flat" cmpd="sng" algn="ctr">
+                      <a:solidFill>
+                        <a:srgbClr val="000000"/>
+                      </a:solidFill>
+                      <a:prstDash val="solid"/>
+                      <a:round/>
+                      <a:headEnd type="none" w="med" len="med"/>
+                      <a:tailEnd type="none" w="med" len="med"/>
+                    </a:lnR>
+                    <a:lnT w="6350" cap="flat" cmpd="sng" algn="ctr">
+                      <a:solidFill>
+                        <a:srgbClr val="000000"/>
+                      </a:solidFill>
+                      <a:prstDash val="solid"/>
+                      <a:round/>
+                      <a:headEnd type="none" w="med" len="med"/>
+                      <a:tailEnd type="none" w="med" len="med"/>
+                    </a:lnT>
+                    <a:lnB w="12700" cap="flat" cmpd="sng" algn="ctr">
+                      <a:solidFill>
+                        <a:srgbClr val="000000"/>
+                      </a:solidFill>
+                      <a:prstDash val="solid"/>
+                      <a:round/>
+                      <a:headEnd type="none" w="med" len="med"/>
+                      <a:tailEnd type="none" w="med" len="med"/>
+                    </a:lnB>
+                  </a:tcPr>
+                </a:tc>
+                <a:tc>
+                  <a:txBody>
+                    <a:bodyPr/>
+                    <a:lstStyle/>
+                    <a:p>
+                      <a:pPr algn="l" fontAlgn="b"/>
+                      <a:r>
+                        <a:rPr lang="en-US" sz="1000" b="0" i="0" u="none" strike="noStrike">
+                          <a:solidFill>
+                            <a:srgbClr val="000000"/>
+                          </a:solidFill>
+                          <a:effectLst/>
+                          <a:latin typeface="Calibri" panose="020F0502020204030204" pitchFamily="34" charset="0"/>
+                        </a:rPr>
+                        <a:t> </a:t>
+                      </a:r>
+                    </a:p>
+                  </a:txBody>
+                  <a:tcPr marL="8865" marR="8865" marT="8865" marB="0" anchor="b">
+                    <a:lnL w="6350" cap="flat" cmpd="sng" algn="ctr">
+                      <a:solidFill>
+                        <a:srgbClr val="000000"/>
+                      </a:solidFill>
+                      <a:prstDash val="solid"/>
+                      <a:round/>
+                      <a:headEnd type="none" w="med" len="med"/>
+                      <a:tailEnd type="none" w="med" len="med"/>
+                    </a:lnL>
+                    <a:lnR w="6350" cap="flat" cmpd="sng" algn="ctr">
+                      <a:solidFill>
+                        <a:srgbClr val="000000"/>
+                      </a:solidFill>
+                      <a:prstDash val="solid"/>
+                      <a:round/>
+                      <a:headEnd type="none" w="med" len="med"/>
+                      <a:tailEnd type="none" w="med" len="med"/>
+                    </a:lnR>
+                    <a:lnT w="6350" cap="flat" cmpd="sng" algn="ctr">
+                      <a:solidFill>
+                        <a:srgbClr val="000000"/>
+                      </a:solidFill>
+                      <a:prstDash val="solid"/>
+                      <a:round/>
+                      <a:headEnd type="none" w="med" len="med"/>
+                      <a:tailEnd type="none" w="med" len="med"/>
+                    </a:lnT>
+                    <a:lnB w="12700" cap="flat" cmpd="sng" algn="ctr">
+                      <a:solidFill>
+                        <a:srgbClr val="000000"/>
+                      </a:solidFill>
+                      <a:prstDash val="solid"/>
+                      <a:round/>
+                      <a:headEnd type="none" w="med" len="med"/>
+                      <a:tailEnd type="none" w="med" len="med"/>
+                    </a:lnB>
+                  </a:tcPr>
+                </a:tc>
+                <a:tc>
+                  <a:txBody>
+                    <a:bodyPr/>
+                    <a:lstStyle/>
+                    <a:p>
+                      <a:pPr algn="l" fontAlgn="b"/>
+                      <a:r>
+                        <a:rPr lang="en-US" sz="1000" b="0" i="0" u="none" strike="noStrike">
+                          <a:solidFill>
+                            <a:srgbClr val="000000"/>
+                          </a:solidFill>
+                          <a:effectLst/>
+                          <a:latin typeface="Calibri" panose="020F0502020204030204" pitchFamily="34" charset="0"/>
+                        </a:rPr>
+                        <a:t> </a:t>
+                      </a:r>
+                    </a:p>
+                  </a:txBody>
+                  <a:tcPr marL="8865" marR="8865" marT="8865" marB="0" anchor="b">
+                    <a:lnL w="6350" cap="flat" cmpd="sng" algn="ctr">
+                      <a:solidFill>
+                        <a:srgbClr val="000000"/>
+                      </a:solidFill>
+                      <a:prstDash val="solid"/>
+                      <a:round/>
+                      <a:headEnd type="none" w="med" len="med"/>
+                      <a:tailEnd type="none" w="med" len="med"/>
+                    </a:lnL>
+                    <a:lnR w="6350" cap="flat" cmpd="sng" algn="ctr">
+                      <a:solidFill>
+                        <a:srgbClr val="000000"/>
+                      </a:solidFill>
+                      <a:prstDash val="solid"/>
+                      <a:round/>
+                      <a:headEnd type="none" w="med" len="med"/>
+                      <a:tailEnd type="none" w="med" len="med"/>
+                    </a:lnR>
+                    <a:lnT w="6350" cap="flat" cmpd="sng" algn="ctr">
+                      <a:solidFill>
+                        <a:srgbClr val="000000"/>
+                      </a:solidFill>
+                      <a:prstDash val="solid"/>
+                      <a:round/>
+                      <a:headEnd type="none" w="med" len="med"/>
+                      <a:tailEnd type="none" w="med" len="med"/>
+                    </a:lnT>
+                    <a:lnB w="12700" cap="flat" cmpd="sng" algn="ctr">
+                      <a:solidFill>
+                        <a:srgbClr val="000000"/>
+                      </a:solidFill>
+                      <a:prstDash val="solid"/>
+                      <a:round/>
+                      <a:headEnd type="none" w="med" len="med"/>
+                      <a:tailEnd type="none" w="med" len="med"/>
+                    </a:lnB>
+                  </a:tcPr>
+                </a:tc>
+                <a:tc>
+                  <a:txBody>
+                    <a:bodyPr/>
+                    <a:lstStyle/>
+                    <a:p>
+                      <a:pPr algn="l" fontAlgn="b"/>
+                      <a:r>
+                        <a:rPr lang="en-US" sz="1000" b="0" i="0" u="none" strike="noStrike">
+                          <a:solidFill>
+                            <a:srgbClr val="000000"/>
+                          </a:solidFill>
+                          <a:effectLst/>
+                          <a:latin typeface="Calibri" panose="020F0502020204030204" pitchFamily="34" charset="0"/>
+                        </a:rPr>
+                        <a:t> </a:t>
+                      </a:r>
+                    </a:p>
+                  </a:txBody>
+                  <a:tcPr marL="8865" marR="8865" marT="8865" marB="0" anchor="b">
+                    <a:lnL w="6350" cap="flat" cmpd="sng" algn="ctr">
+                      <a:solidFill>
+                        <a:srgbClr val="000000"/>
+                      </a:solidFill>
+                      <a:prstDash val="solid"/>
+                      <a:round/>
+                      <a:headEnd type="none" w="med" len="med"/>
+                      <a:tailEnd type="none" w="med" len="med"/>
+                    </a:lnL>
+                    <a:lnR w="6350" cap="flat" cmpd="sng" algn="ctr">
+                      <a:solidFill>
+                        <a:srgbClr val="000000"/>
+                      </a:solidFill>
+                      <a:prstDash val="solid"/>
+                      <a:round/>
+                      <a:headEnd type="none" w="med" len="med"/>
+                      <a:tailEnd type="none" w="med" len="med"/>
+                    </a:lnR>
+                    <a:lnT w="6350" cap="flat" cmpd="sng" algn="ctr">
+                      <a:solidFill>
+                        <a:srgbClr val="000000"/>
+                      </a:solidFill>
+                      <a:prstDash val="solid"/>
+                      <a:round/>
+                      <a:headEnd type="none" w="med" len="med"/>
+                      <a:tailEnd type="none" w="med" len="med"/>
+                    </a:lnT>
+                    <a:lnB w="12700" cap="flat" cmpd="sng" algn="ctr">
+                      <a:solidFill>
+                        <a:srgbClr val="000000"/>
+                      </a:solidFill>
+                      <a:prstDash val="solid"/>
+                      <a:round/>
+                      <a:headEnd type="none" w="med" len="med"/>
+                      <a:tailEnd type="none" w="med" len="med"/>
+                    </a:lnB>
+                  </a:tcPr>
+                </a:tc>
+                <a:tc>
+                  <a:txBody>
+                    <a:bodyPr/>
+                    <a:lstStyle/>
+                    <a:p>
+                      <a:pPr algn="l" fontAlgn="b"/>
+                      <a:r>
+                        <a:rPr lang="en-US" sz="1000" b="0" i="0" u="none" strike="noStrike">
+                          <a:solidFill>
+                            <a:srgbClr val="000000"/>
+                          </a:solidFill>
+                          <a:effectLst/>
+                          <a:latin typeface="Calibri" panose="020F0502020204030204" pitchFamily="34" charset="0"/>
+                        </a:rPr>
+                        <a:t> </a:t>
+                      </a:r>
+                    </a:p>
+                  </a:txBody>
+                  <a:tcPr marL="8865" marR="8865" marT="8865" marB="0" anchor="b">
+                    <a:lnL w="6350" cap="flat" cmpd="sng" algn="ctr">
+                      <a:solidFill>
+                        <a:srgbClr val="000000"/>
+                      </a:solidFill>
+                      <a:prstDash val="solid"/>
+                      <a:round/>
+                      <a:headEnd type="none" w="med" len="med"/>
+                      <a:tailEnd type="none" w="med" len="med"/>
+                    </a:lnL>
+                    <a:lnR w="6350" cap="flat" cmpd="sng" algn="ctr">
+                      <a:solidFill>
+                        <a:srgbClr val="000000"/>
+                      </a:solidFill>
+                      <a:prstDash val="solid"/>
+                      <a:round/>
+                      <a:headEnd type="none" w="med" len="med"/>
+                      <a:tailEnd type="none" w="med" len="med"/>
+                    </a:lnR>
+                    <a:lnT w="6350" cap="flat" cmpd="sng" algn="ctr">
+                      <a:solidFill>
+                        <a:srgbClr val="000000"/>
+                      </a:solidFill>
+                      <a:prstDash val="solid"/>
+                      <a:round/>
+                      <a:headEnd type="none" w="med" len="med"/>
+                      <a:tailEnd type="none" w="med" len="med"/>
+                    </a:lnT>
+                    <a:lnB w="12700" cap="flat" cmpd="sng" algn="ctr">
+                      <a:solidFill>
+                        <a:srgbClr val="000000"/>
+                      </a:solidFill>
+                      <a:prstDash val="solid"/>
+                      <a:round/>
+                      <a:headEnd type="none" w="med" len="med"/>
+                      <a:tailEnd type="none" w="med" len="med"/>
+                    </a:lnB>
+                  </a:tcPr>
+                </a:tc>
+                <a:tc>
+                  <a:txBody>
+                    <a:bodyPr/>
+                    <a:lstStyle/>
+                    <a:p>
+                      <a:pPr algn="ctr" fontAlgn="ctr"/>
+                      <a:r>
+                        <a:rPr lang="en-US" sz="1000" b="0" i="0" u="none" strike="noStrike">
+                          <a:solidFill>
+                            <a:srgbClr val="000000"/>
+                          </a:solidFill>
+                          <a:effectLst/>
+                          <a:latin typeface="Calibri" panose="020F0502020204030204" pitchFamily="34" charset="0"/>
+                        </a:rPr>
+                        <a:t> </a:t>
+                      </a:r>
+                    </a:p>
+                  </a:txBody>
+                  <a:tcPr marL="8865" marR="8865" marT="8865" marB="0" anchor="ctr">
+                    <a:lnL w="6350" cap="flat" cmpd="sng" algn="ctr">
+                      <a:solidFill>
+                        <a:srgbClr val="000000"/>
+                      </a:solidFill>
+                      <a:prstDash val="solid"/>
+                      <a:round/>
+                      <a:headEnd type="none" w="med" len="med"/>
+                      <a:tailEnd type="none" w="med" len="med"/>
+                    </a:lnL>
+                    <a:lnR w="6350" cap="flat" cmpd="sng" algn="ctr">
+                      <a:solidFill>
+                        <a:srgbClr val="000000"/>
+                      </a:solidFill>
+                      <a:prstDash val="solid"/>
+                      <a:round/>
+                      <a:headEnd type="none" w="med" len="med"/>
+                      <a:tailEnd type="none" w="med" len="med"/>
+                    </a:lnR>
+                    <a:lnT w="6350" cap="flat" cmpd="sng" algn="ctr">
+                      <a:solidFill>
+                        <a:srgbClr val="000000"/>
+                      </a:solidFill>
+                      <a:prstDash val="solid"/>
+                      <a:round/>
+                      <a:headEnd type="none" w="med" len="med"/>
+                      <a:tailEnd type="none" w="med" len="med"/>
+                    </a:lnT>
+                    <a:lnB w="12700" cap="flat" cmpd="sng" algn="ctr">
+                      <a:solidFill>
+                        <a:srgbClr val="000000"/>
+                      </a:solidFill>
+                      <a:prstDash val="solid"/>
+                      <a:round/>
+                      <a:headEnd type="none" w="med" len="med"/>
+                      <a:tailEnd type="none" w="med" len="med"/>
+                    </a:lnB>
+                  </a:tcPr>
+                </a:tc>
+                <a:tc>
+                  <a:txBody>
+                    <a:bodyPr/>
+                    <a:lstStyle/>
+                    <a:p>
+                      <a:pPr algn="ctr" fontAlgn="ctr"/>
+                      <a:r>
+                        <a:rPr lang="en-US" sz="1000" b="0" i="0" u="none" strike="noStrike">
+                          <a:solidFill>
+                            <a:srgbClr val="000000"/>
+                          </a:solidFill>
+                          <a:effectLst/>
+                          <a:latin typeface="Calibri" panose="020F0502020204030204" pitchFamily="34" charset="0"/>
+                        </a:rPr>
+                        <a:t>x</a:t>
+                      </a:r>
+                    </a:p>
+                  </a:txBody>
+                  <a:tcPr marL="8865" marR="8865" marT="8865" marB="0" anchor="ctr">
+                    <a:lnL w="6350" cap="flat" cmpd="sng" algn="ctr">
+                      <a:solidFill>
+                        <a:srgbClr val="000000"/>
+                      </a:solidFill>
+                      <a:prstDash val="solid"/>
+                      <a:round/>
+                      <a:headEnd type="none" w="med" len="med"/>
+                      <a:tailEnd type="none" w="med" len="med"/>
+                    </a:lnL>
+                    <a:lnR w="6350" cap="flat" cmpd="sng" algn="ctr">
+                      <a:solidFill>
+                        <a:srgbClr val="000000"/>
+                      </a:solidFill>
+                      <a:prstDash val="solid"/>
+                      <a:round/>
+                      <a:headEnd type="none" w="med" len="med"/>
+                      <a:tailEnd type="none" w="med" len="med"/>
+                    </a:lnR>
+                    <a:lnT w="6350" cap="flat" cmpd="sng" algn="ctr">
+                      <a:solidFill>
+                        <a:srgbClr val="000000"/>
+                      </a:solidFill>
+                      <a:prstDash val="solid"/>
+                      <a:round/>
+                      <a:headEnd type="none" w="med" len="med"/>
+                      <a:tailEnd type="none" w="med" len="med"/>
+                    </a:lnT>
+                    <a:lnB w="12700" cap="flat" cmpd="sng" algn="ctr">
+                      <a:solidFill>
+                        <a:srgbClr val="000000"/>
+                      </a:solidFill>
+                      <a:prstDash val="solid"/>
+                      <a:round/>
+                      <a:headEnd type="none" w="med" len="med"/>
+                      <a:tailEnd type="none" w="med" len="med"/>
+                    </a:lnB>
+                    <a:solidFill>
+                      <a:srgbClr val="DAEEF3"/>
+                    </a:solidFill>
+                  </a:tcPr>
+                </a:tc>
+                <a:tc>
+                  <a:txBody>
+                    <a:bodyPr/>
+                    <a:lstStyle/>
+                    <a:p>
+                      <a:pPr algn="ctr" fontAlgn="ctr"/>
+                      <a:r>
+                        <a:rPr lang="en-US" sz="1000" b="0" i="0" u="none" strike="noStrike" dirty="0">
+                          <a:solidFill>
+                            <a:srgbClr val="000000"/>
+                          </a:solidFill>
+                          <a:effectLst/>
+                          <a:latin typeface="Calibri" panose="020F0502020204030204" pitchFamily="34" charset="0"/>
+                        </a:rPr>
+                        <a:t>x</a:t>
+                      </a:r>
+                    </a:p>
+                  </a:txBody>
+                  <a:tcPr marL="8865" marR="8865" marT="8865" marB="0" anchor="ctr">
+                    <a:lnL w="6350" cap="flat" cmpd="sng" algn="ctr">
+                      <a:solidFill>
+                        <a:srgbClr val="000000"/>
+                      </a:solidFill>
+                      <a:prstDash val="solid"/>
+                      <a:round/>
+                      <a:headEnd type="none" w="med" len="med"/>
+                      <a:tailEnd type="none" w="med" len="med"/>
+                    </a:lnL>
+                    <a:lnR w="12700" cap="flat" cmpd="sng" algn="ctr">
+                      <a:solidFill>
+                        <a:srgbClr val="000000"/>
+                      </a:solidFill>
+                      <a:prstDash val="solid"/>
+                      <a:round/>
+                      <a:headEnd type="none" w="med" len="med"/>
+                      <a:tailEnd type="none" w="med" len="med"/>
+                    </a:lnR>
+                    <a:lnT w="6350" cap="flat" cmpd="sng" algn="ctr">
+                      <a:solidFill>
+                        <a:srgbClr val="000000"/>
+                      </a:solidFill>
+                      <a:prstDash val="solid"/>
+                      <a:round/>
+                      <a:headEnd type="none" w="med" len="med"/>
+                      <a:tailEnd type="none" w="med" len="med"/>
+                    </a:lnT>
+                    <a:lnB w="12700" cap="flat" cmpd="sng" algn="ctr">
+                      <a:solidFill>
+                        <a:srgbClr val="000000"/>
+                      </a:solidFill>
+                      <a:prstDash val="solid"/>
+                      <a:round/>
+                      <a:headEnd type="none" w="med" len="med"/>
+                      <a:tailEnd type="none" w="med" len="med"/>
+                    </a:lnB>
+                    <a:solidFill>
+                      <a:srgbClr val="DAEEF3"/>
+                    </a:solidFill>
+                  </a:tcPr>
+                </a:tc>
+              </a:tr>
+            </a:tbl>
+          </a:graphicData>
+        </a:graphic>
+      </p:graphicFrame>
+    </p:spTree>
+    <p:extLst>
+      <p:ext uri="{BB962C8B-B14F-4D97-AF65-F5344CB8AC3E}">
+        <p14:creationId xmlns:p14="http://schemas.microsoft.com/office/powerpoint/2010/main" val="4126824174"/>
+      </p:ext>
+    </p:extLst>
+  </p:cSld>
+  <p:clrMapOvr>
+    <a:masterClrMapping/>
+  </p:clrMapOvr>
+  <p:timing>
+    <p:tnLst>
+      <p:par>
+        <p:cTn id="1" dur="indefinite" restart="never" nodeType="tmRoot"/>
+      </p:par>
+    </p:tnLst>
+  </p:timing>
+</p:sld>
+</file>
+
+<file path=ppt/slides/slide13.xml><?xml version="1.0" encoding="utf-8"?>
+<p:sld xmlns:a="http://schemas.openxmlformats.org/drawingml/2006/main" xmlns:r="http://schemas.openxmlformats.org/officeDocument/2006/relationships" xmlns:p="http://schemas.openxmlformats.org/presentationml/2006/main">
+  <p:cSld>
+    <p:spTree>
+      <p:nvGrpSpPr>
+        <p:cNvPr id="1" name=""/>
+        <p:cNvGrpSpPr/>
+        <p:nvPr/>
+      </p:nvGrpSpPr>
+      <p:grpSpPr>
+        <a:xfrm>
+          <a:off x="0" y="0"/>
+          <a:ext cx="0" cy="0"/>
+          <a:chOff x="0" y="0"/>
+          <a:chExt cx="0" cy="0"/>
+        </a:xfrm>
+      </p:grpSpPr>
+      <p:sp>
+        <p:nvSpPr>
+          <p:cNvPr id="2" name="Title 1"/>
+          <p:cNvSpPr>
+            <a:spLocks noGrp="1"/>
+          </p:cNvSpPr>
+          <p:nvPr>
+            <p:ph type="title"/>
+          </p:nvPr>
+        </p:nvSpPr>
+        <p:spPr/>
+        <p:txBody>
+          <a:bodyPr/>
+          <a:lstStyle/>
+          <a:p>
+            <a:r>
+              <a:rPr lang="tr-TR" dirty="0" err="1" smtClean="0"/>
+              <a:t>future</a:t>
+            </a:r>
+            <a:r>
+              <a:rPr lang="tr-TR" dirty="0" smtClean="0"/>
+              <a:t> </a:t>
+            </a:r>
+            <a:r>
+              <a:rPr lang="tr-TR" dirty="0" smtClean="0"/>
+              <a:t>plan</a:t>
+            </a:r>
+            <a:endParaRPr lang="en-US" sz="2400" dirty="0"/>
+          </a:p>
+        </p:txBody>
+      </p:sp>
+      <p:sp>
+        <p:nvSpPr>
+          <p:cNvPr id="3" name="Content Placeholder 2"/>
+          <p:cNvSpPr>
+            <a:spLocks noGrp="1"/>
+          </p:cNvSpPr>
+          <p:nvPr>
+            <p:ph idx="1"/>
+          </p:nvPr>
+        </p:nvSpPr>
+        <p:spPr>
+          <a:xfrm>
+            <a:off x="1097280" y="1845734"/>
+            <a:ext cx="10916920" cy="4389966"/>
+          </a:xfrm>
+        </p:spPr>
+        <p:txBody>
+          <a:bodyPr>
+            <a:normAutofit fontScale="92500" lnSpcReduction="10000"/>
+          </a:bodyPr>
+          <a:lstStyle/>
           <a:p>
             <a:pPr>
               <a:buFont typeface="Wingdings" panose="05000000000000000000" pitchFamily="2" charset="2"/>
@@ -5232,66 +13559,175 @@
             </a:pPr>
             <a:r>
               <a:rPr lang="en-US" dirty="0" smtClean="0"/>
-              <a:t> proposed dead time compensation method will  </a:t>
+              <a:t> (*) candidate conference</a:t>
+            </a:r>
+            <a:r>
+              <a:rPr lang="en-US" dirty="0" smtClean="0"/>
+              <a:t>s</a:t>
             </a:r>
           </a:p>
           <a:p>
             <a:pPr lvl="1">
               <a:buFont typeface="Wingdings" panose="05000000000000000000" pitchFamily="2" charset="2"/>
-              <a:buChar char="q"/>
+              <a:buChar char="Ø"/>
             </a:pPr>
             <a:r>
               <a:rPr lang="en-US" dirty="0" smtClean="0"/>
-              <a:t> be software based hence no requirement additional hardware</a:t>
-            </a:r>
+              <a:t> </a:t>
+            </a:r>
+            <a:r>
+              <a:rPr lang="en-US" dirty="0" smtClean="0"/>
+              <a:t>2019 IEEE 13th International Conference on Power Electronics and Drive Systems (PEDS), France</a:t>
+            </a:r>
+          </a:p>
+          <a:p>
+            <a:pPr lvl="2">
+              <a:buFont typeface="Courier New" panose="02070309020205020404" pitchFamily="49" charset="0"/>
+              <a:buChar char="o"/>
+            </a:pPr>
+            <a:r>
+              <a:rPr lang="en-US" dirty="0" smtClean="0"/>
+              <a:t>Abstract Submission Deadline: 15 Nov 2018, Conference Date: 09-12 Jul 2019</a:t>
+            </a:r>
+          </a:p>
+          <a:p>
+            <a:pPr lvl="2">
+              <a:buFont typeface="Courier New" panose="02070309020205020404" pitchFamily="49" charset="0"/>
+              <a:buChar char="o"/>
+            </a:pPr>
+            <a:endParaRPr lang="en-US" dirty="0" smtClean="0"/>
           </a:p>
           <a:p>
             <a:pPr lvl="1">
               <a:buFont typeface="Wingdings" panose="05000000000000000000" pitchFamily="2" charset="2"/>
-              <a:buChar char="q"/>
+              <a:buChar char="Ø"/>
             </a:pPr>
             <a:r>
               <a:rPr lang="en-US" dirty="0" smtClean="0"/>
-              <a:t> not need precise current sampling especially in the zero crossing regions</a:t>
-            </a:r>
-          </a:p>
-          <a:p>
-            <a:pPr>
+              <a:t> </a:t>
+            </a:r>
+            <a:r>
+              <a:rPr lang="en-US" dirty="0" smtClean="0"/>
+              <a:t>2019 21st European Conference on Power Electronics and Applications (EPE '19 ECCE Europe), Italy</a:t>
+            </a:r>
+          </a:p>
+          <a:p>
+            <a:pPr lvl="2">
+              <a:buFont typeface="Courier New" panose="02070309020205020404" pitchFamily="49" charset="0"/>
+              <a:buChar char="o"/>
+            </a:pPr>
+            <a:r>
+              <a:rPr lang="en-US" dirty="0" smtClean="0"/>
+              <a:t>Abstract Submission Deadline: 15 Nov 2018, Conference Date: 02-05 Sep 2019 </a:t>
+            </a:r>
+          </a:p>
+          <a:p>
+            <a:pPr lvl="2">
+              <a:buFont typeface="Courier New" panose="02070309020205020404" pitchFamily="49" charset="0"/>
+              <a:buChar char="o"/>
+            </a:pPr>
+            <a:endParaRPr lang="en-US" dirty="0" smtClean="0"/>
+          </a:p>
+          <a:p>
+            <a:pPr lvl="1">
               <a:buFont typeface="Wingdings" panose="05000000000000000000" pitchFamily="2" charset="2"/>
-              <a:buChar char="q"/>
+              <a:buChar char="Ø"/>
             </a:pPr>
             <a:r>
               <a:rPr lang="en-US" dirty="0" smtClean="0"/>
-              <a:t> the method will be integrated to the PMSM drive which is controlled by FOC algorithm </a:t>
-            </a:r>
-          </a:p>
-          <a:p>
-            <a:pPr>
+              <a:t> 2019 10th International Conference on Power Electronics and ECCE Asia (ICPE 2019 - ECCE Asia), Korea (South)</a:t>
+            </a:r>
+          </a:p>
+          <a:p>
+            <a:pPr lvl="2">
+              <a:buFont typeface="Courier New" panose="02070309020205020404" pitchFamily="49" charset="0"/>
+              <a:buChar char="o"/>
+            </a:pPr>
+            <a:r>
+              <a:rPr lang="en-US" dirty="0" smtClean="0"/>
+              <a:t>Abstract Submission Deadline: 13 Oct 2018, Conference Date: 27-31 May 2019</a:t>
+            </a:r>
+          </a:p>
+          <a:p>
+            <a:pPr lvl="2">
+              <a:buFont typeface="Courier New" panose="02070309020205020404" pitchFamily="49" charset="0"/>
+              <a:buChar char="o"/>
+            </a:pPr>
+            <a:endParaRPr lang="en-US" dirty="0" smtClean="0"/>
+          </a:p>
+          <a:p>
+            <a:pPr lvl="1">
               <a:buFont typeface="Wingdings" panose="05000000000000000000" pitchFamily="2" charset="2"/>
-              <a:buChar char="q"/>
+              <a:buChar char="Ø"/>
             </a:pPr>
             <a:r>
               <a:rPr lang="en-US" dirty="0" smtClean="0"/>
-              <a:t> the effectiveness of the proposed method will be verified by experimental results and spectrum analysis</a:t>
-            </a:r>
-          </a:p>
-          <a:p>
-            <a:pPr>
+              <a:t> 2019 IEEE 13th International Conference on Compatibility, Power Electronics and Power Engineering (CPE-POWERENG), Denmark</a:t>
+            </a:r>
+          </a:p>
+          <a:p>
+            <a:pPr lvl="2">
+              <a:buFont typeface="Courier New" panose="02070309020205020404" pitchFamily="49" charset="0"/>
+              <a:buChar char="o"/>
+            </a:pPr>
+            <a:r>
+              <a:rPr lang="en-US" dirty="0" smtClean="0"/>
+              <a:t>Abstract Submission Deadline: 16 Nov 2018, Conference Date: 23-25 Apr 2019</a:t>
+            </a:r>
+          </a:p>
+          <a:p>
+            <a:pPr lvl="2">
+              <a:buFont typeface="Courier New" panose="02070309020205020404" pitchFamily="49" charset="0"/>
+              <a:buChar char="o"/>
+            </a:pPr>
+            <a:endParaRPr lang="en-US" dirty="0" smtClean="0"/>
+          </a:p>
+          <a:p>
+            <a:pPr lvl="1">
               <a:buFont typeface="Wingdings" panose="05000000000000000000" pitchFamily="2" charset="2"/>
-              <a:buChar char="q"/>
+              <a:buChar char="Ø"/>
             </a:pPr>
             <a:r>
               <a:rPr lang="en-US" dirty="0" smtClean="0"/>
-              <a:t> the waveforms of the phase, id and </a:t>
-            </a:r>
-            <a:r>
-              <a:rPr lang="en-US" dirty="0" err="1" smtClean="0"/>
-              <a:t>iq</a:t>
-            </a:r>
+              <a:t> 2019 International Aegean Conference on Electrical Machines and Power Electronics (ACEMP) &amp; 2019 International Conference on Optimization of Electrical and Electronic Equipment (OPTIM), Turkey</a:t>
+            </a:r>
+          </a:p>
+          <a:p>
+            <a:pPr lvl="2">
+              <a:buFont typeface="Courier New" panose="02070309020205020404" pitchFamily="49" charset="0"/>
+              <a:buChar char="o"/>
+            </a:pPr>
             <a:r>
               <a:rPr lang="en-US" dirty="0" smtClean="0"/>
-              <a:t> currents will be compared with and without compensation in the steady state and also during the dynamic process</a:t>
-            </a:r>
+              <a:t> Draft paper submission deadline：2019-03-20, Conference Date: 02-04 Sep 2019</a:t>
+            </a:r>
+          </a:p>
+          <a:p>
+            <a:pPr lvl="2">
+              <a:buFont typeface="Wingdings" panose="05000000000000000000" pitchFamily="2" charset="2"/>
+              <a:buChar char="Ø"/>
+            </a:pPr>
+            <a:endParaRPr lang="en-US" dirty="0" smtClean="0"/>
+          </a:p>
+          <a:p>
+            <a:pPr lvl="1">
+              <a:buFont typeface="Wingdings" panose="05000000000000000000" pitchFamily="2" charset="2"/>
+              <a:buChar char="Ø"/>
+            </a:pPr>
+            <a:endParaRPr lang="en-US" dirty="0" smtClean="0"/>
+          </a:p>
+          <a:p>
+            <a:pPr lvl="1">
+              <a:buFont typeface="Courier New" panose="02070309020205020404" pitchFamily="49" charset="0"/>
+              <a:buChar char="o"/>
+            </a:pPr>
+            <a:endParaRPr lang="en-US" dirty="0" smtClean="0"/>
+          </a:p>
+          <a:p>
+            <a:pPr lvl="2">
+              <a:buFont typeface="Courier New" panose="02070309020205020404" pitchFamily="49" charset="0"/>
+              <a:buChar char="o"/>
+            </a:pPr>
             <a:endParaRPr lang="en-US" dirty="0"/>
           </a:p>
         </p:txBody>
@@ -5299,7 +13735,329 @@
     </p:spTree>
     <p:extLst>
       <p:ext uri="{BB962C8B-B14F-4D97-AF65-F5344CB8AC3E}">
-        <p14:creationId xmlns:p14="http://schemas.microsoft.com/office/powerpoint/2010/main" xmlns="" val="989655920"/>
+        <p14:creationId xmlns:p14="http://schemas.microsoft.com/office/powerpoint/2010/main" val="1344668025"/>
+      </p:ext>
+    </p:extLst>
+  </p:cSld>
+  <p:clrMapOvr>
+    <a:masterClrMapping/>
+  </p:clrMapOvr>
+  <p:timing>
+    <p:tnLst>
+      <p:par>
+        <p:cTn id="1" dur="indefinite" restart="never" nodeType="tmRoot"/>
+      </p:par>
+    </p:tnLst>
+  </p:timing>
+</p:sld>
+</file>
+
+<file path=ppt/slides/slide14.xml><?xml version="1.0" encoding="utf-8"?>
+<p:sld xmlns:a="http://schemas.openxmlformats.org/drawingml/2006/main" xmlns:r="http://schemas.openxmlformats.org/officeDocument/2006/relationships" xmlns:p="http://schemas.openxmlformats.org/presentationml/2006/main">
+  <p:cSld>
+    <p:spTree>
+      <p:nvGrpSpPr>
+        <p:cNvPr id="1" name=""/>
+        <p:cNvGrpSpPr/>
+        <p:nvPr/>
+      </p:nvGrpSpPr>
+      <p:grpSpPr>
+        <a:xfrm>
+          <a:off x="0" y="0"/>
+          <a:ext cx="0" cy="0"/>
+          <a:chOff x="0" y="0"/>
+          <a:chExt cx="0" cy="0"/>
+        </a:xfrm>
+      </p:grpSpPr>
+      <p:sp>
+        <p:nvSpPr>
+          <p:cNvPr id="2" name="Title 1"/>
+          <p:cNvSpPr>
+            <a:spLocks noGrp="1"/>
+          </p:cNvSpPr>
+          <p:nvPr>
+            <p:ph type="title"/>
+          </p:nvPr>
+        </p:nvSpPr>
+        <p:spPr/>
+        <p:txBody>
+          <a:bodyPr/>
+          <a:lstStyle/>
+          <a:p>
+            <a:r>
+              <a:rPr lang="tr-TR" dirty="0" err="1" smtClean="0"/>
+              <a:t>future</a:t>
+            </a:r>
+            <a:r>
+              <a:rPr lang="tr-TR" dirty="0" smtClean="0"/>
+              <a:t> </a:t>
+            </a:r>
+            <a:r>
+              <a:rPr lang="tr-TR" dirty="0" smtClean="0"/>
+              <a:t>plan</a:t>
+            </a:r>
+            <a:endParaRPr lang="en-US" sz="2400" dirty="0"/>
+          </a:p>
+        </p:txBody>
+      </p:sp>
+      <p:sp>
+        <p:nvSpPr>
+          <p:cNvPr id="3" name="Content Placeholder 2"/>
+          <p:cNvSpPr>
+            <a:spLocks noGrp="1"/>
+          </p:cNvSpPr>
+          <p:nvPr>
+            <p:ph idx="1"/>
+          </p:nvPr>
+        </p:nvSpPr>
+        <p:spPr>
+          <a:xfrm>
+            <a:off x="1097280" y="1845734"/>
+            <a:ext cx="10916920" cy="4389966"/>
+          </a:xfrm>
+        </p:spPr>
+        <p:txBody>
+          <a:bodyPr>
+            <a:normAutofit/>
+          </a:bodyPr>
+          <a:lstStyle/>
+          <a:p>
+            <a:pPr>
+              <a:buFont typeface="Wingdings" panose="05000000000000000000" pitchFamily="2" charset="2"/>
+              <a:buChar char="q"/>
+            </a:pPr>
+            <a:r>
+              <a:rPr lang="en-US" dirty="0" smtClean="0"/>
+              <a:t> (**) candidate j</a:t>
+            </a:r>
+            <a:r>
+              <a:rPr lang="en-US" dirty="0" smtClean="0"/>
+              <a:t>ournals</a:t>
+            </a:r>
+          </a:p>
+          <a:p>
+            <a:pPr lvl="1">
+              <a:buFont typeface="Wingdings" panose="05000000000000000000" pitchFamily="2" charset="2"/>
+              <a:buChar char="Ø"/>
+            </a:pPr>
+            <a:r>
+              <a:rPr lang="en-US" dirty="0" smtClean="0"/>
+              <a:t> Power Electronics Magazine, IEEE</a:t>
+            </a:r>
+          </a:p>
+          <a:p>
+            <a:pPr lvl="1">
+              <a:buFont typeface="Wingdings" panose="05000000000000000000" pitchFamily="2" charset="2"/>
+              <a:buChar char="Ø"/>
+            </a:pPr>
+            <a:r>
+              <a:rPr lang="en-US" dirty="0" smtClean="0"/>
+              <a:t> Power Electronics, IEEE Transactions on</a:t>
+            </a:r>
+          </a:p>
+          <a:p>
+            <a:pPr lvl="1">
+              <a:buFont typeface="Wingdings" panose="05000000000000000000" pitchFamily="2" charset="2"/>
+              <a:buChar char="Ø"/>
+            </a:pPr>
+            <a:r>
+              <a:rPr lang="en-US" dirty="0" smtClean="0"/>
+              <a:t> Industrial Electronics Magazine, IEEE</a:t>
+            </a:r>
+          </a:p>
+          <a:p>
+            <a:pPr lvl="1">
+              <a:buFont typeface="Wingdings" panose="05000000000000000000" pitchFamily="2" charset="2"/>
+              <a:buChar char="Ø"/>
+            </a:pPr>
+            <a:r>
+              <a:rPr lang="en-US" dirty="0" smtClean="0"/>
+              <a:t> Industry Applications, IEEE Transactions on</a:t>
+            </a:r>
+          </a:p>
+          <a:p>
+            <a:pPr lvl="1">
+              <a:buFont typeface="Wingdings" panose="05000000000000000000" pitchFamily="2" charset="2"/>
+              <a:buChar char="Ø"/>
+            </a:pPr>
+            <a:r>
+              <a:rPr lang="en-US" dirty="0" smtClean="0"/>
+              <a:t> Industry Applications Magazine, IEEE</a:t>
+            </a:r>
+          </a:p>
+          <a:p>
+            <a:pPr lvl="1">
+              <a:buFont typeface="Wingdings" panose="05000000000000000000" pitchFamily="2" charset="2"/>
+              <a:buChar char="Ø"/>
+            </a:pPr>
+            <a:endParaRPr lang="en-US" dirty="0" smtClean="0"/>
+          </a:p>
+          <a:p>
+            <a:pPr lvl="2">
+              <a:buFont typeface="Wingdings" panose="05000000000000000000" pitchFamily="2" charset="2"/>
+              <a:buChar char="Ø"/>
+            </a:pPr>
+            <a:endParaRPr lang="en-US" dirty="0" smtClean="0"/>
+          </a:p>
+          <a:p>
+            <a:pPr lvl="1">
+              <a:buFont typeface="Wingdings" panose="05000000000000000000" pitchFamily="2" charset="2"/>
+              <a:buChar char="Ø"/>
+            </a:pPr>
+            <a:endParaRPr lang="en-US" dirty="0" smtClean="0"/>
+          </a:p>
+          <a:p>
+            <a:pPr lvl="1">
+              <a:buFont typeface="Courier New" panose="02070309020205020404" pitchFamily="49" charset="0"/>
+              <a:buChar char="o"/>
+            </a:pPr>
+            <a:endParaRPr lang="en-US" dirty="0" smtClean="0"/>
+          </a:p>
+          <a:p>
+            <a:pPr lvl="2">
+              <a:buFont typeface="Courier New" panose="02070309020205020404" pitchFamily="49" charset="0"/>
+              <a:buChar char="o"/>
+            </a:pPr>
+            <a:endParaRPr lang="en-US" dirty="0"/>
+          </a:p>
+        </p:txBody>
+      </p:sp>
+    </p:spTree>
+    <p:extLst>
+      <p:ext uri="{BB962C8B-B14F-4D97-AF65-F5344CB8AC3E}">
+        <p14:creationId xmlns:p14="http://schemas.microsoft.com/office/powerpoint/2010/main" val="3275605044"/>
+      </p:ext>
+    </p:extLst>
+  </p:cSld>
+  <p:clrMapOvr>
+    <a:masterClrMapping/>
+  </p:clrMapOvr>
+  <p:timing>
+    <p:tnLst>
+      <p:par>
+        <p:cTn id="1" dur="indefinite" restart="never" nodeType="tmRoot"/>
+      </p:par>
+    </p:tnLst>
+  </p:timing>
+</p:sld>
+</file>
+
+<file path=ppt/slides/slide15.xml><?xml version="1.0" encoding="utf-8"?>
+<p:sld xmlns:a="http://schemas.openxmlformats.org/drawingml/2006/main" xmlns:r="http://schemas.openxmlformats.org/officeDocument/2006/relationships" xmlns:p="http://schemas.openxmlformats.org/presentationml/2006/main">
+  <p:cSld>
+    <p:spTree>
+      <p:nvGrpSpPr>
+        <p:cNvPr id="1" name=""/>
+        <p:cNvGrpSpPr/>
+        <p:nvPr/>
+      </p:nvGrpSpPr>
+      <p:grpSpPr>
+        <a:xfrm>
+          <a:off x="0" y="0"/>
+          <a:ext cx="0" cy="0"/>
+          <a:chOff x="0" y="0"/>
+          <a:chExt cx="0" cy="0"/>
+        </a:xfrm>
+      </p:grpSpPr>
+      <p:sp>
+        <p:nvSpPr>
+          <p:cNvPr id="3" name="Content Placeholder 2"/>
+          <p:cNvSpPr>
+            <a:spLocks noGrp="1"/>
+          </p:cNvSpPr>
+          <p:nvPr>
+            <p:ph idx="1"/>
+          </p:nvPr>
+        </p:nvSpPr>
+        <p:spPr>
+          <a:xfrm>
+            <a:off x="1097280" y="1845734"/>
+            <a:ext cx="10916920" cy="4389966"/>
+          </a:xfrm>
+        </p:spPr>
+        <p:txBody>
+          <a:bodyPr>
+            <a:normAutofit/>
+          </a:bodyPr>
+          <a:lstStyle/>
+          <a:p>
+            <a:pPr marL="0" indent="0">
+              <a:buNone/>
+            </a:pPr>
+            <a:endParaRPr lang="en-US" sz="4800" dirty="0" smtClean="0"/>
+          </a:p>
+          <a:p>
+            <a:pPr marL="0" indent="0">
+              <a:buNone/>
+            </a:pPr>
+            <a:endParaRPr lang="en-US" sz="4800" dirty="0" smtClean="0"/>
+          </a:p>
+          <a:p>
+            <a:pPr marL="0" indent="0">
+              <a:buNone/>
+            </a:pPr>
+            <a:r>
+              <a:rPr lang="en-US" sz="4800" dirty="0" smtClean="0"/>
+              <a:t>			thank you</a:t>
+            </a:r>
+          </a:p>
+          <a:p>
+            <a:pPr lvl="2">
+              <a:buFont typeface="Wingdings" panose="05000000000000000000" pitchFamily="2" charset="2"/>
+              <a:buChar char="Ø"/>
+            </a:pPr>
+            <a:endParaRPr lang="en-US" dirty="0" smtClean="0"/>
+          </a:p>
+          <a:p>
+            <a:pPr lvl="1">
+              <a:buFont typeface="Wingdings" panose="05000000000000000000" pitchFamily="2" charset="2"/>
+              <a:buChar char="Ø"/>
+            </a:pPr>
+            <a:endParaRPr lang="en-US" dirty="0" smtClean="0"/>
+          </a:p>
+          <a:p>
+            <a:pPr lvl="1">
+              <a:buFont typeface="Courier New" panose="02070309020205020404" pitchFamily="49" charset="0"/>
+              <a:buChar char="o"/>
+            </a:pPr>
+            <a:endParaRPr lang="en-US" dirty="0" smtClean="0"/>
+          </a:p>
+          <a:p>
+            <a:pPr lvl="2">
+              <a:buFont typeface="Courier New" panose="02070309020205020404" pitchFamily="49" charset="0"/>
+              <a:buChar char="o"/>
+            </a:pPr>
+            <a:endParaRPr lang="en-US" dirty="0"/>
+          </a:p>
+        </p:txBody>
+      </p:sp>
+      <p:sp>
+        <p:nvSpPr>
+          <p:cNvPr id="4" name="Title 3"/>
+          <p:cNvSpPr>
+            <a:spLocks noGrp="1"/>
+          </p:cNvSpPr>
+          <p:nvPr>
+            <p:ph type="title"/>
+          </p:nvPr>
+        </p:nvSpPr>
+        <p:spPr/>
+        <p:txBody>
+          <a:bodyPr/>
+          <a:lstStyle/>
+          <a:p>
+            <a:r>
+              <a:rPr lang="tr-TR" dirty="0" smtClean="0"/>
+              <a:t>	</a:t>
+            </a:r>
+            <a:endParaRPr lang="en-US" dirty="0"/>
+          </a:p>
+        </p:txBody>
+      </p:sp>
+    </p:spTree>
+    <p:extLst>
+      <p:ext uri="{BB962C8B-B14F-4D97-AF65-F5344CB8AC3E}">
+        <p14:creationId xmlns:p14="http://schemas.microsoft.com/office/powerpoint/2010/main" val="3780020837"/>
       </p:ext>
     </p:extLst>
   </p:cSld>
@@ -5429,7 +14187,7 @@
     </p:spTree>
     <p:extLst>
       <p:ext uri="{BB962C8B-B14F-4D97-AF65-F5344CB8AC3E}">
-        <p14:creationId xmlns:p14="http://schemas.microsoft.com/office/powerpoint/2010/main" xmlns="" val="614387590"/>
+        <p14:creationId xmlns:p14="http://schemas.microsoft.com/office/powerpoint/2010/main" val="614387590"/>
       </p:ext>
     </p:extLst>
   </p:cSld>
@@ -5630,7 +14388,7 @@
     </p:spTree>
     <p:extLst>
       <p:ext uri="{BB962C8B-B14F-4D97-AF65-F5344CB8AC3E}">
-        <p14:creationId xmlns:p14="http://schemas.microsoft.com/office/powerpoint/2010/main" xmlns="" val="794321028"/>
+        <p14:creationId xmlns:p14="http://schemas.microsoft.com/office/powerpoint/2010/main" val="794321028"/>
       </p:ext>
     </p:extLst>
   </p:cSld>
@@ -6585,7 +15343,7 @@
     </p:spTree>
     <p:extLst>
       <p:ext uri="{BB962C8B-B14F-4D97-AF65-F5344CB8AC3E}">
-        <p14:creationId xmlns:p14="http://schemas.microsoft.com/office/powerpoint/2010/main" xmlns="" val="206126284"/>
+        <p14:creationId xmlns:p14="http://schemas.microsoft.com/office/powerpoint/2010/main" val="206126284"/>
       </p:ext>
     </p:extLst>
   </p:cSld>
@@ -6679,7 +15437,15 @@
             </a:r>
             <a:r>
               <a:rPr lang="en-US" dirty="0" smtClean="0"/>
-              <a:t> harmonics in the α-β reference frame and 6th voltage harmonic and its multiples in the d-q reference frame which cause current harmonics </a:t>
+              <a:t> harmonics in the α-β reference frame and 6</a:t>
+            </a:r>
+            <a:r>
+              <a:rPr lang="en-US" baseline="30000" dirty="0" smtClean="0"/>
+              <a:t>th</a:t>
+            </a:r>
+            <a:r>
+              <a:rPr lang="en-US" dirty="0" smtClean="0"/>
+              <a:t> voltage harmonic and its multiples in the d-q reference frame which cause current harmonics </a:t>
             </a:r>
           </a:p>
           <a:p>
@@ -6724,7 +15490,7 @@
           <p:nvPr>
             <p:extLst>
               <p:ext uri="{D42A27DB-BD31-4B8C-83A1-F6EECF244321}">
-                <p14:modId xmlns:p14="http://schemas.microsoft.com/office/powerpoint/2010/main" xmlns="" val="3584033790"/>
+                <p14:modId xmlns:p14="http://schemas.microsoft.com/office/powerpoint/2010/main" val="3584033790"/>
               </p:ext>
             </p:extLst>
           </p:nvPr>
@@ -6735,9 +15501,59 @@
         </p:xfrm>
         <a:graphic>
           <a:graphicData uri="http://schemas.openxmlformats.org/presentationml/2006/ole">
-            <p:oleObj spid="_x0000_s1026" name="Bitmap Image" r:id="rId5" imgW="3209760" imgH="971640" progId="PBrush">
-              <p:embed/>
-            </p:oleObj>
+            <mc:AlternateContent xmlns:mc="http://schemas.openxmlformats.org/markup-compatibility/2006">
+              <mc:Choice xmlns:v="urn:schemas-microsoft-com:vml" Requires="v">
+                <p:oleObj spid="_x0000_s1064" name="Bitmap Image" r:id="rId5" imgW="3209760" imgH="971640" progId="PBrush">
+                  <p:embed/>
+                </p:oleObj>
+              </mc:Choice>
+              <mc:Fallback>
+                <p:oleObj name="Bitmap Image" r:id="rId5" imgW="3209760" imgH="971640" progId="PBrush">
+                  <p:embed/>
+                  <p:pic>
+                    <p:nvPicPr>
+                      <p:cNvPr id="0" name="Picture 2"/>
+                      <p:cNvPicPr>
+                        <a:picLocks noChangeAspect="1" noChangeArrowheads="1"/>
+                      </p:cNvPicPr>
+                      <p:nvPr/>
+                    </p:nvPicPr>
+                    <p:blipFill>
+                      <a:blip r:embed="rId6">
+                        <a:extLst>
+                          <a:ext uri="{28A0092B-C50C-407E-A947-70E740481C1C}">
+                            <a14:useLocalDpi xmlns:a14="http://schemas.microsoft.com/office/drawing/2010/main" val="0"/>
+                          </a:ext>
+                        </a:extLst>
+                      </a:blip>
+                      <a:srcRect/>
+                      <a:stretch>
+                        <a:fillRect/>
+                      </a:stretch>
+                    </p:blipFill>
+                    <p:spPr bwMode="auto">
+                      <a:xfrm>
+                        <a:off x="5676831" y="2991240"/>
+                        <a:ext cx="2540069" cy="768804"/>
+                      </a:xfrm>
+                      <a:prstGeom prst="rect">
+                        <a:avLst/>
+                      </a:prstGeom>
+                      <a:noFill/>
+                      <a:extLst>
+                        <a:ext uri="{909E8E84-426E-40DD-AFC4-6F175D3DCCD1}">
+                          <a14:hiddenFill xmlns:a14="http://schemas.microsoft.com/office/drawing/2010/main">
+                            <a:solidFill>
+                              <a:srgbClr val="FFFFFF"/>
+                            </a:solidFill>
+                          </a14:hiddenFill>
+                        </a:ext>
+                      </a:extLst>
+                    </p:spPr>
+                  </p:pic>
+                </p:oleObj>
+              </mc:Fallback>
+            </mc:AlternateContent>
           </a:graphicData>
         </a:graphic>
       </p:graphicFrame>
@@ -6750,7 +15566,7 @@
           <p:nvPr/>
         </p:nvPicPr>
         <p:blipFill>
-          <a:blip r:embed="rId6"/>
+          <a:blip r:embed="rId7"/>
           <a:stretch>
             <a:fillRect/>
           </a:stretch>
@@ -6774,7 +15590,7 @@
           <p:nvPr/>
         </p:nvPicPr>
         <p:blipFill>
-          <a:blip r:embed="rId7"/>
+          <a:blip r:embed="rId8"/>
           <a:stretch>
             <a:fillRect/>
           </a:stretch>
@@ -6798,7 +15614,7 @@
           <p:nvPr/>
         </p:nvPicPr>
         <p:blipFill>
-          <a:blip r:embed="rId8"/>
+          <a:blip r:embed="rId9"/>
           <a:stretch>
             <a:fillRect/>
           </a:stretch>
@@ -6994,7 +15810,7 @@
     </p:spTree>
     <p:extLst>
       <p:ext uri="{BB962C8B-B14F-4D97-AF65-F5344CB8AC3E}">
-        <p14:creationId xmlns:p14="http://schemas.microsoft.com/office/powerpoint/2010/main" xmlns="" val="914271857"/>
+        <p14:creationId xmlns:p14="http://schemas.microsoft.com/office/powerpoint/2010/main" val="914271857"/>
       </p:ext>
     </p:extLst>
   </p:cSld>
@@ -7094,32 +15910,8 @@
         </p:blipFill>
         <p:spPr>
           <a:xfrm>
-            <a:off x="386760" y="4679249"/>
-            <a:ext cx="1549784" cy="1580172"/>
-          </a:xfrm>
-          <a:prstGeom prst="rect">
-            <a:avLst/>
-          </a:prstGeom>
-        </p:spPr>
-      </p:pic>
-      <p:pic>
-        <p:nvPicPr>
-          <p:cNvPr id="6" name="Picture 5"/>
-          <p:cNvPicPr>
-            <a:picLocks noChangeAspect="1"/>
-          </p:cNvPicPr>
-          <p:nvPr/>
-        </p:nvPicPr>
-        <p:blipFill>
-          <a:blip r:embed="rId4"/>
-          <a:stretch>
-            <a:fillRect/>
-          </a:stretch>
-        </p:blipFill>
-        <p:spPr>
-          <a:xfrm>
-            <a:off x="7773148" y="2279244"/>
-            <a:ext cx="3821112" cy="2536903"/>
+            <a:off x="3102709" y="4283535"/>
+            <a:ext cx="1956718" cy="1995085"/>
           </a:xfrm>
           <a:prstGeom prst="rect">
             <a:avLst/>
@@ -7135,39 +15927,15 @@
           <p:nvPr/>
         </p:nvPicPr>
         <p:blipFill>
-          <a:blip r:embed="rId5"/>
+          <a:blip r:embed="rId4"/>
           <a:stretch>
             <a:fillRect/>
           </a:stretch>
         </p:blipFill>
         <p:spPr>
           <a:xfrm>
-            <a:off x="2752534" y="2228444"/>
-            <a:ext cx="4595648" cy="2737256"/>
-          </a:xfrm>
-          <a:prstGeom prst="rect">
-            <a:avLst/>
-          </a:prstGeom>
-        </p:spPr>
-      </p:pic>
-      <p:pic>
-        <p:nvPicPr>
-          <p:cNvPr id="10" name="Picture 9"/>
-          <p:cNvPicPr>
-            <a:picLocks noChangeAspect="1"/>
-          </p:cNvPicPr>
-          <p:nvPr/>
-        </p:nvPicPr>
-        <p:blipFill>
-          <a:blip r:embed="rId6"/>
-          <a:stretch>
-            <a:fillRect/>
-          </a:stretch>
-        </p:blipFill>
-        <p:spPr>
-          <a:xfrm>
-            <a:off x="8486814" y="4816147"/>
-            <a:ext cx="2668866" cy="1486457"/>
+            <a:off x="6126480" y="2597081"/>
+            <a:ext cx="5601343" cy="3336267"/>
           </a:xfrm>
           <a:prstGeom prst="rect">
             <a:avLst/>
@@ -7183,15 +15951,15 @@
           <p:nvPr/>
         </p:nvPicPr>
         <p:blipFill>
-          <a:blip r:embed="rId7"/>
+          <a:blip r:embed="rId5"/>
           <a:stretch>
             <a:fillRect/>
           </a:stretch>
         </p:blipFill>
         <p:spPr>
           <a:xfrm>
-            <a:off x="241189" y="2236061"/>
-            <a:ext cx="1841585" cy="2287387"/>
+            <a:off x="86225" y="2797109"/>
+            <a:ext cx="2363957" cy="2936212"/>
           </a:xfrm>
           <a:prstGeom prst="rect">
             <a:avLst/>
@@ -7207,15 +15975,15 @@
           <p:nvPr/>
         </p:nvPicPr>
         <p:blipFill>
-          <a:blip r:embed="rId8"/>
+          <a:blip r:embed="rId6"/>
           <a:stretch>
             <a:fillRect/>
           </a:stretch>
         </p:blipFill>
         <p:spPr>
           <a:xfrm>
-            <a:off x="3591798" y="4843614"/>
-            <a:ext cx="2641024" cy="1415807"/>
+            <a:off x="2450182" y="2330062"/>
+            <a:ext cx="3261773" cy="1748580"/>
           </a:xfrm>
           <a:prstGeom prst="rect">
             <a:avLst/>
@@ -7225,7 +15993,7 @@
     </p:spTree>
     <p:extLst>
       <p:ext uri="{BB962C8B-B14F-4D97-AF65-F5344CB8AC3E}">
-        <p14:creationId xmlns:p14="http://schemas.microsoft.com/office/powerpoint/2010/main" xmlns="" val="270053531"/>
+        <p14:creationId xmlns:p14="http://schemas.microsoft.com/office/powerpoint/2010/main" val="270053531"/>
       </p:ext>
     </p:extLst>
   </p:cSld>
@@ -7259,6 +16027,30 @@
           <a:chExt cx="0" cy="0"/>
         </a:xfrm>
       </p:grpSpPr>
+      <p:pic>
+        <p:nvPicPr>
+          <p:cNvPr id="10" name="Picture 9"/>
+          <p:cNvPicPr>
+            <a:picLocks noChangeAspect="1"/>
+          </p:cNvPicPr>
+          <p:nvPr/>
+        </p:nvPicPr>
+        <p:blipFill>
+          <a:blip r:embed="rId3"/>
+          <a:stretch>
+            <a:fillRect/>
+          </a:stretch>
+        </p:blipFill>
+        <p:spPr>
+          <a:xfrm>
+            <a:off x="4719768" y="4881072"/>
+            <a:ext cx="2523598" cy="1405548"/>
+          </a:xfrm>
+          <a:prstGeom prst="rect">
+            <a:avLst/>
+          </a:prstGeom>
+        </p:spPr>
+      </p:pic>
       <p:sp>
         <p:nvSpPr>
           <p:cNvPr id="2" name="Title 1"/>
@@ -7303,66 +16095,24 @@
             </a:pPr>
             <a:r>
               <a:rPr lang="en-US" dirty="0" smtClean="0"/>
-              <a:t> an example of software based compensation method (revised repetitive controller RRC)</a:t>
-            </a:r>
-          </a:p>
-          <a:p>
-            <a:pPr>
-              <a:buFont typeface="Wingdings" panose="05000000000000000000" pitchFamily="2" charset="2"/>
-              <a:buChar char="q"/>
-            </a:pPr>
+              <a:t> an example of hardware based compensation method</a:t>
+            </a:r>
+            <a:r>
+              <a:rPr lang="tr-TR" dirty="0" smtClean="0"/>
+              <a:t> (</a:t>
+            </a:r>
+            <a:r>
+              <a:rPr lang="tr-TR" dirty="0" err="1" smtClean="0"/>
+              <a:t>cont’d</a:t>
+            </a:r>
+            <a:r>
+              <a:rPr lang="tr-TR" dirty="0" smtClean="0"/>
+              <a:t>)</a:t>
+            </a:r>
             <a:endParaRPr lang="en-US" dirty="0"/>
           </a:p>
         </p:txBody>
       </p:sp>
-      <p:pic>
-        <p:nvPicPr>
-          <p:cNvPr id="4" name="Picture 3"/>
-          <p:cNvPicPr>
-            <a:picLocks noChangeAspect="1"/>
-          </p:cNvPicPr>
-          <p:nvPr/>
-        </p:nvPicPr>
-        <p:blipFill>
-          <a:blip r:embed="rId2"/>
-          <a:stretch>
-            <a:fillRect/>
-          </a:stretch>
-        </p:blipFill>
-        <p:spPr>
-          <a:xfrm>
-            <a:off x="101600" y="2453100"/>
-            <a:ext cx="5008880" cy="3415994"/>
-          </a:xfrm>
-          <a:prstGeom prst="rect">
-            <a:avLst/>
-          </a:prstGeom>
-        </p:spPr>
-      </p:pic>
-      <p:pic>
-        <p:nvPicPr>
-          <p:cNvPr id="5" name="Picture 4"/>
-          <p:cNvPicPr>
-            <a:picLocks noChangeAspect="1"/>
-          </p:cNvPicPr>
-          <p:nvPr/>
-        </p:nvPicPr>
-        <p:blipFill>
-          <a:blip r:embed="rId3"/>
-          <a:stretch>
-            <a:fillRect/>
-          </a:stretch>
-        </p:blipFill>
-        <p:spPr>
-          <a:xfrm>
-            <a:off x="4996180" y="2702031"/>
-            <a:ext cx="3515517" cy="3167063"/>
-          </a:xfrm>
-          <a:prstGeom prst="rect">
-            <a:avLst/>
-          </a:prstGeom>
-        </p:spPr>
-      </p:pic>
       <p:pic>
         <p:nvPicPr>
           <p:cNvPr id="6" name="Picture 5"/>
@@ -7379,8 +16129,32 @@
         </p:blipFill>
         <p:spPr>
           <a:xfrm>
-            <a:off x="8420590" y="2778231"/>
-            <a:ext cx="3857769" cy="3090863"/>
+            <a:off x="217620" y="2244985"/>
+            <a:ext cx="4578348" cy="3039645"/>
+          </a:xfrm>
+          <a:prstGeom prst="rect">
+            <a:avLst/>
+          </a:prstGeom>
+        </p:spPr>
+      </p:pic>
+      <p:pic>
+        <p:nvPicPr>
+          <p:cNvPr id="5" name="Picture 4"/>
+          <p:cNvPicPr>
+            <a:picLocks noChangeAspect="1"/>
+          </p:cNvPicPr>
+          <p:nvPr/>
+        </p:nvPicPr>
+        <p:blipFill>
+          <a:blip r:embed="rId5"/>
+          <a:stretch>
+            <a:fillRect/>
+          </a:stretch>
+        </p:blipFill>
+        <p:spPr>
+          <a:xfrm>
+            <a:off x="6903406" y="2244985"/>
+            <a:ext cx="5131934" cy="2780436"/>
           </a:xfrm>
           <a:prstGeom prst="rect">
             <a:avLst/>
@@ -7390,7 +16164,7 @@
     </p:spTree>
     <p:extLst>
       <p:ext uri="{BB962C8B-B14F-4D97-AF65-F5344CB8AC3E}">
-        <p14:creationId xmlns:p14="http://schemas.microsoft.com/office/powerpoint/2010/main" xmlns="" val="1233765601"/>
+        <p14:creationId xmlns:p14="http://schemas.microsoft.com/office/powerpoint/2010/main" val="282162397"/>
       </p:ext>
     </p:extLst>
   </p:cSld>
@@ -7424,78 +16198,6 @@
           <a:chExt cx="0" cy="0"/>
         </a:xfrm>
       </p:grpSpPr>
-      <p:pic>
-        <p:nvPicPr>
-          <p:cNvPr id="11" name="Picture 10"/>
-          <p:cNvPicPr>
-            <a:picLocks noChangeAspect="1"/>
-          </p:cNvPicPr>
-          <p:nvPr/>
-        </p:nvPicPr>
-        <p:blipFill>
-          <a:blip r:embed="rId3"/>
-          <a:stretch>
-            <a:fillRect/>
-          </a:stretch>
-        </p:blipFill>
-        <p:spPr>
-          <a:xfrm>
-            <a:off x="6832537" y="4490976"/>
-            <a:ext cx="2436215" cy="1770063"/>
-          </a:xfrm>
-          <a:prstGeom prst="rect">
-            <a:avLst/>
-          </a:prstGeom>
-        </p:spPr>
-      </p:pic>
-      <p:pic>
-        <p:nvPicPr>
-          <p:cNvPr id="12" name="Picture 11"/>
-          <p:cNvPicPr>
-            <a:picLocks noChangeAspect="1"/>
-          </p:cNvPicPr>
-          <p:nvPr/>
-        </p:nvPicPr>
-        <p:blipFill>
-          <a:blip r:embed="rId4"/>
-          <a:stretch>
-            <a:fillRect/>
-          </a:stretch>
-        </p:blipFill>
-        <p:spPr>
-          <a:xfrm>
-            <a:off x="9559957" y="4434303"/>
-            <a:ext cx="2378043" cy="1883410"/>
-          </a:xfrm>
-          <a:prstGeom prst="rect">
-            <a:avLst/>
-          </a:prstGeom>
-        </p:spPr>
-      </p:pic>
-      <p:pic>
-        <p:nvPicPr>
-          <p:cNvPr id="10" name="Picture 9"/>
-          <p:cNvPicPr>
-            <a:picLocks noChangeAspect="1"/>
-          </p:cNvPicPr>
-          <p:nvPr/>
-        </p:nvPicPr>
-        <p:blipFill>
-          <a:blip r:embed="rId5"/>
-          <a:stretch>
-            <a:fillRect/>
-          </a:stretch>
-        </p:blipFill>
-        <p:spPr>
-          <a:xfrm>
-            <a:off x="6887700" y="2057400"/>
-            <a:ext cx="4012955" cy="2427702"/>
-          </a:xfrm>
-          <a:prstGeom prst="rect">
-            <a:avLst/>
-          </a:prstGeom>
-        </p:spPr>
-      </p:pic>
       <p:sp>
         <p:nvSpPr>
           <p:cNvPr id="2" name="Title 1"/>
@@ -7529,12 +16231,7 @@
             <p:ph idx="1"/>
           </p:nvPr>
         </p:nvSpPr>
-        <p:spPr>
-          <a:xfrm>
-            <a:off x="1097280" y="1845734"/>
-            <a:ext cx="10370820" cy="4023360"/>
-          </a:xfrm>
-        </p:spPr>
+        <p:spPr/>
         <p:txBody>
           <a:bodyPr/>
           <a:lstStyle/>
@@ -7545,7 +16242,7 @@
             </a:pPr>
             <a:r>
               <a:rPr lang="en-US" dirty="0" smtClean="0"/>
-              <a:t> an example of software based compensation method (revised repetitive controller RRC) (cont’d)</a:t>
+              <a:t> an example of software based compensation method (revised repetitive controller RRC)</a:t>
             </a:r>
           </a:p>
           <a:p>
@@ -7559,22 +16256,22 @@
       </p:sp>
       <p:pic>
         <p:nvPicPr>
-          <p:cNvPr id="7" name="Picture 6"/>
+          <p:cNvPr id="4" name="Picture 3"/>
           <p:cNvPicPr>
             <a:picLocks noChangeAspect="1"/>
           </p:cNvPicPr>
           <p:nvPr/>
         </p:nvPicPr>
         <p:blipFill>
-          <a:blip r:embed="rId6"/>
+          <a:blip r:embed="rId3"/>
           <a:stretch>
             <a:fillRect/>
           </a:stretch>
         </p:blipFill>
         <p:spPr>
           <a:xfrm>
-            <a:off x="174270" y="2881312"/>
-            <a:ext cx="2540989" cy="2302290"/>
+            <a:off x="101600" y="2453100"/>
+            <a:ext cx="5008880" cy="3415994"/>
           </a:xfrm>
           <a:prstGeom prst="rect">
             <a:avLst/>
@@ -7583,22 +16280,22 @@
       </p:pic>
       <p:pic>
         <p:nvPicPr>
-          <p:cNvPr id="8" name="Picture 7"/>
+          <p:cNvPr id="5" name="Picture 4"/>
           <p:cNvPicPr>
             <a:picLocks noChangeAspect="1"/>
           </p:cNvPicPr>
           <p:nvPr/>
         </p:nvPicPr>
         <p:blipFill>
-          <a:blip r:embed="rId7"/>
+          <a:blip r:embed="rId4"/>
           <a:stretch>
             <a:fillRect/>
           </a:stretch>
         </p:blipFill>
         <p:spPr>
           <a:xfrm>
-            <a:off x="3504636" y="4622732"/>
-            <a:ext cx="2882901" cy="1673489"/>
+            <a:off x="4996180" y="2702031"/>
+            <a:ext cx="3515517" cy="3167063"/>
           </a:xfrm>
           <a:prstGeom prst="rect">
             <a:avLst/>
@@ -7607,22 +16304,22 @@
       </p:pic>
       <p:pic>
         <p:nvPicPr>
-          <p:cNvPr id="9" name="Picture 8"/>
+          <p:cNvPr id="6" name="Picture 5"/>
           <p:cNvPicPr>
             <a:picLocks noChangeAspect="1"/>
           </p:cNvPicPr>
           <p:nvPr/>
         </p:nvPicPr>
         <p:blipFill>
-          <a:blip r:embed="rId8"/>
+          <a:blip r:embed="rId5"/>
           <a:stretch>
             <a:fillRect/>
           </a:stretch>
         </p:blipFill>
         <p:spPr>
           <a:xfrm>
-            <a:off x="2940821" y="2167352"/>
-            <a:ext cx="3936171" cy="2381250"/>
+            <a:off x="8420590" y="2778231"/>
+            <a:ext cx="3857769" cy="3090863"/>
           </a:xfrm>
           <a:prstGeom prst="rect">
             <a:avLst/>
@@ -7632,7 +16329,7 @@
     </p:spTree>
     <p:extLst>
       <p:ext uri="{BB962C8B-B14F-4D97-AF65-F5344CB8AC3E}">
-        <p14:creationId xmlns:p14="http://schemas.microsoft.com/office/powerpoint/2010/main" xmlns="" val="472826320"/>
+        <p14:creationId xmlns:p14="http://schemas.microsoft.com/office/powerpoint/2010/main" val="1233765601"/>
       </p:ext>
     </p:extLst>
   </p:cSld>
@@ -7926,7 +16623,7 @@
   <a:extraClrSchemeLst/>
   <a:extLst>
     <a:ext uri="{05A4C25C-085E-4340-85A3-A5531E510DB2}">
-      <thm15:themeFamily xmlns="" xmlns:thm15="http://schemas.microsoft.com/office/thememl/2012/main" name="Retrospect" id="{5F128B03-DCCA-4EEB-AB3B-CF2899314A46}" vid="{3F1AAB62-24C6-49D2-8E01-B56FAC9A3DCD}"/>
+      <thm15:themeFamily xmlns:thm15="http://schemas.microsoft.com/office/thememl/2012/main" name="Retrospect" id="{5F128B03-DCCA-4EEB-AB3B-CF2899314A46}" vid="{3F1AAB62-24C6-49D2-8E01-B56FAC9A3DCD}"/>
     </a:ext>
   </a:extLst>
 </a:theme>
@@ -8187,7 +16884,7 @@
   <a:extraClrSchemeLst/>
   <a:extLst>
     <a:ext uri="{05A4C25C-085E-4340-85A3-A5531E510DB2}">
-      <thm15:themeFamily xmlns="" xmlns:thm15="http://schemas.microsoft.com/office/thememl/2012/main" name="Office Theme" id="{62F939B6-93AF-4DB8-9C6B-D6C7DFDC589F}" vid="{4A3C46E8-61CC-4603-A589-7422A47A8E4A}"/>
+      <thm15:themeFamily xmlns:thm15="http://schemas.microsoft.com/office/thememl/2012/main" name="Office Theme" id="{62F939B6-93AF-4DB8-9C6B-D6C7DFDC589F}" vid="{4A3C46E8-61CC-4603-A589-7422A47A8E4A}"/>
     </a:ext>
   </a:extLst>
 </a:theme>

--- a/tik/tikMay2018.pptx
+++ b/tik/tikMay2018.pptx
@@ -5,24 +5,26 @@
     <p:sldMasterId id="2147483736" r:id="rId1"/>
   </p:sldMasterIdLst>
   <p:notesMasterIdLst>
-    <p:notesMasterId r:id="rId17"/>
+    <p:notesMasterId r:id="rId19"/>
   </p:notesMasterIdLst>
   <p:sldIdLst>
     <p:sldId id="256" r:id="rId2"/>
     <p:sldId id="257" r:id="rId3"/>
-    <p:sldId id="258" r:id="rId4"/>
-    <p:sldId id="259" r:id="rId5"/>
-    <p:sldId id="260" r:id="rId6"/>
-    <p:sldId id="261" r:id="rId7"/>
-    <p:sldId id="262" r:id="rId8"/>
-    <p:sldId id="266" r:id="rId9"/>
-    <p:sldId id="263" r:id="rId10"/>
-    <p:sldId id="264" r:id="rId11"/>
-    <p:sldId id="265" r:id="rId12"/>
-    <p:sldId id="267" r:id="rId13"/>
-    <p:sldId id="268" r:id="rId14"/>
-    <p:sldId id="269" r:id="rId15"/>
-    <p:sldId id="270" r:id="rId16"/>
+    <p:sldId id="271" r:id="rId4"/>
+    <p:sldId id="272" r:id="rId5"/>
+    <p:sldId id="274" r:id="rId6"/>
+    <p:sldId id="259" r:id="rId7"/>
+    <p:sldId id="260" r:id="rId8"/>
+    <p:sldId id="261" r:id="rId9"/>
+    <p:sldId id="262" r:id="rId10"/>
+    <p:sldId id="266" r:id="rId11"/>
+    <p:sldId id="263" r:id="rId12"/>
+    <p:sldId id="264" r:id="rId13"/>
+    <p:sldId id="265" r:id="rId14"/>
+    <p:sldId id="267" r:id="rId15"/>
+    <p:sldId id="268" r:id="rId16"/>
+    <p:sldId id="269" r:id="rId17"/>
+    <p:sldId id="270" r:id="rId18"/>
   </p:sldIdLst>
   <p:sldSz cx="12192000" cy="6858000"/>
   <p:notesSz cx="6858000" cy="9144000"/>
@@ -123,7 +125,7 @@
   </p:defaultTextStyle>
   <p:extLst>
     <p:ext uri="{EFAFB233-063F-42B5-8137-9DF3F51BA10A}">
-      <p15:sldGuideLst xmlns:p15="http://schemas.microsoft.com/office/powerpoint/2012/main">
+      <p15:sldGuideLst xmlns:p15="http://schemas.microsoft.com/office/powerpoint/2012/main" xmlns="">
         <p15:guide id="1" orient="horz" pos="2160">
           <p15:clr>
             <a:srgbClr val="A4A3A4"/>
@@ -189,7 +191,7 @@
             </a:lvl1pPr>
           </a:lstStyle>
           <a:p>
-            <a:endParaRPr lang="en-US"/>
+            <a:endParaRPr lang="en-US" dirty="0"/>
           </a:p>
         </p:txBody>
       </p:sp>
@@ -223,9 +225,9 @@
             <a:fld id="{98E9BDF3-7CC5-4B3F-A78E-C9A90CED9F04}" type="datetimeFigureOut">
               <a:rPr lang="en-US" smtClean="0"/>
               <a:pPr/>
-              <a:t>5/22/2018</a:t>
+              <a:t>24-05-18</a:t>
             </a:fld>
-            <a:endParaRPr lang="en-US"/>
+            <a:endParaRPr lang="en-US" dirty="0"/>
           </a:p>
         </p:txBody>
       </p:sp>
@@ -258,7 +260,7 @@
           <a:bodyPr vert="horz" lIns="91440" tIns="45720" rIns="91440" bIns="45720" rtlCol="0" anchor="ctr"/>
           <a:lstStyle/>
           <a:p>
-            <a:endParaRPr lang="en-US"/>
+            <a:endParaRPr lang="en-US" dirty="0"/>
           </a:p>
         </p:txBody>
       </p:sp>
@@ -349,7 +351,7 @@
             </a:lvl1pPr>
           </a:lstStyle>
           <a:p>
-            <a:endParaRPr lang="en-US"/>
+            <a:endParaRPr lang="en-US" dirty="0"/>
           </a:p>
         </p:txBody>
       </p:sp>
@@ -385,14 +387,14 @@
               <a:pPr/>
               <a:t>‹#›</a:t>
             </a:fld>
-            <a:endParaRPr lang="en-US"/>
+            <a:endParaRPr lang="en-US" dirty="0"/>
           </a:p>
         </p:txBody>
       </p:sp>
     </p:spTree>
     <p:extLst>
       <p:ext uri="{BB962C8B-B14F-4D97-AF65-F5344CB8AC3E}">
-        <p14:creationId xmlns:p14="http://schemas.microsoft.com/office/powerpoint/2010/main" val="430676809"/>
+        <p14:creationId xmlns:p14="http://schemas.microsoft.com/office/powerpoint/2010/main" xmlns="" val="430676809"/>
       </p:ext>
     </p:extLst>
   </p:cSld>
@@ -536,35 +538,6 @@
           <a:bodyPr/>
           <a:lstStyle/>
           <a:p>
-            <a:r>
-              <a:rPr lang="tr-TR" dirty="0" smtClean="0"/>
-              <a:t>Reference:</a:t>
-            </a:r>
-            <a:r>
-              <a:rPr lang="tr-TR" baseline="0" dirty="0" smtClean="0"/>
-              <a:t> </a:t>
-            </a:r>
-          </a:p>
-          <a:p>
-            <a:r>
-              <a:rPr lang="en-US" dirty="0" smtClean="0"/>
-              <a:t>Z. Tang and B. Akin, “Compensation of dead-time effects based on revised repetitive controller for PMSM drives,” Conf. Proc. - IEEE Appl. Power Electron. Conf. Expo. - APEC, vol. 32, no. 3, pp. 2730–2737, 2017.</a:t>
-            </a:r>
-            <a:endParaRPr lang="tr-TR" dirty="0" smtClean="0"/>
-          </a:p>
-          <a:p>
-            <a:r>
-              <a:rPr lang="en-US" dirty="0" smtClean="0"/>
-              <a:t>Y. Wang, S. Member, W. </a:t>
-            </a:r>
-            <a:r>
-              <a:rPr lang="en-US" dirty="0" err="1" smtClean="0"/>
-              <a:t>Xie</a:t>
-            </a:r>
-            <a:r>
-              <a:rPr lang="en-US" dirty="0" smtClean="0"/>
-              <a:t>, and X. Wang, “Strategy for Voltage Source Inverters,” vol. 65, no. 1, pp. 59–66, 2018.</a:t>
-            </a:r>
             <a:endParaRPr lang="en-US" dirty="0"/>
           </a:p>
         </p:txBody>
@@ -589,14 +562,14 @@
               <a:pPr/>
               <a:t>3</a:t>
             </a:fld>
-            <a:endParaRPr lang="en-US"/>
+            <a:endParaRPr lang="en-US" dirty="0"/>
           </a:p>
         </p:txBody>
       </p:sp>
     </p:spTree>
     <p:extLst>
       <p:ext uri="{BB962C8B-B14F-4D97-AF65-F5344CB8AC3E}">
-        <p14:creationId xmlns:p14="http://schemas.microsoft.com/office/powerpoint/2010/main" val="2816690572"/>
+        <p14:creationId xmlns:p14="http://schemas.microsoft.com/office/powerpoint/2010/main" xmlns="" val="3119131956"/>
       </p:ext>
     </p:extLst>
   </p:cSld>
@@ -650,6 +623,23 @@
           <a:bodyPr/>
           <a:lstStyle/>
           <a:p>
+            <a:r>
+              <a:rPr lang="tr-TR" dirty="0" smtClean="0"/>
+              <a:t>Reference:</a:t>
+            </a:r>
+            <a:r>
+              <a:rPr lang="tr-TR" baseline="0" dirty="0" smtClean="0"/>
+              <a:t> </a:t>
+            </a:r>
+          </a:p>
+          <a:p>
+            <a:r>
+              <a:rPr lang="en-US" dirty="0" smtClean="0"/>
+              <a:t>Z. Tang and B. Akin, “Compensation of dead-time effects based on revised repetitive controller for PMSM drives,” Conf. Proc. - IEEE Appl. Power Electron. Conf. Expo. - APEC, vol. 32, no. 3, pp. 2730–2737, 2017.</a:t>
+            </a:r>
+            <a:endParaRPr lang="tr-TR" dirty="0" smtClean="0"/>
+          </a:p>
+          <a:p>
             <a:endParaRPr lang="en-US" dirty="0"/>
           </a:p>
         </p:txBody>
@@ -681,7 +671,7 @@
     </p:spTree>
     <p:extLst>
       <p:ext uri="{BB962C8B-B14F-4D97-AF65-F5344CB8AC3E}">
-        <p14:creationId xmlns:p14="http://schemas.microsoft.com/office/powerpoint/2010/main" val="3719662826"/>
+        <p14:creationId xmlns:p14="http://schemas.microsoft.com/office/powerpoint/2010/main" xmlns="" val="661997981"/>
       </p:ext>
     </p:extLst>
   </p:cSld>
@@ -766,7 +756,7 @@
     </p:spTree>
     <p:extLst>
       <p:ext uri="{BB962C8B-B14F-4D97-AF65-F5344CB8AC3E}">
-        <p14:creationId xmlns:p14="http://schemas.microsoft.com/office/powerpoint/2010/main" val="4006597652"/>
+        <p14:creationId xmlns:p14="http://schemas.microsoft.com/office/powerpoint/2010/main" xmlns="" val="28884375"/>
       </p:ext>
     </p:extLst>
   </p:cSld>
@@ -820,10 +810,6 @@
           <a:bodyPr/>
           <a:lstStyle/>
           <a:p>
-            <a:r>
-              <a:rPr lang="en-US" smtClean="0"/>
-              <a:t>No Open Access</a:t>
-            </a:r>
             <a:endParaRPr lang="en-US" dirty="0"/>
           </a:p>
         </p:txBody>
@@ -855,7 +841,7 @@
     </p:spTree>
     <p:extLst>
       <p:ext uri="{BB962C8B-B14F-4D97-AF65-F5344CB8AC3E}">
-        <p14:creationId xmlns:p14="http://schemas.microsoft.com/office/powerpoint/2010/main" val="2473100740"/>
+        <p14:creationId xmlns:p14="http://schemas.microsoft.com/office/powerpoint/2010/main" xmlns="" val="3719662826"/>
       </p:ext>
     </p:extLst>
   </p:cSld>
@@ -940,7 +926,181 @@
     </p:spTree>
     <p:extLst>
       <p:ext uri="{BB962C8B-B14F-4D97-AF65-F5344CB8AC3E}">
-        <p14:creationId xmlns:p14="http://schemas.microsoft.com/office/powerpoint/2010/main" val="711498300"/>
+        <p14:creationId xmlns:p14="http://schemas.microsoft.com/office/powerpoint/2010/main" xmlns="" val="4006597652"/>
+      </p:ext>
+    </p:extLst>
+  </p:cSld>
+  <p:clrMapOvr>
+    <a:masterClrMapping/>
+  </p:clrMapOvr>
+</p:notes>
+</file>
+
+<file path=ppt/notesSlides/notesSlide14.xml><?xml version="1.0" encoding="utf-8"?>
+<p:notes xmlns:a="http://schemas.openxmlformats.org/drawingml/2006/main" xmlns:r="http://schemas.openxmlformats.org/officeDocument/2006/relationships" xmlns:p="http://schemas.openxmlformats.org/presentationml/2006/main">
+  <p:cSld>
+    <p:spTree>
+      <p:nvGrpSpPr>
+        <p:cNvPr id="1" name=""/>
+        <p:cNvGrpSpPr/>
+        <p:nvPr/>
+      </p:nvGrpSpPr>
+      <p:grpSpPr>
+        <a:xfrm>
+          <a:off x="0" y="0"/>
+          <a:ext cx="0" cy="0"/>
+          <a:chOff x="0" y="0"/>
+          <a:chExt cx="0" cy="0"/>
+        </a:xfrm>
+      </p:grpSpPr>
+      <p:sp>
+        <p:nvSpPr>
+          <p:cNvPr id="2" name="Slide Image Placeholder 1"/>
+          <p:cNvSpPr>
+            <a:spLocks noGrp="1" noRot="1" noChangeAspect="1"/>
+          </p:cNvSpPr>
+          <p:nvPr>
+            <p:ph type="sldImg"/>
+          </p:nvPr>
+        </p:nvSpPr>
+        <p:spPr/>
+      </p:sp>
+      <p:sp>
+        <p:nvSpPr>
+          <p:cNvPr id="3" name="Notes Placeholder 2"/>
+          <p:cNvSpPr>
+            <a:spLocks noGrp="1"/>
+          </p:cNvSpPr>
+          <p:nvPr>
+            <p:ph type="body" idx="1"/>
+          </p:nvPr>
+        </p:nvSpPr>
+        <p:spPr/>
+        <p:txBody>
+          <a:bodyPr/>
+          <a:lstStyle/>
+          <a:p>
+            <a:r>
+              <a:rPr lang="en-US" dirty="0" smtClean="0"/>
+              <a:t>No Open Access</a:t>
+            </a:r>
+            <a:endParaRPr lang="en-US" dirty="0"/>
+          </a:p>
+        </p:txBody>
+      </p:sp>
+      <p:sp>
+        <p:nvSpPr>
+          <p:cNvPr id="4" name="Slide Number Placeholder 3"/>
+          <p:cNvSpPr>
+            <a:spLocks noGrp="1"/>
+          </p:cNvSpPr>
+          <p:nvPr>
+            <p:ph type="sldNum" sz="quarter" idx="10"/>
+          </p:nvPr>
+        </p:nvSpPr>
+        <p:spPr/>
+        <p:txBody>
+          <a:bodyPr/>
+          <a:lstStyle/>
+          <a:p>
+            <a:fld id="{85B3D0A3-69DF-49D9-A27C-44C8B4ABFA58}" type="slidenum">
+              <a:rPr lang="en-US" smtClean="0"/>
+              <a:pPr/>
+              <a:t>16</a:t>
+            </a:fld>
+            <a:endParaRPr lang="en-US" dirty="0"/>
+          </a:p>
+        </p:txBody>
+      </p:sp>
+    </p:spTree>
+    <p:extLst>
+      <p:ext uri="{BB962C8B-B14F-4D97-AF65-F5344CB8AC3E}">
+        <p14:creationId xmlns:p14="http://schemas.microsoft.com/office/powerpoint/2010/main" xmlns="" val="2473100740"/>
+      </p:ext>
+    </p:extLst>
+  </p:cSld>
+  <p:clrMapOvr>
+    <a:masterClrMapping/>
+  </p:clrMapOvr>
+</p:notes>
+</file>
+
+<file path=ppt/notesSlides/notesSlide15.xml><?xml version="1.0" encoding="utf-8"?>
+<p:notes xmlns:a="http://schemas.openxmlformats.org/drawingml/2006/main" xmlns:r="http://schemas.openxmlformats.org/officeDocument/2006/relationships" xmlns:p="http://schemas.openxmlformats.org/presentationml/2006/main">
+  <p:cSld>
+    <p:spTree>
+      <p:nvGrpSpPr>
+        <p:cNvPr id="1" name=""/>
+        <p:cNvGrpSpPr/>
+        <p:nvPr/>
+      </p:nvGrpSpPr>
+      <p:grpSpPr>
+        <a:xfrm>
+          <a:off x="0" y="0"/>
+          <a:ext cx="0" cy="0"/>
+          <a:chOff x="0" y="0"/>
+          <a:chExt cx="0" cy="0"/>
+        </a:xfrm>
+      </p:grpSpPr>
+      <p:sp>
+        <p:nvSpPr>
+          <p:cNvPr id="2" name="Slide Image Placeholder 1"/>
+          <p:cNvSpPr>
+            <a:spLocks noGrp="1" noRot="1" noChangeAspect="1"/>
+          </p:cNvSpPr>
+          <p:nvPr>
+            <p:ph type="sldImg"/>
+          </p:nvPr>
+        </p:nvSpPr>
+        <p:spPr/>
+      </p:sp>
+      <p:sp>
+        <p:nvSpPr>
+          <p:cNvPr id="3" name="Notes Placeholder 2"/>
+          <p:cNvSpPr>
+            <a:spLocks noGrp="1"/>
+          </p:cNvSpPr>
+          <p:nvPr>
+            <p:ph type="body" idx="1"/>
+          </p:nvPr>
+        </p:nvSpPr>
+        <p:spPr/>
+        <p:txBody>
+          <a:bodyPr/>
+          <a:lstStyle/>
+          <a:p>
+            <a:endParaRPr lang="en-US" dirty="0"/>
+          </a:p>
+        </p:txBody>
+      </p:sp>
+      <p:sp>
+        <p:nvSpPr>
+          <p:cNvPr id="4" name="Slide Number Placeholder 3"/>
+          <p:cNvSpPr>
+            <a:spLocks noGrp="1"/>
+          </p:cNvSpPr>
+          <p:nvPr>
+            <p:ph type="sldNum" sz="quarter" idx="10"/>
+          </p:nvPr>
+        </p:nvSpPr>
+        <p:spPr/>
+        <p:txBody>
+          <a:bodyPr/>
+          <a:lstStyle/>
+          <a:p>
+            <a:fld id="{85B3D0A3-69DF-49D9-A27C-44C8B4ABFA58}" type="slidenum">
+              <a:rPr lang="en-US" smtClean="0"/>
+              <a:pPr/>
+              <a:t>17</a:t>
+            </a:fld>
+            <a:endParaRPr lang="en-US" dirty="0"/>
+          </a:p>
+        </p:txBody>
+      </p:sp>
+    </p:spTree>
+    <p:extLst>
+      <p:ext uri="{BB962C8B-B14F-4D97-AF65-F5344CB8AC3E}">
+        <p14:creationId xmlns:p14="http://schemas.microsoft.com/office/powerpoint/2010/main" xmlns="" val="711498300"/>
       </p:ext>
     </p:extLst>
   </p:cSld>
@@ -994,118 +1154,6 @@
           <a:bodyPr/>
           <a:lstStyle/>
           <a:p>
-            <a:pPr marL="0" marR="0" indent="0" algn="l" defTabSz="914400" rtl="0" eaLnBrk="1" fontAlgn="auto" latinLnBrk="0" hangingPunct="1">
-              <a:lnSpc>
-                <a:spcPct val="100000"/>
-              </a:lnSpc>
-              <a:spcBef>
-                <a:spcPts val="0"/>
-              </a:spcBef>
-              <a:spcAft>
-                <a:spcPts val="0"/>
-              </a:spcAft>
-              <a:buClrTx/>
-              <a:buSzTx/>
-              <a:buFontTx/>
-              <a:buNone/>
-              <a:tabLst/>
-              <a:defRPr/>
-            </a:pPr>
-            <a:r>
-              <a:rPr lang="tr-TR" dirty="0" smtClean="0"/>
-              <a:t>Reference:</a:t>
-            </a:r>
-            <a:r>
-              <a:rPr lang="tr-TR" baseline="0" dirty="0" smtClean="0"/>
-              <a:t> </a:t>
-            </a:r>
-            <a:endParaRPr lang="en-US" sz="1200" kern="1200" dirty="0" smtClean="0">
-              <a:solidFill>
-                <a:schemeClr val="tx1"/>
-              </a:solidFill>
-              <a:latin typeface="+mn-lt"/>
-              <a:ea typeface="+mn-ea"/>
-              <a:cs typeface="+mn-cs"/>
-            </a:endParaRPr>
-          </a:p>
-          <a:p>
-            <a:r>
-              <a:rPr lang="en-US" sz="1200" kern="1200" dirty="0" smtClean="0">
-                <a:solidFill>
-                  <a:schemeClr val="tx1"/>
-                </a:solidFill>
-                <a:latin typeface="+mn-lt"/>
-                <a:ea typeface="+mn-ea"/>
-                <a:cs typeface="+mn-cs"/>
-              </a:rPr>
-              <a:t>Y. </a:t>
-            </a:r>
-            <a:r>
-              <a:rPr lang="en-US" sz="1200" kern="1200" dirty="0" err="1" smtClean="0">
-                <a:solidFill>
-                  <a:schemeClr val="tx1"/>
-                </a:solidFill>
-                <a:latin typeface="+mn-lt"/>
-                <a:ea typeface="+mn-ea"/>
-                <a:cs typeface="+mn-cs"/>
-              </a:rPr>
-              <a:t>Murai</a:t>
-            </a:r>
-            <a:r>
-              <a:rPr lang="en-US" sz="1200" kern="1200" dirty="0" smtClean="0">
-                <a:solidFill>
-                  <a:schemeClr val="tx1"/>
-                </a:solidFill>
-                <a:latin typeface="+mn-lt"/>
-                <a:ea typeface="+mn-ea"/>
-                <a:cs typeface="+mn-cs"/>
-              </a:rPr>
-              <a:t>, T. Watanabe, and H. Iwasaki, “Waveform distortion and correction circuit for </a:t>
-            </a:r>
-            <a:r>
-              <a:rPr lang="en-US" sz="1200" kern="1200" dirty="0" err="1" smtClean="0">
-                <a:solidFill>
-                  <a:schemeClr val="tx1"/>
-                </a:solidFill>
-                <a:latin typeface="+mn-lt"/>
-                <a:ea typeface="+mn-ea"/>
-                <a:cs typeface="+mn-cs"/>
-              </a:rPr>
-              <a:t>pwm</a:t>
-            </a:r>
-            <a:r>
-              <a:rPr lang="en-US" sz="1200" kern="1200" dirty="0" smtClean="0">
-                <a:solidFill>
-                  <a:schemeClr val="tx1"/>
-                </a:solidFill>
-                <a:latin typeface="+mn-lt"/>
-                <a:ea typeface="+mn-ea"/>
-                <a:cs typeface="+mn-cs"/>
-              </a:rPr>
-              <a:t> inverters with switching lag-times,” </a:t>
-            </a:r>
-            <a:r>
-              <a:rPr lang="en-US" sz="1200" i="1" kern="1200" dirty="0" smtClean="0">
-                <a:solidFill>
-                  <a:schemeClr val="tx1"/>
-                </a:solidFill>
-                <a:latin typeface="+mn-lt"/>
-                <a:ea typeface="+mn-ea"/>
-                <a:cs typeface="+mn-cs"/>
-              </a:rPr>
-              <a:t>IEEE Trans. Ind. Appl.</a:t>
-            </a:r>
-            <a:r>
-              <a:rPr lang="en-US" sz="1200" kern="1200" dirty="0" smtClean="0">
-                <a:solidFill>
-                  <a:schemeClr val="tx1"/>
-                </a:solidFill>
-                <a:latin typeface="+mn-lt"/>
-                <a:ea typeface="+mn-ea"/>
-                <a:cs typeface="+mn-cs"/>
-              </a:rPr>
-              <a:t>, vol. IA-23, no. 5, pp. 881–886, 1987.</a:t>
-            </a:r>
             <a:endParaRPr lang="en-US" dirty="0"/>
           </a:p>
         </p:txBody>
@@ -1137,7 +1185,7 @@
     </p:spTree>
     <p:extLst>
       <p:ext uri="{BB962C8B-B14F-4D97-AF65-F5344CB8AC3E}">
-        <p14:creationId xmlns:p14="http://schemas.microsoft.com/office/powerpoint/2010/main" val="3083643392"/>
+        <p14:creationId xmlns:p14="http://schemas.microsoft.com/office/powerpoint/2010/main" xmlns="" val="1167612122"/>
       </p:ext>
     </p:extLst>
   </p:cSld>
@@ -1208,6 +1256,26 @@
             <a:endParaRPr lang="tr-TR" dirty="0" smtClean="0"/>
           </a:p>
           <a:p>
+            <a:r>
+              <a:rPr lang="en-US" dirty="0" smtClean="0"/>
+              <a:t>Y. Wang, S. Member, W. </a:t>
+            </a:r>
+            <a:r>
+              <a:rPr lang="en-US" dirty="0" err="1" smtClean="0"/>
+              <a:t>Xie</a:t>
+            </a:r>
+            <a:r>
+              <a:rPr lang="en-US" dirty="0" smtClean="0"/>
+              <a:t>, and X. Wang, “A Precise Voltage Distortion Compensation Strategy for Voltage Source Inverters,” vol. 65,</a:t>
+            </a:r>
+            <a:r>
+              <a:rPr lang="tr-TR" dirty="0" smtClean="0"/>
+              <a:t> </a:t>
+            </a:r>
+            <a:r>
+              <a:rPr lang="en-US" dirty="0" smtClean="0"/>
+              <a:t> no. 1, pp. 59–66, IEEE TRANSACTIONS ON INDUSTRIAL ELECTRONICS, VOL. 65, NO. 1, JANUARY 2018</a:t>
+            </a:r>
             <a:endParaRPr lang="en-US" dirty="0"/>
           </a:p>
         </p:txBody>
@@ -1239,7 +1307,7 @@
     </p:spTree>
     <p:extLst>
       <p:ext uri="{BB962C8B-B14F-4D97-AF65-F5344CB8AC3E}">
-        <p14:creationId xmlns:p14="http://schemas.microsoft.com/office/powerpoint/2010/main" val="3800693545"/>
+        <p14:creationId xmlns:p14="http://schemas.microsoft.com/office/powerpoint/2010/main" xmlns="" val="2289757257"/>
       </p:ext>
     </p:extLst>
   </p:cSld>
@@ -1293,7 +1361,7 @@
           <a:bodyPr/>
           <a:lstStyle/>
           <a:p>
-            <a:pPr marL="0" marR="0" lvl="0" indent="0" algn="l" defTabSz="914400" rtl="0" eaLnBrk="1" fontAlgn="auto" latinLnBrk="0" hangingPunct="1">
+            <a:pPr marL="0" marR="0" indent="0" algn="l" defTabSz="914400" rtl="0" eaLnBrk="1" fontAlgn="auto" latinLnBrk="0" hangingPunct="1">
               <a:lnSpc>
                 <a:spcPct val="100000"/>
               </a:lnSpc>
@@ -1318,63 +1386,93 @@
               <a:rPr lang="tr-TR" baseline="0" dirty="0" smtClean="0"/>
               <a:t> </a:t>
             </a:r>
-          </a:p>
-          <a:p>
-            <a:pPr marL="0" marR="0" lvl="0" indent="0" algn="l" defTabSz="914400" rtl="0" eaLnBrk="1" fontAlgn="auto" latinLnBrk="0" hangingPunct="1">
-              <a:lnSpc>
-                <a:spcPct val="100000"/>
-              </a:lnSpc>
-              <a:spcBef>
-                <a:spcPts val="0"/>
-              </a:spcBef>
-              <a:spcAft>
-                <a:spcPts val="0"/>
-              </a:spcAft>
-              <a:buClrTx/>
-              <a:buSzTx/>
-              <a:buFontTx/>
-              <a:buNone/>
-              <a:tabLst/>
-              <a:defRPr/>
-            </a:pPr>
+            <a:endParaRPr lang="en-US" sz="1200" kern="1200" dirty="0" smtClean="0">
+              <a:solidFill>
+                <a:schemeClr val="tx1"/>
+              </a:solidFill>
+              <a:latin typeface="+mn-lt"/>
+              <a:ea typeface="+mn-ea"/>
+              <a:cs typeface="+mn-cs"/>
+            </a:endParaRPr>
+          </a:p>
+          <a:p>
             <a:r>
               <a:rPr lang="en-US" sz="1200" kern="1200" dirty="0" smtClean="0">
                 <a:solidFill>
                   <a:schemeClr val="tx1"/>
                 </a:solidFill>
-                <a:effectLst/>
                 <a:latin typeface="+mn-lt"/>
                 <a:ea typeface="+mn-ea"/>
                 <a:cs typeface="+mn-cs"/>
               </a:rPr>
-              <a:t>Y. Wang, S. Member, W. </a:t>
+              <a:t>Y. </a:t>
             </a:r>
             <a:r>
               <a:rPr lang="en-US" sz="1200" kern="1200" dirty="0" err="1" smtClean="0">
                 <a:solidFill>
                   <a:schemeClr val="tx1"/>
                 </a:solidFill>
-                <a:effectLst/>
                 <a:latin typeface="+mn-lt"/>
                 <a:ea typeface="+mn-ea"/>
                 <a:cs typeface="+mn-cs"/>
               </a:rPr>
-              <a:t>Xie</a:t>
+              <a:t>Murai</a:t>
             </a:r>
             <a:r>
               <a:rPr lang="en-US" sz="1200" kern="1200" dirty="0" smtClean="0">
                 <a:solidFill>
                   <a:schemeClr val="tx1"/>
                 </a:solidFill>
-                <a:effectLst/>
                 <a:latin typeface="+mn-lt"/>
                 <a:ea typeface="+mn-ea"/>
                 <a:cs typeface="+mn-cs"/>
               </a:rPr>
-              <a:t>, and X. Wang, “Strategy for Voltage Source Inverters,” vol. 65, no. 1, pp. 59–66, 2018.</a:t>
-            </a:r>
-          </a:p>
-          <a:p>
+              <a:t>, T. Watanabe, and H. Iwasaki, “Waveform distortion and correction circuit for </a:t>
+            </a:r>
+            <a:r>
+              <a:rPr lang="en-US" sz="1200" kern="1200" dirty="0" err="1" smtClean="0">
+                <a:solidFill>
+                  <a:schemeClr val="tx1"/>
+                </a:solidFill>
+                <a:latin typeface="+mn-lt"/>
+                <a:ea typeface="+mn-ea"/>
+                <a:cs typeface="+mn-cs"/>
+              </a:rPr>
+              <a:t>pwm</a:t>
+            </a:r>
+            <a:r>
+              <a:rPr lang="en-US" sz="1200" kern="1200" dirty="0" smtClean="0">
+                <a:solidFill>
+                  <a:schemeClr val="tx1"/>
+                </a:solidFill>
+                <a:latin typeface="+mn-lt"/>
+                <a:ea typeface="+mn-ea"/>
+                <a:cs typeface="+mn-cs"/>
+              </a:rPr>
+              <a:t> inverters with switching lag-times,” </a:t>
+            </a:r>
+            <a:r>
+              <a:rPr lang="en-US" sz="1200" i="1" kern="1200" dirty="0" smtClean="0">
+                <a:solidFill>
+                  <a:schemeClr val="tx1"/>
+                </a:solidFill>
+                <a:latin typeface="+mn-lt"/>
+                <a:ea typeface="+mn-ea"/>
+                <a:cs typeface="+mn-cs"/>
+              </a:rPr>
+              <a:t>IEEE Trans. Ind. Appl.</a:t>
+            </a:r>
+            <a:r>
+              <a:rPr lang="en-US" sz="1200" kern="1200" dirty="0" smtClean="0">
+                <a:solidFill>
+                  <a:schemeClr val="tx1"/>
+                </a:solidFill>
+                <a:latin typeface="+mn-lt"/>
+                <a:ea typeface="+mn-ea"/>
+                <a:cs typeface="+mn-cs"/>
+              </a:rPr>
+              <a:t>, vol. IA-23, no. 5, pp. 881–886, 1987.</a:t>
+            </a:r>
             <a:endParaRPr lang="en-US" dirty="0"/>
           </a:p>
         </p:txBody>
@@ -1406,7 +1504,7 @@
     </p:spTree>
     <p:extLst>
       <p:ext uri="{BB962C8B-B14F-4D97-AF65-F5344CB8AC3E}">
-        <p14:creationId xmlns:p14="http://schemas.microsoft.com/office/powerpoint/2010/main" val="1575042101"/>
+        <p14:creationId xmlns:p14="http://schemas.microsoft.com/office/powerpoint/2010/main" xmlns="" val="3083643392"/>
       </p:ext>
     </p:extLst>
   </p:cSld>
@@ -1460,23 +1558,6 @@
           <a:bodyPr/>
           <a:lstStyle/>
           <a:p>
-            <a:pPr marL="0" marR="0" lvl="0" indent="0" algn="l" defTabSz="914400" rtl="0" eaLnBrk="1" fontAlgn="auto" latinLnBrk="0" hangingPunct="1">
-              <a:lnSpc>
-                <a:spcPct val="100000"/>
-              </a:lnSpc>
-              <a:spcBef>
-                <a:spcPts val="0"/>
-              </a:spcBef>
-              <a:spcAft>
-                <a:spcPts val="0"/>
-              </a:spcAft>
-              <a:buClrTx/>
-              <a:buSzTx/>
-              <a:buFontTx/>
-              <a:buNone/>
-              <a:tabLst/>
-              <a:defRPr/>
-            </a:pPr>
             <a:r>
               <a:rPr lang="tr-TR" dirty="0" smtClean="0"/>
               <a:t>Reference:</a:t>
@@ -1488,89 +1569,12 @@
           </a:p>
           <a:p>
             <a:r>
-              <a:rPr lang="en-US" sz="1200" kern="1200" dirty="0" smtClean="0">
-                <a:solidFill>
-                  <a:schemeClr val="tx1"/>
-                </a:solidFill>
-                <a:effectLst/>
-                <a:latin typeface="+mn-lt"/>
-                <a:ea typeface="+mn-ea"/>
-                <a:cs typeface="+mn-cs"/>
-              </a:rPr>
-              <a:t>S. J. Chee, J. Kim, and S. K. </a:t>
-            </a:r>
-            <a:r>
-              <a:rPr lang="en-US" sz="1200" kern="1200" dirty="0" err="1" smtClean="0">
-                <a:solidFill>
-                  <a:schemeClr val="tx1"/>
-                </a:solidFill>
-                <a:effectLst/>
-                <a:latin typeface="+mn-lt"/>
-                <a:ea typeface="+mn-ea"/>
-                <a:cs typeface="+mn-cs"/>
-              </a:rPr>
-              <a:t>Sul</a:t>
-            </a:r>
-            <a:r>
-              <a:rPr lang="en-US" sz="1200" kern="1200" dirty="0" smtClean="0">
-                <a:solidFill>
-                  <a:schemeClr val="tx1"/>
-                </a:solidFill>
-                <a:effectLst/>
-                <a:latin typeface="+mn-lt"/>
-                <a:ea typeface="+mn-ea"/>
-                <a:cs typeface="+mn-cs"/>
-              </a:rPr>
-              <a:t>, “Dead-time compensation based on pole voltage measurement,” </a:t>
-            </a:r>
-            <a:r>
-              <a:rPr lang="en-US" sz="1200" i="1" kern="1200" dirty="0" smtClean="0">
-                <a:solidFill>
-                  <a:schemeClr val="tx1"/>
-                </a:solidFill>
-                <a:effectLst/>
-                <a:latin typeface="+mn-lt"/>
-                <a:ea typeface="+mn-ea"/>
-                <a:cs typeface="+mn-cs"/>
-              </a:rPr>
-              <a:t>2015 IEEE Energy Convers. </a:t>
-            </a:r>
-            <a:r>
-              <a:rPr lang="en-US" sz="1200" i="1" kern="1200" dirty="0" err="1" smtClean="0">
-                <a:solidFill>
-                  <a:schemeClr val="tx1"/>
-                </a:solidFill>
-                <a:effectLst/>
-                <a:latin typeface="+mn-lt"/>
-                <a:ea typeface="+mn-ea"/>
-                <a:cs typeface="+mn-cs"/>
-              </a:rPr>
-              <a:t>Congr</a:t>
-            </a:r>
-            <a:r>
-              <a:rPr lang="en-US" sz="1200" i="1" kern="1200" dirty="0" smtClean="0">
-                <a:solidFill>
-                  <a:schemeClr val="tx1"/>
-                </a:solidFill>
-                <a:effectLst/>
-                <a:latin typeface="+mn-lt"/>
-                <a:ea typeface="+mn-ea"/>
-                <a:cs typeface="+mn-cs"/>
-              </a:rPr>
-              <a:t>. Expo. ECCE 2015</a:t>
-            </a:r>
-            <a:r>
-              <a:rPr lang="en-US" sz="1200" kern="1200" dirty="0" smtClean="0">
-                <a:solidFill>
-                  <a:schemeClr val="tx1"/>
-                </a:solidFill>
-                <a:effectLst/>
-                <a:latin typeface="+mn-lt"/>
-                <a:ea typeface="+mn-ea"/>
-                <a:cs typeface="+mn-cs"/>
-              </a:rPr>
-              <a:t>, pp. 1549–1555, 2015.</a:t>
-            </a:r>
+              <a:rPr lang="en-US" dirty="0" smtClean="0"/>
+              <a:t>Z. Tang and B. Akin, “Compensation of dead-time effects based on revised repetitive controller for PMSM drives,” Conf. Proc. - IEEE Appl. Power Electron. Conf. Expo. - APEC, vol. 32, no. 3, pp. 2730–2737, 2017.</a:t>
+            </a:r>
+            <a:endParaRPr lang="tr-TR" dirty="0" smtClean="0"/>
+          </a:p>
+          <a:p>
             <a:endParaRPr lang="en-US" dirty="0"/>
           </a:p>
         </p:txBody>
@@ -1602,7 +1606,7 @@
     </p:spTree>
     <p:extLst>
       <p:ext uri="{BB962C8B-B14F-4D97-AF65-F5344CB8AC3E}">
-        <p14:creationId xmlns:p14="http://schemas.microsoft.com/office/powerpoint/2010/main" val="260983234"/>
+        <p14:creationId xmlns:p14="http://schemas.microsoft.com/office/powerpoint/2010/main" xmlns="" val="3800693545"/>
       </p:ext>
     </p:extLst>
   </p:cSld>
@@ -1683,6 +1687,23 @@
             </a:r>
           </a:p>
           <a:p>
+            <a:pPr marL="0" marR="0" lvl="0" indent="0" algn="l" defTabSz="914400" rtl="0" eaLnBrk="1" fontAlgn="auto" latinLnBrk="0" hangingPunct="1">
+              <a:lnSpc>
+                <a:spcPct val="100000"/>
+              </a:lnSpc>
+              <a:spcBef>
+                <a:spcPts val="0"/>
+              </a:spcBef>
+              <a:spcAft>
+                <a:spcPts val="0"/>
+              </a:spcAft>
+              <a:buClrTx/>
+              <a:buSzTx/>
+              <a:buFontTx/>
+              <a:buNone/>
+              <a:tabLst/>
+              <a:defRPr/>
+            </a:pPr>
             <a:r>
               <a:rPr lang="en-US" sz="1200" kern="1200" dirty="0" smtClean="0">
                 <a:solidFill>
@@ -1693,7 +1714,7 @@
                 <a:ea typeface="+mn-ea"/>
                 <a:cs typeface="+mn-cs"/>
               </a:rPr>
-              <a:t>S. J. Chee, J. Kim, and S. K. </a:t>
+              <a:t>Y. Wang, S. Member, W. </a:t>
             </a:r>
             <a:r>
               <a:rPr lang="en-US" sz="1200" kern="1200" dirty="0" err="1" smtClean="0">
@@ -1705,7 +1726,7 @@
                 <a:ea typeface="+mn-ea"/>
                 <a:cs typeface="+mn-cs"/>
               </a:rPr>
-              <a:t>Sul</a:t>
+              <a:t>Xie</a:t>
             </a:r>
             <a:r>
               <a:rPr lang="en-US" sz="1200" kern="1200" dirty="0" smtClean="0">
@@ -1717,56 +1738,10 @@
                 <a:ea typeface="+mn-ea"/>
                 <a:cs typeface="+mn-cs"/>
               </a:rPr>
-              <a:t>, “Dead-time compensation based on pole voltage measurement,” </a:t>
-            </a:r>
-            <a:r>
-              <a:rPr lang="en-US" sz="1200" i="1" kern="1200" dirty="0" smtClean="0">
-                <a:solidFill>
-                  <a:schemeClr val="tx1"/>
-                </a:solidFill>
-                <a:effectLst/>
-                <a:latin typeface="+mn-lt"/>
-                <a:ea typeface="+mn-ea"/>
-                <a:cs typeface="+mn-cs"/>
-              </a:rPr>
-              <a:t>2015 IEEE Energy Convers. </a:t>
-            </a:r>
-            <a:r>
-              <a:rPr lang="en-US" sz="1200" i="1" kern="1200" dirty="0" err="1" smtClean="0">
-                <a:solidFill>
-                  <a:schemeClr val="tx1"/>
-                </a:solidFill>
-                <a:effectLst/>
-                <a:latin typeface="+mn-lt"/>
-                <a:ea typeface="+mn-ea"/>
-                <a:cs typeface="+mn-cs"/>
-              </a:rPr>
-              <a:t>Congr</a:t>
-            </a:r>
-            <a:r>
-              <a:rPr lang="en-US" sz="1200" i="1" kern="1200" dirty="0" smtClean="0">
-                <a:solidFill>
-                  <a:schemeClr val="tx1"/>
-                </a:solidFill>
-                <a:effectLst/>
-                <a:latin typeface="+mn-lt"/>
-                <a:ea typeface="+mn-ea"/>
-                <a:cs typeface="+mn-cs"/>
-              </a:rPr>
-              <a:t>. Expo. ECCE 2015</a:t>
-            </a:r>
-            <a:r>
-              <a:rPr lang="en-US" sz="1200" kern="1200" dirty="0" smtClean="0">
-                <a:solidFill>
-                  <a:schemeClr val="tx1"/>
-                </a:solidFill>
-                <a:effectLst/>
-                <a:latin typeface="+mn-lt"/>
-                <a:ea typeface="+mn-ea"/>
-                <a:cs typeface="+mn-cs"/>
-              </a:rPr>
-              <a:t>, pp. 1549–1555, 2015.</a:t>
-            </a:r>
+              <a:t>, and X. Wang, “Strategy for Voltage Source Inverters,” vol. 65, no. 1, pp. 59–66, 2018.</a:t>
+            </a:r>
+          </a:p>
+          <a:p>
             <a:endParaRPr lang="en-US" dirty="0"/>
           </a:p>
         </p:txBody>
@@ -1798,7 +1773,7 @@
     </p:spTree>
     <p:extLst>
       <p:ext uri="{BB962C8B-B14F-4D97-AF65-F5344CB8AC3E}">
-        <p14:creationId xmlns:p14="http://schemas.microsoft.com/office/powerpoint/2010/main" val="2024091243"/>
+        <p14:creationId xmlns:p14="http://schemas.microsoft.com/office/powerpoint/2010/main" xmlns="" val="1575042101"/>
       </p:ext>
     </p:extLst>
   </p:cSld>
@@ -1852,6 +1827,23 @@
           <a:bodyPr/>
           <a:lstStyle/>
           <a:p>
+            <a:pPr marL="0" marR="0" lvl="0" indent="0" algn="l" defTabSz="914400" rtl="0" eaLnBrk="1" fontAlgn="auto" latinLnBrk="0" hangingPunct="1">
+              <a:lnSpc>
+                <a:spcPct val="100000"/>
+              </a:lnSpc>
+              <a:spcBef>
+                <a:spcPts val="0"/>
+              </a:spcBef>
+              <a:spcAft>
+                <a:spcPts val="0"/>
+              </a:spcAft>
+              <a:buClrTx/>
+              <a:buSzTx/>
+              <a:buFontTx/>
+              <a:buNone/>
+              <a:tabLst/>
+              <a:defRPr/>
+            </a:pPr>
             <a:r>
               <a:rPr lang="tr-TR" dirty="0" smtClean="0"/>
               <a:t>Reference:</a:t>
@@ -1863,12 +1855,89 @@
           </a:p>
           <a:p>
             <a:r>
-              <a:rPr lang="en-US" dirty="0" smtClean="0"/>
-              <a:t>Z. Tang and B. Akin, “Compensation of dead-time effects based on revised repetitive controller for PMSM drives,” Conf. Proc. - IEEE Appl. Power Electron. Conf. Expo. - APEC, vol. 32, no. 3, pp. 2730–2737, 2017.</a:t>
-            </a:r>
-            <a:endParaRPr lang="tr-TR" dirty="0" smtClean="0"/>
-          </a:p>
-          <a:p>
+              <a:rPr lang="en-US" sz="1200" kern="1200" dirty="0" smtClean="0">
+                <a:solidFill>
+                  <a:schemeClr val="tx1"/>
+                </a:solidFill>
+                <a:effectLst/>
+                <a:latin typeface="+mn-lt"/>
+                <a:ea typeface="+mn-ea"/>
+                <a:cs typeface="+mn-cs"/>
+              </a:rPr>
+              <a:t>S. J. Chee, J. Kim, and S. K. </a:t>
+            </a:r>
+            <a:r>
+              <a:rPr lang="en-US" sz="1200" kern="1200" dirty="0" err="1" smtClean="0">
+                <a:solidFill>
+                  <a:schemeClr val="tx1"/>
+                </a:solidFill>
+                <a:effectLst/>
+                <a:latin typeface="+mn-lt"/>
+                <a:ea typeface="+mn-ea"/>
+                <a:cs typeface="+mn-cs"/>
+              </a:rPr>
+              <a:t>Sul</a:t>
+            </a:r>
+            <a:r>
+              <a:rPr lang="en-US" sz="1200" kern="1200" dirty="0" smtClean="0">
+                <a:solidFill>
+                  <a:schemeClr val="tx1"/>
+                </a:solidFill>
+                <a:effectLst/>
+                <a:latin typeface="+mn-lt"/>
+                <a:ea typeface="+mn-ea"/>
+                <a:cs typeface="+mn-cs"/>
+              </a:rPr>
+              <a:t>, “Dead-time compensation based on pole voltage measurement,” </a:t>
+            </a:r>
+            <a:r>
+              <a:rPr lang="en-US" sz="1200" i="1" kern="1200" dirty="0" smtClean="0">
+                <a:solidFill>
+                  <a:schemeClr val="tx1"/>
+                </a:solidFill>
+                <a:effectLst/>
+                <a:latin typeface="+mn-lt"/>
+                <a:ea typeface="+mn-ea"/>
+                <a:cs typeface="+mn-cs"/>
+              </a:rPr>
+              <a:t>2015 IEEE Energy Convers. </a:t>
+            </a:r>
+            <a:r>
+              <a:rPr lang="en-US" sz="1200" i="1" kern="1200" dirty="0" err="1" smtClean="0">
+                <a:solidFill>
+                  <a:schemeClr val="tx1"/>
+                </a:solidFill>
+                <a:effectLst/>
+                <a:latin typeface="+mn-lt"/>
+                <a:ea typeface="+mn-ea"/>
+                <a:cs typeface="+mn-cs"/>
+              </a:rPr>
+              <a:t>Congr</a:t>
+            </a:r>
+            <a:r>
+              <a:rPr lang="en-US" sz="1200" i="1" kern="1200" dirty="0" smtClean="0">
+                <a:solidFill>
+                  <a:schemeClr val="tx1"/>
+                </a:solidFill>
+                <a:effectLst/>
+                <a:latin typeface="+mn-lt"/>
+                <a:ea typeface="+mn-ea"/>
+                <a:cs typeface="+mn-cs"/>
+              </a:rPr>
+              <a:t>. Expo. ECCE 2015</a:t>
+            </a:r>
+            <a:r>
+              <a:rPr lang="en-US" sz="1200" kern="1200" dirty="0" smtClean="0">
+                <a:solidFill>
+                  <a:schemeClr val="tx1"/>
+                </a:solidFill>
+                <a:effectLst/>
+                <a:latin typeface="+mn-lt"/>
+                <a:ea typeface="+mn-ea"/>
+                <a:cs typeface="+mn-cs"/>
+              </a:rPr>
+              <a:t>, pp. 1549–1555, 2015.</a:t>
+            </a:r>
             <a:endParaRPr lang="en-US" dirty="0"/>
           </a:p>
         </p:txBody>
@@ -1900,7 +1969,7 @@
     </p:spTree>
     <p:extLst>
       <p:ext uri="{BB962C8B-B14F-4D97-AF65-F5344CB8AC3E}">
-        <p14:creationId xmlns:p14="http://schemas.microsoft.com/office/powerpoint/2010/main" val="3780132590"/>
+        <p14:creationId xmlns:p14="http://schemas.microsoft.com/office/powerpoint/2010/main" xmlns="" val="260983234"/>
       </p:ext>
     </p:extLst>
   </p:cSld>
@@ -1954,6 +2023,23 @@
           <a:bodyPr/>
           <a:lstStyle/>
           <a:p>
+            <a:pPr marL="0" marR="0" lvl="0" indent="0" algn="l" defTabSz="914400" rtl="0" eaLnBrk="1" fontAlgn="auto" latinLnBrk="0" hangingPunct="1">
+              <a:lnSpc>
+                <a:spcPct val="100000"/>
+              </a:lnSpc>
+              <a:spcBef>
+                <a:spcPts val="0"/>
+              </a:spcBef>
+              <a:spcAft>
+                <a:spcPts val="0"/>
+              </a:spcAft>
+              <a:buClrTx/>
+              <a:buSzTx/>
+              <a:buFontTx/>
+              <a:buNone/>
+              <a:tabLst/>
+              <a:defRPr/>
+            </a:pPr>
             <a:r>
               <a:rPr lang="tr-TR" dirty="0" smtClean="0"/>
               <a:t>Reference:</a:t>
@@ -1965,12 +2051,89 @@
           </a:p>
           <a:p>
             <a:r>
-              <a:rPr lang="en-US" dirty="0" smtClean="0"/>
-              <a:t>Z. Tang and B. Akin, “Compensation of dead-time effects based on revised repetitive controller for PMSM drives,” Conf. Proc. - IEEE Appl. Power Electron. Conf. Expo. - APEC, vol. 32, no. 3, pp. 2730–2737, 2017.</a:t>
-            </a:r>
-            <a:endParaRPr lang="tr-TR" dirty="0" smtClean="0"/>
-          </a:p>
-          <a:p>
+              <a:rPr lang="en-US" sz="1200" kern="1200" dirty="0" smtClean="0">
+                <a:solidFill>
+                  <a:schemeClr val="tx1"/>
+                </a:solidFill>
+                <a:effectLst/>
+                <a:latin typeface="+mn-lt"/>
+                <a:ea typeface="+mn-ea"/>
+                <a:cs typeface="+mn-cs"/>
+              </a:rPr>
+              <a:t>S. J. Chee, J. Kim, and S. K. </a:t>
+            </a:r>
+            <a:r>
+              <a:rPr lang="en-US" sz="1200" kern="1200" dirty="0" err="1" smtClean="0">
+                <a:solidFill>
+                  <a:schemeClr val="tx1"/>
+                </a:solidFill>
+                <a:effectLst/>
+                <a:latin typeface="+mn-lt"/>
+                <a:ea typeface="+mn-ea"/>
+                <a:cs typeface="+mn-cs"/>
+              </a:rPr>
+              <a:t>Sul</a:t>
+            </a:r>
+            <a:r>
+              <a:rPr lang="en-US" sz="1200" kern="1200" dirty="0" smtClean="0">
+                <a:solidFill>
+                  <a:schemeClr val="tx1"/>
+                </a:solidFill>
+                <a:effectLst/>
+                <a:latin typeface="+mn-lt"/>
+                <a:ea typeface="+mn-ea"/>
+                <a:cs typeface="+mn-cs"/>
+              </a:rPr>
+              <a:t>, “Dead-time compensation based on pole voltage measurement,” </a:t>
+            </a:r>
+            <a:r>
+              <a:rPr lang="en-US" sz="1200" i="1" kern="1200" dirty="0" smtClean="0">
+                <a:solidFill>
+                  <a:schemeClr val="tx1"/>
+                </a:solidFill>
+                <a:effectLst/>
+                <a:latin typeface="+mn-lt"/>
+                <a:ea typeface="+mn-ea"/>
+                <a:cs typeface="+mn-cs"/>
+              </a:rPr>
+              <a:t>2015 IEEE Energy Convers. </a:t>
+            </a:r>
+            <a:r>
+              <a:rPr lang="en-US" sz="1200" i="1" kern="1200" dirty="0" err="1" smtClean="0">
+                <a:solidFill>
+                  <a:schemeClr val="tx1"/>
+                </a:solidFill>
+                <a:effectLst/>
+                <a:latin typeface="+mn-lt"/>
+                <a:ea typeface="+mn-ea"/>
+                <a:cs typeface="+mn-cs"/>
+              </a:rPr>
+              <a:t>Congr</a:t>
+            </a:r>
+            <a:r>
+              <a:rPr lang="en-US" sz="1200" i="1" kern="1200" dirty="0" smtClean="0">
+                <a:solidFill>
+                  <a:schemeClr val="tx1"/>
+                </a:solidFill>
+                <a:effectLst/>
+                <a:latin typeface="+mn-lt"/>
+                <a:ea typeface="+mn-ea"/>
+                <a:cs typeface="+mn-cs"/>
+              </a:rPr>
+              <a:t>. Expo. ECCE 2015</a:t>
+            </a:r>
+            <a:r>
+              <a:rPr lang="en-US" sz="1200" kern="1200" dirty="0" smtClean="0">
+                <a:solidFill>
+                  <a:schemeClr val="tx1"/>
+                </a:solidFill>
+                <a:effectLst/>
+                <a:latin typeface="+mn-lt"/>
+                <a:ea typeface="+mn-ea"/>
+                <a:cs typeface="+mn-cs"/>
+              </a:rPr>
+              <a:t>, pp. 1549–1555, 2015.</a:t>
+            </a:r>
             <a:endParaRPr lang="en-US" dirty="0"/>
           </a:p>
         </p:txBody>
@@ -2002,7 +2165,7 @@
     </p:spTree>
     <p:extLst>
       <p:ext uri="{BB962C8B-B14F-4D97-AF65-F5344CB8AC3E}">
-        <p14:creationId xmlns:p14="http://schemas.microsoft.com/office/powerpoint/2010/main" val="661997981"/>
+        <p14:creationId xmlns:p14="http://schemas.microsoft.com/office/powerpoint/2010/main" xmlns="" val="2024091243"/>
       </p:ext>
     </p:extLst>
   </p:cSld>
@@ -2056,6 +2219,23 @@
           <a:bodyPr/>
           <a:lstStyle/>
           <a:p>
+            <a:r>
+              <a:rPr lang="tr-TR" dirty="0" smtClean="0"/>
+              <a:t>Reference:</a:t>
+            </a:r>
+            <a:r>
+              <a:rPr lang="tr-TR" baseline="0" dirty="0" smtClean="0"/>
+              <a:t> </a:t>
+            </a:r>
+          </a:p>
+          <a:p>
+            <a:r>
+              <a:rPr lang="en-US" dirty="0" smtClean="0"/>
+              <a:t>Z. Tang and B. Akin, “Compensation of dead-time effects based on revised repetitive controller for PMSM drives,” Conf. Proc. - IEEE Appl. Power Electron. Conf. Expo. - APEC, vol. 32, no. 3, pp. 2730–2737, 2017.</a:t>
+            </a:r>
+            <a:endParaRPr lang="tr-TR" dirty="0" smtClean="0"/>
+          </a:p>
+          <a:p>
             <a:endParaRPr lang="en-US" dirty="0"/>
           </a:p>
         </p:txBody>
@@ -2087,7 +2267,7 @@
     </p:spTree>
     <p:extLst>
       <p:ext uri="{BB962C8B-B14F-4D97-AF65-F5344CB8AC3E}">
-        <p14:creationId xmlns:p14="http://schemas.microsoft.com/office/powerpoint/2010/main" val="28884375"/>
+        <p14:creationId xmlns:p14="http://schemas.microsoft.com/office/powerpoint/2010/main" xmlns="" val="3780132590"/>
       </p:ext>
     </p:extLst>
   </p:cSld>
@@ -2324,9 +2504,9 @@
             <a:fld id="{3EF96EC7-A9F6-4918-BDFC-C3ED4AC79626}" type="datetimeFigureOut">
               <a:rPr lang="tr-TR" smtClean="0"/>
               <a:pPr/>
-              <a:t>22.05.2018</a:t>
+              <a:t>24.05.2018</a:t>
             </a:fld>
-            <a:endParaRPr lang="tr-TR"/>
+            <a:endParaRPr lang="tr-TR" dirty="0"/>
           </a:p>
         </p:txBody>
       </p:sp>
@@ -2345,7 +2525,7 @@
           <a:bodyPr/>
           <a:lstStyle/>
           <a:p>
-            <a:endParaRPr lang="tr-TR"/>
+            <a:endParaRPr lang="tr-TR" dirty="0"/>
           </a:p>
         </p:txBody>
       </p:sp>
@@ -2369,7 +2549,7 @@
               <a:pPr/>
               <a:t>‹#›</a:t>
             </a:fld>
-            <a:endParaRPr lang="tr-TR"/>
+            <a:endParaRPr lang="tr-TR" dirty="0"/>
           </a:p>
         </p:txBody>
       </p:sp>
@@ -2414,7 +2594,7 @@
     </p:spTree>
     <p:extLst>
       <p:ext uri="{BB962C8B-B14F-4D97-AF65-F5344CB8AC3E}">
-        <p14:creationId xmlns:p14="http://schemas.microsoft.com/office/powerpoint/2010/main" val="3809877250"/>
+        <p14:creationId xmlns:p14="http://schemas.microsoft.com/office/powerpoint/2010/main" xmlns="" val="3809877250"/>
       </p:ext>
     </p:extLst>
   </p:cSld>
@@ -2534,9 +2714,9 @@
             <a:fld id="{3EF96EC7-A9F6-4918-BDFC-C3ED4AC79626}" type="datetimeFigureOut">
               <a:rPr lang="tr-TR" smtClean="0"/>
               <a:pPr/>
-              <a:t>22.05.2018</a:t>
+              <a:t>24.05.2018</a:t>
             </a:fld>
-            <a:endParaRPr lang="tr-TR"/>
+            <a:endParaRPr lang="tr-TR" dirty="0"/>
           </a:p>
         </p:txBody>
       </p:sp>
@@ -2555,7 +2735,7 @@
           <a:bodyPr/>
           <a:lstStyle/>
           <a:p>
-            <a:endParaRPr lang="tr-TR"/>
+            <a:endParaRPr lang="tr-TR" dirty="0"/>
           </a:p>
         </p:txBody>
       </p:sp>
@@ -2579,14 +2759,14 @@
               <a:pPr/>
               <a:t>‹#›</a:t>
             </a:fld>
-            <a:endParaRPr lang="tr-TR"/>
+            <a:endParaRPr lang="tr-TR" dirty="0"/>
           </a:p>
         </p:txBody>
       </p:sp>
     </p:spTree>
     <p:extLst>
       <p:ext uri="{BB962C8B-B14F-4D97-AF65-F5344CB8AC3E}">
-        <p14:creationId xmlns:p14="http://schemas.microsoft.com/office/powerpoint/2010/main" val="1838678002"/>
+        <p14:creationId xmlns:p14="http://schemas.microsoft.com/office/powerpoint/2010/main" xmlns="" val="1838678002"/>
       </p:ext>
     </p:extLst>
   </p:cSld>
@@ -2792,9 +2972,9 @@
             <a:fld id="{3EF96EC7-A9F6-4918-BDFC-C3ED4AC79626}" type="datetimeFigureOut">
               <a:rPr lang="tr-TR" smtClean="0"/>
               <a:pPr/>
-              <a:t>22.05.2018</a:t>
+              <a:t>24.05.2018</a:t>
             </a:fld>
-            <a:endParaRPr lang="tr-TR"/>
+            <a:endParaRPr lang="tr-TR" dirty="0"/>
           </a:p>
         </p:txBody>
       </p:sp>
@@ -2813,7 +2993,7 @@
           <a:bodyPr/>
           <a:lstStyle/>
           <a:p>
-            <a:endParaRPr lang="tr-TR"/>
+            <a:endParaRPr lang="tr-TR" dirty="0"/>
           </a:p>
         </p:txBody>
       </p:sp>
@@ -2837,14 +3017,14 @@
               <a:pPr/>
               <a:t>‹#›</a:t>
             </a:fld>
-            <a:endParaRPr lang="tr-TR"/>
+            <a:endParaRPr lang="tr-TR" dirty="0"/>
           </a:p>
         </p:txBody>
       </p:sp>
     </p:spTree>
     <p:extLst>
       <p:ext uri="{BB962C8B-B14F-4D97-AF65-F5344CB8AC3E}">
-        <p14:creationId xmlns:p14="http://schemas.microsoft.com/office/powerpoint/2010/main" val="1477903999"/>
+        <p14:creationId xmlns:p14="http://schemas.microsoft.com/office/powerpoint/2010/main" xmlns="" val="1477903999"/>
       </p:ext>
     </p:extLst>
   </p:cSld>
@@ -2968,9 +3148,9 @@
             <a:fld id="{3EF96EC7-A9F6-4918-BDFC-C3ED4AC79626}" type="datetimeFigureOut">
               <a:rPr lang="tr-TR" smtClean="0"/>
               <a:pPr/>
-              <a:t>22.05.2018</a:t>
+              <a:t>24.05.2018</a:t>
             </a:fld>
-            <a:endParaRPr lang="tr-TR"/>
+            <a:endParaRPr lang="tr-TR" dirty="0"/>
           </a:p>
         </p:txBody>
       </p:sp>
@@ -2989,7 +3169,7 @@
           <a:bodyPr/>
           <a:lstStyle/>
           <a:p>
-            <a:endParaRPr lang="tr-TR"/>
+            <a:endParaRPr lang="tr-TR" dirty="0"/>
           </a:p>
         </p:txBody>
       </p:sp>
@@ -3013,14 +3193,14 @@
               <a:pPr/>
               <a:t>‹#›</a:t>
             </a:fld>
-            <a:endParaRPr lang="tr-TR"/>
+            <a:endParaRPr lang="tr-TR" dirty="0"/>
           </a:p>
         </p:txBody>
       </p:sp>
     </p:spTree>
     <p:extLst>
       <p:ext uri="{BB962C8B-B14F-4D97-AF65-F5344CB8AC3E}">
-        <p14:creationId xmlns:p14="http://schemas.microsoft.com/office/powerpoint/2010/main" val="2234451693"/>
+        <p14:creationId xmlns:p14="http://schemas.microsoft.com/office/powerpoint/2010/main" xmlns="" val="2234451693"/>
       </p:ext>
     </p:extLst>
   </p:cSld>
@@ -3313,9 +3493,9 @@
             <a:fld id="{3EF96EC7-A9F6-4918-BDFC-C3ED4AC79626}" type="datetimeFigureOut">
               <a:rPr lang="tr-TR" smtClean="0"/>
               <a:pPr/>
-              <a:t>22.05.2018</a:t>
+              <a:t>24.05.2018</a:t>
             </a:fld>
-            <a:endParaRPr lang="tr-TR"/>
+            <a:endParaRPr lang="tr-TR" dirty="0"/>
           </a:p>
         </p:txBody>
       </p:sp>
@@ -3334,7 +3514,7 @@
           <a:bodyPr/>
           <a:lstStyle/>
           <a:p>
-            <a:endParaRPr lang="tr-TR"/>
+            <a:endParaRPr lang="tr-TR" dirty="0"/>
           </a:p>
         </p:txBody>
       </p:sp>
@@ -3358,7 +3538,7 @@
               <a:pPr/>
               <a:t>‹#›</a:t>
             </a:fld>
-            <a:endParaRPr lang="tr-TR"/>
+            <a:endParaRPr lang="tr-TR" dirty="0"/>
           </a:p>
         </p:txBody>
       </p:sp>
@@ -3403,7 +3583,7 @@
     </p:spTree>
     <p:extLst>
       <p:ext uri="{BB962C8B-B14F-4D97-AF65-F5344CB8AC3E}">
-        <p14:creationId xmlns:p14="http://schemas.microsoft.com/office/powerpoint/2010/main" val="1537530343"/>
+        <p14:creationId xmlns:p14="http://schemas.microsoft.com/office/powerpoint/2010/main" xmlns="" val="1537530343"/>
       </p:ext>
     </p:extLst>
   </p:cSld>
@@ -3590,9 +3770,9 @@
             <a:fld id="{3EF96EC7-A9F6-4918-BDFC-C3ED4AC79626}" type="datetimeFigureOut">
               <a:rPr lang="tr-TR" smtClean="0"/>
               <a:pPr/>
-              <a:t>22.05.2018</a:t>
+              <a:t>24.05.2018</a:t>
             </a:fld>
-            <a:endParaRPr lang="tr-TR"/>
+            <a:endParaRPr lang="tr-TR" dirty="0"/>
           </a:p>
         </p:txBody>
       </p:sp>
@@ -3611,7 +3791,7 @@
           <a:bodyPr/>
           <a:lstStyle/>
           <a:p>
-            <a:endParaRPr lang="tr-TR"/>
+            <a:endParaRPr lang="tr-TR" dirty="0"/>
           </a:p>
         </p:txBody>
       </p:sp>
@@ -3635,14 +3815,14 @@
               <a:pPr/>
               <a:t>‹#›</a:t>
             </a:fld>
-            <a:endParaRPr lang="tr-TR"/>
+            <a:endParaRPr lang="tr-TR" dirty="0"/>
           </a:p>
         </p:txBody>
       </p:sp>
     </p:spTree>
     <p:extLst>
       <p:ext uri="{BB962C8B-B14F-4D97-AF65-F5344CB8AC3E}">
-        <p14:creationId xmlns:p14="http://schemas.microsoft.com/office/powerpoint/2010/main" val="3378874762"/>
+        <p14:creationId xmlns:p14="http://schemas.microsoft.com/office/powerpoint/2010/main" xmlns="" val="3378874762"/>
       </p:ext>
     </p:extLst>
   </p:cSld>
@@ -3971,9 +4151,9 @@
             <a:fld id="{3EF96EC7-A9F6-4918-BDFC-C3ED4AC79626}" type="datetimeFigureOut">
               <a:rPr lang="tr-TR" smtClean="0"/>
               <a:pPr/>
-              <a:t>22.05.2018</a:t>
+              <a:t>24.05.2018</a:t>
             </a:fld>
-            <a:endParaRPr lang="tr-TR"/>
+            <a:endParaRPr lang="tr-TR" dirty="0"/>
           </a:p>
         </p:txBody>
       </p:sp>
@@ -3992,7 +4172,7 @@
           <a:bodyPr/>
           <a:lstStyle/>
           <a:p>
-            <a:endParaRPr lang="tr-TR"/>
+            <a:endParaRPr lang="tr-TR" dirty="0"/>
           </a:p>
         </p:txBody>
       </p:sp>
@@ -4016,14 +4196,14 @@
               <a:pPr/>
               <a:t>‹#›</a:t>
             </a:fld>
-            <a:endParaRPr lang="tr-TR"/>
+            <a:endParaRPr lang="tr-TR" dirty="0"/>
           </a:p>
         </p:txBody>
       </p:sp>
     </p:spTree>
     <p:extLst>
       <p:ext uri="{BB962C8B-B14F-4D97-AF65-F5344CB8AC3E}">
-        <p14:creationId xmlns:p14="http://schemas.microsoft.com/office/powerpoint/2010/main" val="491547674"/>
+        <p14:creationId xmlns:p14="http://schemas.microsoft.com/office/powerpoint/2010/main" xmlns="" val="491547674"/>
       </p:ext>
     </p:extLst>
   </p:cSld>
@@ -4091,9 +4271,9 @@
             <a:fld id="{3EF96EC7-A9F6-4918-BDFC-C3ED4AC79626}" type="datetimeFigureOut">
               <a:rPr lang="tr-TR" smtClean="0"/>
               <a:pPr/>
-              <a:t>22.05.2018</a:t>
+              <a:t>24.05.2018</a:t>
             </a:fld>
-            <a:endParaRPr lang="tr-TR"/>
+            <a:endParaRPr lang="tr-TR" dirty="0"/>
           </a:p>
         </p:txBody>
       </p:sp>
@@ -4112,7 +4292,7 @@
           <a:bodyPr/>
           <a:lstStyle/>
           <a:p>
-            <a:endParaRPr lang="tr-TR"/>
+            <a:endParaRPr lang="tr-TR" dirty="0"/>
           </a:p>
         </p:txBody>
       </p:sp>
@@ -4136,14 +4316,14 @@
               <a:pPr/>
               <a:t>‹#›</a:t>
             </a:fld>
-            <a:endParaRPr lang="tr-TR"/>
+            <a:endParaRPr lang="tr-TR" dirty="0"/>
           </a:p>
         </p:txBody>
       </p:sp>
     </p:spTree>
     <p:extLst>
       <p:ext uri="{BB962C8B-B14F-4D97-AF65-F5344CB8AC3E}">
-        <p14:creationId xmlns:p14="http://schemas.microsoft.com/office/powerpoint/2010/main" val="3139254311"/>
+        <p14:creationId xmlns:p14="http://schemas.microsoft.com/office/powerpoint/2010/main" xmlns="" val="3139254311"/>
       </p:ext>
     </p:extLst>
   </p:cSld>
@@ -4264,9 +4444,9 @@
             <a:fld id="{3EF96EC7-A9F6-4918-BDFC-C3ED4AC79626}" type="datetimeFigureOut">
               <a:rPr lang="tr-TR" smtClean="0"/>
               <a:pPr/>
-              <a:t>22.05.2018</a:t>
+              <a:t>24.05.2018</a:t>
             </a:fld>
-            <a:endParaRPr lang="tr-TR"/>
+            <a:endParaRPr lang="tr-TR" dirty="0"/>
           </a:p>
         </p:txBody>
       </p:sp>
@@ -4293,7 +4473,7 @@
             </a:lvl1pPr>
           </a:lstStyle>
           <a:p>
-            <a:endParaRPr lang="tr-TR"/>
+            <a:endParaRPr lang="tr-TR" dirty="0"/>
           </a:p>
         </p:txBody>
       </p:sp>
@@ -4317,14 +4497,14 @@
               <a:pPr/>
               <a:t>‹#›</a:t>
             </a:fld>
-            <a:endParaRPr lang="tr-TR"/>
+            <a:endParaRPr lang="tr-TR" dirty="0"/>
           </a:p>
         </p:txBody>
       </p:sp>
     </p:spTree>
     <p:extLst>
       <p:ext uri="{BB962C8B-B14F-4D97-AF65-F5344CB8AC3E}">
-        <p14:creationId xmlns:p14="http://schemas.microsoft.com/office/powerpoint/2010/main" val="3912122464"/>
+        <p14:creationId xmlns:p14="http://schemas.microsoft.com/office/powerpoint/2010/main" xmlns="" val="3912122464"/>
       </p:ext>
     </p:extLst>
   </p:cSld>
@@ -4620,9 +4800,9 @@
             <a:fld id="{3EF96EC7-A9F6-4918-BDFC-C3ED4AC79626}" type="datetimeFigureOut">
               <a:rPr lang="tr-TR" smtClean="0"/>
               <a:pPr/>
-              <a:t>22.05.2018</a:t>
+              <a:t>24.05.2018</a:t>
             </a:fld>
-            <a:endParaRPr lang="tr-TR"/>
+            <a:endParaRPr lang="tr-TR" dirty="0"/>
           </a:p>
         </p:txBody>
       </p:sp>
@@ -4654,7 +4834,7 @@
             </a:lvl1pPr>
           </a:lstStyle>
           <a:p>
-            <a:endParaRPr lang="tr-TR"/>
+            <a:endParaRPr lang="tr-TR" dirty="0"/>
           </a:p>
         </p:txBody>
       </p:sp>
@@ -4686,14 +4866,14 @@
               <a:pPr/>
               <a:t>‹#›</a:t>
             </a:fld>
-            <a:endParaRPr lang="tr-TR"/>
+            <a:endParaRPr lang="tr-TR" dirty="0"/>
           </a:p>
         </p:txBody>
       </p:sp>
     </p:spTree>
     <p:extLst>
       <p:ext uri="{BB962C8B-B14F-4D97-AF65-F5344CB8AC3E}">
-        <p14:creationId xmlns:p14="http://schemas.microsoft.com/office/powerpoint/2010/main" val="2909264617"/>
+        <p14:creationId xmlns:p14="http://schemas.microsoft.com/office/powerpoint/2010/main" xmlns="" val="2909264617"/>
       </p:ext>
     </p:extLst>
   </p:cSld>
@@ -4902,7 +5082,7 @@
           </a:lstStyle>
           <a:p>
             <a:r>
-              <a:rPr lang="en-US" smtClean="0"/>
+              <a:rPr lang="en-US" dirty="0" smtClean="0"/>
               <a:t>Click icon to add picture</a:t>
             </a:r>
             <a:endParaRPr lang="en-US" dirty="0"/>
@@ -5004,9 +5184,9 @@
             <a:fld id="{3EF96EC7-A9F6-4918-BDFC-C3ED4AC79626}" type="datetimeFigureOut">
               <a:rPr lang="tr-TR" smtClean="0"/>
               <a:pPr/>
-              <a:t>22.05.2018</a:t>
+              <a:t>24.05.2018</a:t>
             </a:fld>
-            <a:endParaRPr lang="tr-TR"/>
+            <a:endParaRPr lang="tr-TR" dirty="0"/>
           </a:p>
         </p:txBody>
       </p:sp>
@@ -5025,7 +5205,7 @@
           <a:bodyPr/>
           <a:lstStyle/>
           <a:p>
-            <a:endParaRPr lang="tr-TR"/>
+            <a:endParaRPr lang="tr-TR" dirty="0"/>
           </a:p>
         </p:txBody>
       </p:sp>
@@ -5049,14 +5229,14 @@
               <a:pPr/>
               <a:t>‹#›</a:t>
             </a:fld>
-            <a:endParaRPr lang="tr-TR"/>
+            <a:endParaRPr lang="tr-TR" dirty="0"/>
           </a:p>
         </p:txBody>
       </p:sp>
     </p:spTree>
     <p:extLst>
       <p:ext uri="{BB962C8B-B14F-4D97-AF65-F5344CB8AC3E}">
-        <p14:creationId xmlns:p14="http://schemas.microsoft.com/office/powerpoint/2010/main" val="1224235102"/>
+        <p14:creationId xmlns:p14="http://schemas.microsoft.com/office/powerpoint/2010/main" xmlns="" val="1224235102"/>
       </p:ext>
     </p:extLst>
   </p:cSld>
@@ -5293,9 +5473,9 @@
             <a:fld id="{3EF96EC7-A9F6-4918-BDFC-C3ED4AC79626}" type="datetimeFigureOut">
               <a:rPr lang="tr-TR" smtClean="0"/>
               <a:pPr/>
-              <a:t>22.05.2018</a:t>
+              <a:t>24.05.2018</a:t>
             </a:fld>
-            <a:endParaRPr lang="tr-TR"/>
+            <a:endParaRPr lang="tr-TR" dirty="0"/>
           </a:p>
         </p:txBody>
       </p:sp>
@@ -5330,7 +5510,7 @@
             </a:lvl1pPr>
           </a:lstStyle>
           <a:p>
-            <a:endParaRPr lang="tr-TR"/>
+            <a:endParaRPr lang="tr-TR" dirty="0"/>
           </a:p>
         </p:txBody>
       </p:sp>
@@ -5370,7 +5550,7 @@
               <a:pPr/>
               <a:t>‹#›</a:t>
             </a:fld>
-            <a:endParaRPr lang="tr-TR"/>
+            <a:endParaRPr lang="tr-TR" dirty="0"/>
           </a:p>
         </p:txBody>
       </p:sp>
@@ -5415,7 +5595,7 @@
     </p:spTree>
     <p:extLst>
       <p:ext uri="{BB962C8B-B14F-4D97-AF65-F5344CB8AC3E}">
-        <p14:creationId xmlns:p14="http://schemas.microsoft.com/office/powerpoint/2010/main" val="2460612639"/>
+        <p14:creationId xmlns:p14="http://schemas.microsoft.com/office/powerpoint/2010/main" xmlns="" val="2460612639"/>
       </p:ext>
     </p:extLst>
   </p:cSld>
@@ -5830,18 +6010,36 @@
         </p:nvSpPr>
         <p:spPr/>
         <p:txBody>
-          <a:bodyPr/>
+          <a:bodyPr>
+            <a:normAutofit/>
+          </a:bodyPr>
           <a:lstStyle/>
           <a:p>
             <a:r>
-              <a:rPr lang="tr-TR" dirty="0" smtClean="0"/>
-              <a:t>TİK 	</a:t>
-            </a:r>
-            <a:r>
-              <a:rPr lang="tr-TR" dirty="0" smtClean="0"/>
-              <a:t>May 2018</a:t>
-            </a:r>
-            <a:endParaRPr lang="tr-TR" dirty="0"/>
+              <a:rPr lang="en-US" sz="3200" dirty="0" smtClean="0">
+                <a:solidFill>
+                  <a:schemeClr val="accent2">
+                    <a:lumMod val="50000"/>
+                  </a:schemeClr>
+                </a:solidFill>
+                <a:latin typeface="Helvetica" panose="020B0604020202020204" pitchFamily="34" charset="0"/>
+                <a:cs typeface="Helvetica" panose="020B0604020202020204" pitchFamily="34" charset="0"/>
+              </a:rPr>
+              <a:t>Compensation of </a:t>
+            </a:r>
+            <a:r>
+              <a:rPr lang="en-US" sz="3200" dirty="0" smtClean="0">
+                <a:solidFill>
+                  <a:schemeClr val="accent2">
+                    <a:lumMod val="50000"/>
+                  </a:schemeClr>
+                </a:solidFill>
+                <a:latin typeface="Helvetica" panose="020B0604020202020204" pitchFamily="34" charset="0"/>
+                <a:cs typeface="Helvetica" panose="020B0604020202020204" pitchFamily="34" charset="0"/>
+              </a:rPr>
+              <a:t>Nonlinearities of the Voltage Source Inverters for High Precision Position Control Applications</a:t>
+            </a:r>
+            <a:endParaRPr lang="en-US" dirty="0"/>
           </a:p>
         </p:txBody>
       </p:sp>
@@ -5864,14 +6062,23 @@
               <a:rPr lang="tr-TR" dirty="0" smtClean="0"/>
               <a:t>Hüseyin YÜRÜK</a:t>
             </a:r>
-            <a:endParaRPr lang="tr-TR" dirty="0"/>
+          </a:p>
+          <a:p>
+            <a:r>
+              <a:rPr lang="tr-TR" dirty="0" smtClean="0"/>
+              <a:t>TİK MAY</a:t>
+            </a:r>
+            <a:r>
+              <a:rPr lang="tr-TR" dirty="0"/>
+              <a:t> 2018 </a:t>
+            </a:r>
           </a:p>
         </p:txBody>
       </p:sp>
     </p:spTree>
     <p:extLst>
       <p:ext uri="{BB962C8B-B14F-4D97-AF65-F5344CB8AC3E}">
-        <p14:creationId xmlns:p14="http://schemas.microsoft.com/office/powerpoint/2010/main" val="2022572208"/>
+        <p14:creationId xmlns:p14="http://schemas.microsoft.com/office/powerpoint/2010/main" xmlns="" val="2022572208"/>
       </p:ext>
     </p:extLst>
   </p:cSld>
@@ -5889,6 +6096,478 @@
 </file>
 
 <file path=ppt/slides/slide10.xml><?xml version="1.0" encoding="utf-8"?>
+<p:sld xmlns:a="http://schemas.openxmlformats.org/drawingml/2006/main" xmlns:r="http://schemas.openxmlformats.org/officeDocument/2006/relationships" xmlns:p="http://schemas.openxmlformats.org/presentationml/2006/main">
+  <p:cSld>
+    <p:spTree>
+      <p:nvGrpSpPr>
+        <p:cNvPr id="1" name=""/>
+        <p:cNvGrpSpPr/>
+        <p:nvPr/>
+      </p:nvGrpSpPr>
+      <p:grpSpPr>
+        <a:xfrm>
+          <a:off x="0" y="0"/>
+          <a:ext cx="0" cy="0"/>
+          <a:chOff x="0" y="0"/>
+          <a:chExt cx="0" cy="0"/>
+        </a:xfrm>
+      </p:grpSpPr>
+      <p:pic>
+        <p:nvPicPr>
+          <p:cNvPr id="10" name="Picture 9"/>
+          <p:cNvPicPr>
+            <a:picLocks noChangeAspect="1"/>
+          </p:cNvPicPr>
+          <p:nvPr/>
+        </p:nvPicPr>
+        <p:blipFill>
+          <a:blip r:embed="rId3"/>
+          <a:stretch>
+            <a:fillRect/>
+          </a:stretch>
+        </p:blipFill>
+        <p:spPr>
+          <a:xfrm rot="16200000">
+            <a:off x="4388707" y="3746044"/>
+            <a:ext cx="2523598" cy="1405548"/>
+          </a:xfrm>
+          <a:prstGeom prst="rect">
+            <a:avLst/>
+          </a:prstGeom>
+        </p:spPr>
+      </p:pic>
+      <p:sp>
+        <p:nvSpPr>
+          <p:cNvPr id="2" name="Title 1"/>
+          <p:cNvSpPr>
+            <a:spLocks noGrp="1"/>
+          </p:cNvSpPr>
+          <p:nvPr>
+            <p:ph type="title"/>
+          </p:nvPr>
+        </p:nvSpPr>
+        <p:spPr/>
+        <p:txBody>
+          <a:bodyPr/>
+          <a:lstStyle/>
+          <a:p>
+            <a:r>
+              <a:rPr lang="en-US" dirty="0" smtClean="0"/>
+              <a:t>literature</a:t>
+            </a:r>
+            <a:endParaRPr lang="en-US" dirty="0"/>
+          </a:p>
+        </p:txBody>
+      </p:sp>
+      <p:sp>
+        <p:nvSpPr>
+          <p:cNvPr id="3" name="Content Placeholder 2"/>
+          <p:cNvSpPr>
+            <a:spLocks noGrp="1"/>
+          </p:cNvSpPr>
+          <p:nvPr>
+            <p:ph idx="1"/>
+          </p:nvPr>
+        </p:nvSpPr>
+        <p:spPr/>
+        <p:txBody>
+          <a:bodyPr/>
+          <a:lstStyle/>
+          <a:p>
+            <a:pPr>
+              <a:buFont typeface="Wingdings" panose="05000000000000000000" pitchFamily="2" charset="2"/>
+              <a:buChar char="q"/>
+            </a:pPr>
+            <a:r>
+              <a:rPr lang="en-US" dirty="0" smtClean="0"/>
+              <a:t> an example of hardware based compensation method</a:t>
+            </a:r>
+            <a:r>
+              <a:rPr lang="tr-TR" dirty="0" smtClean="0"/>
+              <a:t> (</a:t>
+            </a:r>
+            <a:r>
+              <a:rPr lang="tr-TR" dirty="0" err="1" smtClean="0"/>
+              <a:t>cont’d</a:t>
+            </a:r>
+            <a:r>
+              <a:rPr lang="tr-TR" dirty="0" smtClean="0"/>
+              <a:t>)</a:t>
+            </a:r>
+            <a:endParaRPr lang="en-US" dirty="0"/>
+          </a:p>
+        </p:txBody>
+      </p:sp>
+      <p:pic>
+        <p:nvPicPr>
+          <p:cNvPr id="6" name="Picture 5"/>
+          <p:cNvPicPr>
+            <a:picLocks noChangeAspect="1"/>
+          </p:cNvPicPr>
+          <p:nvPr/>
+        </p:nvPicPr>
+        <p:blipFill>
+          <a:blip r:embed="rId4"/>
+          <a:stretch>
+            <a:fillRect/>
+          </a:stretch>
+        </p:blipFill>
+        <p:spPr>
+          <a:xfrm>
+            <a:off x="209746" y="2789642"/>
+            <a:ext cx="4578348" cy="3039645"/>
+          </a:xfrm>
+          <a:prstGeom prst="rect">
+            <a:avLst/>
+          </a:prstGeom>
+        </p:spPr>
+      </p:pic>
+      <p:pic>
+        <p:nvPicPr>
+          <p:cNvPr id="5" name="Picture 4"/>
+          <p:cNvPicPr>
+            <a:picLocks noChangeAspect="1"/>
+          </p:cNvPicPr>
+          <p:nvPr/>
+        </p:nvPicPr>
+        <p:blipFill>
+          <a:blip r:embed="rId5"/>
+          <a:stretch>
+            <a:fillRect/>
+          </a:stretch>
+        </p:blipFill>
+        <p:spPr>
+          <a:xfrm>
+            <a:off x="6680971" y="2805728"/>
+            <a:ext cx="5131934" cy="2780436"/>
+          </a:xfrm>
+          <a:prstGeom prst="rect">
+            <a:avLst/>
+          </a:prstGeom>
+        </p:spPr>
+      </p:pic>
+      <p:pic>
+        <p:nvPicPr>
+          <p:cNvPr id="4" name="Picture 3"/>
+          <p:cNvPicPr>
+            <a:picLocks noChangeAspect="1"/>
+          </p:cNvPicPr>
+          <p:nvPr/>
+        </p:nvPicPr>
+        <p:blipFill>
+          <a:blip r:embed="rId6">
+            <a:extLst>
+              <a:ext uri="{28A0092B-C50C-407E-A947-70E740481C1C}">
+                <a14:useLocalDpi xmlns:a14="http://schemas.microsoft.com/office/drawing/2010/main" xmlns="" val="0"/>
+              </a:ext>
+            </a:extLst>
+          </a:blip>
+          <a:stretch>
+            <a:fillRect/>
+          </a:stretch>
+        </p:blipFill>
+        <p:spPr>
+          <a:xfrm>
+            <a:off x="10498455" y="1808423"/>
+            <a:ext cx="1314450" cy="714375"/>
+          </a:xfrm>
+          <a:prstGeom prst="rect">
+            <a:avLst/>
+          </a:prstGeom>
+        </p:spPr>
+      </p:pic>
+      <p:sp>
+        <p:nvSpPr>
+          <p:cNvPr id="9" name="Rectangle 8"/>
+          <p:cNvSpPr/>
+          <p:nvPr/>
+        </p:nvSpPr>
+        <p:spPr>
+          <a:xfrm>
+            <a:off x="4472292" y="5907408"/>
+            <a:ext cx="7478408" cy="461665"/>
+          </a:xfrm>
+          <a:prstGeom prst="rect">
+            <a:avLst/>
+          </a:prstGeom>
+        </p:spPr>
+        <p:txBody>
+          <a:bodyPr wrap="square">
+            <a:spAutoFit/>
+          </a:bodyPr>
+          <a:lstStyle/>
+          <a:p>
+            <a:pPr marL="384048" lvl="2" indent="0">
+              <a:buNone/>
+            </a:pPr>
+            <a:r>
+              <a:rPr lang="en-US" sz="1200" i="1" dirty="0"/>
+              <a:t>S. J. Chee, J. Kim, and S. K. </a:t>
+            </a:r>
+            <a:r>
+              <a:rPr lang="en-US" sz="1200" i="1" dirty="0" err="1"/>
+              <a:t>Sul</a:t>
+            </a:r>
+            <a:r>
+              <a:rPr lang="en-US" sz="1200" i="1" dirty="0"/>
+              <a:t>, “Dead-time compensation based on pole voltage measurement,” 2015 IEEE Energy Convers. </a:t>
+            </a:r>
+            <a:r>
+              <a:rPr lang="en-US" sz="1200" i="1" dirty="0" err="1"/>
+              <a:t>Congr</a:t>
+            </a:r>
+            <a:r>
+              <a:rPr lang="en-US" sz="1200" i="1" dirty="0"/>
+              <a:t>. Expo. ECCE 2015, pp. 1549–1555, 2015.</a:t>
+            </a:r>
+          </a:p>
+        </p:txBody>
+      </p:sp>
+    </p:spTree>
+    <p:extLst>
+      <p:ext uri="{BB962C8B-B14F-4D97-AF65-F5344CB8AC3E}">
+        <p14:creationId xmlns:p14="http://schemas.microsoft.com/office/powerpoint/2010/main" xmlns="" val="282162397"/>
+      </p:ext>
+    </p:extLst>
+  </p:cSld>
+  <p:clrMapOvr>
+    <a:masterClrMapping/>
+  </p:clrMapOvr>
+  <p:timing>
+    <p:tnLst>
+      <p:par>
+        <p:cTn id="1" dur="indefinite" restart="never" nodeType="tmRoot"/>
+      </p:par>
+    </p:tnLst>
+  </p:timing>
+</p:sld>
+</file>
+
+<file path=ppt/slides/slide11.xml><?xml version="1.0" encoding="utf-8"?>
+<p:sld xmlns:a="http://schemas.openxmlformats.org/drawingml/2006/main" xmlns:r="http://schemas.openxmlformats.org/officeDocument/2006/relationships" xmlns:p="http://schemas.openxmlformats.org/presentationml/2006/main">
+  <p:cSld>
+    <p:spTree>
+      <p:nvGrpSpPr>
+        <p:cNvPr id="1" name=""/>
+        <p:cNvGrpSpPr/>
+        <p:nvPr/>
+      </p:nvGrpSpPr>
+      <p:grpSpPr>
+        <a:xfrm>
+          <a:off x="0" y="0"/>
+          <a:ext cx="0" cy="0"/>
+          <a:chOff x="0" y="0"/>
+          <a:chExt cx="0" cy="0"/>
+        </a:xfrm>
+      </p:grpSpPr>
+      <p:sp>
+        <p:nvSpPr>
+          <p:cNvPr id="2" name="Title 1"/>
+          <p:cNvSpPr>
+            <a:spLocks noGrp="1"/>
+          </p:cNvSpPr>
+          <p:nvPr>
+            <p:ph type="title"/>
+          </p:nvPr>
+        </p:nvSpPr>
+        <p:spPr/>
+        <p:txBody>
+          <a:bodyPr/>
+          <a:lstStyle/>
+          <a:p>
+            <a:r>
+              <a:rPr lang="en-US" dirty="0" smtClean="0"/>
+              <a:t>literature</a:t>
+            </a:r>
+            <a:endParaRPr lang="en-US" dirty="0"/>
+          </a:p>
+        </p:txBody>
+      </p:sp>
+      <p:sp>
+        <p:nvSpPr>
+          <p:cNvPr id="3" name="Content Placeholder 2"/>
+          <p:cNvSpPr>
+            <a:spLocks noGrp="1"/>
+          </p:cNvSpPr>
+          <p:nvPr>
+            <p:ph idx="1"/>
+          </p:nvPr>
+        </p:nvSpPr>
+        <p:spPr/>
+        <p:txBody>
+          <a:bodyPr/>
+          <a:lstStyle/>
+          <a:p>
+            <a:pPr>
+              <a:buFont typeface="Wingdings" panose="05000000000000000000" pitchFamily="2" charset="2"/>
+              <a:buChar char="q"/>
+            </a:pPr>
+            <a:r>
+              <a:rPr lang="en-US" dirty="0" smtClean="0"/>
+              <a:t> an example of software based compensation method (revised repetitive controller RRC)</a:t>
+            </a:r>
+          </a:p>
+          <a:p>
+            <a:pPr>
+              <a:buFont typeface="Wingdings" panose="05000000000000000000" pitchFamily="2" charset="2"/>
+              <a:buChar char="q"/>
+            </a:pPr>
+            <a:endParaRPr lang="en-US" dirty="0"/>
+          </a:p>
+        </p:txBody>
+      </p:sp>
+      <p:pic>
+        <p:nvPicPr>
+          <p:cNvPr id="4" name="Picture 3"/>
+          <p:cNvPicPr>
+            <a:picLocks noChangeAspect="1"/>
+          </p:cNvPicPr>
+          <p:nvPr/>
+        </p:nvPicPr>
+        <p:blipFill>
+          <a:blip r:embed="rId3"/>
+          <a:stretch>
+            <a:fillRect/>
+          </a:stretch>
+        </p:blipFill>
+        <p:spPr>
+          <a:xfrm>
+            <a:off x="137194" y="2249900"/>
+            <a:ext cx="5008880" cy="3415994"/>
+          </a:xfrm>
+          <a:prstGeom prst="rect">
+            <a:avLst/>
+          </a:prstGeom>
+        </p:spPr>
+      </p:pic>
+      <p:pic>
+        <p:nvPicPr>
+          <p:cNvPr id="5" name="Picture 4"/>
+          <p:cNvPicPr>
+            <a:picLocks noChangeAspect="1"/>
+          </p:cNvPicPr>
+          <p:nvPr/>
+        </p:nvPicPr>
+        <p:blipFill>
+          <a:blip r:embed="rId4"/>
+          <a:stretch>
+            <a:fillRect/>
+          </a:stretch>
+        </p:blipFill>
+        <p:spPr>
+          <a:xfrm>
+            <a:off x="4996180" y="2498831"/>
+            <a:ext cx="3515517" cy="3167063"/>
+          </a:xfrm>
+          <a:prstGeom prst="rect">
+            <a:avLst/>
+          </a:prstGeom>
+        </p:spPr>
+      </p:pic>
+      <p:pic>
+        <p:nvPicPr>
+          <p:cNvPr id="6" name="Picture 5"/>
+          <p:cNvPicPr>
+            <a:picLocks noChangeAspect="1"/>
+          </p:cNvPicPr>
+          <p:nvPr/>
+        </p:nvPicPr>
+        <p:blipFill>
+          <a:blip r:embed="rId5"/>
+          <a:stretch>
+            <a:fillRect/>
+          </a:stretch>
+        </p:blipFill>
+        <p:spPr>
+          <a:xfrm>
+            <a:off x="8420590" y="2575031"/>
+            <a:ext cx="3857769" cy="3090863"/>
+          </a:xfrm>
+          <a:prstGeom prst="rect">
+            <a:avLst/>
+          </a:prstGeom>
+        </p:spPr>
+      </p:pic>
+      <p:sp>
+        <p:nvSpPr>
+          <p:cNvPr id="8" name="Rectangle 7"/>
+          <p:cNvSpPr/>
+          <p:nvPr/>
+        </p:nvSpPr>
+        <p:spPr>
+          <a:xfrm>
+            <a:off x="967808" y="6050363"/>
+            <a:ext cx="11310551" cy="246221"/>
+          </a:xfrm>
+          <a:prstGeom prst="rect">
+            <a:avLst/>
+          </a:prstGeom>
+        </p:spPr>
+        <p:txBody>
+          <a:bodyPr wrap="square">
+            <a:spAutoFit/>
+          </a:bodyPr>
+          <a:lstStyle/>
+          <a:p>
+            <a:r>
+              <a:rPr lang="en-US" sz="1000" dirty="0"/>
+              <a:t>Z. Tang and B. Akin, “Compensation of dead-time effects based on revised repetitive controller for PMSM drives,” Conf. Proc. - IEEE Appl. Power Electron. Conf. Expo. - APEC, vol. 32, no. 3, pp. 2730–2737, 2017.</a:t>
+            </a:r>
+            <a:endParaRPr lang="tr-TR" sz="1000" dirty="0"/>
+          </a:p>
+        </p:txBody>
+      </p:sp>
+      <p:pic>
+        <p:nvPicPr>
+          <p:cNvPr id="9" name="Picture 8"/>
+          <p:cNvPicPr>
+            <a:picLocks noChangeAspect="1"/>
+          </p:cNvPicPr>
+          <p:nvPr/>
+        </p:nvPicPr>
+        <p:blipFill>
+          <a:blip r:embed="rId6" cstate="print">
+            <a:extLst>
+              <a:ext uri="{28A0092B-C50C-407E-A947-70E740481C1C}">
+                <a14:useLocalDpi xmlns:a14="http://schemas.microsoft.com/office/drawing/2010/main" xmlns="" val="0"/>
+              </a:ext>
+            </a:extLst>
+          </a:blip>
+          <a:stretch>
+            <a:fillRect/>
+          </a:stretch>
+        </p:blipFill>
+        <p:spPr>
+          <a:xfrm>
+            <a:off x="137194" y="5800745"/>
+            <a:ext cx="3203931" cy="226693"/>
+          </a:xfrm>
+          <a:prstGeom prst="rect">
+            <a:avLst/>
+          </a:prstGeom>
+        </p:spPr>
+      </p:pic>
+    </p:spTree>
+    <p:extLst>
+      <p:ext uri="{BB962C8B-B14F-4D97-AF65-F5344CB8AC3E}">
+        <p14:creationId xmlns:p14="http://schemas.microsoft.com/office/powerpoint/2010/main" xmlns="" val="1233765601"/>
+      </p:ext>
+    </p:extLst>
+  </p:cSld>
+  <p:clrMapOvr>
+    <a:masterClrMapping/>
+  </p:clrMapOvr>
+  <p:timing>
+    <p:tnLst>
+      <p:par>
+        <p:cTn id="1" dur="indefinite" restart="never" nodeType="tmRoot"/>
+      </p:par>
+    </p:tnLst>
+  </p:timing>
+</p:sld>
+</file>
+
+<file path=ppt/slides/slide12.xml><?xml version="1.0" encoding="utf-8"?>
 <p:sld xmlns:a="http://schemas.openxmlformats.org/drawingml/2006/main" xmlns:r="http://schemas.openxmlformats.org/officeDocument/2006/relationships" xmlns:p="http://schemas.openxmlformats.org/presentationml/2006/main">
   <p:cSld>
     <p:spTree>
@@ -6102,8 +6781,67 @@
         </p:blipFill>
         <p:spPr>
           <a:xfrm>
-            <a:off x="2940821" y="2167352"/>
-            <a:ext cx="3936171" cy="2381250"/>
+            <a:off x="2940822" y="2167352"/>
+            <a:ext cx="3891716" cy="2354356"/>
+          </a:xfrm>
+          <a:prstGeom prst="rect">
+            <a:avLst/>
+          </a:prstGeom>
+        </p:spPr>
+      </p:pic>
+      <p:sp>
+        <p:nvSpPr>
+          <p:cNvPr id="13" name="Rectangle 12"/>
+          <p:cNvSpPr/>
+          <p:nvPr/>
+        </p:nvSpPr>
+        <p:spPr>
+          <a:xfrm>
+            <a:off x="174271" y="5291976"/>
+            <a:ext cx="3203930" cy="707886"/>
+          </a:xfrm>
+          <a:prstGeom prst="rect">
+            <a:avLst/>
+          </a:prstGeom>
+        </p:spPr>
+        <p:txBody>
+          <a:bodyPr wrap="square">
+            <a:spAutoFit/>
+          </a:bodyPr>
+          <a:lstStyle/>
+          <a:p>
+            <a:r>
+              <a:rPr lang="en-US" sz="1000" dirty="0"/>
+              <a:t>Z. Tang and B. Akin, “Compensation of dead-time effects based on revised repetitive controller for PMSM drives,” Conf. Proc. - IEEE Appl. Power Electron. Conf. Expo. - APEC, vol. 32, no. 3, pp. 2730–2737, 2017.</a:t>
+            </a:r>
+            <a:endParaRPr lang="tr-TR" sz="1000" dirty="0"/>
+          </a:p>
+        </p:txBody>
+      </p:sp>
+      <p:pic>
+        <p:nvPicPr>
+          <p:cNvPr id="14" name="Picture 13"/>
+          <p:cNvPicPr>
+            <a:picLocks noChangeAspect="1"/>
+          </p:cNvPicPr>
+          <p:nvPr/>
+        </p:nvPicPr>
+        <p:blipFill>
+          <a:blip r:embed="rId9" cstate="print">
+            <a:extLst>
+              <a:ext uri="{28A0092B-C50C-407E-A947-70E740481C1C}">
+                <a14:useLocalDpi xmlns:a14="http://schemas.microsoft.com/office/drawing/2010/main" xmlns="" val="0"/>
+              </a:ext>
+            </a:extLst>
+          </a:blip>
+          <a:stretch>
+            <a:fillRect/>
+          </a:stretch>
+        </p:blipFill>
+        <p:spPr>
+          <a:xfrm>
+            <a:off x="174270" y="5999862"/>
+            <a:ext cx="3203931" cy="226693"/>
           </a:xfrm>
           <a:prstGeom prst="rect">
             <a:avLst/>
@@ -6113,7 +6851,7 @@
     </p:spTree>
     <p:extLst>
       <p:ext uri="{BB962C8B-B14F-4D97-AF65-F5344CB8AC3E}">
-        <p14:creationId xmlns:p14="http://schemas.microsoft.com/office/powerpoint/2010/main" val="472826320"/>
+        <p14:creationId xmlns:p14="http://schemas.microsoft.com/office/powerpoint/2010/main" xmlns="" val="472826320"/>
       </p:ext>
     </p:extLst>
   </p:cSld>
@@ -6130,7 +6868,7 @@
 </p:sld>
 </file>
 
-<file path=ppt/slides/slide11.xml><?xml version="1.0" encoding="utf-8"?>
+<file path=ppt/slides/slide13.xml><?xml version="1.0" encoding="utf-8"?>
 <p:sld xmlns:a="http://schemas.openxmlformats.org/drawingml/2006/main" xmlns:r="http://schemas.openxmlformats.org/officeDocument/2006/relationships" xmlns:p="http://schemas.openxmlformats.org/presentationml/2006/main">
   <p:cSld>
     <p:spTree>
@@ -6163,44 +6901,20 @@
           <a:lstStyle/>
           <a:p>
             <a:r>
-              <a:rPr lang="tr-TR" dirty="0" err="1" smtClean="0"/>
-              <a:t>future</a:t>
-            </a:r>
-            <a:r>
-              <a:rPr lang="tr-TR" dirty="0" smtClean="0"/>
-              <a:t> </a:t>
-            </a:r>
-            <a:r>
-              <a:rPr lang="tr-TR" dirty="0" smtClean="0"/>
-              <a:t>plan </a:t>
-            </a:r>
-            <a:r>
-              <a:rPr lang="tr-TR" sz="2400" dirty="0" smtClean="0"/>
-              <a:t>(</a:t>
-            </a:r>
-            <a:r>
-              <a:rPr lang="tr-TR" sz="2400" dirty="0" err="1" smtClean="0"/>
-              <a:t>up</a:t>
-            </a:r>
-            <a:r>
-              <a:rPr lang="tr-TR" sz="2400" dirty="0" smtClean="0"/>
-              <a:t> </a:t>
-            </a:r>
-            <a:r>
-              <a:rPr lang="tr-TR" sz="2400" dirty="0" err="1" smtClean="0"/>
-              <a:t>to</a:t>
-            </a:r>
-            <a:r>
-              <a:rPr lang="tr-TR" sz="2400" dirty="0" smtClean="0"/>
-              <a:t> </a:t>
-            </a:r>
-            <a:r>
-              <a:rPr lang="tr-TR" sz="2400" dirty="0" err="1" smtClean="0"/>
-              <a:t>next</a:t>
-            </a:r>
-            <a:r>
-              <a:rPr lang="tr-TR" sz="2400" dirty="0" smtClean="0"/>
-              <a:t> tik)</a:t>
+              <a:rPr lang="en-US" dirty="0" smtClean="0"/>
+              <a:t>future plan </a:t>
+            </a:r>
+            <a:r>
+              <a:rPr lang="en-US" sz="2400" dirty="0" smtClean="0"/>
+              <a:t>(up to next </a:t>
+            </a:r>
+            <a:r>
+              <a:rPr lang="en-US" sz="2400" dirty="0" err="1" smtClean="0"/>
+              <a:t>tik</a:t>
+            </a:r>
+            <a:r>
+              <a:rPr lang="en-US" sz="2400" dirty="0" smtClean="0"/>
+              <a:t>)</a:t>
             </a:r>
             <a:endParaRPr lang="en-US" sz="2400" dirty="0"/>
           </a:p>
@@ -6229,19 +6943,19 @@
             </a:pPr>
             <a:r>
               <a:rPr lang="en-US" dirty="0" smtClean="0"/>
-              <a:t> the effect of the dead time will be analyzed and investigated for both </a:t>
-            </a:r>
-            <a:r>
-              <a:rPr lang="en-US" dirty="0" err="1" smtClean="0"/>
-              <a:t>mosfet</a:t>
+              <a:t> the effect of the nonlinearities will be analyzed and investigated for both </a:t>
+            </a:r>
+            <a:r>
+              <a:rPr lang="tr-TR" dirty="0" smtClean="0"/>
+              <a:t>MOSFET</a:t>
             </a:r>
             <a:r>
               <a:rPr lang="en-US" dirty="0" smtClean="0"/>
               <a:t> and </a:t>
             </a:r>
             <a:r>
-              <a:rPr lang="en-US" dirty="0" err="1" smtClean="0"/>
-              <a:t>igbt</a:t>
+              <a:rPr lang="tr-TR" dirty="0" smtClean="0"/>
+              <a:t>IGBT</a:t>
             </a:r>
             <a:r>
               <a:rPr lang="en-US" dirty="0" smtClean="0"/>
@@ -6255,17 +6969,8 @@
             </a:pPr>
             <a:r>
               <a:rPr lang="en-US" dirty="0" smtClean="0"/>
-              <a:t> some of the literature compensation methods will be applied by experimentally and </a:t>
-            </a:r>
-            <a:r>
-              <a:rPr lang="en-US" dirty="0"/>
-              <a:t>the results </a:t>
-            </a:r>
-            <a:r>
-              <a:rPr lang="en-US" dirty="0" smtClean="0"/>
-              <a:t>will be observed</a:t>
-            </a:r>
-            <a:endParaRPr lang="en-US" dirty="0" smtClean="0"/>
+              <a:t> some of the literature compensation methods will be applied by experimentally and the results will be observed</a:t>
+            </a:r>
           </a:p>
           <a:p>
             <a:pPr>
@@ -6274,7 +6979,7 @@
             </a:pPr>
             <a:r>
               <a:rPr lang="en-US" dirty="0" smtClean="0"/>
-              <a:t> a dead time compensation method will be proposed and the method will  </a:t>
+              <a:t> a nonlinearity compensation method will be proposed and the method will  </a:t>
             </a:r>
           </a:p>
           <a:p>
@@ -6341,7 +7046,7 @@
     </p:spTree>
     <p:extLst>
       <p:ext uri="{BB962C8B-B14F-4D97-AF65-F5344CB8AC3E}">
-        <p14:creationId xmlns:p14="http://schemas.microsoft.com/office/powerpoint/2010/main" val="989655920"/>
+        <p14:creationId xmlns:p14="http://schemas.microsoft.com/office/powerpoint/2010/main" xmlns="" val="989655920"/>
       </p:ext>
     </p:extLst>
   </p:cSld>
@@ -6358,7 +7063,7 @@
 </p:sld>
 </file>
 
-<file path=ppt/slides/slide12.xml><?xml version="1.0" encoding="utf-8"?>
+<file path=ppt/slides/slide14.xml><?xml version="1.0" encoding="utf-8"?>
 <p:sld xmlns:a="http://schemas.openxmlformats.org/drawingml/2006/main" xmlns:r="http://schemas.openxmlformats.org/officeDocument/2006/relationships" xmlns:p="http://schemas.openxmlformats.org/presentationml/2006/main">
   <p:cSld>
     <p:spTree>
@@ -6391,16 +7096,8 @@
           <a:lstStyle/>
           <a:p>
             <a:r>
-              <a:rPr lang="tr-TR" dirty="0" err="1" smtClean="0"/>
-              <a:t>future</a:t>
-            </a:r>
-            <a:r>
-              <a:rPr lang="tr-TR" dirty="0" smtClean="0"/>
-              <a:t> </a:t>
-            </a:r>
-            <a:r>
-              <a:rPr lang="tr-TR" dirty="0" smtClean="0"/>
-              <a:t>plan </a:t>
+              <a:rPr lang="en-US" dirty="0" smtClean="0"/>
+              <a:t>future plan </a:t>
             </a:r>
             <a:endParaRPr lang="en-US" dirty="0"/>
           </a:p>
@@ -6426,36 +7123,8 @@
               <a:buChar char="q"/>
             </a:pPr>
             <a:r>
-              <a:rPr lang="tr-TR" dirty="0" smtClean="0"/>
-              <a:t> </a:t>
-            </a:r>
-            <a:r>
-              <a:rPr lang="tr-TR" dirty="0" err="1" smtClean="0"/>
-              <a:t>up</a:t>
-            </a:r>
-            <a:r>
-              <a:rPr lang="tr-TR" dirty="0" smtClean="0"/>
-              <a:t> </a:t>
-            </a:r>
-            <a:r>
-              <a:rPr lang="tr-TR" dirty="0" err="1" smtClean="0"/>
-              <a:t>to</a:t>
-            </a:r>
-            <a:r>
-              <a:rPr lang="tr-TR" dirty="0" smtClean="0"/>
-              <a:t> </a:t>
-            </a:r>
-            <a:r>
-              <a:rPr lang="tr-TR" dirty="0" err="1" smtClean="0"/>
-              <a:t>next</a:t>
-            </a:r>
-            <a:r>
-              <a:rPr lang="tr-TR" dirty="0" smtClean="0"/>
-              <a:t> </a:t>
-            </a:r>
-            <a:r>
-              <a:rPr lang="tr-TR" dirty="0" err="1" smtClean="0"/>
-              <a:t>year</a:t>
+              <a:rPr lang="en-US" dirty="0" smtClean="0"/>
+              <a:t> up to next year</a:t>
             </a:r>
             <a:endParaRPr lang="en-US" dirty="0"/>
           </a:p>
@@ -6470,7 +7139,7 @@
           <p:nvPr>
             <p:extLst>
               <p:ext uri="{D42A27DB-BD31-4B8C-83A1-F6EECF244321}">
-                <p14:modId xmlns:p14="http://schemas.microsoft.com/office/powerpoint/2010/main" val="55992441"/>
+                <p14:modId xmlns:p14="http://schemas.microsoft.com/office/powerpoint/2010/main" xmlns="" val="3748902522"/>
               </p:ext>
             </p:extLst>
           </p:nvPr>
@@ -6506,7 +7175,7 @@
                     <a:p>
                       <a:pPr algn="ctr" fontAlgn="b"/>
                       <a:r>
-                        <a:rPr lang="en-US" sz="1000" b="0" i="0" u="none" strike="noStrike">
+                        <a:rPr lang="en-US" sz="1000" b="0" i="0" u="none" strike="noStrike" dirty="0">
                           <a:solidFill>
                             <a:srgbClr val="000000"/>
                           </a:solidFill>
@@ -7475,14 +8144,44 @@
                     <a:p>
                       <a:pPr algn="l" fontAlgn="b"/>
                       <a:r>
-                        <a:rPr lang="en-US" sz="1000" b="0" i="1" u="none" strike="noStrike">
+                        <a:rPr lang="en-US" sz="1000" b="0" i="1" u="none" strike="noStrike" dirty="0">
                           <a:solidFill>
                             <a:srgbClr val="000000"/>
                           </a:solidFill>
                           <a:effectLst/>
                           <a:latin typeface="Calibri" panose="020F0502020204030204" pitchFamily="34" charset="0"/>
                         </a:rPr>
-                        <a:t>analyze &amp; investigate the dead-time effect on the VSIs for various PMSMs</a:t>
+                        <a:t>analyze &amp; investigate the </a:t>
+                      </a:r>
+                      <a:r>
+                        <a:rPr lang="en-US" sz="1000" b="0" i="1" u="none" strike="noStrike" noProof="0" dirty="0" smtClean="0">
+                          <a:solidFill>
+                            <a:srgbClr val="000000"/>
+                          </a:solidFill>
+                          <a:effectLst/>
+                          <a:latin typeface="Calibri" panose="020F0502020204030204" pitchFamily="34" charset="0"/>
+                        </a:rPr>
+                        <a:t>nonlinearity</a:t>
+                      </a:r>
+                      <a:r>
+                        <a:rPr lang="en-US" sz="1000" b="0" i="1" u="none" strike="noStrike" dirty="0" smtClean="0">
+                          <a:solidFill>
+                            <a:srgbClr val="000000"/>
+                          </a:solidFill>
+                          <a:effectLst/>
+                          <a:latin typeface="Calibri" panose="020F0502020204030204" pitchFamily="34" charset="0"/>
+                        </a:rPr>
+                        <a:t> </a:t>
+                      </a:r>
+                      <a:r>
+                        <a:rPr lang="en-US" sz="1000" b="0" i="1" u="none" strike="noStrike" dirty="0">
+                          <a:solidFill>
+                            <a:srgbClr val="000000"/>
+                          </a:solidFill>
+                          <a:effectLst/>
+                          <a:latin typeface="Calibri" panose="020F0502020204030204" pitchFamily="34" charset="0"/>
+                        </a:rPr>
+                        <a:t>effect on the VSIs for various PMSMs</a:t>
                       </a:r>
                     </a:p>
                   </a:txBody>
@@ -8973,14 +9672,44 @@
                     <a:p>
                       <a:pPr algn="l" fontAlgn="b"/>
                       <a:r>
-                        <a:rPr lang="en-US" sz="1000" b="0" i="1" u="none" strike="noStrike">
+                        <a:rPr lang="en-US" sz="1000" b="0" i="1" u="none" strike="noStrike" dirty="0">
                           <a:solidFill>
                             <a:srgbClr val="000000"/>
                           </a:solidFill>
                           <a:effectLst/>
                           <a:latin typeface="Calibri" panose="020F0502020204030204" pitchFamily="34" charset="0"/>
                         </a:rPr>
-                        <a:t>propose a software based dead time compensation method </a:t>
+                        <a:t>propose a software based </a:t>
+                      </a:r>
+                      <a:r>
+                        <a:rPr lang="en-US" sz="1000" b="0" i="1" u="none" strike="noStrike" noProof="0" dirty="0" smtClean="0">
+                          <a:solidFill>
+                            <a:srgbClr val="000000"/>
+                          </a:solidFill>
+                          <a:effectLst/>
+                          <a:latin typeface="Calibri" panose="020F0502020204030204" pitchFamily="34" charset="0"/>
+                        </a:rPr>
+                        <a:t>nonlinearity</a:t>
+                      </a:r>
+                      <a:r>
+                        <a:rPr lang="en-US" sz="1000" b="0" i="1" u="none" strike="noStrike" dirty="0" smtClean="0">
+                          <a:solidFill>
+                            <a:srgbClr val="000000"/>
+                          </a:solidFill>
+                          <a:effectLst/>
+                          <a:latin typeface="Calibri" panose="020F0502020204030204" pitchFamily="34" charset="0"/>
+                        </a:rPr>
+                        <a:t> compensation </a:t>
+                      </a:r>
+                      <a:r>
+                        <a:rPr lang="en-US" sz="1000" b="0" i="1" u="none" strike="noStrike" dirty="0">
+                          <a:solidFill>
+                            <a:srgbClr val="000000"/>
+                          </a:solidFill>
+                          <a:effectLst/>
+                          <a:latin typeface="Calibri" panose="020F0502020204030204" pitchFamily="34" charset="0"/>
+                        </a:rPr>
+                        <a:t>method </a:t>
                       </a:r>
                     </a:p>
                   </a:txBody>
@@ -13466,7 +14195,7 @@
     </p:spTree>
     <p:extLst>
       <p:ext uri="{BB962C8B-B14F-4D97-AF65-F5344CB8AC3E}">
-        <p14:creationId xmlns:p14="http://schemas.microsoft.com/office/powerpoint/2010/main" val="4126824174"/>
+        <p14:creationId xmlns:p14="http://schemas.microsoft.com/office/powerpoint/2010/main" xmlns="" val="4126824174"/>
       </p:ext>
     </p:extLst>
   </p:cSld>
@@ -13483,7 +14212,7 @@
 </p:sld>
 </file>
 
-<file path=ppt/slides/slide13.xml><?xml version="1.0" encoding="utf-8"?>
+<file path=ppt/slides/slide15.xml><?xml version="1.0" encoding="utf-8"?>
 <p:sld xmlns:a="http://schemas.openxmlformats.org/drawingml/2006/main" xmlns:r="http://schemas.openxmlformats.org/officeDocument/2006/relationships" xmlns:p="http://schemas.openxmlformats.org/presentationml/2006/main">
   <p:cSld>
     <p:spTree>
@@ -13516,16 +14245,8 @@
           <a:lstStyle/>
           <a:p>
             <a:r>
-              <a:rPr lang="tr-TR" dirty="0" err="1" smtClean="0"/>
-              <a:t>future</a:t>
-            </a:r>
-            <a:r>
-              <a:rPr lang="tr-TR" dirty="0" smtClean="0"/>
-              <a:t> </a:t>
-            </a:r>
-            <a:r>
-              <a:rPr lang="tr-TR" dirty="0" smtClean="0"/>
-              <a:t>plan</a:t>
+              <a:rPr lang="en-US" dirty="0" smtClean="0"/>
+              <a:t>future plan</a:t>
             </a:r>
             <a:endParaRPr lang="en-US" sz="2400" dirty="0"/>
           </a:p>
@@ -13559,11 +14280,7 @@
             </a:pPr>
             <a:r>
               <a:rPr lang="en-US" dirty="0" smtClean="0"/>
-              <a:t> (*) candidate conference</a:t>
-            </a:r>
-            <a:r>
-              <a:rPr lang="en-US" dirty="0" smtClean="0"/>
-              <a:t>s</a:t>
+              <a:t> (*) candidate conferences</a:t>
             </a:r>
           </a:p>
           <a:p>
@@ -13573,11 +14290,7 @@
             </a:pPr>
             <a:r>
               <a:rPr lang="en-US" dirty="0" smtClean="0"/>
-              <a:t> </a:t>
-            </a:r>
-            <a:r>
-              <a:rPr lang="en-US" dirty="0" smtClean="0"/>
-              <a:t>2019 IEEE 13th International Conference on Power Electronics and Drive Systems (PEDS), France</a:t>
+              <a:t> 2019 IEEE 13th International Conference on Power Electronics and Drive Systems (PEDS), France</a:t>
             </a:r>
           </a:p>
           <a:p>
@@ -13604,11 +14317,7 @@
             </a:pPr>
             <a:r>
               <a:rPr lang="en-US" dirty="0" smtClean="0"/>
-              <a:t> </a:t>
-            </a:r>
-            <a:r>
-              <a:rPr lang="en-US" dirty="0" smtClean="0"/>
-              <a:t>2019 21st European Conference on Power Electronics and Applications (EPE '19 ECCE Europe), Italy</a:t>
+              <a:t> 2019 21st European Conference on Power Electronics and Applications (EPE '19 ECCE Europe), Italy</a:t>
             </a:r>
           </a:p>
           <a:p>
@@ -13735,7 +14444,7 @@
     </p:spTree>
     <p:extLst>
       <p:ext uri="{BB962C8B-B14F-4D97-AF65-F5344CB8AC3E}">
-        <p14:creationId xmlns:p14="http://schemas.microsoft.com/office/powerpoint/2010/main" val="1344668025"/>
+        <p14:creationId xmlns:p14="http://schemas.microsoft.com/office/powerpoint/2010/main" xmlns="" val="1344668025"/>
       </p:ext>
     </p:extLst>
   </p:cSld>
@@ -13752,7 +14461,7 @@
 </p:sld>
 </file>
 
-<file path=ppt/slides/slide14.xml><?xml version="1.0" encoding="utf-8"?>
+<file path=ppt/slides/slide16.xml><?xml version="1.0" encoding="utf-8"?>
 <p:sld xmlns:a="http://schemas.openxmlformats.org/drawingml/2006/main" xmlns:r="http://schemas.openxmlformats.org/officeDocument/2006/relationships" xmlns:p="http://schemas.openxmlformats.org/presentationml/2006/main">
   <p:cSld>
     <p:spTree>
@@ -13785,16 +14494,8 @@
           <a:lstStyle/>
           <a:p>
             <a:r>
-              <a:rPr lang="tr-TR" dirty="0" err="1" smtClean="0"/>
-              <a:t>future</a:t>
-            </a:r>
-            <a:r>
-              <a:rPr lang="tr-TR" dirty="0" smtClean="0"/>
-              <a:t> </a:t>
-            </a:r>
-            <a:r>
-              <a:rPr lang="tr-TR" dirty="0" smtClean="0"/>
-              <a:t>plan</a:t>
+              <a:rPr lang="en-US" dirty="0" smtClean="0"/>
+              <a:t>future plan</a:t>
             </a:r>
             <a:endParaRPr lang="en-US" sz="2400" dirty="0"/>
           </a:p>
@@ -13828,11 +14529,7 @@
             </a:pPr>
             <a:r>
               <a:rPr lang="en-US" dirty="0" smtClean="0"/>
-              <a:t> (**) candidate j</a:t>
-            </a:r>
-            <a:r>
-              <a:rPr lang="en-US" dirty="0" smtClean="0"/>
-              <a:t>ournals</a:t>
+              <a:t> (**) candidate journals</a:t>
             </a:r>
           </a:p>
           <a:p>
@@ -13884,6 +14581,33 @@
               <a:rPr lang="en-US" dirty="0" smtClean="0"/>
               <a:t> Industry Applications Magazine, IEEE</a:t>
             </a:r>
+            <a:endParaRPr lang="tr-TR" dirty="0" smtClean="0"/>
+          </a:p>
+          <a:p>
+            <a:pPr lvl="1">
+              <a:buFont typeface="Wingdings" panose="05000000000000000000" pitchFamily="2" charset="2"/>
+              <a:buChar char="Ø"/>
+            </a:pPr>
+            <a:r>
+              <a:rPr lang="en-US" dirty="0"/>
+              <a:t>IEEE Journal of Emerging and Selected Topics in Power </a:t>
+            </a:r>
+            <a:r>
+              <a:rPr lang="en-US" dirty="0" smtClean="0"/>
+              <a:t>Electronics</a:t>
+            </a:r>
+            <a:endParaRPr lang="tr-TR" dirty="0" smtClean="0"/>
+          </a:p>
+          <a:p>
+            <a:pPr lvl="1">
+              <a:buFont typeface="Wingdings" panose="05000000000000000000" pitchFamily="2" charset="2"/>
+              <a:buChar char="Ø"/>
+            </a:pPr>
+            <a:r>
+              <a:rPr lang="en-US" dirty="0"/>
+              <a:t>IEEE Transactions on Education</a:t>
+            </a:r>
+            <a:endParaRPr lang="en-US" dirty="0" smtClean="0"/>
           </a:p>
           <a:p>
             <a:pPr lvl="1">
@@ -13925,7 +14649,7 @@
     </p:spTree>
     <p:extLst>
       <p:ext uri="{BB962C8B-B14F-4D97-AF65-F5344CB8AC3E}">
-        <p14:creationId xmlns:p14="http://schemas.microsoft.com/office/powerpoint/2010/main" val="3275605044"/>
+        <p14:creationId xmlns:p14="http://schemas.microsoft.com/office/powerpoint/2010/main" xmlns="" val="3275605044"/>
       </p:ext>
     </p:extLst>
   </p:cSld>
@@ -13942,7 +14666,7 @@
 </p:sld>
 </file>
 
-<file path=ppt/slides/slide15.xml><?xml version="1.0" encoding="utf-8"?>
+<file path=ppt/slides/slide17.xml><?xml version="1.0" encoding="utf-8"?>
 <p:sld xmlns:a="http://schemas.openxmlformats.org/drawingml/2006/main" xmlns:r="http://schemas.openxmlformats.org/officeDocument/2006/relationships" xmlns:p="http://schemas.openxmlformats.org/presentationml/2006/main">
   <p:cSld>
     <p:spTree>
@@ -14057,7 +14781,7 @@
     </p:spTree>
     <p:extLst>
       <p:ext uri="{BB962C8B-B14F-4D97-AF65-F5344CB8AC3E}">
-        <p14:creationId xmlns:p14="http://schemas.microsoft.com/office/powerpoint/2010/main" val="3780020837"/>
+        <p14:creationId xmlns:p14="http://schemas.microsoft.com/office/powerpoint/2010/main" xmlns="" val="3780020837"/>
       </p:ext>
     </p:extLst>
   </p:cSld>
@@ -14101,7 +14825,12 @@
             <p:ph type="title"/>
           </p:nvPr>
         </p:nvSpPr>
-        <p:spPr/>
+        <p:spPr>
+          <a:xfrm>
+            <a:off x="1097280" y="337403"/>
+            <a:ext cx="10058400" cy="1450757"/>
+          </a:xfrm>
+        </p:spPr>
         <p:txBody>
           <a:bodyPr/>
           <a:lstStyle/>
@@ -14124,7 +14853,12 @@
             <p:ph idx="1"/>
           </p:nvPr>
         </p:nvSpPr>
-        <p:spPr/>
+        <p:spPr>
+          <a:xfrm>
+            <a:off x="1097280" y="1921934"/>
+            <a:ext cx="10058400" cy="4023360"/>
+          </a:xfrm>
+        </p:spPr>
         <p:txBody>
           <a:bodyPr/>
           <a:lstStyle/>
@@ -14134,8 +14868,8 @@
               <a:buChar char="q"/>
             </a:pPr>
             <a:r>
-              <a:rPr lang="en-US" dirty="0"/>
-              <a:t>problem definition</a:t>
+              <a:rPr lang="en-US" dirty="0" smtClean="0"/>
+              <a:t> problem definition</a:t>
             </a:r>
           </a:p>
           <a:p>
@@ -14144,8 +14878,8 @@
               <a:buChar char="q"/>
             </a:pPr>
             <a:r>
-              <a:rPr lang="en-US" dirty="0"/>
-              <a:t>literature </a:t>
+              <a:rPr lang="en-US" dirty="0" smtClean="0"/>
+              <a:t> motivation</a:t>
             </a:r>
           </a:p>
           <a:p>
@@ -14154,20 +14888,18 @@
               <a:buChar char="q"/>
             </a:pPr>
             <a:r>
-              <a:rPr lang="tr-TR" dirty="0" smtClean="0"/>
-              <a:t>f</a:t>
-            </a:r>
-            <a:r>
-              <a:rPr lang="en-US" dirty="0" err="1" smtClean="0"/>
-              <a:t>uture</a:t>
-            </a:r>
-            <a:r>
               <a:rPr lang="en-US" dirty="0" smtClean="0"/>
-              <a:t> </a:t>
-            </a:r>
-            <a:r>
-              <a:rPr lang="en-US" dirty="0"/>
-              <a:t>plan</a:t>
+              <a:t> literature </a:t>
+            </a:r>
+          </a:p>
+          <a:p>
+            <a:pPr>
+              <a:buFont typeface="Wingdings" panose="05000000000000000000" pitchFamily="2" charset="2"/>
+              <a:buChar char="q"/>
+            </a:pPr>
+            <a:r>
+              <a:rPr lang="en-US" dirty="0" smtClean="0"/>
+              <a:t> future plan</a:t>
             </a:r>
           </a:p>
           <a:p>
@@ -14187,7 +14919,7 @@
     </p:spTree>
     <p:extLst>
       <p:ext uri="{BB962C8B-B14F-4D97-AF65-F5344CB8AC3E}">
-        <p14:creationId xmlns:p14="http://schemas.microsoft.com/office/powerpoint/2010/main" val="614387590"/>
+        <p14:creationId xmlns:p14="http://schemas.microsoft.com/office/powerpoint/2010/main" xmlns="" val="614387590"/>
       </p:ext>
     </p:extLst>
   </p:cSld>
@@ -14237,14 +14969,10 @@
           <a:lstStyle/>
           <a:p>
             <a:r>
-              <a:rPr lang="tr-TR" dirty="0" err="1" smtClean="0"/>
-              <a:t>Dead</a:t>
-            </a:r>
-            <a:r>
-              <a:rPr lang="tr-TR" dirty="0" smtClean="0"/>
-              <a:t>-time</a:t>
-            </a:r>
-            <a:endParaRPr lang="en-US" dirty="0"/>
+              <a:rPr lang="en-US" dirty="0" smtClean="0"/>
+              <a:t>problem definition</a:t>
+            </a:r>
+            <a:endParaRPr lang="en-US" sz="2400" dirty="0"/>
           </a:p>
         </p:txBody>
       </p:sp>
@@ -14260,7 +14988,9 @@
         </p:nvSpPr>
         <p:spPr/>
         <p:txBody>
-          <a:bodyPr/>
+          <a:bodyPr>
+            <a:normAutofit/>
+          </a:bodyPr>
           <a:lstStyle/>
           <a:p>
             <a:pPr>
@@ -14268,127 +14998,117 @@
               <a:buChar char="q"/>
             </a:pPr>
             <a:r>
-              <a:rPr lang="tr-TR" dirty="0" smtClean="0"/>
-              <a:t> d</a:t>
-            </a:r>
-            <a:r>
-              <a:rPr lang="en-US" dirty="0" err="1" smtClean="0"/>
-              <a:t>ead</a:t>
-            </a:r>
-            <a:r>
               <a:rPr lang="en-US" dirty="0" smtClean="0"/>
-              <a:t> </a:t>
-            </a:r>
-            <a:r>
-              <a:rPr lang="en-US" dirty="0"/>
-              <a:t>time is used to avoid the short circuit of DC link for the three phase </a:t>
-            </a:r>
+              <a:t> following nonlinearities cause distortion on the output voltage of the VSI</a:t>
+            </a:r>
+          </a:p>
+          <a:p>
+            <a:pPr lvl="1">
+              <a:buFont typeface="Wingdings" panose="05000000000000000000" pitchFamily="2" charset="2"/>
+              <a:buChar char="q"/>
+            </a:pPr>
             <a:r>
               <a:rPr lang="en-US" dirty="0" smtClean="0"/>
-              <a:t>PWM</a:t>
-            </a:r>
-            <a:r>
-              <a:rPr lang="tr-TR" dirty="0" smtClean="0"/>
-              <a:t>-</a:t>
-            </a:r>
+              <a:t> dead-time </a:t>
+            </a:r>
+          </a:p>
+          <a:p>
+            <a:pPr lvl="1">
+              <a:buFont typeface="Wingdings" panose="05000000000000000000" pitchFamily="2" charset="2"/>
+              <a:buChar char="q"/>
+            </a:pPr>
             <a:r>
               <a:rPr lang="en-US" dirty="0" smtClean="0"/>
-              <a:t>VSI</a:t>
-            </a:r>
-            <a:endParaRPr lang="tr-TR" dirty="0" smtClean="0"/>
+              <a:t> switching time</a:t>
+            </a:r>
+          </a:p>
+          <a:p>
+            <a:pPr lvl="1">
+              <a:buFont typeface="Wingdings" panose="05000000000000000000" pitchFamily="2" charset="2"/>
+              <a:buChar char="q"/>
+            </a:pPr>
+            <a:r>
+              <a:rPr lang="en-US" dirty="0" smtClean="0"/>
+              <a:t> delay time</a:t>
+            </a:r>
+          </a:p>
+          <a:p>
+            <a:pPr lvl="1">
+              <a:buFont typeface="Wingdings" panose="05000000000000000000" pitchFamily="2" charset="2"/>
+              <a:buChar char="q"/>
+            </a:pPr>
+            <a:r>
+              <a:rPr lang="en-US" dirty="0" smtClean="0"/>
+              <a:t> voltage drops on the power switch and the freewheeling diode</a:t>
+            </a:r>
+          </a:p>
+          <a:p>
+            <a:pPr lvl="1">
+              <a:buFont typeface="Wingdings" panose="05000000000000000000" pitchFamily="2" charset="2"/>
+              <a:buChar char="q"/>
+            </a:pPr>
+            <a:r>
+              <a:rPr lang="en-US" dirty="0" smtClean="0"/>
+              <a:t> parasitic capacitance of the power switch</a:t>
+            </a:r>
           </a:p>
           <a:p>
             <a:pPr>
               <a:buFont typeface="Wingdings" panose="05000000000000000000" pitchFamily="2" charset="2"/>
               <a:buChar char="q"/>
             </a:pPr>
-            <a:endParaRPr lang="tr-TR" dirty="0" smtClean="0"/>
-          </a:p>
-          <a:p>
-            <a:pPr>
+            <a:r>
+              <a:rPr lang="en-US" dirty="0" smtClean="0"/>
+              <a:t> output voltage distortion causes </a:t>
+            </a:r>
+          </a:p>
+          <a:p>
+            <a:pPr lvl="1">
               <a:buFont typeface="Wingdings" panose="05000000000000000000" pitchFamily="2" charset="2"/>
               <a:buChar char="q"/>
             </a:pPr>
+            <a:r>
+              <a:rPr lang="en-US" dirty="0" smtClean="0"/>
+              <a:t> low order harmonic components in the output current of the inverter</a:t>
+            </a:r>
+          </a:p>
+          <a:p>
+            <a:pPr lvl="1">
+              <a:buFont typeface="Wingdings" panose="05000000000000000000" pitchFamily="2" charset="2"/>
+              <a:buChar char="q"/>
+            </a:pPr>
+            <a:r>
+              <a:rPr lang="en-US" dirty="0" smtClean="0"/>
+              <a:t> deformation of the phase currents, especially in the current zero-crossing region </a:t>
+            </a:r>
+          </a:p>
+          <a:p>
+            <a:pPr lvl="2">
+              <a:buFont typeface="Wingdings" panose="05000000000000000000" pitchFamily="2" charset="2"/>
+              <a:buChar char="q"/>
+            </a:pPr>
+            <a:r>
+              <a:rPr lang="en-US" dirty="0" smtClean="0"/>
+              <a:t>affects the control performance of the applications that require low speed-torque </a:t>
+            </a:r>
+          </a:p>
+          <a:p>
+            <a:pPr lvl="2">
+              <a:buFont typeface="Wingdings" panose="05000000000000000000" pitchFamily="2" charset="2"/>
+              <a:buChar char="q"/>
+            </a:pPr>
+            <a:r>
+              <a:rPr lang="en-US" dirty="0" smtClean="0"/>
+              <a:t>degrades the efficiency and increases the torque ripple </a:t>
+            </a:r>
             <a:endParaRPr lang="en-US" dirty="0"/>
           </a:p>
         </p:txBody>
       </p:sp>
-      <p:pic>
-        <p:nvPicPr>
-          <p:cNvPr id="5" name="Picture 4"/>
-          <p:cNvPicPr>
-            <a:picLocks noChangeAspect="1"/>
-          </p:cNvPicPr>
-          <p:nvPr/>
-        </p:nvPicPr>
-        <p:blipFill>
-          <a:blip r:embed="rId3"/>
-          <a:stretch>
-            <a:fillRect/>
-          </a:stretch>
-        </p:blipFill>
-        <p:spPr>
-          <a:xfrm>
-            <a:off x="4279900" y="2370136"/>
-            <a:ext cx="4062730" cy="3831712"/>
-          </a:xfrm>
-          <a:prstGeom prst="rect">
-            <a:avLst/>
-          </a:prstGeom>
-        </p:spPr>
-      </p:pic>
-      <p:pic>
-        <p:nvPicPr>
-          <p:cNvPr id="6" name="Picture 5"/>
-          <p:cNvPicPr>
-            <a:picLocks noChangeAspect="1"/>
-          </p:cNvPicPr>
-          <p:nvPr/>
-        </p:nvPicPr>
-        <p:blipFill>
-          <a:blip r:embed="rId4"/>
-          <a:stretch>
-            <a:fillRect/>
-          </a:stretch>
-        </p:blipFill>
-        <p:spPr>
-          <a:xfrm>
-            <a:off x="8423910" y="2280062"/>
-            <a:ext cx="3558540" cy="3921786"/>
-          </a:xfrm>
-          <a:prstGeom prst="rect">
-            <a:avLst/>
-          </a:prstGeom>
-        </p:spPr>
-      </p:pic>
-      <p:pic>
-        <p:nvPicPr>
-          <p:cNvPr id="4" name="Picture 3"/>
-          <p:cNvPicPr>
-            <a:picLocks noChangeAspect="1"/>
-          </p:cNvPicPr>
-          <p:nvPr/>
-        </p:nvPicPr>
-        <p:blipFill>
-          <a:blip r:embed="rId5"/>
-          <a:stretch>
-            <a:fillRect/>
-          </a:stretch>
-        </p:blipFill>
-        <p:spPr>
-          <a:xfrm>
-            <a:off x="25400" y="3128705"/>
-            <a:ext cx="4533900" cy="2314575"/>
-          </a:xfrm>
-          <a:prstGeom prst="rect">
-            <a:avLst/>
-          </a:prstGeom>
-        </p:spPr>
-      </p:pic>
     </p:spTree>
     <p:extLst>
       <p:ext uri="{BB962C8B-B14F-4D97-AF65-F5344CB8AC3E}">
-        <p14:creationId xmlns:p14="http://schemas.microsoft.com/office/powerpoint/2010/main" val="794321028"/>
+        <p14:creationId xmlns:p14="http://schemas.microsoft.com/office/powerpoint/2010/main" xmlns="" val="1401636158"/>
       </p:ext>
     </p:extLst>
   </p:cSld>
@@ -14422,6 +15142,191 @@
           <a:chExt cx="0" cy="0"/>
         </a:xfrm>
       </p:grpSpPr>
+      <p:sp>
+        <p:nvSpPr>
+          <p:cNvPr id="2" name="Title 1"/>
+          <p:cNvSpPr>
+            <a:spLocks noGrp="1"/>
+          </p:cNvSpPr>
+          <p:nvPr>
+            <p:ph type="title"/>
+          </p:nvPr>
+        </p:nvSpPr>
+        <p:spPr/>
+        <p:txBody>
+          <a:bodyPr/>
+          <a:lstStyle/>
+          <a:p>
+            <a:r>
+              <a:rPr lang="en-US" dirty="0" smtClean="0"/>
+              <a:t>motivation</a:t>
+            </a:r>
+            <a:endParaRPr lang="en-US" sz="2400" dirty="0"/>
+          </a:p>
+        </p:txBody>
+      </p:sp>
+      <p:sp>
+        <p:nvSpPr>
+          <p:cNvPr id="3" name="Content Placeholder 2"/>
+          <p:cNvSpPr>
+            <a:spLocks noGrp="1"/>
+          </p:cNvSpPr>
+          <p:nvPr>
+            <p:ph idx="1"/>
+          </p:nvPr>
+        </p:nvSpPr>
+        <p:spPr/>
+        <p:txBody>
+          <a:bodyPr>
+            <a:normAutofit/>
+          </a:bodyPr>
+          <a:lstStyle/>
+          <a:p>
+            <a:pPr>
+              <a:buFont typeface="Wingdings" panose="05000000000000000000" pitchFamily="2" charset="2"/>
+              <a:buChar char="q"/>
+            </a:pPr>
+            <a:r>
+              <a:rPr lang="en-US" dirty="0" smtClean="0"/>
+              <a:t> performance improvements of VSI-fed PMSM drive can be achieved by means of accurate current controls where VSI nonlinearities are highly compensated</a:t>
+            </a:r>
+          </a:p>
+          <a:p>
+            <a:pPr>
+              <a:buFont typeface="Wingdings" panose="05000000000000000000" pitchFamily="2" charset="2"/>
+              <a:buChar char="q"/>
+            </a:pPr>
+            <a:r>
+              <a:rPr lang="en-US" dirty="0" smtClean="0"/>
+              <a:t> this will be more crucial for the applications which have the following properties</a:t>
+            </a:r>
+          </a:p>
+          <a:p>
+            <a:pPr lvl="1">
+              <a:buFont typeface="Wingdings" panose="05000000000000000000" pitchFamily="2" charset="2"/>
+              <a:buChar char="q"/>
+            </a:pPr>
+            <a:r>
+              <a:rPr lang="en-US" dirty="0" smtClean="0"/>
+              <a:t> low magnitude dc link</a:t>
+            </a:r>
+          </a:p>
+          <a:p>
+            <a:pPr lvl="1">
+              <a:buFont typeface="Wingdings" panose="05000000000000000000" pitchFamily="2" charset="2"/>
+              <a:buChar char="q"/>
+            </a:pPr>
+            <a:r>
+              <a:rPr lang="en-US" dirty="0" smtClean="0"/>
+              <a:t> low speed </a:t>
+            </a:r>
+          </a:p>
+          <a:p>
+            <a:pPr lvl="1">
+              <a:buFont typeface="Wingdings" panose="05000000000000000000" pitchFamily="2" charset="2"/>
+              <a:buChar char="q"/>
+            </a:pPr>
+            <a:r>
+              <a:rPr lang="en-US" dirty="0" smtClean="0"/>
+              <a:t> low torque</a:t>
+            </a:r>
+          </a:p>
+          <a:p>
+            <a:pPr lvl="1">
+              <a:buFont typeface="Wingdings" panose="05000000000000000000" pitchFamily="2" charset="2"/>
+              <a:buChar char="q"/>
+            </a:pPr>
+            <a:r>
+              <a:rPr lang="en-US" dirty="0" smtClean="0"/>
+              <a:t> low inductance machine</a:t>
+            </a:r>
+          </a:p>
+          <a:p>
+            <a:pPr lvl="1">
+              <a:buFont typeface="Wingdings" panose="05000000000000000000" pitchFamily="2" charset="2"/>
+              <a:buChar char="q"/>
+            </a:pPr>
+            <a:r>
+              <a:rPr lang="en-US" dirty="0" smtClean="0"/>
+              <a:t> high precision position control</a:t>
+            </a:r>
+          </a:p>
+          <a:p>
+            <a:pPr lvl="2">
+              <a:buFont typeface="Wingdings" panose="05000000000000000000" pitchFamily="2" charset="2"/>
+              <a:buChar char="q"/>
+            </a:pPr>
+            <a:r>
+              <a:rPr lang="en-US" dirty="0" smtClean="0"/>
+              <a:t>Gimbal applications (</a:t>
+            </a:r>
+            <a:r>
+              <a:rPr lang="en-US" dirty="0" err="1" smtClean="0"/>
+              <a:t>rf</a:t>
+            </a:r>
+            <a:r>
+              <a:rPr lang="en-US" dirty="0" smtClean="0"/>
+              <a:t>, optic </a:t>
+            </a:r>
+            <a:r>
+              <a:rPr lang="en-US" dirty="0" err="1" smtClean="0"/>
+              <a:t>etc</a:t>
+            </a:r>
+            <a:r>
+              <a:rPr lang="tr-TR" dirty="0" smtClean="0"/>
+              <a:t>.</a:t>
+            </a:r>
+            <a:r>
+              <a:rPr lang="en-US" dirty="0" smtClean="0"/>
+              <a:t>)</a:t>
+            </a:r>
+          </a:p>
+          <a:p>
+            <a:pPr>
+              <a:buFont typeface="Wingdings" panose="05000000000000000000" pitchFamily="2" charset="2"/>
+              <a:buChar char="q"/>
+            </a:pPr>
+            <a:endParaRPr lang="en-US" dirty="0"/>
+          </a:p>
+        </p:txBody>
+      </p:sp>
+    </p:spTree>
+    <p:extLst>
+      <p:ext uri="{BB962C8B-B14F-4D97-AF65-F5344CB8AC3E}">
+        <p14:creationId xmlns:p14="http://schemas.microsoft.com/office/powerpoint/2010/main" xmlns="" val="3588454965"/>
+      </p:ext>
+    </p:extLst>
+  </p:cSld>
+  <p:clrMapOvr>
+    <a:masterClrMapping/>
+  </p:clrMapOvr>
+  <p:timing>
+    <p:tnLst>
+      <p:par>
+        <p:cTn id="1" dur="indefinite" restart="never" nodeType="tmRoot"/>
+      </p:par>
+    </p:tnLst>
+  </p:timing>
+</p:sld>
+</file>
+
+<file path=ppt/slides/slide5.xml><?xml version="1.0" encoding="utf-8"?>
+<p:sld xmlns:a="http://schemas.openxmlformats.org/drawingml/2006/main" xmlns:r="http://schemas.openxmlformats.org/officeDocument/2006/relationships" xmlns:p="http://schemas.openxmlformats.org/presentationml/2006/main">
+  <p:cSld>
+    <p:spTree>
+      <p:nvGrpSpPr>
+        <p:cNvPr id="1" name=""/>
+        <p:cNvGrpSpPr/>
+        <p:nvPr/>
+      </p:nvGrpSpPr>
+      <p:grpSpPr>
+        <a:xfrm>
+          <a:off x="0" y="0"/>
+          <a:ext cx="0" cy="0"/>
+          <a:chOff x="0" y="0"/>
+          <a:chExt cx="0" cy="0"/>
+        </a:xfrm>
+      </p:grpSpPr>
       <p:pic>
         <p:nvPicPr>
           <p:cNvPr id="5" name="Picture 4"/>
@@ -14438,8 +15343,8 @@
         </p:blipFill>
         <p:spPr>
           <a:xfrm>
-            <a:off x="1346199" y="2346238"/>
-            <a:ext cx="3263174" cy="3965662"/>
+            <a:off x="4416412" y="1845735"/>
+            <a:ext cx="4062730" cy="4398604"/>
           </a:xfrm>
           <a:prstGeom prst="rect">
             <a:avLst/>
@@ -14463,7 +15368,217 @@
           <a:p>
             <a:r>
               <a:rPr lang="en-US" dirty="0" smtClean="0"/>
-              <a:t>Dead-time</a:t>
+              <a:t>Nonlinearities</a:t>
+            </a:r>
+            <a:endParaRPr lang="en-US" dirty="0"/>
+          </a:p>
+        </p:txBody>
+      </p:sp>
+      <p:pic>
+        <p:nvPicPr>
+          <p:cNvPr id="6" name="Picture 5"/>
+          <p:cNvPicPr>
+            <a:picLocks noChangeAspect="1"/>
+          </p:cNvPicPr>
+          <p:nvPr/>
+        </p:nvPicPr>
+        <p:blipFill>
+          <a:blip r:embed="rId4"/>
+          <a:stretch>
+            <a:fillRect/>
+          </a:stretch>
+        </p:blipFill>
+        <p:spPr>
+          <a:xfrm>
+            <a:off x="8456917" y="1845734"/>
+            <a:ext cx="3735083" cy="4494278"/>
+          </a:xfrm>
+          <a:prstGeom prst="rect">
+            <a:avLst/>
+          </a:prstGeom>
+        </p:spPr>
+      </p:pic>
+      <p:pic>
+        <p:nvPicPr>
+          <p:cNvPr id="4" name="Picture 3"/>
+          <p:cNvPicPr>
+            <a:picLocks noChangeAspect="1"/>
+          </p:cNvPicPr>
+          <p:nvPr/>
+        </p:nvPicPr>
+        <p:blipFill>
+          <a:blip r:embed="rId5"/>
+          <a:stretch>
+            <a:fillRect/>
+          </a:stretch>
+        </p:blipFill>
+        <p:spPr>
+          <a:xfrm>
+            <a:off x="93980" y="1942315"/>
+            <a:ext cx="4533900" cy="2528797"/>
+          </a:xfrm>
+          <a:prstGeom prst="rect">
+            <a:avLst/>
+          </a:prstGeom>
+        </p:spPr>
+      </p:pic>
+      <p:sp>
+        <p:nvSpPr>
+          <p:cNvPr id="7" name="Rectangle 6"/>
+          <p:cNvSpPr/>
+          <p:nvPr/>
+        </p:nvSpPr>
+        <p:spPr>
+          <a:xfrm>
+            <a:off x="5080" y="4529195"/>
+            <a:ext cx="4622800" cy="646331"/>
+          </a:xfrm>
+          <a:prstGeom prst="rect">
+            <a:avLst/>
+          </a:prstGeom>
+        </p:spPr>
+        <p:txBody>
+          <a:bodyPr wrap="square">
+            <a:spAutoFit/>
+          </a:bodyPr>
+          <a:lstStyle/>
+          <a:p>
+            <a:r>
+              <a:rPr lang="en-US" sz="1200" dirty="0"/>
+              <a:t>Z. Tang and B. Akin, “Compensation of dead-time effects based on revised repetitive controller for PMSM drives,” Conf. Proc. - IEEE Appl. Power Electron. Conf. Expo. - APEC, vol. 32, no. 3, pp. 2730–2737, 2017.</a:t>
+            </a:r>
+            <a:endParaRPr lang="tr-TR" sz="1200" dirty="0"/>
+          </a:p>
+        </p:txBody>
+      </p:sp>
+      <p:sp>
+        <p:nvSpPr>
+          <p:cNvPr id="8" name="Rectangle 7"/>
+          <p:cNvSpPr/>
+          <p:nvPr/>
+        </p:nvSpPr>
+        <p:spPr>
+          <a:xfrm>
+            <a:off x="5080" y="5272107"/>
+            <a:ext cx="4516120" cy="830997"/>
+          </a:xfrm>
+          <a:prstGeom prst="rect">
+            <a:avLst/>
+          </a:prstGeom>
+        </p:spPr>
+        <p:txBody>
+          <a:bodyPr wrap="square">
+            <a:spAutoFit/>
+          </a:bodyPr>
+          <a:lstStyle/>
+          <a:p>
+            <a:r>
+              <a:rPr lang="en-US" sz="1200" dirty="0"/>
+              <a:t>Y. Wang, S. Member, W. </a:t>
+            </a:r>
+            <a:r>
+              <a:rPr lang="en-US" sz="1200" dirty="0" err="1"/>
+              <a:t>Xie</a:t>
+            </a:r>
+            <a:r>
+              <a:rPr lang="en-US" sz="1200" dirty="0"/>
+              <a:t>, and X. Wang, “A Precise Voltage Distortion Compensation Strategy for Voltage Source Inverters,” vol. 65,</a:t>
+            </a:r>
+            <a:r>
+              <a:rPr lang="tr-TR" sz="1200" dirty="0"/>
+              <a:t> </a:t>
+            </a:r>
+            <a:r>
+              <a:rPr lang="en-US" sz="1200" dirty="0"/>
+              <a:t> no. 1, pp. 59–66, </a:t>
+            </a:r>
+            <a:r>
+              <a:rPr lang="en-US" sz="1200" dirty="0" smtClean="0"/>
+              <a:t>IEEE TRANSACTIONS ON INDUSTRIAL ELECTRONICS, VOL. 65, NO. 1, JANUARY 2018</a:t>
+            </a:r>
+            <a:endParaRPr lang="en-US" sz="1200" dirty="0"/>
+          </a:p>
+        </p:txBody>
+      </p:sp>
+    </p:spTree>
+    <p:extLst>
+      <p:ext uri="{BB962C8B-B14F-4D97-AF65-F5344CB8AC3E}">
+        <p14:creationId xmlns:p14="http://schemas.microsoft.com/office/powerpoint/2010/main" xmlns="" val="3239935772"/>
+      </p:ext>
+    </p:extLst>
+  </p:cSld>
+  <p:clrMapOvr>
+    <a:masterClrMapping/>
+  </p:clrMapOvr>
+  <p:timing>
+    <p:tnLst>
+      <p:par>
+        <p:cTn id="1" dur="indefinite" restart="never" nodeType="tmRoot"/>
+      </p:par>
+    </p:tnLst>
+  </p:timing>
+</p:sld>
+</file>
+
+<file path=ppt/slides/slide6.xml><?xml version="1.0" encoding="utf-8"?>
+<p:sld xmlns:a="http://schemas.openxmlformats.org/drawingml/2006/main" xmlns:r="http://schemas.openxmlformats.org/officeDocument/2006/relationships" xmlns:p="http://schemas.openxmlformats.org/presentationml/2006/main">
+  <p:cSld>
+    <p:spTree>
+      <p:nvGrpSpPr>
+        <p:cNvPr id="1" name=""/>
+        <p:cNvGrpSpPr/>
+        <p:nvPr/>
+      </p:nvGrpSpPr>
+      <p:grpSpPr>
+        <a:xfrm>
+          <a:off x="0" y="0"/>
+          <a:ext cx="0" cy="0"/>
+          <a:chOff x="0" y="0"/>
+          <a:chExt cx="0" cy="0"/>
+        </a:xfrm>
+      </p:grpSpPr>
+      <p:pic>
+        <p:nvPicPr>
+          <p:cNvPr id="5" name="Picture 4"/>
+          <p:cNvPicPr>
+            <a:picLocks noChangeAspect="1"/>
+          </p:cNvPicPr>
+          <p:nvPr/>
+        </p:nvPicPr>
+        <p:blipFill>
+          <a:blip r:embed="rId3"/>
+          <a:stretch>
+            <a:fillRect/>
+          </a:stretch>
+        </p:blipFill>
+        <p:spPr>
+          <a:xfrm>
+            <a:off x="1003300" y="2451939"/>
+            <a:ext cx="3068320" cy="3728860"/>
+          </a:xfrm>
+          <a:prstGeom prst="rect">
+            <a:avLst/>
+          </a:prstGeom>
+        </p:spPr>
+      </p:pic>
+      <p:sp>
+        <p:nvSpPr>
+          <p:cNvPr id="2" name="Title 1"/>
+          <p:cNvSpPr>
+            <a:spLocks noGrp="1"/>
+          </p:cNvSpPr>
+          <p:nvPr>
+            <p:ph type="title"/>
+          </p:nvPr>
+        </p:nvSpPr>
+        <p:spPr/>
+        <p:txBody>
+          <a:bodyPr/>
+          <a:lstStyle/>
+          <a:p>
+            <a:r>
+              <a:rPr lang="en-US" dirty="0" smtClean="0"/>
+              <a:t>Nonlinearities</a:t>
             </a:r>
             <a:endParaRPr lang="en-US" dirty="0"/>
           </a:p>
@@ -14503,82 +15618,34 @@
             </a:r>
             <a:r>
               <a:rPr lang="en-US" dirty="0" smtClean="0"/>
-              <a:t> is defined as difference between</a:t>
-            </a:r>
-            <a:r>
-              <a:rPr lang="tr-TR" dirty="0" smtClean="0"/>
+              <a:t> is defined as difference between ideal output voltage </a:t>
+            </a:r>
+            <a:r>
+              <a:rPr lang="en-US" dirty="0" err="1" smtClean="0"/>
+              <a:t>V</a:t>
+            </a:r>
+            <a:r>
+              <a:rPr lang="en-US" sz="1800" dirty="0" err="1" smtClean="0"/>
+              <a:t>ao</a:t>
+            </a:r>
+            <a:r>
+              <a:rPr lang="en-US" sz="1800" dirty="0" smtClean="0"/>
               <a:t> </a:t>
             </a:r>
             <a:r>
-              <a:rPr lang="tr-TR" dirty="0"/>
-              <a:t>ideal </a:t>
-            </a:r>
-            <a:r>
-              <a:rPr lang="tr-TR" dirty="0" err="1"/>
-              <a:t>output</a:t>
-            </a:r>
-            <a:r>
-              <a:rPr lang="tr-TR" dirty="0"/>
-              <a:t> </a:t>
-            </a:r>
-            <a:r>
-              <a:rPr lang="tr-TR" dirty="0" err="1"/>
-              <a:t>voltage</a:t>
-            </a:r>
-            <a:r>
-              <a:rPr lang="tr-TR" dirty="0"/>
-              <a:t> </a:t>
-            </a:r>
-            <a:r>
-              <a:rPr lang="tr-TR" dirty="0" err="1" smtClean="0"/>
-              <a:t>V</a:t>
-            </a:r>
-            <a:r>
-              <a:rPr lang="tr-TR" sz="1800" dirty="0" err="1" smtClean="0"/>
-              <a:t>ao</a:t>
-            </a:r>
-            <a:r>
-              <a:rPr lang="tr-TR" sz="1800" dirty="0" smtClean="0"/>
-              <a:t> </a:t>
-            </a:r>
-            <a:r>
-              <a:rPr lang="tr-TR" dirty="0" err="1" smtClean="0"/>
-              <a:t>and</a:t>
-            </a:r>
-            <a:r>
-              <a:rPr lang="tr-TR" dirty="0" smtClean="0"/>
-              <a:t> </a:t>
-            </a:r>
-            <a:r>
               <a:rPr lang="en-US" dirty="0" smtClean="0"/>
-              <a:t> </a:t>
-            </a:r>
-            <a:r>
-              <a:rPr lang="en-US" dirty="0"/>
-              <a:t>ac</a:t>
-            </a:r>
-            <a:r>
-              <a:rPr lang="tr-TR" dirty="0"/>
-              <a:t>tual output voltage </a:t>
-            </a:r>
-            <a:r>
-              <a:rPr lang="tr-TR" dirty="0" smtClean="0"/>
-              <a:t>V</a:t>
-            </a:r>
-            <a:r>
-              <a:rPr lang="tr-TR" sz="1800" dirty="0" smtClean="0"/>
+              <a:t>and  actual output voltage V</a:t>
+            </a:r>
+            <a:r>
+              <a:rPr lang="en-US" sz="1800" dirty="0" smtClean="0"/>
               <a:t>a</a:t>
             </a:r>
             <a:r>
-              <a:rPr lang="tr-TR" dirty="0" smtClean="0"/>
-              <a:t>.	 	</a:t>
-            </a:r>
-            <a:r>
               <a:rPr lang="en-US" dirty="0" smtClean="0"/>
-              <a:t>	</a:t>
-            </a:r>
-            <a:r>
-              <a:rPr lang="tr-TR" sz="1800" dirty="0" smtClean="0"/>
+              <a:t>.	 		</a:t>
+            </a:r>
+            <a:r>
+              <a:rPr lang="en-US" sz="1800" dirty="0" smtClean="0"/>
               <a:t>	</a:t>
             </a:r>
           </a:p>
@@ -14599,7 +15666,7 @@
         </p:nvSpPr>
         <p:spPr>
           <a:xfrm>
-            <a:off x="5807610" y="2440399"/>
+            <a:off x="5566310" y="2249899"/>
             <a:ext cx="3459680" cy="1969770"/>
           </a:xfrm>
           <a:prstGeom prst="rect">
@@ -14926,8 +15993,8 @@
         </p:nvSpPr>
         <p:spPr>
           <a:xfrm>
-            <a:off x="5661058" y="4453656"/>
-            <a:ext cx="6102852" cy="1813580"/>
+            <a:off x="5566310" y="4316369"/>
+            <a:ext cx="6102852" cy="1566144"/>
           </a:xfrm>
           <a:prstGeom prst="rect">
             <a:avLst/>
@@ -14935,7 +16002,7 @@
         </p:spPr>
         <p:txBody>
           <a:bodyPr vert="horz" lIns="0" tIns="45720" rIns="0" bIns="45720" rtlCol="0">
-            <a:normAutofit fontScale="92500" lnSpcReduction="10000"/>
+            <a:normAutofit fontScale="85000" lnSpcReduction="20000"/>
           </a:bodyPr>
           <a:lstStyle/>
           <a:p>
@@ -15238,26 +16305,6 @@
                 <a:cs typeface="+mn-cs"/>
               </a:rPr>
               <a:t> and core losses and torque ripple increases</a:t>
-            </a:r>
-            <a:r>
-              <a:rPr kumimoji="0" lang="tr-TR" sz="2000" b="0" i="0" u="none" strike="noStrike" kern="1200" cap="none" spc="0" normalizeH="0" baseline="0" noProof="0" dirty="0" smtClean="0">
-                <a:ln>
-                  <a:noFill/>
-                </a:ln>
-                <a:solidFill>
-                  <a:schemeClr val="tx1">
-                    <a:lumMod val="75000"/>
-                    <a:lumOff val="25000"/>
-                  </a:schemeClr>
-                </a:solidFill>
-                <a:effectLst/>
-                <a:uLnTx/>
-                <a:uFillTx/>
-                <a:latin typeface="+mn-lt"/>
-                <a:ea typeface="+mn-ea"/>
-                <a:cs typeface="+mn-cs"/>
-              </a:rPr>
-              <a:t>	</a:t>
             </a:r>
             <a:r>
               <a:rPr kumimoji="0" lang="en-US" sz="2000" b="0" i="0" u="none" strike="noStrike" kern="1200" cap="none" spc="0" normalizeH="0" baseline="0" noProof="0" dirty="0" smtClean="0">
@@ -15340,477 +16387,62 @@
           </a:p>
         </p:txBody>
       </p:sp>
-    </p:spTree>
-    <p:extLst>
-      <p:ext uri="{BB962C8B-B14F-4D97-AF65-F5344CB8AC3E}">
-        <p14:creationId xmlns:p14="http://schemas.microsoft.com/office/powerpoint/2010/main" val="206126284"/>
-      </p:ext>
-    </p:extLst>
-  </p:cSld>
-  <p:clrMapOvr>
-    <a:masterClrMapping/>
-  </p:clrMapOvr>
-  <p:timing>
-    <p:tnLst>
-      <p:par>
-        <p:cTn id="1" dur="indefinite" restart="never" nodeType="tmRoot"/>
-      </p:par>
-    </p:tnLst>
-  </p:timing>
-</p:sld>
-</file>
-
-<file path=ppt/slides/slide5.xml><?xml version="1.0" encoding="utf-8"?>
-<p:sld xmlns:a="http://schemas.openxmlformats.org/drawingml/2006/main" xmlns:r="http://schemas.openxmlformats.org/officeDocument/2006/relationships" xmlns:p="http://schemas.openxmlformats.org/presentationml/2006/main">
-  <p:cSld>
-    <p:spTree>
-      <p:nvGrpSpPr>
-        <p:cNvPr id="1" name=""/>
-        <p:cNvGrpSpPr/>
-        <p:nvPr/>
-      </p:nvGrpSpPr>
-      <p:grpSpPr>
-        <a:xfrm>
-          <a:off x="0" y="0"/>
-          <a:ext cx="0" cy="0"/>
-          <a:chOff x="0" y="0"/>
-          <a:chExt cx="0" cy="0"/>
-        </a:xfrm>
-      </p:grpSpPr>
       <p:sp>
         <p:nvSpPr>
-          <p:cNvPr id="2" name="Title 1"/>
-          <p:cNvSpPr>
-            <a:spLocks noGrp="1"/>
-          </p:cNvSpPr>
-          <p:nvPr>
-            <p:ph type="title"/>
-          </p:nvPr>
+          <p:cNvPr id="8" name="Rectangle 7"/>
+          <p:cNvSpPr/>
+          <p:nvPr/>
         </p:nvSpPr>
-        <p:spPr/>
-        <p:txBody>
-          <a:bodyPr/>
-          <a:lstStyle/>
-          <a:p>
-            <a:r>
-              <a:rPr lang="en-US" dirty="0" smtClean="0"/>
-              <a:t>Dead-time</a:t>
-            </a:r>
-            <a:endParaRPr lang="en-US" dirty="0"/>
-          </a:p>
-        </p:txBody>
-      </p:sp>
-      <p:sp>
-        <p:nvSpPr>
-          <p:cNvPr id="3" name="Content Placeholder 2"/>
-          <p:cNvSpPr>
-            <a:spLocks noGrp="1"/>
-          </p:cNvSpPr>
-          <p:nvPr>
-            <p:ph idx="1"/>
-          </p:nvPr>
-        </p:nvSpPr>
-        <p:spPr/>
-        <p:txBody>
-          <a:bodyPr/>
-          <a:lstStyle/>
-          <a:p>
-            <a:pPr>
-              <a:buFont typeface="Wingdings" pitchFamily="2" charset="2"/>
-              <a:buChar char="q"/>
-            </a:pPr>
-            <a:r>
-              <a:rPr lang="en-US" dirty="0" smtClean="0"/>
-              <a:t> analysis demonstrates that the dead-time effects mainly produce 5</a:t>
-            </a:r>
-            <a:r>
-              <a:rPr lang="en-US" baseline="30000" dirty="0" smtClean="0"/>
-              <a:t>th</a:t>
-            </a:r>
-            <a:r>
-              <a:rPr lang="en-US" dirty="0" smtClean="0"/>
-              <a:t> and 7</a:t>
-            </a:r>
-            <a:r>
-              <a:rPr lang="en-US" baseline="30000" dirty="0" smtClean="0"/>
-              <a:t>th</a:t>
-            </a:r>
-            <a:r>
-              <a:rPr lang="en-US" dirty="0" smtClean="0"/>
-              <a:t> harmonics in the α-β reference frame and 6</a:t>
-            </a:r>
-            <a:r>
-              <a:rPr lang="en-US" baseline="30000" dirty="0" smtClean="0"/>
-              <a:t>th</a:t>
-            </a:r>
-            <a:r>
-              <a:rPr lang="en-US" dirty="0" smtClean="0"/>
-              <a:t> voltage harmonic and its multiples in the d-q reference frame which cause current harmonics </a:t>
-            </a:r>
-          </a:p>
-          <a:p>
-            <a:pPr>
-              <a:buFont typeface="Wingdings" pitchFamily="2" charset="2"/>
-              <a:buChar char="q"/>
-            </a:pPr>
-            <a:endParaRPr lang="en-US" dirty="0"/>
-          </a:p>
-        </p:txBody>
-      </p:sp>
-      <p:pic>
-        <p:nvPicPr>
-          <p:cNvPr id="4" name="Picture 3"/>
-          <p:cNvPicPr>
-            <a:picLocks noChangeAspect="1"/>
-          </p:cNvPicPr>
-          <p:nvPr/>
-        </p:nvPicPr>
-        <p:blipFill>
-          <a:blip r:embed="rId4"/>
-          <a:stretch>
-            <a:fillRect/>
-          </a:stretch>
-        </p:blipFill>
         <p:spPr>
           <a:xfrm>
-            <a:off x="1308101" y="2841654"/>
-            <a:ext cx="3388070" cy="3458655"/>
+            <a:off x="4971414" y="5899090"/>
+            <a:ext cx="7068186" cy="400110"/>
           </a:xfrm>
           <a:prstGeom prst="rect">
             <a:avLst/>
           </a:prstGeom>
         </p:spPr>
-      </p:pic>
-      <p:graphicFrame>
-        <p:nvGraphicFramePr>
-          <p:cNvPr id="5" name="Object 4"/>
-          <p:cNvGraphicFramePr>
-            <a:graphicFrameLocks noChangeAspect="1"/>
-          </p:cNvGraphicFramePr>
-          <p:nvPr>
-            <p:extLst>
-              <p:ext uri="{D42A27DB-BD31-4B8C-83A1-F6EECF244321}">
-                <p14:modId xmlns:p14="http://schemas.microsoft.com/office/powerpoint/2010/main" val="3584033790"/>
-              </p:ext>
-            </p:extLst>
-          </p:nvPr>
-        </p:nvGraphicFramePr>
-        <p:xfrm>
-          <a:off x="5676831" y="2991240"/>
-          <a:ext cx="2540069" cy="768804"/>
-        </p:xfrm>
-        <a:graphic>
-          <a:graphicData uri="http://schemas.openxmlformats.org/presentationml/2006/ole">
-            <mc:AlternateContent xmlns:mc="http://schemas.openxmlformats.org/markup-compatibility/2006">
-              <mc:Choice xmlns:v="urn:schemas-microsoft-com:vml" Requires="v">
-                <p:oleObj spid="_x0000_s1064" name="Bitmap Image" r:id="rId5" imgW="3209760" imgH="971640" progId="PBrush">
-                  <p:embed/>
-                </p:oleObj>
-              </mc:Choice>
-              <mc:Fallback>
-                <p:oleObj name="Bitmap Image" r:id="rId5" imgW="3209760" imgH="971640" progId="PBrush">
-                  <p:embed/>
-                  <p:pic>
-                    <p:nvPicPr>
-                      <p:cNvPr id="0" name="Picture 2"/>
-                      <p:cNvPicPr>
-                        <a:picLocks noChangeAspect="1" noChangeArrowheads="1"/>
-                      </p:cNvPicPr>
-                      <p:nvPr/>
-                    </p:nvPicPr>
-                    <p:blipFill>
-                      <a:blip r:embed="rId6">
-                        <a:extLst>
-                          <a:ext uri="{28A0092B-C50C-407E-A947-70E740481C1C}">
-                            <a14:useLocalDpi xmlns:a14="http://schemas.microsoft.com/office/drawing/2010/main" val="0"/>
-                          </a:ext>
-                        </a:extLst>
-                      </a:blip>
-                      <a:srcRect/>
-                      <a:stretch>
-                        <a:fillRect/>
-                      </a:stretch>
-                    </p:blipFill>
-                    <p:spPr bwMode="auto">
-                      <a:xfrm>
-                        <a:off x="5676831" y="2991240"/>
-                        <a:ext cx="2540069" cy="768804"/>
-                      </a:xfrm>
-                      <a:prstGeom prst="rect">
-                        <a:avLst/>
-                      </a:prstGeom>
-                      <a:noFill/>
-                      <a:extLst>
-                        <a:ext uri="{909E8E84-426E-40DD-AFC4-6F175D3DCCD1}">
-                          <a14:hiddenFill xmlns:a14="http://schemas.microsoft.com/office/drawing/2010/main">
-                            <a:solidFill>
-                              <a:srgbClr val="FFFFFF"/>
-                            </a:solidFill>
-                          </a14:hiddenFill>
-                        </a:ext>
-                      </a:extLst>
-                    </p:spPr>
-                  </p:pic>
-                </p:oleObj>
-              </mc:Fallback>
-            </mc:AlternateContent>
-          </a:graphicData>
-        </a:graphic>
-      </p:graphicFrame>
-      <p:pic>
-        <p:nvPicPr>
-          <p:cNvPr id="6" name="Picture 5"/>
-          <p:cNvPicPr>
-            <a:picLocks noChangeAspect="1"/>
-          </p:cNvPicPr>
-          <p:nvPr/>
-        </p:nvPicPr>
-        <p:blipFill>
-          <a:blip r:embed="rId7"/>
-          <a:stretch>
-            <a:fillRect/>
-          </a:stretch>
-        </p:blipFill>
-        <p:spPr>
-          <a:xfrm>
-            <a:off x="5343802" y="3970689"/>
-            <a:ext cx="3136927" cy="2109050"/>
-          </a:xfrm>
-          <a:prstGeom prst="rect">
-            <a:avLst/>
-          </a:prstGeom>
-        </p:spPr>
-      </p:pic>
-      <p:pic>
-        <p:nvPicPr>
-          <p:cNvPr id="7" name="Picture 6"/>
-          <p:cNvPicPr>
-            <a:picLocks noChangeAspect="1"/>
-          </p:cNvPicPr>
-          <p:nvPr/>
-        </p:nvPicPr>
-        <p:blipFill>
-          <a:blip r:embed="rId8"/>
-          <a:stretch>
-            <a:fillRect/>
-          </a:stretch>
-        </p:blipFill>
-        <p:spPr>
-          <a:xfrm>
-            <a:off x="8480729" y="3970689"/>
-            <a:ext cx="2902700" cy="2109050"/>
-          </a:xfrm>
-          <a:prstGeom prst="rect">
-            <a:avLst/>
-          </a:prstGeom>
-        </p:spPr>
-      </p:pic>
-      <p:pic>
-        <p:nvPicPr>
-          <p:cNvPr id="8" name="Picture 7"/>
-          <p:cNvPicPr>
-            <a:picLocks noChangeAspect="1"/>
-          </p:cNvPicPr>
-          <p:nvPr/>
-        </p:nvPicPr>
-        <p:blipFill>
-          <a:blip r:embed="rId9"/>
-          <a:stretch>
-            <a:fillRect/>
-          </a:stretch>
-        </p:blipFill>
-        <p:spPr>
-          <a:xfrm>
-            <a:off x="8864531" y="2988519"/>
-            <a:ext cx="2266950" cy="771525"/>
-          </a:xfrm>
-          <a:prstGeom prst="rect">
-            <a:avLst/>
-          </a:prstGeom>
-        </p:spPr>
-      </p:pic>
-    </p:spTree>
-  </p:cSld>
-  <p:clrMapOvr>
-    <a:masterClrMapping/>
-  </p:clrMapOvr>
-  <p:timing>
-    <p:tnLst>
-      <p:par>
-        <p:cTn id="1" dur="indefinite" restart="never" nodeType="tmRoot"/>
-      </p:par>
-    </p:tnLst>
-  </p:timing>
-</p:sld>
-</file>
-
-<file path=ppt/slides/slide6.xml><?xml version="1.0" encoding="utf-8"?>
-<p:sld xmlns:a="http://schemas.openxmlformats.org/drawingml/2006/main" xmlns:r="http://schemas.openxmlformats.org/officeDocument/2006/relationships" xmlns:p="http://schemas.openxmlformats.org/presentationml/2006/main">
-  <p:cSld>
-    <p:spTree>
-      <p:nvGrpSpPr>
-        <p:cNvPr id="1" name=""/>
-        <p:cNvGrpSpPr/>
-        <p:nvPr/>
-      </p:nvGrpSpPr>
-      <p:grpSpPr>
-        <a:xfrm>
-          <a:off x="0" y="0"/>
-          <a:ext cx="0" cy="0"/>
-          <a:chOff x="0" y="0"/>
-          <a:chExt cx="0" cy="0"/>
-        </a:xfrm>
-      </p:grpSpPr>
-      <p:sp>
-        <p:nvSpPr>
-          <p:cNvPr id="2" name="Title 1"/>
-          <p:cNvSpPr>
-            <a:spLocks noGrp="1"/>
-          </p:cNvSpPr>
-          <p:nvPr>
-            <p:ph type="title"/>
-          </p:nvPr>
-        </p:nvSpPr>
-        <p:spPr/>
         <p:txBody>
-          <a:bodyPr/>
+          <a:bodyPr wrap="square">
+            <a:spAutoFit/>
+          </a:bodyPr>
           <a:lstStyle/>
           <a:p>
             <a:r>
-              <a:rPr lang="en-US" dirty="0" smtClean="0"/>
-              <a:t>literature</a:t>
-            </a:r>
-            <a:endParaRPr lang="en-US" dirty="0"/>
-          </a:p>
-        </p:txBody>
-      </p:sp>
-      <p:sp>
-        <p:nvSpPr>
-          <p:cNvPr id="3" name="Content Placeholder 2"/>
-          <p:cNvSpPr>
-            <a:spLocks noGrp="1"/>
-          </p:cNvSpPr>
-          <p:nvPr>
-            <p:ph idx="1"/>
-          </p:nvPr>
-        </p:nvSpPr>
-        <p:spPr/>
-        <p:txBody>
-          <a:bodyPr/>
-          <a:lstStyle/>
-          <a:p>
-            <a:pPr>
-              <a:buFont typeface="Wingdings" panose="05000000000000000000" pitchFamily="2" charset="2"/>
-              <a:buChar char="q"/>
-            </a:pPr>
-            <a:r>
-              <a:rPr lang="en-US" dirty="0" smtClean="0"/>
-              <a:t> various compensation methods have been proposed </a:t>
-            </a:r>
-          </a:p>
-          <a:p>
-            <a:pPr lvl="1">
-              <a:buFont typeface="Wingdings" panose="05000000000000000000" pitchFamily="2" charset="2"/>
-              <a:buChar char="q"/>
-            </a:pPr>
-            <a:r>
-              <a:rPr lang="en-US" dirty="0" smtClean="0"/>
-              <a:t> hardware based</a:t>
-            </a:r>
-          </a:p>
-          <a:p>
-            <a:pPr lvl="2">
-              <a:buFont typeface="Wingdings" panose="05000000000000000000" pitchFamily="2" charset="2"/>
-              <a:buChar char="v"/>
-            </a:pPr>
-            <a:r>
-              <a:rPr lang="en-US" dirty="0" smtClean="0"/>
-              <a:t>terminal voltage is measured by analog circuitry and used as a feedback  </a:t>
-            </a:r>
-          </a:p>
-          <a:p>
-            <a:pPr lvl="1">
-              <a:buFont typeface="Wingdings" panose="05000000000000000000" pitchFamily="2" charset="2"/>
-              <a:buChar char="q"/>
-            </a:pPr>
-            <a:r>
-              <a:rPr lang="en-US" dirty="0" smtClean="0"/>
-              <a:t> software based </a:t>
-            </a:r>
-          </a:p>
-          <a:p>
-            <a:pPr lvl="2">
-              <a:buFont typeface="Wingdings" panose="05000000000000000000" pitchFamily="2" charset="2"/>
-              <a:buChar char="q"/>
-            </a:pPr>
-            <a:r>
-              <a:rPr lang="en-US" dirty="0" smtClean="0"/>
-              <a:t>current harmonic analysis based method</a:t>
-            </a:r>
-          </a:p>
-          <a:p>
-            <a:pPr lvl="3">
-              <a:buFont typeface="Wingdings" panose="05000000000000000000" pitchFamily="2" charset="2"/>
-              <a:buChar char="v"/>
-            </a:pPr>
-            <a:r>
-              <a:rPr lang="en-US" dirty="0" smtClean="0"/>
-              <a:t>based on monitoring harmonic distortion in the d-axis current</a:t>
-            </a:r>
-          </a:p>
-          <a:p>
-            <a:pPr lvl="2">
-              <a:buFont typeface="Wingdings" panose="05000000000000000000" pitchFamily="2" charset="2"/>
-              <a:buChar char="q"/>
-            </a:pPr>
-            <a:r>
-              <a:rPr lang="en-US" dirty="0" smtClean="0"/>
-              <a:t>estimator based method</a:t>
-            </a:r>
-          </a:p>
-          <a:p>
-            <a:pPr lvl="3">
-              <a:buFont typeface="Wingdings" panose="05000000000000000000" pitchFamily="2" charset="2"/>
-              <a:buChar char="v"/>
-            </a:pPr>
-            <a:r>
-              <a:rPr lang="en-US" dirty="0" smtClean="0"/>
-              <a:t>estimators (or observers) are designed to extract the disturbance voltage based on the motor model</a:t>
-            </a:r>
-          </a:p>
-          <a:p>
-            <a:pPr lvl="2">
-              <a:buFont typeface="Wingdings" panose="05000000000000000000" pitchFamily="2" charset="2"/>
-              <a:buChar char="q"/>
-            </a:pPr>
-            <a:r>
-              <a:rPr lang="en-US" dirty="0" smtClean="0"/>
-              <a:t>instantaneous average  voltage method</a:t>
-            </a:r>
-          </a:p>
-          <a:p>
-            <a:pPr lvl="3">
-              <a:buFont typeface="Wingdings" panose="05000000000000000000" pitchFamily="2" charset="2"/>
-              <a:buChar char="v"/>
-            </a:pPr>
-            <a:r>
-              <a:rPr lang="en-US" dirty="0" smtClean="0"/>
-              <a:t>compensate the average voltage error between reference voltage and actual voltage in each switching period</a:t>
-            </a:r>
-          </a:p>
-          <a:p>
-            <a:pPr lvl="2">
-              <a:buFont typeface="Wingdings" panose="05000000000000000000" pitchFamily="2" charset="2"/>
-              <a:buChar char="q"/>
-            </a:pPr>
-            <a:endParaRPr lang="en-US" dirty="0"/>
+              <a:rPr lang="en-US" sz="1000" dirty="0"/>
+              <a:t>Y. </a:t>
+            </a:r>
+            <a:r>
+              <a:rPr lang="en-US" sz="1000" dirty="0" err="1"/>
+              <a:t>Murai</a:t>
+            </a:r>
+            <a:r>
+              <a:rPr lang="en-US" sz="1000" dirty="0"/>
+              <a:t>, T. Watanabe, and H. Iwasaki, “Waveform distortion and correction circuit for </a:t>
+            </a:r>
+            <a:r>
+              <a:rPr lang="en-US" sz="1000" dirty="0" err="1"/>
+              <a:t>pwm</a:t>
+            </a:r>
+            <a:r>
+              <a:rPr lang="en-US" sz="1000" dirty="0"/>
+              <a:t> inverters with switching lag-times,” </a:t>
+            </a:r>
+            <a:r>
+              <a:rPr lang="en-US" sz="1000" i="1" dirty="0"/>
+              <a:t>IEEE Trans. Ind. Appl.</a:t>
+            </a:r>
+            <a:r>
+              <a:rPr lang="en-US" sz="1000" dirty="0"/>
+              <a:t>, vol. IA-23, no. 5, pp. 881–886, 1987.</a:t>
+            </a:r>
           </a:p>
         </p:txBody>
       </p:sp>
     </p:spTree>
     <p:extLst>
       <p:ext uri="{BB962C8B-B14F-4D97-AF65-F5344CB8AC3E}">
-        <p14:creationId xmlns:p14="http://schemas.microsoft.com/office/powerpoint/2010/main" val="914271857"/>
+        <p14:creationId xmlns:p14="http://schemas.microsoft.com/office/powerpoint/2010/main" xmlns="" val="206126284"/>
       </p:ext>
     </p:extLst>
   </p:cSld>
@@ -15860,6 +16492,670 @@
           <a:lstStyle/>
           <a:p>
             <a:r>
+              <a:rPr lang="en-US" dirty="0"/>
+              <a:t>Nonlinearities</a:t>
+            </a:r>
+          </a:p>
+        </p:txBody>
+      </p:sp>
+      <p:sp>
+        <p:nvSpPr>
+          <p:cNvPr id="3" name="Content Placeholder 2"/>
+          <p:cNvSpPr>
+            <a:spLocks noGrp="1"/>
+          </p:cNvSpPr>
+          <p:nvPr>
+            <p:ph idx="1"/>
+          </p:nvPr>
+        </p:nvSpPr>
+        <p:spPr/>
+        <p:txBody>
+          <a:bodyPr/>
+          <a:lstStyle/>
+          <a:p>
+            <a:pPr>
+              <a:buFont typeface="Wingdings" pitchFamily="2" charset="2"/>
+              <a:buChar char="q"/>
+            </a:pPr>
+            <a:r>
+              <a:rPr lang="en-US" dirty="0" smtClean="0"/>
+              <a:t> analysis demonstrates that the nonlinear effects mainly produce 5</a:t>
+            </a:r>
+            <a:r>
+              <a:rPr lang="en-US" baseline="30000" dirty="0" smtClean="0"/>
+              <a:t>th</a:t>
+            </a:r>
+            <a:r>
+              <a:rPr lang="en-US" dirty="0" smtClean="0"/>
+              <a:t> and 7</a:t>
+            </a:r>
+            <a:r>
+              <a:rPr lang="en-US" baseline="30000" dirty="0" smtClean="0"/>
+              <a:t>th</a:t>
+            </a:r>
+            <a:r>
+              <a:rPr lang="en-US" dirty="0" smtClean="0"/>
+              <a:t> harmonics in the α-β reference frame and 6</a:t>
+            </a:r>
+            <a:r>
+              <a:rPr lang="en-US" baseline="30000" dirty="0" smtClean="0"/>
+              <a:t>th</a:t>
+            </a:r>
+            <a:r>
+              <a:rPr lang="en-US" dirty="0" smtClean="0"/>
+              <a:t> voltage harmonic and its multiples in the d-q reference frame which cause current harmonics </a:t>
+            </a:r>
+          </a:p>
+          <a:p>
+            <a:pPr>
+              <a:buFont typeface="Wingdings" pitchFamily="2" charset="2"/>
+              <a:buChar char="q"/>
+            </a:pPr>
+            <a:endParaRPr lang="en-US" dirty="0"/>
+          </a:p>
+        </p:txBody>
+      </p:sp>
+      <p:pic>
+        <p:nvPicPr>
+          <p:cNvPr id="4" name="Picture 3"/>
+          <p:cNvPicPr>
+            <a:picLocks noChangeAspect="1"/>
+          </p:cNvPicPr>
+          <p:nvPr/>
+        </p:nvPicPr>
+        <p:blipFill>
+          <a:blip r:embed="rId4"/>
+          <a:stretch>
+            <a:fillRect/>
+          </a:stretch>
+        </p:blipFill>
+        <p:spPr>
+          <a:xfrm>
+            <a:off x="1097280" y="2790854"/>
+            <a:ext cx="3388070" cy="3458655"/>
+          </a:xfrm>
+          <a:prstGeom prst="rect">
+            <a:avLst/>
+          </a:prstGeom>
+        </p:spPr>
+      </p:pic>
+      <p:graphicFrame>
+        <p:nvGraphicFramePr>
+          <p:cNvPr id="5" name="Object 4"/>
+          <p:cNvGraphicFramePr>
+            <a:graphicFrameLocks noChangeAspect="1"/>
+          </p:cNvGraphicFramePr>
+          <p:nvPr>
+            <p:extLst>
+              <p:ext uri="{D42A27DB-BD31-4B8C-83A1-F6EECF244321}">
+                <p14:modId xmlns:p14="http://schemas.microsoft.com/office/powerpoint/2010/main" xmlns="" val="2852703235"/>
+              </p:ext>
+            </p:extLst>
+          </p:nvPr>
+        </p:nvGraphicFramePr>
+        <p:xfrm>
+          <a:off x="5676831" y="2673740"/>
+          <a:ext cx="2540069" cy="768804"/>
+        </p:xfrm>
+        <a:graphic>
+          <a:graphicData uri="http://schemas.openxmlformats.org/presentationml/2006/ole">
+            <p:oleObj spid="_x0000_s1144" name="Bitmap Image" r:id="rId5" imgW="3209760" imgH="971640" progId="PBrush">
+              <p:embed/>
+            </p:oleObj>
+          </a:graphicData>
+        </a:graphic>
+      </p:graphicFrame>
+      <p:pic>
+        <p:nvPicPr>
+          <p:cNvPr id="6" name="Picture 5"/>
+          <p:cNvPicPr>
+            <a:picLocks noChangeAspect="1"/>
+          </p:cNvPicPr>
+          <p:nvPr/>
+        </p:nvPicPr>
+        <p:blipFill>
+          <a:blip r:embed="rId6"/>
+          <a:stretch>
+            <a:fillRect/>
+          </a:stretch>
+        </p:blipFill>
+        <p:spPr>
+          <a:xfrm>
+            <a:off x="5343802" y="3653189"/>
+            <a:ext cx="3136927" cy="2109050"/>
+          </a:xfrm>
+          <a:prstGeom prst="rect">
+            <a:avLst/>
+          </a:prstGeom>
+        </p:spPr>
+      </p:pic>
+      <p:pic>
+        <p:nvPicPr>
+          <p:cNvPr id="7" name="Picture 6"/>
+          <p:cNvPicPr>
+            <a:picLocks noChangeAspect="1"/>
+          </p:cNvPicPr>
+          <p:nvPr/>
+        </p:nvPicPr>
+        <p:blipFill>
+          <a:blip r:embed="rId7"/>
+          <a:stretch>
+            <a:fillRect/>
+          </a:stretch>
+        </p:blipFill>
+        <p:spPr>
+          <a:xfrm>
+            <a:off x="8480729" y="3653189"/>
+            <a:ext cx="2902700" cy="2109050"/>
+          </a:xfrm>
+          <a:prstGeom prst="rect">
+            <a:avLst/>
+          </a:prstGeom>
+        </p:spPr>
+      </p:pic>
+      <p:pic>
+        <p:nvPicPr>
+          <p:cNvPr id="8" name="Picture 7"/>
+          <p:cNvPicPr>
+            <a:picLocks noChangeAspect="1"/>
+          </p:cNvPicPr>
+          <p:nvPr/>
+        </p:nvPicPr>
+        <p:blipFill>
+          <a:blip r:embed="rId8"/>
+          <a:stretch>
+            <a:fillRect/>
+          </a:stretch>
+        </p:blipFill>
+        <p:spPr>
+          <a:xfrm>
+            <a:off x="8864531" y="2671019"/>
+            <a:ext cx="2266950" cy="771525"/>
+          </a:xfrm>
+          <a:prstGeom prst="rect">
+            <a:avLst/>
+          </a:prstGeom>
+        </p:spPr>
+      </p:pic>
+      <p:sp>
+        <p:nvSpPr>
+          <p:cNvPr id="9" name="Rectangle 8"/>
+          <p:cNvSpPr/>
+          <p:nvPr/>
+        </p:nvSpPr>
+        <p:spPr>
+          <a:xfrm>
+            <a:off x="4437449" y="5943923"/>
+            <a:ext cx="7558902" cy="400110"/>
+          </a:xfrm>
+          <a:prstGeom prst="rect">
+            <a:avLst/>
+          </a:prstGeom>
+        </p:spPr>
+        <p:txBody>
+          <a:bodyPr wrap="square">
+            <a:spAutoFit/>
+          </a:bodyPr>
+          <a:lstStyle/>
+          <a:p>
+            <a:r>
+              <a:rPr lang="en-US" sz="1000" dirty="0"/>
+              <a:t>Z. Tang and B. Akin, “Compensation of dead-time effects based on revised repetitive controller for PMSM drives,” Conf. Proc. - IEEE Appl. Power Electron. Conf. Expo. - APEC, vol. 32, no. 3, pp. 2730–2737, 2017.</a:t>
+            </a:r>
+            <a:endParaRPr lang="tr-TR" sz="1000" dirty="0"/>
+          </a:p>
+        </p:txBody>
+      </p:sp>
+    </p:spTree>
+  </p:cSld>
+  <p:clrMapOvr>
+    <a:masterClrMapping/>
+  </p:clrMapOvr>
+  <p:timing>
+    <p:tnLst>
+      <p:par>
+        <p:cTn id="1" dur="indefinite" restart="never" nodeType="tmRoot"/>
+      </p:par>
+    </p:tnLst>
+  </p:timing>
+</p:sld>
+</file>
+
+<file path=ppt/slides/slide8.xml><?xml version="1.0" encoding="utf-8"?>
+<p:sld xmlns:a="http://schemas.openxmlformats.org/drawingml/2006/main" xmlns:r="http://schemas.openxmlformats.org/officeDocument/2006/relationships" xmlns:p="http://schemas.openxmlformats.org/presentationml/2006/main">
+  <p:cSld>
+    <p:spTree>
+      <p:nvGrpSpPr>
+        <p:cNvPr id="1" name=""/>
+        <p:cNvGrpSpPr/>
+        <p:nvPr/>
+      </p:nvGrpSpPr>
+      <p:grpSpPr>
+        <a:xfrm>
+          <a:off x="0" y="0"/>
+          <a:ext cx="0" cy="0"/>
+          <a:chOff x="0" y="0"/>
+          <a:chExt cx="0" cy="0"/>
+        </a:xfrm>
+      </p:grpSpPr>
+      <p:sp>
+        <p:nvSpPr>
+          <p:cNvPr id="2" name="Title 1"/>
+          <p:cNvSpPr>
+            <a:spLocks noGrp="1"/>
+          </p:cNvSpPr>
+          <p:nvPr>
+            <p:ph type="title"/>
+          </p:nvPr>
+        </p:nvSpPr>
+        <p:spPr/>
+        <p:txBody>
+          <a:bodyPr/>
+          <a:lstStyle/>
+          <a:p>
+            <a:r>
+              <a:rPr lang="en-US" dirty="0" smtClean="0"/>
+              <a:t>literature</a:t>
+            </a:r>
+            <a:endParaRPr lang="en-US" dirty="0"/>
+          </a:p>
+        </p:txBody>
+      </p:sp>
+      <p:sp>
+        <p:nvSpPr>
+          <p:cNvPr id="3" name="Content Placeholder 2"/>
+          <p:cNvSpPr>
+            <a:spLocks noGrp="1"/>
+          </p:cNvSpPr>
+          <p:nvPr>
+            <p:ph idx="1"/>
+          </p:nvPr>
+        </p:nvSpPr>
+        <p:spPr>
+          <a:xfrm>
+            <a:off x="1097280" y="1845734"/>
+            <a:ext cx="10929620" cy="4364566"/>
+          </a:xfrm>
+        </p:spPr>
+        <p:txBody>
+          <a:bodyPr>
+            <a:normAutofit fontScale="92500" lnSpcReduction="10000"/>
+          </a:bodyPr>
+          <a:lstStyle/>
+          <a:p>
+            <a:pPr>
+              <a:buFont typeface="Wingdings" panose="05000000000000000000" pitchFamily="2" charset="2"/>
+              <a:buChar char="q"/>
+            </a:pPr>
+            <a:r>
+              <a:rPr lang="en-US" dirty="0" smtClean="0"/>
+              <a:t> various compensation methods have been proposed </a:t>
+            </a:r>
+          </a:p>
+          <a:p>
+            <a:pPr lvl="1">
+              <a:buFont typeface="Wingdings" panose="05000000000000000000" pitchFamily="2" charset="2"/>
+              <a:buChar char="q"/>
+            </a:pPr>
+            <a:r>
+              <a:rPr lang="en-US" dirty="0" smtClean="0"/>
+              <a:t> hardware based</a:t>
+            </a:r>
+          </a:p>
+          <a:p>
+            <a:pPr lvl="2">
+              <a:buFont typeface="Wingdings" panose="05000000000000000000" pitchFamily="2" charset="2"/>
+              <a:buChar char="v"/>
+            </a:pPr>
+            <a:r>
+              <a:rPr lang="en-US" dirty="0" smtClean="0"/>
+              <a:t>terminal voltage is measured by analog circuitry and used as a feedback  </a:t>
+            </a:r>
+            <a:endParaRPr lang="tr-TR" dirty="0" smtClean="0"/>
+          </a:p>
+          <a:p>
+            <a:pPr marL="384048" lvl="2" indent="0">
+              <a:buNone/>
+            </a:pPr>
+            <a:r>
+              <a:rPr lang="en-US" sz="1200" i="1" dirty="0">
+                <a:solidFill>
+                  <a:schemeClr val="tx1"/>
+                </a:solidFill>
+              </a:rPr>
+              <a:t>S. J. Chee, J. Kim, and S. K. </a:t>
+            </a:r>
+            <a:r>
+              <a:rPr lang="en-US" sz="1200" i="1" dirty="0" err="1">
+                <a:solidFill>
+                  <a:schemeClr val="tx1"/>
+                </a:solidFill>
+              </a:rPr>
+              <a:t>Sul</a:t>
+            </a:r>
+            <a:r>
+              <a:rPr lang="en-US" sz="1200" i="1" dirty="0">
+                <a:solidFill>
+                  <a:schemeClr val="tx1"/>
+                </a:solidFill>
+              </a:rPr>
+              <a:t>, “Dead-time compensation based on pole voltage measurement,” 2015 IEEE Energy Convers. </a:t>
+            </a:r>
+            <a:r>
+              <a:rPr lang="en-US" sz="1200" i="1" dirty="0" err="1">
+                <a:solidFill>
+                  <a:schemeClr val="tx1"/>
+                </a:solidFill>
+              </a:rPr>
+              <a:t>Congr</a:t>
+            </a:r>
+            <a:r>
+              <a:rPr lang="en-US" sz="1200" i="1" dirty="0">
+                <a:solidFill>
+                  <a:schemeClr val="tx1"/>
+                </a:solidFill>
+              </a:rPr>
+              <a:t>. Expo. ECCE 2015, pp. 1549–1555, 2015</a:t>
+            </a:r>
+            <a:r>
+              <a:rPr lang="en-US" sz="1200" i="1" dirty="0" smtClean="0">
+                <a:solidFill>
+                  <a:schemeClr val="tx1"/>
+                </a:solidFill>
+              </a:rPr>
+              <a:t>.</a:t>
+            </a:r>
+            <a:endParaRPr lang="tr-TR" sz="1200" i="1" dirty="0" smtClean="0">
+              <a:solidFill>
+                <a:schemeClr val="tx1"/>
+              </a:solidFill>
+            </a:endParaRPr>
+          </a:p>
+          <a:p>
+            <a:pPr marL="384048" lvl="2" indent="0">
+              <a:buNone/>
+            </a:pPr>
+            <a:endParaRPr lang="en-US" sz="1200" i="1" dirty="0"/>
+          </a:p>
+          <a:p>
+            <a:pPr lvl="1">
+              <a:buFont typeface="Wingdings" panose="05000000000000000000" pitchFamily="2" charset="2"/>
+              <a:buChar char="q"/>
+            </a:pPr>
+            <a:r>
+              <a:rPr lang="en-US" dirty="0" smtClean="0"/>
+              <a:t> software based </a:t>
+            </a:r>
+          </a:p>
+          <a:p>
+            <a:pPr lvl="2">
+              <a:buFont typeface="Wingdings" panose="05000000000000000000" pitchFamily="2" charset="2"/>
+              <a:buChar char="q"/>
+            </a:pPr>
+            <a:r>
+              <a:rPr lang="en-US" dirty="0" smtClean="0"/>
+              <a:t>current harmonic analysis based method</a:t>
+            </a:r>
+          </a:p>
+          <a:p>
+            <a:pPr lvl="3">
+              <a:buFont typeface="Wingdings" panose="05000000000000000000" pitchFamily="2" charset="2"/>
+              <a:buChar char="v"/>
+            </a:pPr>
+            <a:r>
+              <a:rPr lang="en-US" dirty="0" smtClean="0"/>
+              <a:t>based on monitoring harmonic distortion in the d-axis current</a:t>
+            </a:r>
+            <a:endParaRPr lang="tr-TR" dirty="0" smtClean="0"/>
+          </a:p>
+          <a:p>
+            <a:pPr marL="566928" lvl="3" indent="0">
+              <a:buNone/>
+            </a:pPr>
+            <a:r>
+              <a:rPr lang="en-US" sz="1200" i="1" dirty="0"/>
+              <a:t>B. </a:t>
+            </a:r>
+            <a:r>
+              <a:rPr lang="en-US" sz="1200" i="1" dirty="0" err="1"/>
+              <a:t>Ludek</a:t>
+            </a:r>
+            <a:r>
+              <a:rPr lang="en-US" sz="1200" i="1" dirty="0"/>
+              <a:t> and O. Lukas, “Online adaptive compensation scheme for inverter nonlinearity in </a:t>
+            </a:r>
+            <a:r>
+              <a:rPr lang="en-US" sz="1200" i="1" dirty="0" smtClean="0"/>
+              <a:t>PMS</a:t>
+            </a:r>
+            <a:r>
+              <a:rPr lang="tr-TR" sz="1200" i="1" dirty="0" smtClean="0"/>
+              <a:t>M</a:t>
+            </a:r>
+            <a:r>
+              <a:rPr lang="en-US" sz="1200" i="1" dirty="0" smtClean="0"/>
+              <a:t> </a:t>
+            </a:r>
+            <a:r>
+              <a:rPr lang="en-US" sz="1200" i="1" dirty="0"/>
+              <a:t>drive,” in Proc 7th Int. </a:t>
+            </a:r>
+            <a:r>
+              <a:rPr lang="en-US" sz="1200" i="1" dirty="0" err="1"/>
+              <a:t>Congr</a:t>
+            </a:r>
+            <a:r>
+              <a:rPr lang="en-US" sz="1200" i="1" dirty="0"/>
+              <a:t>. Ultra Mod. </a:t>
+            </a:r>
+            <a:r>
+              <a:rPr lang="en-US" sz="1200" i="1" dirty="0" err="1"/>
+              <a:t>Telecommun</a:t>
+            </a:r>
+            <a:r>
+              <a:rPr lang="en-US" sz="1200" i="1" dirty="0"/>
+              <a:t>. Control Syst. Workshops, Jan. 2016, pp. 166–171</a:t>
+            </a:r>
+            <a:r>
+              <a:rPr lang="en-US" sz="1200" i="1" dirty="0" smtClean="0"/>
+              <a:t>.</a:t>
+            </a:r>
+            <a:endParaRPr lang="tr-TR" sz="1200" i="1" dirty="0" smtClean="0"/>
+          </a:p>
+          <a:p>
+            <a:pPr marL="566928" lvl="3" indent="0">
+              <a:buNone/>
+            </a:pPr>
+            <a:endParaRPr lang="en-US" sz="1200" i="1" dirty="0" smtClean="0"/>
+          </a:p>
+          <a:p>
+            <a:pPr lvl="2">
+              <a:buFont typeface="Wingdings" panose="05000000000000000000" pitchFamily="2" charset="2"/>
+              <a:buChar char="q"/>
+            </a:pPr>
+            <a:r>
+              <a:rPr lang="en-US" dirty="0" smtClean="0"/>
+              <a:t>estimator based method</a:t>
+            </a:r>
+          </a:p>
+          <a:p>
+            <a:pPr lvl="3">
+              <a:buFont typeface="Wingdings" panose="05000000000000000000" pitchFamily="2" charset="2"/>
+              <a:buChar char="v"/>
+            </a:pPr>
+            <a:r>
+              <a:rPr lang="en-US" dirty="0" smtClean="0"/>
+              <a:t>estimators (or observers) are designed to extract the disturbance voltage based on the motor model</a:t>
+            </a:r>
+            <a:endParaRPr lang="tr-TR" dirty="0" smtClean="0"/>
+          </a:p>
+          <a:p>
+            <a:pPr marL="566928" lvl="3" indent="0">
+              <a:buNone/>
+            </a:pPr>
+            <a:r>
+              <a:rPr lang="en-US" sz="1200" i="1" dirty="0"/>
+              <a:t>L. </a:t>
+            </a:r>
+            <a:r>
+              <a:rPr lang="en-US" sz="1200" i="1" dirty="0" err="1"/>
+              <a:t>Buchta</a:t>
+            </a:r>
+            <a:r>
+              <a:rPr lang="en-US" sz="1200" i="1" dirty="0"/>
+              <a:t> and L. </a:t>
+            </a:r>
+            <a:r>
+              <a:rPr lang="en-US" sz="1200" i="1" dirty="0" err="1"/>
+              <a:t>Otava</a:t>
+            </a:r>
+            <a:r>
+              <a:rPr lang="en-US" sz="1200" i="1" dirty="0"/>
+              <a:t>, “Adaptive compensation of inverter non-</a:t>
+            </a:r>
+            <a:r>
+              <a:rPr lang="en-US" sz="1200" i="1" dirty="0" err="1"/>
+              <a:t>linearities</a:t>
+            </a:r>
+            <a:r>
+              <a:rPr lang="en-US" sz="1200" i="1" dirty="0"/>
+              <a:t> based on the </a:t>
+            </a:r>
+            <a:r>
+              <a:rPr lang="en-US" sz="1200" i="1" dirty="0" err="1"/>
+              <a:t>Kalman</a:t>
+            </a:r>
+            <a:r>
+              <a:rPr lang="en-US" sz="1200" i="1" dirty="0"/>
+              <a:t> filter,” IECON Proc. (Industrial Electron. Conf., pp. 4301–4306, 2016</a:t>
+            </a:r>
+            <a:r>
+              <a:rPr lang="en-US" sz="1200" i="1" dirty="0" smtClean="0"/>
+              <a:t>.</a:t>
+            </a:r>
+            <a:endParaRPr lang="tr-TR" sz="1200" i="1" dirty="0" smtClean="0"/>
+          </a:p>
+          <a:p>
+            <a:pPr marL="566928" lvl="3" indent="0">
+              <a:buNone/>
+            </a:pPr>
+            <a:endParaRPr lang="en-US" sz="1200" i="1" dirty="0" smtClean="0"/>
+          </a:p>
+          <a:p>
+            <a:pPr lvl="2">
+              <a:buFont typeface="Wingdings" panose="05000000000000000000" pitchFamily="2" charset="2"/>
+              <a:buChar char="q"/>
+            </a:pPr>
+            <a:r>
+              <a:rPr lang="en-US" dirty="0" smtClean="0"/>
+              <a:t>instantaneous average  voltage method</a:t>
+            </a:r>
+          </a:p>
+          <a:p>
+            <a:pPr lvl="3">
+              <a:buFont typeface="Wingdings" panose="05000000000000000000" pitchFamily="2" charset="2"/>
+              <a:buChar char="v"/>
+            </a:pPr>
+            <a:r>
+              <a:rPr lang="en-US" dirty="0" smtClean="0"/>
+              <a:t>compensate the average voltage error between reference voltage and actual voltage in each switching period</a:t>
+            </a:r>
+            <a:endParaRPr lang="tr-TR" dirty="0" smtClean="0"/>
+          </a:p>
+          <a:p>
+            <a:pPr marL="566928" lvl="3" indent="0">
+              <a:buNone/>
+            </a:pPr>
+            <a:r>
+              <a:rPr lang="en-US" sz="1200" i="1" dirty="0"/>
+              <a:t>Y. Wang, S. Member, W. </a:t>
+            </a:r>
+            <a:r>
+              <a:rPr lang="en-US" sz="1200" i="1" dirty="0" err="1"/>
+              <a:t>Xie</a:t>
+            </a:r>
+            <a:r>
+              <a:rPr lang="en-US" sz="1200" i="1" dirty="0"/>
+              <a:t>, and X. Wang, “A Precise Voltage Distortion Compensation Strategy for Voltage Source Inverters,” vol. 65,</a:t>
+            </a:r>
+            <a:r>
+              <a:rPr lang="tr-TR" sz="1200" i="1" dirty="0"/>
+              <a:t> </a:t>
+            </a:r>
+            <a:r>
+              <a:rPr lang="en-US" sz="1200" i="1" dirty="0"/>
+              <a:t> no. 1, pp. 59–66, IEEE TRANSACTIONS ON INDUSTRIAL ELECTRONICS, VOL. 65, NO. 1, JANUARY 2018</a:t>
+            </a:r>
+          </a:p>
+          <a:p>
+            <a:pPr lvl="3">
+              <a:buFont typeface="Wingdings" panose="05000000000000000000" pitchFamily="2" charset="2"/>
+              <a:buChar char="v"/>
+            </a:pPr>
+            <a:endParaRPr lang="en-US" dirty="0" smtClean="0"/>
+          </a:p>
+          <a:p>
+            <a:pPr lvl="2">
+              <a:buFont typeface="Wingdings" panose="05000000000000000000" pitchFamily="2" charset="2"/>
+              <a:buChar char="q"/>
+            </a:pPr>
+            <a:endParaRPr lang="en-US" dirty="0"/>
+          </a:p>
+        </p:txBody>
+      </p:sp>
+    </p:spTree>
+    <p:extLst>
+      <p:ext uri="{BB962C8B-B14F-4D97-AF65-F5344CB8AC3E}">
+        <p14:creationId xmlns:p14="http://schemas.microsoft.com/office/powerpoint/2010/main" xmlns="" val="914271857"/>
+      </p:ext>
+    </p:extLst>
+  </p:cSld>
+  <p:clrMapOvr>
+    <a:masterClrMapping/>
+  </p:clrMapOvr>
+  <p:timing>
+    <p:tnLst>
+      <p:par>
+        <p:cTn id="1" dur="indefinite" restart="never" nodeType="tmRoot"/>
+      </p:par>
+    </p:tnLst>
+  </p:timing>
+</p:sld>
+</file>
+
+<file path=ppt/slides/slide9.xml><?xml version="1.0" encoding="utf-8"?>
+<p:sld xmlns:a="http://schemas.openxmlformats.org/drawingml/2006/main" xmlns:r="http://schemas.openxmlformats.org/officeDocument/2006/relationships" xmlns:p="http://schemas.openxmlformats.org/presentationml/2006/main">
+  <p:cSld>
+    <p:spTree>
+      <p:nvGrpSpPr>
+        <p:cNvPr id="1" name=""/>
+        <p:cNvGrpSpPr/>
+        <p:nvPr/>
+      </p:nvGrpSpPr>
+      <p:grpSpPr>
+        <a:xfrm>
+          <a:off x="0" y="0"/>
+          <a:ext cx="0" cy="0"/>
+          <a:chOff x="0" y="0"/>
+          <a:chExt cx="0" cy="0"/>
+        </a:xfrm>
+      </p:grpSpPr>
+      <p:sp>
+        <p:nvSpPr>
+          <p:cNvPr id="2" name="Title 1"/>
+          <p:cNvSpPr>
+            <a:spLocks noGrp="1"/>
+          </p:cNvSpPr>
+          <p:nvPr>
+            <p:ph type="title"/>
+          </p:nvPr>
+        </p:nvSpPr>
+        <p:spPr/>
+        <p:txBody>
+          <a:bodyPr/>
+          <a:lstStyle/>
+          <a:p>
+            <a:r>
               <a:rPr lang="en-US" dirty="0" smtClean="0"/>
               <a:t>literature</a:t>
             </a:r>
@@ -15910,7 +17206,7 @@
         </p:blipFill>
         <p:spPr>
           <a:xfrm>
-            <a:off x="3102709" y="4283535"/>
+            <a:off x="2864707" y="4265214"/>
             <a:ext cx="1956718" cy="1995085"/>
           </a:xfrm>
           <a:prstGeom prst="rect">
@@ -15934,7 +17230,7 @@
         </p:blipFill>
         <p:spPr>
           <a:xfrm>
-            <a:off x="6126480" y="2597081"/>
+            <a:off x="6126480" y="2495481"/>
             <a:ext cx="5601343" cy="3336267"/>
           </a:xfrm>
           <a:prstGeom prst="rect">
@@ -15990,171 +17286,77 @@
           </a:prstGeom>
         </p:spPr>
       </p:pic>
-    </p:spTree>
-    <p:extLst>
-      <p:ext uri="{BB962C8B-B14F-4D97-AF65-F5344CB8AC3E}">
-        <p14:creationId xmlns:p14="http://schemas.microsoft.com/office/powerpoint/2010/main" val="270053531"/>
-      </p:ext>
-    </p:extLst>
-  </p:cSld>
-  <p:clrMapOvr>
-    <a:masterClrMapping/>
-  </p:clrMapOvr>
-  <p:timing>
-    <p:tnLst>
-      <p:par>
-        <p:cTn id="1" dur="indefinite" restart="never" nodeType="tmRoot"/>
-      </p:par>
-    </p:tnLst>
-  </p:timing>
-</p:sld>
-</file>
-
-<file path=ppt/slides/slide8.xml><?xml version="1.0" encoding="utf-8"?>
-<p:sld xmlns:a="http://schemas.openxmlformats.org/drawingml/2006/main" xmlns:r="http://schemas.openxmlformats.org/officeDocument/2006/relationships" xmlns:p="http://schemas.openxmlformats.org/presentationml/2006/main">
-  <p:cSld>
-    <p:spTree>
-      <p:nvGrpSpPr>
-        <p:cNvPr id="1" name=""/>
-        <p:cNvGrpSpPr/>
-        <p:nvPr/>
-      </p:nvGrpSpPr>
-      <p:grpSpPr>
-        <a:xfrm>
-          <a:off x="0" y="0"/>
-          <a:ext cx="0" cy="0"/>
-          <a:chOff x="0" y="0"/>
-          <a:chExt cx="0" cy="0"/>
-        </a:xfrm>
-      </p:grpSpPr>
+      <p:sp>
+        <p:nvSpPr>
+          <p:cNvPr id="5" name="Rectangle 4"/>
+          <p:cNvSpPr/>
+          <p:nvPr/>
+        </p:nvSpPr>
+        <p:spPr>
+          <a:xfrm>
+            <a:off x="4472292" y="5907408"/>
+            <a:ext cx="7478408" cy="461665"/>
+          </a:xfrm>
+          <a:prstGeom prst="rect">
+            <a:avLst/>
+          </a:prstGeom>
+        </p:spPr>
+        <p:txBody>
+          <a:bodyPr wrap="square">
+            <a:spAutoFit/>
+          </a:bodyPr>
+          <a:lstStyle/>
+          <a:p>
+            <a:pPr marL="384048" lvl="2" indent="0">
+              <a:buNone/>
+            </a:pPr>
+            <a:r>
+              <a:rPr lang="en-US" sz="1200" i="1" dirty="0"/>
+              <a:t>S. J. Chee, J. Kim, and S. K. </a:t>
+            </a:r>
+            <a:r>
+              <a:rPr lang="en-US" sz="1200" i="1" dirty="0" err="1"/>
+              <a:t>Sul</a:t>
+            </a:r>
+            <a:r>
+              <a:rPr lang="en-US" sz="1200" i="1" dirty="0"/>
+              <a:t>, “Dead-time compensation based on pole voltage measurement,” 2015 IEEE Energy Convers. </a:t>
+            </a:r>
+            <a:r>
+              <a:rPr lang="en-US" sz="1200" i="1" dirty="0" err="1"/>
+              <a:t>Congr</a:t>
+            </a:r>
+            <a:r>
+              <a:rPr lang="en-US" sz="1200" i="1" dirty="0"/>
+              <a:t>. Expo. ECCE 2015, pp. 1549–1555, 2015.</a:t>
+            </a:r>
+          </a:p>
+        </p:txBody>
+      </p:sp>
       <p:pic>
         <p:nvPicPr>
-          <p:cNvPr id="10" name="Picture 9"/>
+          <p:cNvPr id="9" name="Picture 8"/>
           <p:cNvPicPr>
             <a:picLocks noChangeAspect="1"/>
           </p:cNvPicPr>
           <p:nvPr/>
         </p:nvPicPr>
         <p:blipFill>
-          <a:blip r:embed="rId3"/>
+          <a:blip r:embed="rId7">
+            <a:extLst>
+              <a:ext uri="{28A0092B-C50C-407E-A947-70E740481C1C}">
+                <a14:useLocalDpi xmlns:a14="http://schemas.microsoft.com/office/drawing/2010/main" xmlns="" val="0"/>
+              </a:ext>
+            </a:extLst>
+          </a:blip>
           <a:stretch>
             <a:fillRect/>
           </a:stretch>
         </p:blipFill>
         <p:spPr>
           <a:xfrm>
-            <a:off x="4719768" y="4881072"/>
-            <a:ext cx="2523598" cy="1405548"/>
-          </a:xfrm>
-          <a:prstGeom prst="rect">
-            <a:avLst/>
-          </a:prstGeom>
-        </p:spPr>
-      </p:pic>
-      <p:sp>
-        <p:nvSpPr>
-          <p:cNvPr id="2" name="Title 1"/>
-          <p:cNvSpPr>
-            <a:spLocks noGrp="1"/>
-          </p:cNvSpPr>
-          <p:nvPr>
-            <p:ph type="title"/>
-          </p:nvPr>
-        </p:nvSpPr>
-        <p:spPr/>
-        <p:txBody>
-          <a:bodyPr/>
-          <a:lstStyle/>
-          <a:p>
-            <a:r>
-              <a:rPr lang="en-US" dirty="0" smtClean="0"/>
-              <a:t>literature</a:t>
-            </a:r>
-            <a:endParaRPr lang="en-US" dirty="0"/>
-          </a:p>
-        </p:txBody>
-      </p:sp>
-      <p:sp>
-        <p:nvSpPr>
-          <p:cNvPr id="3" name="Content Placeholder 2"/>
-          <p:cNvSpPr>
-            <a:spLocks noGrp="1"/>
-          </p:cNvSpPr>
-          <p:nvPr>
-            <p:ph idx="1"/>
-          </p:nvPr>
-        </p:nvSpPr>
-        <p:spPr/>
-        <p:txBody>
-          <a:bodyPr/>
-          <a:lstStyle/>
-          <a:p>
-            <a:pPr>
-              <a:buFont typeface="Wingdings" panose="05000000000000000000" pitchFamily="2" charset="2"/>
-              <a:buChar char="q"/>
-            </a:pPr>
-            <a:r>
-              <a:rPr lang="en-US" dirty="0" smtClean="0"/>
-              <a:t> an example of hardware based compensation method</a:t>
-            </a:r>
-            <a:r>
-              <a:rPr lang="tr-TR" dirty="0" smtClean="0"/>
-              <a:t> (</a:t>
-            </a:r>
-            <a:r>
-              <a:rPr lang="tr-TR" dirty="0" err="1" smtClean="0"/>
-              <a:t>cont’d</a:t>
-            </a:r>
-            <a:r>
-              <a:rPr lang="tr-TR" dirty="0" smtClean="0"/>
-              <a:t>)</a:t>
-            </a:r>
-            <a:endParaRPr lang="en-US" dirty="0"/>
-          </a:p>
-        </p:txBody>
-      </p:sp>
-      <p:pic>
-        <p:nvPicPr>
-          <p:cNvPr id="6" name="Picture 5"/>
-          <p:cNvPicPr>
-            <a:picLocks noChangeAspect="1"/>
-          </p:cNvPicPr>
-          <p:nvPr/>
-        </p:nvPicPr>
-        <p:blipFill>
-          <a:blip r:embed="rId4"/>
-          <a:stretch>
-            <a:fillRect/>
-          </a:stretch>
-        </p:blipFill>
-        <p:spPr>
-          <a:xfrm>
-            <a:off x="217620" y="2244985"/>
-            <a:ext cx="4578348" cy="3039645"/>
-          </a:xfrm>
-          <a:prstGeom prst="rect">
-            <a:avLst/>
-          </a:prstGeom>
-        </p:spPr>
-      </p:pic>
-      <p:pic>
-        <p:nvPicPr>
-          <p:cNvPr id="5" name="Picture 4"/>
-          <p:cNvPicPr>
-            <a:picLocks noChangeAspect="1"/>
-          </p:cNvPicPr>
-          <p:nvPr/>
-        </p:nvPicPr>
-        <p:blipFill>
-          <a:blip r:embed="rId5"/>
-          <a:stretch>
-            <a:fillRect/>
-          </a:stretch>
-        </p:blipFill>
-        <p:spPr>
-          <a:xfrm>
-            <a:off x="6903406" y="2244985"/>
-            <a:ext cx="5131934" cy="2780436"/>
+            <a:off x="10335191" y="1845734"/>
+            <a:ext cx="1314450" cy="714375"/>
           </a:xfrm>
           <a:prstGeom prst="rect">
             <a:avLst/>
@@ -16164,172 +17366,7 @@
     </p:spTree>
     <p:extLst>
       <p:ext uri="{BB962C8B-B14F-4D97-AF65-F5344CB8AC3E}">
-        <p14:creationId xmlns:p14="http://schemas.microsoft.com/office/powerpoint/2010/main" val="282162397"/>
-      </p:ext>
-    </p:extLst>
-  </p:cSld>
-  <p:clrMapOvr>
-    <a:masterClrMapping/>
-  </p:clrMapOvr>
-  <p:timing>
-    <p:tnLst>
-      <p:par>
-        <p:cTn id="1" dur="indefinite" restart="never" nodeType="tmRoot"/>
-      </p:par>
-    </p:tnLst>
-  </p:timing>
-</p:sld>
-</file>
-
-<file path=ppt/slides/slide9.xml><?xml version="1.0" encoding="utf-8"?>
-<p:sld xmlns:a="http://schemas.openxmlformats.org/drawingml/2006/main" xmlns:r="http://schemas.openxmlformats.org/officeDocument/2006/relationships" xmlns:p="http://schemas.openxmlformats.org/presentationml/2006/main">
-  <p:cSld>
-    <p:spTree>
-      <p:nvGrpSpPr>
-        <p:cNvPr id="1" name=""/>
-        <p:cNvGrpSpPr/>
-        <p:nvPr/>
-      </p:nvGrpSpPr>
-      <p:grpSpPr>
-        <a:xfrm>
-          <a:off x="0" y="0"/>
-          <a:ext cx="0" cy="0"/>
-          <a:chOff x="0" y="0"/>
-          <a:chExt cx="0" cy="0"/>
-        </a:xfrm>
-      </p:grpSpPr>
-      <p:sp>
-        <p:nvSpPr>
-          <p:cNvPr id="2" name="Title 1"/>
-          <p:cNvSpPr>
-            <a:spLocks noGrp="1"/>
-          </p:cNvSpPr>
-          <p:nvPr>
-            <p:ph type="title"/>
-          </p:nvPr>
-        </p:nvSpPr>
-        <p:spPr/>
-        <p:txBody>
-          <a:bodyPr/>
-          <a:lstStyle/>
-          <a:p>
-            <a:r>
-              <a:rPr lang="en-US" dirty="0" smtClean="0"/>
-              <a:t>literature</a:t>
-            </a:r>
-            <a:endParaRPr lang="en-US" dirty="0"/>
-          </a:p>
-        </p:txBody>
-      </p:sp>
-      <p:sp>
-        <p:nvSpPr>
-          <p:cNvPr id="3" name="Content Placeholder 2"/>
-          <p:cNvSpPr>
-            <a:spLocks noGrp="1"/>
-          </p:cNvSpPr>
-          <p:nvPr>
-            <p:ph idx="1"/>
-          </p:nvPr>
-        </p:nvSpPr>
-        <p:spPr/>
-        <p:txBody>
-          <a:bodyPr/>
-          <a:lstStyle/>
-          <a:p>
-            <a:pPr>
-              <a:buFont typeface="Wingdings" panose="05000000000000000000" pitchFamily="2" charset="2"/>
-              <a:buChar char="q"/>
-            </a:pPr>
-            <a:r>
-              <a:rPr lang="en-US" dirty="0" smtClean="0"/>
-              <a:t> an example of software based compensation method (revised repetitive controller RRC)</a:t>
-            </a:r>
-          </a:p>
-          <a:p>
-            <a:pPr>
-              <a:buFont typeface="Wingdings" panose="05000000000000000000" pitchFamily="2" charset="2"/>
-              <a:buChar char="q"/>
-            </a:pPr>
-            <a:endParaRPr lang="en-US" dirty="0"/>
-          </a:p>
-        </p:txBody>
-      </p:sp>
-      <p:pic>
-        <p:nvPicPr>
-          <p:cNvPr id="4" name="Picture 3"/>
-          <p:cNvPicPr>
-            <a:picLocks noChangeAspect="1"/>
-          </p:cNvPicPr>
-          <p:nvPr/>
-        </p:nvPicPr>
-        <p:blipFill>
-          <a:blip r:embed="rId3"/>
-          <a:stretch>
-            <a:fillRect/>
-          </a:stretch>
-        </p:blipFill>
-        <p:spPr>
-          <a:xfrm>
-            <a:off x="101600" y="2453100"/>
-            <a:ext cx="5008880" cy="3415994"/>
-          </a:xfrm>
-          <a:prstGeom prst="rect">
-            <a:avLst/>
-          </a:prstGeom>
-        </p:spPr>
-      </p:pic>
-      <p:pic>
-        <p:nvPicPr>
-          <p:cNvPr id="5" name="Picture 4"/>
-          <p:cNvPicPr>
-            <a:picLocks noChangeAspect="1"/>
-          </p:cNvPicPr>
-          <p:nvPr/>
-        </p:nvPicPr>
-        <p:blipFill>
-          <a:blip r:embed="rId4"/>
-          <a:stretch>
-            <a:fillRect/>
-          </a:stretch>
-        </p:blipFill>
-        <p:spPr>
-          <a:xfrm>
-            <a:off x="4996180" y="2702031"/>
-            <a:ext cx="3515517" cy="3167063"/>
-          </a:xfrm>
-          <a:prstGeom prst="rect">
-            <a:avLst/>
-          </a:prstGeom>
-        </p:spPr>
-      </p:pic>
-      <p:pic>
-        <p:nvPicPr>
-          <p:cNvPr id="6" name="Picture 5"/>
-          <p:cNvPicPr>
-            <a:picLocks noChangeAspect="1"/>
-          </p:cNvPicPr>
-          <p:nvPr/>
-        </p:nvPicPr>
-        <p:blipFill>
-          <a:blip r:embed="rId5"/>
-          <a:stretch>
-            <a:fillRect/>
-          </a:stretch>
-        </p:blipFill>
-        <p:spPr>
-          <a:xfrm>
-            <a:off x="8420590" y="2778231"/>
-            <a:ext cx="3857769" cy="3090863"/>
-          </a:xfrm>
-          <a:prstGeom prst="rect">
-            <a:avLst/>
-          </a:prstGeom>
-        </p:spPr>
-      </p:pic>
-    </p:spTree>
-    <p:extLst>
-      <p:ext uri="{BB962C8B-B14F-4D97-AF65-F5344CB8AC3E}">
-        <p14:creationId xmlns:p14="http://schemas.microsoft.com/office/powerpoint/2010/main" val="1233765601"/>
+        <p14:creationId xmlns:p14="http://schemas.microsoft.com/office/powerpoint/2010/main" xmlns="" val="270053531"/>
       </p:ext>
     </p:extLst>
   </p:cSld>
@@ -16623,7 +17660,7 @@
   <a:extraClrSchemeLst/>
   <a:extLst>
     <a:ext uri="{05A4C25C-085E-4340-85A3-A5531E510DB2}">
-      <thm15:themeFamily xmlns:thm15="http://schemas.microsoft.com/office/thememl/2012/main" name="Retrospect" id="{5F128B03-DCCA-4EEB-AB3B-CF2899314A46}" vid="{3F1AAB62-24C6-49D2-8E01-B56FAC9A3DCD}"/>
+      <thm15:themeFamily xmlns:thm15="http://schemas.microsoft.com/office/thememl/2012/main" xmlns="" name="Retrospect" id="{5F128B03-DCCA-4EEB-AB3B-CF2899314A46}" vid="{3F1AAB62-24C6-49D2-8E01-B56FAC9A3DCD}"/>
     </a:ext>
   </a:extLst>
 </a:theme>
@@ -16884,7 +17921,7 @@
   <a:extraClrSchemeLst/>
   <a:extLst>
     <a:ext uri="{05A4C25C-085E-4340-85A3-A5531E510DB2}">
-      <thm15:themeFamily xmlns:thm15="http://schemas.microsoft.com/office/thememl/2012/main" name="Office Theme" id="{62F939B6-93AF-4DB8-9C6B-D6C7DFDC589F}" vid="{4A3C46E8-61CC-4603-A589-7422A47A8E4A}"/>
+      <thm15:themeFamily xmlns:thm15="http://schemas.microsoft.com/office/thememl/2012/main" xmlns="" name="Office Theme" id="{62F939B6-93AF-4DB8-9C6B-D6C7DFDC589F}" vid="{4A3C46E8-61CC-4603-A589-7422A47A8E4A}"/>
     </a:ext>
   </a:extLst>
 </a:theme>
